--- a/ml traing sean_detail.pptx
+++ b/ml traing sean_detail.pptx
@@ -5,7 +5,7 @@
     <p:sldMasterId id="2147483660" r:id="rId1"/>
   </p:sldMasterIdLst>
   <p:notesMasterIdLst>
-    <p:notesMasterId r:id="rId19"/>
+    <p:notesMasterId r:id="rId28"/>
   </p:notesMasterIdLst>
   <p:sldIdLst>
     <p:sldId id="256" r:id="rId2"/>
@@ -15,16 +15,25 @@
     <p:sldId id="259" r:id="rId6"/>
     <p:sldId id="261" r:id="rId7"/>
     <p:sldId id="269" r:id="rId8"/>
-    <p:sldId id="270" r:id="rId9"/>
-    <p:sldId id="271" r:id="rId10"/>
-    <p:sldId id="272" r:id="rId11"/>
-    <p:sldId id="262" r:id="rId12"/>
-    <p:sldId id="268" r:id="rId13"/>
-    <p:sldId id="263" r:id="rId14"/>
-    <p:sldId id="264" r:id="rId15"/>
-    <p:sldId id="265" r:id="rId16"/>
-    <p:sldId id="266" r:id="rId17"/>
-    <p:sldId id="267" r:id="rId18"/>
+    <p:sldId id="273" r:id="rId9"/>
+    <p:sldId id="270" r:id="rId10"/>
+    <p:sldId id="271" r:id="rId11"/>
+    <p:sldId id="272" r:id="rId12"/>
+    <p:sldId id="274" r:id="rId13"/>
+    <p:sldId id="275" r:id="rId14"/>
+    <p:sldId id="276" r:id="rId15"/>
+    <p:sldId id="277" r:id="rId16"/>
+    <p:sldId id="278" r:id="rId17"/>
+    <p:sldId id="279" r:id="rId18"/>
+    <p:sldId id="280" r:id="rId19"/>
+    <p:sldId id="281" r:id="rId20"/>
+    <p:sldId id="262" r:id="rId21"/>
+    <p:sldId id="268" r:id="rId22"/>
+    <p:sldId id="263" r:id="rId23"/>
+    <p:sldId id="264" r:id="rId24"/>
+    <p:sldId id="265" r:id="rId25"/>
+    <p:sldId id="266" r:id="rId26"/>
+    <p:sldId id="267" r:id="rId27"/>
   </p:sldIdLst>
   <p:sldSz cx="9144000" cy="6858000" type="screen4x3"/>
   <p:notesSz cx="6858000" cy="9144000"/>
@@ -5787,7 +5796,7 @@
           <a:p>
             <a:fld id="{BCEC23BA-C284-A64D-90DA-4E530BAE7B0A}" type="slidenum">
               <a:rPr kumimoji="1" lang="zh-CN" altLang="en-US" smtClean="0"/>
-              <a:t>9</a:t>
+              <a:t>10</a:t>
             </a:fld>
             <a:endParaRPr kumimoji="1" lang="zh-CN" altLang="en-US"/>
           </a:p>
@@ -5871,7 +5880,91 @@
           <a:p>
             <a:fld id="{BCEC23BA-C284-A64D-90DA-4E530BAE7B0A}" type="slidenum">
               <a:rPr kumimoji="1" lang="zh-CN" altLang="en-US" smtClean="0"/>
-              <a:t>16</a:t>
+              <a:t>14</a:t>
+            </a:fld>
+            <a:endParaRPr kumimoji="1" lang="zh-CN" altLang="en-US"/>
+          </a:p>
+        </p:txBody>
+      </p:sp>
+    </p:spTree>
+    <p:extLst>
+      <p:ext uri="{BB962C8B-B14F-4D97-AF65-F5344CB8AC3E}">
+        <p14:creationId xmlns:p14="http://schemas.microsoft.com/office/powerpoint/2010/main" val="1223292002"/>
+      </p:ext>
+    </p:extLst>
+  </p:cSld>
+  <p:clrMapOvr>
+    <a:masterClrMapping/>
+  </p:clrMapOvr>
+</p:notes>
+</file>
+
+<file path=ppt/notesSlides/notesSlide3.xml><?xml version="1.0" encoding="utf-8"?>
+<p:notes xmlns:a="http://schemas.openxmlformats.org/drawingml/2006/main" xmlns:r="http://schemas.openxmlformats.org/officeDocument/2006/relationships" xmlns:p="http://schemas.openxmlformats.org/presentationml/2006/main">
+  <p:cSld>
+    <p:spTree>
+      <p:nvGrpSpPr>
+        <p:cNvPr id="1" name=""/>
+        <p:cNvGrpSpPr/>
+        <p:nvPr/>
+      </p:nvGrpSpPr>
+      <p:grpSpPr>
+        <a:xfrm>
+          <a:off x="0" y="0"/>
+          <a:ext cx="0" cy="0"/>
+          <a:chOff x="0" y="0"/>
+          <a:chExt cx="0" cy="0"/>
+        </a:xfrm>
+      </p:grpSpPr>
+      <p:sp>
+        <p:nvSpPr>
+          <p:cNvPr id="2" name="幻灯片图像占位符 1"/>
+          <p:cNvSpPr>
+            <a:spLocks noGrp="1" noRot="1" noChangeAspect="1"/>
+          </p:cNvSpPr>
+          <p:nvPr>
+            <p:ph type="sldImg"/>
+          </p:nvPr>
+        </p:nvSpPr>
+        <p:spPr/>
+      </p:sp>
+      <p:sp>
+        <p:nvSpPr>
+          <p:cNvPr id="3" name="备注占位符 2"/>
+          <p:cNvSpPr>
+            <a:spLocks noGrp="1"/>
+          </p:cNvSpPr>
+          <p:nvPr>
+            <p:ph type="body" idx="1"/>
+          </p:nvPr>
+        </p:nvSpPr>
+        <p:spPr/>
+        <p:txBody>
+          <a:bodyPr/>
+          <a:lstStyle/>
+          <a:p>
+            <a:endParaRPr kumimoji="1" lang="zh-CN" altLang="en-US" dirty="0"/>
+          </a:p>
+        </p:txBody>
+      </p:sp>
+      <p:sp>
+        <p:nvSpPr>
+          <p:cNvPr id="4" name="幻灯片编号占位符 3"/>
+          <p:cNvSpPr>
+            <a:spLocks noGrp="1"/>
+          </p:cNvSpPr>
+          <p:nvPr>
+            <p:ph type="sldNum" sz="quarter" idx="10"/>
+          </p:nvPr>
+        </p:nvSpPr>
+        <p:spPr/>
+        <p:txBody>
+          <a:bodyPr/>
+          <a:lstStyle/>
+          <a:p>
+            <a:fld id="{BCEC23BA-C284-A64D-90DA-4E530BAE7B0A}" type="slidenum">
+              <a:rPr kumimoji="1" lang="zh-CN" altLang="en-US" smtClean="0"/>
+              <a:t>25</a:t>
             </a:fld>
             <a:endParaRPr kumimoji="1" lang="zh-CN" altLang="en-US"/>
           </a:p>
@@ -11429,53 +11522,34 @@
           </a:p>
         </p:txBody>
       </p:sp>
-      <p:sp>
-        <p:nvSpPr>
-          <p:cNvPr id="3" name="内容占位符 2"/>
-          <p:cNvSpPr>
-            <a:spLocks noGrp="1"/>
-          </p:cNvSpPr>
+      <p:pic>
+        <p:nvPicPr>
+          <p:cNvPr id="7" name="内容占位符 6"/>
+          <p:cNvPicPr>
+            <a:picLocks noGrp="1" noChangeAspect="1"/>
+          </p:cNvPicPr>
           <p:nvPr>
             <p:ph idx="1"/>
           </p:nvPr>
-        </p:nvSpPr>
-        <p:spPr/>
-        <p:txBody>
-          <a:bodyPr/>
-          <a:lstStyle/>
-          <a:p>
-            <a:r>
-              <a:rPr kumimoji="1" lang="en-US" altLang="zh-CN" dirty="0" smtClean="0"/>
-              <a:t>Code example</a:t>
-            </a:r>
-          </a:p>
-          <a:p>
-            <a:r>
-              <a:rPr kumimoji="1" lang="en-US" altLang="zh-CN" dirty="0" smtClean="0"/>
-              <a:t>Use </a:t>
-            </a:r>
-            <a:r>
-              <a:rPr kumimoji="1" lang="en-US" altLang="zh-CN" dirty="0" err="1" smtClean="0"/>
-              <a:t>knn</a:t>
-            </a:r>
-            <a:r>
-              <a:rPr kumimoji="1" lang="en-US" altLang="zh-CN" dirty="0" smtClean="0"/>
-              <a:t> to determine number with </a:t>
-            </a:r>
-            <a:r>
-              <a:rPr kumimoji="1" lang="en-US" altLang="zh-CN" smtClean="0"/>
-              <a:t>hand writing</a:t>
-            </a:r>
-          </a:p>
-          <a:p>
-            <a:endParaRPr kumimoji="1" lang="zh-CN" altLang="en-US"/>
-          </a:p>
-        </p:txBody>
-      </p:sp>
+        </p:nvPicPr>
+        <p:blipFill>
+          <a:blip r:embed="rId3"/>
+          <a:srcRect t="20751" b="20751"/>
+          <a:stretch>
+            <a:fillRect/>
+          </a:stretch>
+        </p:blipFill>
+        <p:spPr>
+          <a:xfrm>
+            <a:off x="1632903" y="2410014"/>
+            <a:ext cx="5712777" cy="3018714"/>
+          </a:xfrm>
+        </p:spPr>
+      </p:pic>
     </p:spTree>
     <p:extLst>
       <p:ext uri="{BB962C8B-B14F-4D97-AF65-F5344CB8AC3E}">
-        <p14:creationId xmlns:p14="http://schemas.microsoft.com/office/powerpoint/2010/main" val="3217560211"/>
+        <p14:creationId xmlns:p14="http://schemas.microsoft.com/office/powerpoint/2010/main" val="3850614537"/>
       </p:ext>
     </p:extLst>
   </p:cSld>
@@ -11519,19 +11593,7 @@
           <a:p>
             <a:r>
               <a:rPr kumimoji="1" lang="en-US" altLang="zh-CN" dirty="0" smtClean="0"/>
-              <a:t>W</a:t>
-            </a:r>
-            <a:r>
-              <a:rPr kumimoji="1" lang="zh-TW" altLang="zh-CN" dirty="0" smtClean="0"/>
-              <a:t>4</a:t>
-            </a:r>
-            <a:r>
-              <a:rPr kumimoji="1" lang="en-US" altLang="zh-CN" dirty="0" smtClean="0"/>
-              <a:t> Item:</a:t>
-            </a:r>
-            <a:r>
-              <a:rPr kumimoji="1" lang="zh-TW" altLang="en-US" dirty="0" smtClean="0"/>
-              <a:t>數學算法</a:t>
+              <a:t>KNN</a:t>
             </a:r>
             <a:endParaRPr kumimoji="1" lang="zh-CN" altLang="en-US" dirty="0"/>
           </a:p>
@@ -11552,50 +11614,96 @@
           <a:bodyPr/>
           <a:lstStyle/>
           <a:p>
-            <a:endParaRPr kumimoji="1" lang="en-US" altLang="zh-TW" dirty="0" smtClean="0"/>
-          </a:p>
-          <a:p>
-            <a:r>
-              <a:rPr kumimoji="1" lang="en-US" altLang="zh-TW" dirty="0" err="1" smtClean="0"/>
-              <a:t>Svm</a:t>
-            </a:r>
-            <a:r>
-              <a:rPr kumimoji="1" lang="zh-TW" altLang="en-US" dirty="0" smtClean="0"/>
-              <a:t>算法</a:t>
-            </a:r>
-            <a:endParaRPr kumimoji="1" lang="en-US" altLang="zh-TW" dirty="0" smtClean="0"/>
-          </a:p>
-          <a:p>
-            <a:r>
-              <a:rPr kumimoji="1" lang="en-US" altLang="zh-TW" dirty="0" err="1" smtClean="0"/>
-              <a:t>Svm</a:t>
-            </a:r>
-            <a:r>
-              <a:rPr kumimoji="1" lang="zh-TW" altLang="en-US" dirty="0" smtClean="0"/>
-              <a:t>分類</a:t>
-            </a:r>
-            <a:r>
-              <a:rPr kumimoji="1" lang="en-US" altLang="zh-TW" dirty="0" smtClean="0"/>
-              <a:t> demo </a:t>
-            </a:r>
-            <a:r>
-              <a:rPr kumimoji="1" lang="zh-TW" altLang="en-US" dirty="0" smtClean="0"/>
-              <a:t>代碼實現</a:t>
-            </a:r>
-            <a:endParaRPr kumimoji="1" lang="en-US" altLang="zh-TW" dirty="0" smtClean="0"/>
-          </a:p>
-          <a:p>
-            <a:pPr marL="0" indent="0">
-              <a:buNone/>
-            </a:pPr>
-            <a:endParaRPr kumimoji="1" lang="en-US" altLang="zh-TW" dirty="0" smtClean="0"/>
+            <a:r>
+              <a:rPr kumimoji="1" lang="en-US" altLang="zh-CN" dirty="0" smtClean="0"/>
+              <a:t>Code example</a:t>
+            </a:r>
+          </a:p>
+          <a:p>
+            <a:r>
+              <a:rPr kumimoji="1" lang="en-US" altLang="zh-CN" dirty="0" smtClean="0"/>
+              <a:t>Use </a:t>
+            </a:r>
+            <a:r>
+              <a:rPr kumimoji="1" lang="en-US" altLang="zh-CN" dirty="0" err="1" smtClean="0"/>
+              <a:t>knn</a:t>
+            </a:r>
+            <a:r>
+              <a:rPr kumimoji="1" lang="en-US" altLang="zh-CN" dirty="0" smtClean="0"/>
+              <a:t> to determine number with hand </a:t>
+            </a:r>
+            <a:r>
+              <a:rPr kumimoji="1" lang="en-US" altLang="zh-CN" dirty="0" smtClean="0"/>
+              <a:t>writing?</a:t>
+            </a:r>
+          </a:p>
+          <a:p>
+            <a:r>
+              <a:rPr kumimoji="1" lang="en-US" altLang="zh-CN" dirty="0" err="1" smtClean="0"/>
+              <a:t>SKLearn</a:t>
+            </a:r>
+            <a:r>
+              <a:rPr kumimoji="1" lang="en-US" altLang="zh-CN" dirty="0" smtClean="0"/>
+              <a:t> lib use  to determine number with hand writing?</a:t>
+            </a:r>
+          </a:p>
+          <a:p>
+            <a:r>
+              <a:rPr lang="zh-CN" altLang="en-US" dirty="0"/>
+              <a:t>使用</a:t>
+            </a:r>
+            <a:r>
+              <a:rPr lang="en-US" altLang="zh-CN" dirty="0"/>
+              <a:t>K</a:t>
+            </a:r>
+            <a:r>
+              <a:rPr lang="zh-CN" altLang="en-US" dirty="0"/>
+              <a:t>折交叉验证寻找最优的</a:t>
+            </a:r>
+            <a:r>
+              <a:rPr lang="en-US" altLang="zh-CN" dirty="0"/>
+              <a:t>K </a:t>
+            </a:r>
+            <a:r>
+              <a:rPr lang="en-US" altLang="zh-CN" dirty="0" smtClean="0"/>
+              <a:t>?</a:t>
+            </a:r>
+          </a:p>
+          <a:p>
+            <a:r>
+              <a:rPr lang="zh-CN" altLang="en-US" dirty="0" smtClean="0"/>
+              <a:t>使用</a:t>
+            </a:r>
+            <a:r>
+              <a:rPr lang="en-US" altLang="zh-CN" dirty="0"/>
+              <a:t>KNN</a:t>
+            </a:r>
+            <a:r>
+              <a:rPr lang="zh-CN" altLang="en-US" dirty="0"/>
+              <a:t>解决房价预测</a:t>
+            </a:r>
+            <a:r>
+              <a:rPr lang="zh-CN" altLang="en-US" dirty="0" smtClean="0"/>
+              <a:t>的回归问题</a:t>
+            </a:r>
+            <a:r>
+              <a:rPr lang="en-US" altLang="zh-CN" dirty="0" smtClean="0"/>
+              <a:t>?</a:t>
+            </a:r>
+            <a:endParaRPr kumimoji="1" lang="en-US" altLang="zh-CN" dirty="0" smtClean="0"/>
+          </a:p>
+          <a:p>
+            <a:endParaRPr kumimoji="1" lang="en-US" altLang="zh-CN" dirty="0" smtClean="0"/>
+          </a:p>
+          <a:p>
+            <a:endParaRPr kumimoji="1" lang="zh-CN" altLang="en-US" dirty="0"/>
           </a:p>
         </p:txBody>
       </p:sp>
     </p:spTree>
     <p:extLst>
       <p:ext uri="{BB962C8B-B14F-4D97-AF65-F5344CB8AC3E}">
-        <p14:creationId xmlns:p14="http://schemas.microsoft.com/office/powerpoint/2010/main" val="514264433"/>
+        <p14:creationId xmlns:p14="http://schemas.microsoft.com/office/powerpoint/2010/main" val="3217560211"/>
       </p:ext>
     </p:extLst>
   </p:cSld>
@@ -11638,16 +11746,8 @@
           <a:lstStyle/>
           <a:p>
             <a:r>
-              <a:rPr kumimoji="1" lang="zh-TW" altLang="en-US" dirty="0" smtClean="0"/>
-              <a:t>W</a:t>
-            </a:r>
-            <a:r>
-              <a:rPr kumimoji="1" lang="en-US" altLang="zh-TW" dirty="0" smtClean="0"/>
-              <a:t>? : </a:t>
-            </a:r>
-            <a:r>
-              <a:rPr kumimoji="1" lang="zh-TW" altLang="en-US" dirty="0" smtClean="0"/>
-              <a:t>語言資料基礎分析</a:t>
+              <a:rPr kumimoji="1" lang="en-US" altLang="zh-CN" dirty="0" smtClean="0"/>
+              <a:t>Tree </a:t>
             </a:r>
             <a:endParaRPr kumimoji="1" lang="zh-CN" altLang="en-US" dirty="0"/>
           </a:p>
@@ -11669,24 +11769,103 @@
           <a:lstStyle/>
           <a:p>
             <a:r>
-              <a:rPr kumimoji="1" lang="zh-TW" altLang="en-US" dirty="0" smtClean="0"/>
-              <a:t>後續看完基礎數學算法後決定</a:t>
-            </a:r>
-            <a:endParaRPr kumimoji="1" lang="en-US" altLang="zh-TW" dirty="0" smtClean="0"/>
-          </a:p>
-          <a:p>
-            <a:r>
-              <a:rPr kumimoji="1" lang="zh-TW" altLang="en-US" dirty="0" smtClean="0"/>
-              <a:t>預定最多佔兩週</a:t>
+              <a:rPr lang="zh-CN" altLang="en-US" dirty="0"/>
+              <a:t>决策树基于“树”结构进行决策的，这时我们就要面临两个问题 ：</a:t>
+            </a:r>
+          </a:p>
+          <a:p>
+            <a:r>
+              <a:rPr lang="zh-CN" altLang="en-US" dirty="0"/>
+              <a:t>“树”怎么长。</a:t>
+            </a:r>
+          </a:p>
+          <a:p>
+            <a:r>
+              <a:rPr lang="zh-CN" altLang="en-US" dirty="0"/>
+              <a:t>这颗“树”长到什么时候停</a:t>
+            </a:r>
+            <a:r>
+              <a:rPr lang="zh-CN" altLang="en-US" dirty="0" smtClean="0"/>
+              <a:t>。</a:t>
+            </a:r>
+            <a:endParaRPr lang="en-US" altLang="zh-CN" dirty="0" smtClean="0"/>
+          </a:p>
+          <a:p>
+            <a:r>
+              <a:rPr lang="zh-CN" altLang="en-US" b="1" dirty="0" smtClean="0"/>
+              <a:t>信息熵</a:t>
+            </a:r>
+            <a:r>
+              <a:rPr lang="en-US" altLang="zh-CN" b="1" dirty="0" smtClean="0"/>
+              <a:t>:</a:t>
+            </a:r>
+            <a:endParaRPr lang="zh-CN" altLang="en-US" dirty="0"/>
+          </a:p>
+          <a:p>
+            <a:r>
+              <a:rPr lang="en-US" altLang="zh-CN" dirty="0" err="1"/>
+              <a:t>Pk</a:t>
+            </a:r>
+            <a:r>
+              <a:rPr lang="zh-CN" altLang="en-US" dirty="0"/>
+              <a:t>表示的是：当前样本集合</a:t>
+            </a:r>
+            <a:r>
+              <a:rPr lang="en-US" altLang="zh-CN" dirty="0"/>
+              <a:t>D</a:t>
+            </a:r>
+            <a:r>
+              <a:rPr lang="zh-CN" altLang="en-US" dirty="0"/>
+              <a:t>中第</a:t>
+            </a:r>
+            <a:r>
+              <a:rPr lang="en-US" altLang="zh-CN" dirty="0"/>
+              <a:t>k</a:t>
+            </a:r>
+            <a:r>
+              <a:rPr lang="zh-CN" altLang="en-US" dirty="0"/>
+              <a:t>类样本所占的比例为</a:t>
+            </a:r>
+            <a:r>
+              <a:rPr lang="en-US" altLang="zh-CN" dirty="0" err="1"/>
+              <a:t>Pk</a:t>
+            </a:r>
+            <a:r>
+              <a:rPr lang="zh-CN" altLang="en-US" dirty="0"/>
+              <a:t>。</a:t>
             </a:r>
             <a:endParaRPr kumimoji="1" lang="zh-CN" altLang="en-US" dirty="0"/>
           </a:p>
         </p:txBody>
       </p:sp>
+      <p:pic>
+        <p:nvPicPr>
+          <p:cNvPr id="4" name="图片 3"/>
+          <p:cNvPicPr>
+            <a:picLocks noChangeAspect="1"/>
+          </p:cNvPicPr>
+          <p:nvPr/>
+        </p:nvPicPr>
+        <p:blipFill>
+          <a:blip r:embed="rId2"/>
+          <a:stretch>
+            <a:fillRect/>
+          </a:stretch>
+        </p:blipFill>
+        <p:spPr>
+          <a:xfrm>
+            <a:off x="2516038" y="3984490"/>
+            <a:ext cx="2476500" cy="711200"/>
+          </a:xfrm>
+          <a:prstGeom prst="rect">
+            <a:avLst/>
+          </a:prstGeom>
+        </p:spPr>
+      </p:pic>
     </p:spTree>
     <p:extLst>
       <p:ext uri="{BB962C8B-B14F-4D97-AF65-F5344CB8AC3E}">
-        <p14:creationId xmlns:p14="http://schemas.microsoft.com/office/powerpoint/2010/main" val="1663076574"/>
+        <p14:creationId xmlns:p14="http://schemas.microsoft.com/office/powerpoint/2010/main" val="3491920956"/>
       </p:ext>
     </p:extLst>
   </p:cSld>
@@ -11725,32 +11904,14 @@
         </p:nvSpPr>
         <p:spPr/>
         <p:txBody>
-          <a:bodyPr/>
+          <a:bodyPr>
+            <a:normAutofit/>
+          </a:bodyPr>
           <a:lstStyle/>
           <a:p>
             <a:r>
-              <a:rPr kumimoji="1" lang="zh-TW" altLang="en-US" dirty="0" smtClean="0"/>
-              <a:t>W</a:t>
-            </a:r>
-            <a:r>
-              <a:rPr kumimoji="1" lang="zh-TW" altLang="zh-TW" dirty="0" smtClean="0"/>
-              <a:t>5</a:t>
-            </a:r>
-            <a:r>
-              <a:rPr kumimoji="1" lang="en-US" altLang="zh-TW" dirty="0" smtClean="0"/>
-              <a:t>:</a:t>
-            </a:r>
-            <a:r>
-              <a:rPr kumimoji="1" lang="zh-TW" altLang="en-US" dirty="0" smtClean="0"/>
-              <a:t>深度學習模型</a:t>
-            </a:r>
-            <a:r>
-              <a:rPr kumimoji="1" lang="en-US" altLang="zh-TW" dirty="0" smtClean="0"/>
-              <a:t>-</a:t>
-            </a:r>
-            <a:r>
-              <a:rPr kumimoji="1" lang="zh-TW" altLang="en-US" dirty="0" smtClean="0"/>
-              <a:t>基礎模型</a:t>
+              <a:rPr kumimoji="1" lang="en-US" altLang="zh-CN" dirty="0" smtClean="0"/>
+              <a:t>Tree</a:t>
             </a:r>
             <a:endParaRPr kumimoji="1" lang="zh-CN" altLang="en-US" dirty="0"/>
           </a:p>
@@ -11772,53 +11933,40 @@
           <a:lstStyle/>
           <a:p>
             <a:r>
-              <a:rPr kumimoji="1" lang="zh-TW" altLang="en-US" dirty="0" smtClean="0"/>
-              <a:t>D</a:t>
-            </a:r>
-            <a:r>
-              <a:rPr kumimoji="1" lang="en-US" altLang="zh-TW" dirty="0" smtClean="0"/>
-              <a:t>MN model</a:t>
-            </a:r>
-          </a:p>
-          <a:p>
-            <a:r>
-              <a:rPr kumimoji="1" lang="en-US" altLang="zh-TW" dirty="0" smtClean="0"/>
-              <a:t>CNN </a:t>
-            </a:r>
-            <a:r>
-              <a:rPr kumimoji="1" lang="en-US" altLang="zh-TW" dirty="0"/>
-              <a:t>model</a:t>
-            </a:r>
-            <a:endParaRPr kumimoji="1" lang="en-US" altLang="zh-TW" dirty="0" smtClean="0"/>
-          </a:p>
-          <a:p>
-            <a:r>
-              <a:rPr kumimoji="1" lang="en-US" altLang="zh-TW" dirty="0" smtClean="0"/>
-              <a:t>R</a:t>
-            </a:r>
-            <a:r>
-              <a:rPr kumimoji="1" lang="zh-TW" altLang="en-US" dirty="0" smtClean="0"/>
-              <a:t>N</a:t>
-            </a:r>
-            <a:r>
-              <a:rPr kumimoji="1" lang="en-US" altLang="zh-TW" dirty="0" smtClean="0"/>
-              <a:t>N </a:t>
-            </a:r>
-            <a:r>
-              <a:rPr kumimoji="1" lang="en-US" altLang="zh-TW" dirty="0"/>
-              <a:t>model</a:t>
-            </a:r>
-            <a:endParaRPr kumimoji="1" lang="en-US" altLang="zh-TW" dirty="0" smtClean="0"/>
-          </a:p>
-          <a:p>
-            <a:endParaRPr kumimoji="1" lang="zh-CN" altLang="en-US" dirty="0"/>
+              <a:rPr kumimoji="1" lang="zh-CN" altLang="en-US" dirty="0"/>
+              <a:t>信息增益</a:t>
+            </a:r>
           </a:p>
         </p:txBody>
       </p:sp>
+      <p:pic>
+        <p:nvPicPr>
+          <p:cNvPr id="4" name="图片 3"/>
+          <p:cNvPicPr>
+            <a:picLocks noChangeAspect="1"/>
+          </p:cNvPicPr>
+          <p:nvPr/>
+        </p:nvPicPr>
+        <p:blipFill>
+          <a:blip r:embed="rId2"/>
+          <a:stretch>
+            <a:fillRect/>
+          </a:stretch>
+        </p:blipFill>
+        <p:spPr>
+          <a:xfrm>
+            <a:off x="1034783" y="2471053"/>
+            <a:ext cx="7092992" cy="3591819"/>
+          </a:xfrm>
+          <a:prstGeom prst="rect">
+            <a:avLst/>
+          </a:prstGeom>
+        </p:spPr>
+      </p:pic>
     </p:spTree>
     <p:extLst>
       <p:ext uri="{BB962C8B-B14F-4D97-AF65-F5344CB8AC3E}">
-        <p14:creationId xmlns:p14="http://schemas.microsoft.com/office/powerpoint/2010/main" val="1976090492"/>
+        <p14:creationId xmlns:p14="http://schemas.microsoft.com/office/powerpoint/2010/main" val="3032668597"/>
       </p:ext>
     </p:extLst>
   </p:cSld>
@@ -11857,32 +12005,14 @@
         </p:nvSpPr>
         <p:spPr/>
         <p:txBody>
-          <a:bodyPr/>
+          <a:bodyPr>
+            <a:normAutofit/>
+          </a:bodyPr>
           <a:lstStyle/>
           <a:p>
             <a:r>
-              <a:rPr kumimoji="1" lang="zh-TW" altLang="en-US" dirty="0" smtClean="0"/>
-              <a:t>W</a:t>
-            </a:r>
-            <a:r>
-              <a:rPr kumimoji="1" lang="zh-TW" altLang="zh-TW" dirty="0"/>
-              <a:t>6</a:t>
-            </a:r>
-            <a:r>
-              <a:rPr kumimoji="1" lang="en-US" altLang="zh-TW" dirty="0" smtClean="0"/>
-              <a:t>:</a:t>
-            </a:r>
-            <a:r>
-              <a:rPr kumimoji="1" lang="zh-TW" altLang="en-US" dirty="0" smtClean="0"/>
-              <a:t>深度學習模型</a:t>
-            </a:r>
-            <a:r>
-              <a:rPr kumimoji="1" lang="en-US" altLang="zh-TW" dirty="0" smtClean="0"/>
-              <a:t>-</a:t>
-            </a:r>
-            <a:r>
-              <a:rPr kumimoji="1" lang="zh-TW" altLang="en-US" dirty="0" smtClean="0"/>
-              <a:t>應用文本</a:t>
+              <a:rPr kumimoji="1" lang="en-US" altLang="zh-CN" dirty="0" smtClean="0"/>
+              <a:t>Tree</a:t>
             </a:r>
             <a:endParaRPr kumimoji="1" lang="zh-CN" altLang="en-US" dirty="0"/>
           </a:p>
@@ -11904,48 +12034,48 @@
           <a:lstStyle/>
           <a:p>
             <a:r>
-              <a:rPr kumimoji="1" lang="zh-TW" altLang="zh-TW" dirty="0" smtClean="0"/>
-              <a:t>t</a:t>
-            </a:r>
-            <a:r>
-              <a:rPr kumimoji="1" lang="en-US" altLang="zh-TW" dirty="0" err="1" smtClean="0"/>
-              <a:t>extCNN</a:t>
-            </a:r>
-            <a:r>
-              <a:rPr kumimoji="1" lang="en-US" altLang="zh-TW" dirty="0" smtClean="0"/>
-              <a:t> </a:t>
-            </a:r>
-            <a:r>
-              <a:rPr kumimoji="1" lang="en-US" altLang="zh-TW" dirty="0"/>
-              <a:t>model</a:t>
-            </a:r>
-            <a:endParaRPr kumimoji="1" lang="en-US" altLang="zh-TW" dirty="0" smtClean="0"/>
-          </a:p>
-          <a:p>
-            <a:r>
-              <a:rPr kumimoji="1" lang="zh-TW" altLang="zh-TW" dirty="0" smtClean="0"/>
-              <a:t>t</a:t>
-            </a:r>
-            <a:r>
-              <a:rPr kumimoji="1" lang="en-US" altLang="zh-TW" dirty="0" err="1" smtClean="0"/>
-              <a:t>extRNN</a:t>
-            </a:r>
-            <a:r>
-              <a:rPr kumimoji="1" lang="en-US" altLang="zh-TW" dirty="0" smtClean="0"/>
-              <a:t> </a:t>
-            </a:r>
-            <a:r>
-              <a:rPr kumimoji="1" lang="en-US" altLang="zh-TW" dirty="0"/>
-              <a:t>model</a:t>
-            </a:r>
-            <a:endParaRPr kumimoji="1" lang="en-US" altLang="zh-TW" dirty="0" smtClean="0"/>
+              <a:rPr kumimoji="1" lang="en-US" altLang="zh-CN" dirty="0" smtClean="0"/>
+              <a:t>Example ID3</a:t>
+            </a:r>
+            <a:r>
+              <a:rPr kumimoji="1" lang="zh-TW" altLang="en-US" dirty="0" smtClean="0"/>
+              <a:t>算法</a:t>
+            </a:r>
+            <a:endParaRPr kumimoji="1" lang="en-US" altLang="zh-CN" dirty="0" smtClean="0"/>
+          </a:p>
+          <a:p>
+            <a:endParaRPr kumimoji="1" lang="zh-CN" altLang="en-US" dirty="0"/>
           </a:p>
         </p:txBody>
       </p:sp>
+      <p:pic>
+        <p:nvPicPr>
+          <p:cNvPr id="4" name="图片 3"/>
+          <p:cNvPicPr>
+            <a:picLocks noChangeAspect="1"/>
+          </p:cNvPicPr>
+          <p:nvPr/>
+        </p:nvPicPr>
+        <p:blipFill>
+          <a:blip r:embed="rId3"/>
+          <a:stretch>
+            <a:fillRect/>
+          </a:stretch>
+        </p:blipFill>
+        <p:spPr>
+          <a:xfrm>
+            <a:off x="920570" y="2606641"/>
+            <a:ext cx="7583488" cy="3732292"/>
+          </a:xfrm>
+          <a:prstGeom prst="rect">
+            <a:avLst/>
+          </a:prstGeom>
+        </p:spPr>
+      </p:pic>
     </p:spTree>
     <p:extLst>
       <p:ext uri="{BB962C8B-B14F-4D97-AF65-F5344CB8AC3E}">
-        <p14:creationId xmlns:p14="http://schemas.microsoft.com/office/powerpoint/2010/main" val="1670608775"/>
+        <p14:creationId xmlns:p14="http://schemas.microsoft.com/office/powerpoint/2010/main" val="1015318027"/>
       </p:ext>
     </p:extLst>
   </p:cSld>
@@ -11984,74 +12114,61 @@
         </p:nvSpPr>
         <p:spPr/>
         <p:txBody>
-          <a:bodyPr/>
+          <a:bodyPr>
+            <a:normAutofit/>
+          </a:bodyPr>
           <a:lstStyle/>
           <a:p>
             <a:r>
+              <a:rPr kumimoji="1" lang="en-US" altLang="zh-CN" dirty="0" smtClean="0"/>
+              <a:t>Tree </a:t>
+            </a:r>
+            <a:r>
+              <a:rPr kumimoji="1" lang="en-US" altLang="zh-CN" dirty="0"/>
+              <a:t>ID3</a:t>
+            </a:r>
+            <a:r>
               <a:rPr kumimoji="1" lang="zh-TW" altLang="en-US" dirty="0" smtClean="0"/>
-              <a:t>W</a:t>
-            </a:r>
-            <a:r>
-              <a:rPr kumimoji="1" lang="zh-TW" altLang="zh-TW" dirty="0" smtClean="0"/>
-              <a:t>7</a:t>
-            </a:r>
-            <a:r>
-              <a:rPr kumimoji="1" lang="en-US" altLang="zh-TW" dirty="0" smtClean="0"/>
-              <a:t>:</a:t>
-            </a:r>
-            <a:r>
-              <a:rPr kumimoji="1" lang="zh-TW" altLang="en-US" dirty="0" smtClean="0"/>
-              <a:t>模型</a:t>
-            </a:r>
-            <a:r>
-              <a:rPr kumimoji="1" lang="en-US" altLang="zh-TW" dirty="0" smtClean="0"/>
-              <a:t>DEMO </a:t>
+              <a:t>算法</a:t>
             </a:r>
             <a:endParaRPr kumimoji="1" lang="zh-CN" altLang="en-US" dirty="0"/>
           </a:p>
         </p:txBody>
       </p:sp>
-      <p:sp>
-        <p:nvSpPr>
-          <p:cNvPr id="3" name="内容占位符 2"/>
-          <p:cNvSpPr>
-            <a:spLocks noGrp="1"/>
-          </p:cNvSpPr>
+      <p:pic>
+        <p:nvPicPr>
+          <p:cNvPr id="8" name="内容占位符 7" descr="image61cdc.png"/>
+          <p:cNvPicPr>
+            <a:picLocks noGrp="1" noChangeAspect="1"/>
+          </p:cNvPicPr>
           <p:nvPr>
             <p:ph idx="1"/>
           </p:nvPr>
-        </p:nvSpPr>
-        <p:spPr/>
-        <p:txBody>
-          <a:bodyPr/>
-          <a:lstStyle/>
-          <a:p>
-            <a:r>
-              <a:rPr kumimoji="1" lang="zh-TW" altLang="en-US" dirty="0" smtClean="0"/>
-              <a:t>文本分類</a:t>
-            </a:r>
-            <a:r>
-              <a:rPr kumimoji="1" lang="en-US" altLang="zh-TW" dirty="0" smtClean="0"/>
-              <a:t>-</a:t>
-            </a:r>
-            <a:r>
-              <a:rPr kumimoji="1" lang="zh-TW" altLang="en-US" dirty="0" smtClean="0"/>
-              <a:t>意圖分類</a:t>
-            </a:r>
-            <a:r>
-              <a:rPr kumimoji="1" lang="en-US" altLang="zh-TW" dirty="0" smtClean="0"/>
-              <a:t>DEMO</a:t>
-            </a:r>
-          </a:p>
-          <a:p>
-            <a:endParaRPr kumimoji="1" lang="zh-CN" altLang="en-US" dirty="0"/>
-          </a:p>
-        </p:txBody>
-      </p:sp>
+        </p:nvPicPr>
+        <p:blipFill>
+          <a:blip r:embed="rId2">
+            <a:extLst>
+              <a:ext uri="{28A0092B-C50C-407E-A947-70E740481C1C}">
+                <a14:useLocalDpi xmlns:a14="http://schemas.microsoft.com/office/drawing/2010/main" val="0"/>
+              </a:ext>
+            </a:extLst>
+          </a:blip>
+          <a:srcRect l="-7335" r="-7335"/>
+          <a:stretch>
+            <a:fillRect/>
+          </a:stretch>
+        </p:blipFill>
+        <p:spPr>
+          <a:xfrm>
+            <a:off x="567803" y="1963738"/>
+            <a:ext cx="8047037" cy="4251325"/>
+          </a:xfrm>
+        </p:spPr>
+      </p:pic>
     </p:spTree>
     <p:extLst>
       <p:ext uri="{BB962C8B-B14F-4D97-AF65-F5344CB8AC3E}">
-        <p14:creationId xmlns:p14="http://schemas.microsoft.com/office/powerpoint/2010/main" val="158954754"/>
+        <p14:creationId xmlns:p14="http://schemas.microsoft.com/office/powerpoint/2010/main" val="4068899073"/>
       </p:ext>
     </p:extLst>
   </p:cSld>
@@ -12090,81 +12207,55 @@
         </p:nvSpPr>
         <p:spPr/>
         <p:txBody>
-          <a:bodyPr/>
+          <a:bodyPr>
+            <a:normAutofit/>
+          </a:bodyPr>
           <a:lstStyle/>
           <a:p>
             <a:r>
+              <a:rPr kumimoji="1" lang="en-US" altLang="zh-CN" dirty="0" smtClean="0"/>
+              <a:t>Tree </a:t>
+            </a:r>
+            <a:r>
+              <a:rPr kumimoji="1" lang="en-US" altLang="zh-CN" dirty="0"/>
+              <a:t>ID3</a:t>
+            </a:r>
+            <a:r>
               <a:rPr kumimoji="1" lang="zh-TW" altLang="en-US" dirty="0" smtClean="0"/>
-              <a:t>W</a:t>
-            </a:r>
-            <a:r>
-              <a:rPr kumimoji="1" lang="zh-TW" altLang="zh-TW" dirty="0"/>
-              <a:t>8</a:t>
-            </a:r>
-            <a:r>
-              <a:rPr kumimoji="1" lang="en-US" altLang="zh-TW" dirty="0" smtClean="0"/>
-              <a:t>:</a:t>
-            </a:r>
-            <a:r>
-              <a:rPr kumimoji="1" lang="zh-TW" altLang="en-US" dirty="0" smtClean="0"/>
-              <a:t>模型</a:t>
-            </a:r>
-            <a:r>
-              <a:rPr kumimoji="1" lang="en-US" altLang="zh-TW" dirty="0" smtClean="0"/>
-              <a:t>DEMO </a:t>
+              <a:t>算法</a:t>
             </a:r>
             <a:endParaRPr kumimoji="1" lang="zh-CN" altLang="en-US" dirty="0"/>
           </a:p>
         </p:txBody>
       </p:sp>
-      <p:sp>
-        <p:nvSpPr>
-          <p:cNvPr id="3" name="内容占位符 2"/>
-          <p:cNvSpPr>
-            <a:spLocks noGrp="1"/>
-          </p:cNvSpPr>
+      <p:pic>
+        <p:nvPicPr>
+          <p:cNvPr id="4" name="内容占位符 3"/>
+          <p:cNvPicPr>
+            <a:picLocks noGrp="1" noChangeAspect="1"/>
+          </p:cNvPicPr>
           <p:nvPr>
             <p:ph idx="1"/>
           </p:nvPr>
-        </p:nvSpPr>
-        <p:spPr/>
-        <p:txBody>
-          <a:bodyPr/>
-          <a:lstStyle/>
-          <a:p>
-            <a:r>
-              <a:rPr kumimoji="1" lang="zh-TW" altLang="en-US" dirty="0" smtClean="0"/>
-              <a:t>文本分類</a:t>
-            </a:r>
-            <a:r>
-              <a:rPr kumimoji="1" lang="en-US" altLang="zh-TW" dirty="0" smtClean="0"/>
-              <a:t>DEMO-</a:t>
-            </a:r>
-            <a:r>
-              <a:rPr kumimoji="1" lang="zh-TW" altLang="en-US" dirty="0" smtClean="0"/>
-              <a:t>真假新聞分類</a:t>
-            </a:r>
-            <a:r>
-              <a:rPr kumimoji="1" lang="zh-TW" altLang="zh-TW" dirty="0" smtClean="0"/>
-              <a:t>D</a:t>
-            </a:r>
-            <a:r>
-              <a:rPr kumimoji="1" lang="en-US" altLang="zh-TW" dirty="0" smtClean="0"/>
-              <a:t>EMO</a:t>
-            </a:r>
-          </a:p>
-          <a:p>
-            <a:endParaRPr kumimoji="1" lang="en-US" altLang="zh-TW" dirty="0" smtClean="0"/>
-          </a:p>
-          <a:p>
-            <a:endParaRPr kumimoji="1" lang="zh-CN" altLang="en-US" dirty="0"/>
-          </a:p>
-        </p:txBody>
-      </p:sp>
+        </p:nvPicPr>
+        <p:blipFill>
+          <a:blip r:embed="rId2"/>
+          <a:srcRect l="2478" r="2478"/>
+          <a:stretch>
+            <a:fillRect/>
+          </a:stretch>
+        </p:blipFill>
+        <p:spPr>
+          <a:xfrm>
+            <a:off x="779463" y="1949450"/>
+            <a:ext cx="7583487" cy="4006850"/>
+          </a:xfrm>
+        </p:spPr>
+      </p:pic>
     </p:spTree>
     <p:extLst>
       <p:ext uri="{BB962C8B-B14F-4D97-AF65-F5344CB8AC3E}">
-        <p14:creationId xmlns:p14="http://schemas.microsoft.com/office/powerpoint/2010/main" val="1367445979"/>
+        <p14:creationId xmlns:p14="http://schemas.microsoft.com/office/powerpoint/2010/main" val="2951758039"/>
       </p:ext>
     </p:extLst>
   </p:cSld>
@@ -12203,63 +12294,222 @@
         </p:nvSpPr>
         <p:spPr/>
         <p:txBody>
-          <a:bodyPr/>
+          <a:bodyPr>
+            <a:normAutofit/>
+          </a:bodyPr>
           <a:lstStyle/>
           <a:p>
             <a:r>
+              <a:rPr kumimoji="1" lang="en-US" altLang="zh-CN" dirty="0" smtClean="0"/>
+              <a:t>Tree </a:t>
+            </a:r>
+            <a:r>
+              <a:rPr kumimoji="1" lang="en-US" altLang="zh-CN" dirty="0"/>
+              <a:t>ID3</a:t>
+            </a:r>
+            <a:r>
               <a:rPr kumimoji="1" lang="zh-TW" altLang="en-US" dirty="0" smtClean="0"/>
-              <a:t>後續</a:t>
+              <a:t>算法</a:t>
             </a:r>
             <a:endParaRPr kumimoji="1" lang="zh-CN" altLang="en-US" dirty="0"/>
           </a:p>
         </p:txBody>
       </p:sp>
-      <p:sp>
-        <p:nvSpPr>
-          <p:cNvPr id="3" name="内容占位符 2"/>
+      <p:pic>
+        <p:nvPicPr>
+          <p:cNvPr id="5" name="内容占位符 4"/>
+          <p:cNvPicPr>
+            <a:picLocks noGrp="1" noChangeAspect="1"/>
+          </p:cNvPicPr>
+          <p:nvPr>
+            <p:ph idx="1"/>
+          </p:nvPr>
+        </p:nvPicPr>
+        <p:blipFill>
+          <a:blip r:embed="rId2"/>
+          <a:srcRect l="-6715" r="-6715"/>
+          <a:stretch>
+            <a:fillRect/>
+          </a:stretch>
+        </p:blipFill>
+        <p:spPr>
+          <a:xfrm>
+            <a:off x="779463" y="1949449"/>
+            <a:ext cx="7583488" cy="4006851"/>
+          </a:xfrm>
+        </p:spPr>
+      </p:pic>
+    </p:spTree>
+    <p:extLst>
+      <p:ext uri="{BB962C8B-B14F-4D97-AF65-F5344CB8AC3E}">
+        <p14:creationId xmlns:p14="http://schemas.microsoft.com/office/powerpoint/2010/main" val="3476544877"/>
+      </p:ext>
+    </p:extLst>
+  </p:cSld>
+  <p:clrMapOvr>
+    <a:masterClrMapping/>
+  </p:clrMapOvr>
+</p:sld>
+</file>
+
+<file path=ppt/slides/slide18.xml><?xml version="1.0" encoding="utf-8"?>
+<p:sld xmlns:a="http://schemas.openxmlformats.org/drawingml/2006/main" xmlns:r="http://schemas.openxmlformats.org/officeDocument/2006/relationships" xmlns:p="http://schemas.openxmlformats.org/presentationml/2006/main">
+  <p:cSld>
+    <p:spTree>
+      <p:nvGrpSpPr>
+        <p:cNvPr id="1" name=""/>
+        <p:cNvGrpSpPr/>
+        <p:nvPr/>
+      </p:nvGrpSpPr>
+      <p:grpSpPr>
+        <a:xfrm>
+          <a:off x="0" y="0"/>
+          <a:ext cx="0" cy="0"/>
+          <a:chOff x="0" y="0"/>
+          <a:chExt cx="0" cy="0"/>
+        </a:xfrm>
+      </p:grpSpPr>
+      <p:sp>
+        <p:nvSpPr>
+          <p:cNvPr id="2" name="标题 1"/>
           <p:cNvSpPr>
             <a:spLocks noGrp="1"/>
           </p:cNvSpPr>
           <p:nvPr>
+            <p:ph type="title"/>
+          </p:nvPr>
+        </p:nvSpPr>
+        <p:spPr/>
+        <p:txBody>
+          <a:bodyPr>
+            <a:normAutofit fontScale="90000"/>
+          </a:bodyPr>
+          <a:lstStyle/>
+          <a:p>
+            <a:r>
+              <a:rPr kumimoji="1" lang="en-US" altLang="zh-CN" dirty="0"/>
+              <a:t>Tree iris-code example-</a:t>
+            </a:r>
+            <a:r>
+              <a:rPr kumimoji="1" lang="en-US" altLang="zh-CN" dirty="0" err="1"/>
+              <a:t>iris_Ex_tree.py</a:t>
+            </a:r>
+            <a:endParaRPr kumimoji="1" lang="zh-CN" altLang="en-US" dirty="0"/>
+          </a:p>
+        </p:txBody>
+      </p:sp>
+      <p:pic>
+        <p:nvPicPr>
+          <p:cNvPr id="6" name="内容占位符 5" descr="Screen Shot 2020-09-01 at 2.38.28 PM.png"/>
+          <p:cNvPicPr>
+            <a:picLocks noGrp="1" noChangeAspect="1"/>
+          </p:cNvPicPr>
+          <p:nvPr>
             <p:ph idx="1"/>
           </p:nvPr>
-        </p:nvSpPr>
+        </p:nvPicPr>
+        <p:blipFill>
+          <a:blip r:embed="rId2">
+            <a:extLst>
+              <a:ext uri="{28A0092B-C50C-407E-A947-70E740481C1C}">
+                <a14:useLocalDpi xmlns:a14="http://schemas.microsoft.com/office/drawing/2010/main" val="0"/>
+              </a:ext>
+            </a:extLst>
+          </a:blip>
+          <a:srcRect t="21733" b="21733"/>
+          <a:stretch>
+            <a:fillRect/>
+          </a:stretch>
+        </p:blipFill>
         <p:spPr/>
-        <p:txBody>
-          <a:bodyPr/>
-          <a:lstStyle/>
-          <a:p>
-            <a:r>
-              <a:rPr kumimoji="1" lang="zh-TW" altLang="en-US" dirty="0" smtClean="0"/>
-              <a:t>依練習結果安排</a:t>
-            </a:r>
-            <a:r>
-              <a:rPr kumimoji="1" lang="en-US" altLang="zh-TW" dirty="0" smtClean="0"/>
-              <a:t>,</a:t>
-            </a:r>
-            <a:r>
-              <a:rPr kumimoji="1" lang="zh-TW" altLang="en-US" dirty="0" smtClean="0"/>
-              <a:t>如果到時內容增加</a:t>
-            </a:r>
-            <a:r>
-              <a:rPr kumimoji="1" lang="en-US" altLang="zh-TW" dirty="0" smtClean="0"/>
-              <a:t>,</a:t>
-            </a:r>
-            <a:r>
-              <a:rPr kumimoji="1" lang="zh-TW" altLang="en-US" dirty="0" smtClean="0"/>
-              <a:t>再補充增加時間</a:t>
-            </a:r>
-            <a:endParaRPr kumimoji="1" lang="en-US" altLang="zh-TW" dirty="0" smtClean="0"/>
-          </a:p>
-          <a:p>
-            <a:endParaRPr kumimoji="1" lang="zh-CN" altLang="en-US" dirty="0"/>
-          </a:p>
-        </p:txBody>
-      </p:sp>
+      </p:pic>
     </p:spTree>
     <p:extLst>
       <p:ext uri="{BB962C8B-B14F-4D97-AF65-F5344CB8AC3E}">
-        <p14:creationId xmlns:p14="http://schemas.microsoft.com/office/powerpoint/2010/main" val="347939456"/>
+        <p14:creationId xmlns:p14="http://schemas.microsoft.com/office/powerpoint/2010/main" val="2211792641"/>
+      </p:ext>
+    </p:extLst>
+  </p:cSld>
+  <p:clrMapOvr>
+    <a:masterClrMapping/>
+  </p:clrMapOvr>
+</p:sld>
+</file>
+
+<file path=ppt/slides/slide19.xml><?xml version="1.0" encoding="utf-8"?>
+<p:sld xmlns:a="http://schemas.openxmlformats.org/drawingml/2006/main" xmlns:r="http://schemas.openxmlformats.org/officeDocument/2006/relationships" xmlns:p="http://schemas.openxmlformats.org/presentationml/2006/main">
+  <p:cSld>
+    <p:spTree>
+      <p:nvGrpSpPr>
+        <p:cNvPr id="1" name=""/>
+        <p:cNvGrpSpPr/>
+        <p:nvPr/>
+      </p:nvGrpSpPr>
+      <p:grpSpPr>
+        <a:xfrm>
+          <a:off x="0" y="0"/>
+          <a:ext cx="0" cy="0"/>
+          <a:chOff x="0" y="0"/>
+          <a:chExt cx="0" cy="0"/>
+        </a:xfrm>
+      </p:grpSpPr>
+      <p:sp>
+        <p:nvSpPr>
+          <p:cNvPr id="2" name="标题 1"/>
+          <p:cNvSpPr>
+            <a:spLocks noGrp="1"/>
+          </p:cNvSpPr>
+          <p:nvPr>
+            <p:ph type="title"/>
+          </p:nvPr>
+        </p:nvSpPr>
+        <p:spPr/>
+        <p:txBody>
+          <a:bodyPr>
+            <a:normAutofit fontScale="90000"/>
+          </a:bodyPr>
+          <a:lstStyle/>
+          <a:p>
+            <a:r>
+              <a:rPr kumimoji="1" lang="en-US" altLang="zh-CN" dirty="0"/>
+              <a:t>Tree iris-code example-</a:t>
+            </a:r>
+            <a:r>
+              <a:rPr kumimoji="1" lang="en-US" altLang="zh-CN" dirty="0" err="1"/>
+              <a:t>iris_Ex_tree.py</a:t>
+            </a:r>
+            <a:endParaRPr kumimoji="1" lang="zh-CN" altLang="en-US" dirty="0"/>
+          </a:p>
+        </p:txBody>
+      </p:sp>
+      <p:pic>
+        <p:nvPicPr>
+          <p:cNvPr id="4" name="内容占位符 3"/>
+          <p:cNvPicPr>
+            <a:picLocks noGrp="1" noChangeAspect="1"/>
+          </p:cNvPicPr>
+          <p:nvPr>
+            <p:ph idx="1"/>
+          </p:nvPr>
+        </p:nvPicPr>
+        <p:blipFill>
+          <a:blip r:embed="rId2"/>
+          <a:srcRect l="-29024" r="-29024"/>
+          <a:stretch>
+            <a:fillRect/>
+          </a:stretch>
+        </p:blipFill>
+        <p:spPr>
+          <a:xfrm>
+            <a:off x="779463" y="1949450"/>
+            <a:ext cx="7583487" cy="4006850"/>
+          </a:xfrm>
+        </p:spPr>
+      </p:pic>
+    </p:spTree>
+    <p:extLst>
+      <p:ext uri="{BB962C8B-B14F-4D97-AF65-F5344CB8AC3E}">
+        <p14:creationId xmlns:p14="http://schemas.microsoft.com/office/powerpoint/2010/main" val="2596265777"/>
       </p:ext>
     </p:extLst>
   </p:cSld>
@@ -12377,6 +12627,790 @@
     <p:extLst>
       <p:ext uri="{BB962C8B-B14F-4D97-AF65-F5344CB8AC3E}">
         <p14:creationId xmlns:p14="http://schemas.microsoft.com/office/powerpoint/2010/main" val="2220622556"/>
+      </p:ext>
+    </p:extLst>
+  </p:cSld>
+  <p:clrMapOvr>
+    <a:masterClrMapping/>
+  </p:clrMapOvr>
+</p:sld>
+</file>
+
+<file path=ppt/slides/slide20.xml><?xml version="1.0" encoding="utf-8"?>
+<p:sld xmlns:a="http://schemas.openxmlformats.org/drawingml/2006/main" xmlns:r="http://schemas.openxmlformats.org/officeDocument/2006/relationships" xmlns:p="http://schemas.openxmlformats.org/presentationml/2006/main">
+  <p:cSld>
+    <p:spTree>
+      <p:nvGrpSpPr>
+        <p:cNvPr id="1" name=""/>
+        <p:cNvGrpSpPr/>
+        <p:nvPr/>
+      </p:nvGrpSpPr>
+      <p:grpSpPr>
+        <a:xfrm>
+          <a:off x="0" y="0"/>
+          <a:ext cx="0" cy="0"/>
+          <a:chOff x="0" y="0"/>
+          <a:chExt cx="0" cy="0"/>
+        </a:xfrm>
+      </p:grpSpPr>
+      <p:sp>
+        <p:nvSpPr>
+          <p:cNvPr id="2" name="标题 1"/>
+          <p:cNvSpPr>
+            <a:spLocks noGrp="1"/>
+          </p:cNvSpPr>
+          <p:nvPr>
+            <p:ph type="title"/>
+          </p:nvPr>
+        </p:nvSpPr>
+        <p:spPr/>
+        <p:txBody>
+          <a:bodyPr/>
+          <a:lstStyle/>
+          <a:p>
+            <a:r>
+              <a:rPr kumimoji="1" lang="en-US" altLang="zh-CN" dirty="0" smtClean="0"/>
+              <a:t>W</a:t>
+            </a:r>
+            <a:r>
+              <a:rPr kumimoji="1" lang="zh-TW" altLang="zh-CN" dirty="0" smtClean="0"/>
+              <a:t>4</a:t>
+            </a:r>
+            <a:r>
+              <a:rPr kumimoji="1" lang="en-US" altLang="zh-CN" dirty="0" smtClean="0"/>
+              <a:t> Item:</a:t>
+            </a:r>
+            <a:r>
+              <a:rPr kumimoji="1" lang="zh-TW" altLang="en-US" dirty="0" smtClean="0"/>
+              <a:t>數學算法</a:t>
+            </a:r>
+            <a:endParaRPr kumimoji="1" lang="zh-CN" altLang="en-US" dirty="0"/>
+          </a:p>
+        </p:txBody>
+      </p:sp>
+      <p:sp>
+        <p:nvSpPr>
+          <p:cNvPr id="3" name="内容占位符 2"/>
+          <p:cNvSpPr>
+            <a:spLocks noGrp="1"/>
+          </p:cNvSpPr>
+          <p:nvPr>
+            <p:ph idx="1"/>
+          </p:nvPr>
+        </p:nvSpPr>
+        <p:spPr/>
+        <p:txBody>
+          <a:bodyPr/>
+          <a:lstStyle/>
+          <a:p>
+            <a:endParaRPr kumimoji="1" lang="en-US" altLang="zh-TW" dirty="0" smtClean="0"/>
+          </a:p>
+          <a:p>
+            <a:r>
+              <a:rPr kumimoji="1" lang="en-US" altLang="zh-TW" dirty="0" err="1" smtClean="0"/>
+              <a:t>Svm</a:t>
+            </a:r>
+            <a:r>
+              <a:rPr kumimoji="1" lang="zh-TW" altLang="en-US" dirty="0" smtClean="0"/>
+              <a:t>算法</a:t>
+            </a:r>
+            <a:endParaRPr kumimoji="1" lang="en-US" altLang="zh-TW" dirty="0" smtClean="0"/>
+          </a:p>
+          <a:p>
+            <a:r>
+              <a:rPr kumimoji="1" lang="en-US" altLang="zh-TW" dirty="0" err="1" smtClean="0"/>
+              <a:t>Svm</a:t>
+            </a:r>
+            <a:r>
+              <a:rPr kumimoji="1" lang="zh-TW" altLang="en-US" dirty="0" smtClean="0"/>
+              <a:t>分類</a:t>
+            </a:r>
+            <a:r>
+              <a:rPr kumimoji="1" lang="en-US" altLang="zh-TW" dirty="0" smtClean="0"/>
+              <a:t> demo </a:t>
+            </a:r>
+            <a:r>
+              <a:rPr kumimoji="1" lang="zh-TW" altLang="en-US" dirty="0" smtClean="0"/>
+              <a:t>代碼實現</a:t>
+            </a:r>
+            <a:endParaRPr kumimoji="1" lang="en-US" altLang="zh-TW" dirty="0" smtClean="0"/>
+          </a:p>
+          <a:p>
+            <a:pPr marL="0" indent="0">
+              <a:buNone/>
+            </a:pPr>
+            <a:endParaRPr kumimoji="1" lang="en-US" altLang="zh-TW" dirty="0" smtClean="0"/>
+          </a:p>
+        </p:txBody>
+      </p:sp>
+    </p:spTree>
+    <p:extLst>
+      <p:ext uri="{BB962C8B-B14F-4D97-AF65-F5344CB8AC3E}">
+        <p14:creationId xmlns:p14="http://schemas.microsoft.com/office/powerpoint/2010/main" val="514264433"/>
+      </p:ext>
+    </p:extLst>
+  </p:cSld>
+  <p:clrMapOvr>
+    <a:masterClrMapping/>
+  </p:clrMapOvr>
+</p:sld>
+</file>
+
+<file path=ppt/slides/slide21.xml><?xml version="1.0" encoding="utf-8"?>
+<p:sld xmlns:a="http://schemas.openxmlformats.org/drawingml/2006/main" xmlns:r="http://schemas.openxmlformats.org/officeDocument/2006/relationships" xmlns:p="http://schemas.openxmlformats.org/presentationml/2006/main">
+  <p:cSld>
+    <p:spTree>
+      <p:nvGrpSpPr>
+        <p:cNvPr id="1" name=""/>
+        <p:cNvGrpSpPr/>
+        <p:nvPr/>
+      </p:nvGrpSpPr>
+      <p:grpSpPr>
+        <a:xfrm>
+          <a:off x="0" y="0"/>
+          <a:ext cx="0" cy="0"/>
+          <a:chOff x="0" y="0"/>
+          <a:chExt cx="0" cy="0"/>
+        </a:xfrm>
+      </p:grpSpPr>
+      <p:sp>
+        <p:nvSpPr>
+          <p:cNvPr id="2" name="标题 1"/>
+          <p:cNvSpPr>
+            <a:spLocks noGrp="1"/>
+          </p:cNvSpPr>
+          <p:nvPr>
+            <p:ph type="title"/>
+          </p:nvPr>
+        </p:nvSpPr>
+        <p:spPr/>
+        <p:txBody>
+          <a:bodyPr/>
+          <a:lstStyle/>
+          <a:p>
+            <a:r>
+              <a:rPr kumimoji="1" lang="zh-TW" altLang="en-US" dirty="0" smtClean="0"/>
+              <a:t>W</a:t>
+            </a:r>
+            <a:r>
+              <a:rPr kumimoji="1" lang="en-US" altLang="zh-TW" dirty="0" smtClean="0"/>
+              <a:t>? : </a:t>
+            </a:r>
+            <a:r>
+              <a:rPr kumimoji="1" lang="zh-TW" altLang="en-US" dirty="0" smtClean="0"/>
+              <a:t>語言資料基礎分析</a:t>
+            </a:r>
+            <a:endParaRPr kumimoji="1" lang="zh-CN" altLang="en-US" dirty="0"/>
+          </a:p>
+        </p:txBody>
+      </p:sp>
+      <p:sp>
+        <p:nvSpPr>
+          <p:cNvPr id="3" name="内容占位符 2"/>
+          <p:cNvSpPr>
+            <a:spLocks noGrp="1"/>
+          </p:cNvSpPr>
+          <p:nvPr>
+            <p:ph idx="1"/>
+          </p:nvPr>
+        </p:nvSpPr>
+        <p:spPr/>
+        <p:txBody>
+          <a:bodyPr/>
+          <a:lstStyle/>
+          <a:p>
+            <a:r>
+              <a:rPr kumimoji="1" lang="zh-TW" altLang="en-US" dirty="0" smtClean="0"/>
+              <a:t>後續看完基礎數學算法後決定</a:t>
+            </a:r>
+            <a:endParaRPr kumimoji="1" lang="en-US" altLang="zh-TW" dirty="0" smtClean="0"/>
+          </a:p>
+          <a:p>
+            <a:r>
+              <a:rPr kumimoji="1" lang="zh-TW" altLang="en-US" dirty="0" smtClean="0"/>
+              <a:t>預定最多佔兩週</a:t>
+            </a:r>
+            <a:endParaRPr kumimoji="1" lang="zh-CN" altLang="en-US" dirty="0"/>
+          </a:p>
+        </p:txBody>
+      </p:sp>
+    </p:spTree>
+    <p:extLst>
+      <p:ext uri="{BB962C8B-B14F-4D97-AF65-F5344CB8AC3E}">
+        <p14:creationId xmlns:p14="http://schemas.microsoft.com/office/powerpoint/2010/main" val="1663076574"/>
+      </p:ext>
+    </p:extLst>
+  </p:cSld>
+  <p:clrMapOvr>
+    <a:masterClrMapping/>
+  </p:clrMapOvr>
+</p:sld>
+</file>
+
+<file path=ppt/slides/slide22.xml><?xml version="1.0" encoding="utf-8"?>
+<p:sld xmlns:a="http://schemas.openxmlformats.org/drawingml/2006/main" xmlns:r="http://schemas.openxmlformats.org/officeDocument/2006/relationships" xmlns:p="http://schemas.openxmlformats.org/presentationml/2006/main">
+  <p:cSld>
+    <p:spTree>
+      <p:nvGrpSpPr>
+        <p:cNvPr id="1" name=""/>
+        <p:cNvGrpSpPr/>
+        <p:nvPr/>
+      </p:nvGrpSpPr>
+      <p:grpSpPr>
+        <a:xfrm>
+          <a:off x="0" y="0"/>
+          <a:ext cx="0" cy="0"/>
+          <a:chOff x="0" y="0"/>
+          <a:chExt cx="0" cy="0"/>
+        </a:xfrm>
+      </p:grpSpPr>
+      <p:sp>
+        <p:nvSpPr>
+          <p:cNvPr id="2" name="标题 1"/>
+          <p:cNvSpPr>
+            <a:spLocks noGrp="1"/>
+          </p:cNvSpPr>
+          <p:nvPr>
+            <p:ph type="title"/>
+          </p:nvPr>
+        </p:nvSpPr>
+        <p:spPr/>
+        <p:txBody>
+          <a:bodyPr/>
+          <a:lstStyle/>
+          <a:p>
+            <a:r>
+              <a:rPr kumimoji="1" lang="zh-TW" altLang="en-US" dirty="0" smtClean="0"/>
+              <a:t>W</a:t>
+            </a:r>
+            <a:r>
+              <a:rPr kumimoji="1" lang="zh-TW" altLang="zh-TW" dirty="0" smtClean="0"/>
+              <a:t>5</a:t>
+            </a:r>
+            <a:r>
+              <a:rPr kumimoji="1" lang="en-US" altLang="zh-TW" dirty="0" smtClean="0"/>
+              <a:t>:</a:t>
+            </a:r>
+            <a:r>
+              <a:rPr kumimoji="1" lang="zh-TW" altLang="en-US" dirty="0" smtClean="0"/>
+              <a:t>深度學習模型</a:t>
+            </a:r>
+            <a:r>
+              <a:rPr kumimoji="1" lang="en-US" altLang="zh-TW" dirty="0" smtClean="0"/>
+              <a:t>-</a:t>
+            </a:r>
+            <a:r>
+              <a:rPr kumimoji="1" lang="zh-TW" altLang="en-US" dirty="0" smtClean="0"/>
+              <a:t>基礎模型</a:t>
+            </a:r>
+            <a:endParaRPr kumimoji="1" lang="zh-CN" altLang="en-US" dirty="0"/>
+          </a:p>
+        </p:txBody>
+      </p:sp>
+      <p:sp>
+        <p:nvSpPr>
+          <p:cNvPr id="3" name="内容占位符 2"/>
+          <p:cNvSpPr>
+            <a:spLocks noGrp="1"/>
+          </p:cNvSpPr>
+          <p:nvPr>
+            <p:ph idx="1"/>
+          </p:nvPr>
+        </p:nvSpPr>
+        <p:spPr/>
+        <p:txBody>
+          <a:bodyPr/>
+          <a:lstStyle/>
+          <a:p>
+            <a:r>
+              <a:rPr kumimoji="1" lang="zh-TW" altLang="en-US" dirty="0" smtClean="0"/>
+              <a:t>D</a:t>
+            </a:r>
+            <a:r>
+              <a:rPr kumimoji="1" lang="en-US" altLang="zh-TW" dirty="0" smtClean="0"/>
+              <a:t>MN model</a:t>
+            </a:r>
+          </a:p>
+          <a:p>
+            <a:r>
+              <a:rPr kumimoji="1" lang="en-US" altLang="zh-TW" dirty="0" smtClean="0"/>
+              <a:t>CNN </a:t>
+            </a:r>
+            <a:r>
+              <a:rPr kumimoji="1" lang="en-US" altLang="zh-TW" dirty="0"/>
+              <a:t>model</a:t>
+            </a:r>
+            <a:endParaRPr kumimoji="1" lang="en-US" altLang="zh-TW" dirty="0" smtClean="0"/>
+          </a:p>
+          <a:p>
+            <a:r>
+              <a:rPr kumimoji="1" lang="en-US" altLang="zh-TW" dirty="0" smtClean="0"/>
+              <a:t>R</a:t>
+            </a:r>
+            <a:r>
+              <a:rPr kumimoji="1" lang="zh-TW" altLang="en-US" dirty="0" smtClean="0"/>
+              <a:t>N</a:t>
+            </a:r>
+            <a:r>
+              <a:rPr kumimoji="1" lang="en-US" altLang="zh-TW" dirty="0" smtClean="0"/>
+              <a:t>N </a:t>
+            </a:r>
+            <a:r>
+              <a:rPr kumimoji="1" lang="en-US" altLang="zh-TW" dirty="0"/>
+              <a:t>model</a:t>
+            </a:r>
+            <a:endParaRPr kumimoji="1" lang="en-US" altLang="zh-TW" dirty="0" smtClean="0"/>
+          </a:p>
+          <a:p>
+            <a:endParaRPr kumimoji="1" lang="zh-CN" altLang="en-US" dirty="0"/>
+          </a:p>
+        </p:txBody>
+      </p:sp>
+    </p:spTree>
+    <p:extLst>
+      <p:ext uri="{BB962C8B-B14F-4D97-AF65-F5344CB8AC3E}">
+        <p14:creationId xmlns:p14="http://schemas.microsoft.com/office/powerpoint/2010/main" val="1976090492"/>
+      </p:ext>
+    </p:extLst>
+  </p:cSld>
+  <p:clrMapOvr>
+    <a:masterClrMapping/>
+  </p:clrMapOvr>
+</p:sld>
+</file>
+
+<file path=ppt/slides/slide23.xml><?xml version="1.0" encoding="utf-8"?>
+<p:sld xmlns:a="http://schemas.openxmlformats.org/drawingml/2006/main" xmlns:r="http://schemas.openxmlformats.org/officeDocument/2006/relationships" xmlns:p="http://schemas.openxmlformats.org/presentationml/2006/main">
+  <p:cSld>
+    <p:spTree>
+      <p:nvGrpSpPr>
+        <p:cNvPr id="1" name=""/>
+        <p:cNvGrpSpPr/>
+        <p:nvPr/>
+      </p:nvGrpSpPr>
+      <p:grpSpPr>
+        <a:xfrm>
+          <a:off x="0" y="0"/>
+          <a:ext cx="0" cy="0"/>
+          <a:chOff x="0" y="0"/>
+          <a:chExt cx="0" cy="0"/>
+        </a:xfrm>
+      </p:grpSpPr>
+      <p:sp>
+        <p:nvSpPr>
+          <p:cNvPr id="2" name="标题 1"/>
+          <p:cNvSpPr>
+            <a:spLocks noGrp="1"/>
+          </p:cNvSpPr>
+          <p:nvPr>
+            <p:ph type="title"/>
+          </p:nvPr>
+        </p:nvSpPr>
+        <p:spPr/>
+        <p:txBody>
+          <a:bodyPr/>
+          <a:lstStyle/>
+          <a:p>
+            <a:r>
+              <a:rPr kumimoji="1" lang="zh-TW" altLang="en-US" dirty="0" smtClean="0"/>
+              <a:t>W</a:t>
+            </a:r>
+            <a:r>
+              <a:rPr kumimoji="1" lang="zh-TW" altLang="zh-TW" dirty="0"/>
+              <a:t>6</a:t>
+            </a:r>
+            <a:r>
+              <a:rPr kumimoji="1" lang="en-US" altLang="zh-TW" dirty="0" smtClean="0"/>
+              <a:t>:</a:t>
+            </a:r>
+            <a:r>
+              <a:rPr kumimoji="1" lang="zh-TW" altLang="en-US" dirty="0" smtClean="0"/>
+              <a:t>深度學習模型</a:t>
+            </a:r>
+            <a:r>
+              <a:rPr kumimoji="1" lang="en-US" altLang="zh-TW" dirty="0" smtClean="0"/>
+              <a:t>-</a:t>
+            </a:r>
+            <a:r>
+              <a:rPr kumimoji="1" lang="zh-TW" altLang="en-US" dirty="0" smtClean="0"/>
+              <a:t>應用文本</a:t>
+            </a:r>
+            <a:endParaRPr kumimoji="1" lang="zh-CN" altLang="en-US" dirty="0"/>
+          </a:p>
+        </p:txBody>
+      </p:sp>
+      <p:sp>
+        <p:nvSpPr>
+          <p:cNvPr id="3" name="内容占位符 2"/>
+          <p:cNvSpPr>
+            <a:spLocks noGrp="1"/>
+          </p:cNvSpPr>
+          <p:nvPr>
+            <p:ph idx="1"/>
+          </p:nvPr>
+        </p:nvSpPr>
+        <p:spPr/>
+        <p:txBody>
+          <a:bodyPr/>
+          <a:lstStyle/>
+          <a:p>
+            <a:r>
+              <a:rPr kumimoji="1" lang="zh-TW" altLang="zh-TW" dirty="0" smtClean="0"/>
+              <a:t>t</a:t>
+            </a:r>
+            <a:r>
+              <a:rPr kumimoji="1" lang="en-US" altLang="zh-TW" dirty="0" err="1" smtClean="0"/>
+              <a:t>extCNN</a:t>
+            </a:r>
+            <a:r>
+              <a:rPr kumimoji="1" lang="en-US" altLang="zh-TW" dirty="0" smtClean="0"/>
+              <a:t> </a:t>
+            </a:r>
+            <a:r>
+              <a:rPr kumimoji="1" lang="en-US" altLang="zh-TW" dirty="0"/>
+              <a:t>model</a:t>
+            </a:r>
+            <a:endParaRPr kumimoji="1" lang="en-US" altLang="zh-TW" dirty="0" smtClean="0"/>
+          </a:p>
+          <a:p>
+            <a:r>
+              <a:rPr kumimoji="1" lang="zh-TW" altLang="zh-TW" dirty="0" smtClean="0"/>
+              <a:t>t</a:t>
+            </a:r>
+            <a:r>
+              <a:rPr kumimoji="1" lang="en-US" altLang="zh-TW" dirty="0" err="1" smtClean="0"/>
+              <a:t>extRNN</a:t>
+            </a:r>
+            <a:r>
+              <a:rPr kumimoji="1" lang="en-US" altLang="zh-TW" dirty="0" smtClean="0"/>
+              <a:t> </a:t>
+            </a:r>
+            <a:r>
+              <a:rPr kumimoji="1" lang="en-US" altLang="zh-TW" dirty="0"/>
+              <a:t>model</a:t>
+            </a:r>
+            <a:endParaRPr kumimoji="1" lang="en-US" altLang="zh-TW" dirty="0" smtClean="0"/>
+          </a:p>
+        </p:txBody>
+      </p:sp>
+    </p:spTree>
+    <p:extLst>
+      <p:ext uri="{BB962C8B-B14F-4D97-AF65-F5344CB8AC3E}">
+        <p14:creationId xmlns:p14="http://schemas.microsoft.com/office/powerpoint/2010/main" val="1670608775"/>
+      </p:ext>
+    </p:extLst>
+  </p:cSld>
+  <p:clrMapOvr>
+    <a:masterClrMapping/>
+  </p:clrMapOvr>
+</p:sld>
+</file>
+
+<file path=ppt/slides/slide24.xml><?xml version="1.0" encoding="utf-8"?>
+<p:sld xmlns:a="http://schemas.openxmlformats.org/drawingml/2006/main" xmlns:r="http://schemas.openxmlformats.org/officeDocument/2006/relationships" xmlns:p="http://schemas.openxmlformats.org/presentationml/2006/main">
+  <p:cSld>
+    <p:spTree>
+      <p:nvGrpSpPr>
+        <p:cNvPr id="1" name=""/>
+        <p:cNvGrpSpPr/>
+        <p:nvPr/>
+      </p:nvGrpSpPr>
+      <p:grpSpPr>
+        <a:xfrm>
+          <a:off x="0" y="0"/>
+          <a:ext cx="0" cy="0"/>
+          <a:chOff x="0" y="0"/>
+          <a:chExt cx="0" cy="0"/>
+        </a:xfrm>
+      </p:grpSpPr>
+      <p:sp>
+        <p:nvSpPr>
+          <p:cNvPr id="2" name="标题 1"/>
+          <p:cNvSpPr>
+            <a:spLocks noGrp="1"/>
+          </p:cNvSpPr>
+          <p:nvPr>
+            <p:ph type="title"/>
+          </p:nvPr>
+        </p:nvSpPr>
+        <p:spPr/>
+        <p:txBody>
+          <a:bodyPr/>
+          <a:lstStyle/>
+          <a:p>
+            <a:r>
+              <a:rPr kumimoji="1" lang="zh-TW" altLang="en-US" dirty="0" smtClean="0"/>
+              <a:t>W</a:t>
+            </a:r>
+            <a:r>
+              <a:rPr kumimoji="1" lang="zh-TW" altLang="zh-TW" dirty="0" smtClean="0"/>
+              <a:t>7</a:t>
+            </a:r>
+            <a:r>
+              <a:rPr kumimoji="1" lang="en-US" altLang="zh-TW" dirty="0" smtClean="0"/>
+              <a:t>:</a:t>
+            </a:r>
+            <a:r>
+              <a:rPr kumimoji="1" lang="zh-TW" altLang="en-US" dirty="0" smtClean="0"/>
+              <a:t>模型</a:t>
+            </a:r>
+            <a:r>
+              <a:rPr kumimoji="1" lang="en-US" altLang="zh-TW" dirty="0" smtClean="0"/>
+              <a:t>DEMO </a:t>
+            </a:r>
+            <a:endParaRPr kumimoji="1" lang="zh-CN" altLang="en-US" dirty="0"/>
+          </a:p>
+        </p:txBody>
+      </p:sp>
+      <p:sp>
+        <p:nvSpPr>
+          <p:cNvPr id="3" name="内容占位符 2"/>
+          <p:cNvSpPr>
+            <a:spLocks noGrp="1"/>
+          </p:cNvSpPr>
+          <p:nvPr>
+            <p:ph idx="1"/>
+          </p:nvPr>
+        </p:nvSpPr>
+        <p:spPr/>
+        <p:txBody>
+          <a:bodyPr/>
+          <a:lstStyle/>
+          <a:p>
+            <a:r>
+              <a:rPr kumimoji="1" lang="zh-TW" altLang="en-US" dirty="0" smtClean="0"/>
+              <a:t>文本分類</a:t>
+            </a:r>
+            <a:r>
+              <a:rPr kumimoji="1" lang="en-US" altLang="zh-TW" dirty="0" smtClean="0"/>
+              <a:t>-</a:t>
+            </a:r>
+            <a:r>
+              <a:rPr kumimoji="1" lang="zh-TW" altLang="en-US" dirty="0" smtClean="0"/>
+              <a:t>意圖分類</a:t>
+            </a:r>
+            <a:r>
+              <a:rPr kumimoji="1" lang="en-US" altLang="zh-TW" dirty="0" smtClean="0"/>
+              <a:t>DEMO</a:t>
+            </a:r>
+          </a:p>
+          <a:p>
+            <a:endParaRPr kumimoji="1" lang="zh-CN" altLang="en-US" dirty="0"/>
+          </a:p>
+        </p:txBody>
+      </p:sp>
+    </p:spTree>
+    <p:extLst>
+      <p:ext uri="{BB962C8B-B14F-4D97-AF65-F5344CB8AC3E}">
+        <p14:creationId xmlns:p14="http://schemas.microsoft.com/office/powerpoint/2010/main" val="158954754"/>
+      </p:ext>
+    </p:extLst>
+  </p:cSld>
+  <p:clrMapOvr>
+    <a:masterClrMapping/>
+  </p:clrMapOvr>
+</p:sld>
+</file>
+
+<file path=ppt/slides/slide25.xml><?xml version="1.0" encoding="utf-8"?>
+<p:sld xmlns:a="http://schemas.openxmlformats.org/drawingml/2006/main" xmlns:r="http://schemas.openxmlformats.org/officeDocument/2006/relationships" xmlns:p="http://schemas.openxmlformats.org/presentationml/2006/main">
+  <p:cSld>
+    <p:spTree>
+      <p:nvGrpSpPr>
+        <p:cNvPr id="1" name=""/>
+        <p:cNvGrpSpPr/>
+        <p:nvPr/>
+      </p:nvGrpSpPr>
+      <p:grpSpPr>
+        <a:xfrm>
+          <a:off x="0" y="0"/>
+          <a:ext cx="0" cy="0"/>
+          <a:chOff x="0" y="0"/>
+          <a:chExt cx="0" cy="0"/>
+        </a:xfrm>
+      </p:grpSpPr>
+      <p:sp>
+        <p:nvSpPr>
+          <p:cNvPr id="2" name="标题 1"/>
+          <p:cNvSpPr>
+            <a:spLocks noGrp="1"/>
+          </p:cNvSpPr>
+          <p:nvPr>
+            <p:ph type="title"/>
+          </p:nvPr>
+        </p:nvSpPr>
+        <p:spPr/>
+        <p:txBody>
+          <a:bodyPr/>
+          <a:lstStyle/>
+          <a:p>
+            <a:r>
+              <a:rPr kumimoji="1" lang="zh-TW" altLang="en-US" dirty="0" smtClean="0"/>
+              <a:t>W</a:t>
+            </a:r>
+            <a:r>
+              <a:rPr kumimoji="1" lang="zh-TW" altLang="zh-TW" dirty="0"/>
+              <a:t>8</a:t>
+            </a:r>
+            <a:r>
+              <a:rPr kumimoji="1" lang="en-US" altLang="zh-TW" dirty="0" smtClean="0"/>
+              <a:t>:</a:t>
+            </a:r>
+            <a:r>
+              <a:rPr kumimoji="1" lang="zh-TW" altLang="en-US" dirty="0" smtClean="0"/>
+              <a:t>模型</a:t>
+            </a:r>
+            <a:r>
+              <a:rPr kumimoji="1" lang="en-US" altLang="zh-TW" dirty="0" smtClean="0"/>
+              <a:t>DEMO </a:t>
+            </a:r>
+            <a:endParaRPr kumimoji="1" lang="zh-CN" altLang="en-US" dirty="0"/>
+          </a:p>
+        </p:txBody>
+      </p:sp>
+      <p:sp>
+        <p:nvSpPr>
+          <p:cNvPr id="3" name="内容占位符 2"/>
+          <p:cNvSpPr>
+            <a:spLocks noGrp="1"/>
+          </p:cNvSpPr>
+          <p:nvPr>
+            <p:ph idx="1"/>
+          </p:nvPr>
+        </p:nvSpPr>
+        <p:spPr/>
+        <p:txBody>
+          <a:bodyPr/>
+          <a:lstStyle/>
+          <a:p>
+            <a:r>
+              <a:rPr kumimoji="1" lang="zh-TW" altLang="en-US" dirty="0" smtClean="0"/>
+              <a:t>文本分類</a:t>
+            </a:r>
+            <a:r>
+              <a:rPr kumimoji="1" lang="en-US" altLang="zh-TW" dirty="0" smtClean="0"/>
+              <a:t>DEMO-</a:t>
+            </a:r>
+            <a:r>
+              <a:rPr kumimoji="1" lang="zh-TW" altLang="en-US" dirty="0" smtClean="0"/>
+              <a:t>真假新聞分類</a:t>
+            </a:r>
+            <a:r>
+              <a:rPr kumimoji="1" lang="zh-TW" altLang="zh-TW" dirty="0" smtClean="0"/>
+              <a:t>D</a:t>
+            </a:r>
+            <a:r>
+              <a:rPr kumimoji="1" lang="en-US" altLang="zh-TW" dirty="0" smtClean="0"/>
+              <a:t>EMO</a:t>
+            </a:r>
+          </a:p>
+          <a:p>
+            <a:endParaRPr kumimoji="1" lang="en-US" altLang="zh-TW" dirty="0" smtClean="0"/>
+          </a:p>
+          <a:p>
+            <a:endParaRPr kumimoji="1" lang="zh-CN" altLang="en-US" dirty="0"/>
+          </a:p>
+        </p:txBody>
+      </p:sp>
+    </p:spTree>
+    <p:extLst>
+      <p:ext uri="{BB962C8B-B14F-4D97-AF65-F5344CB8AC3E}">
+        <p14:creationId xmlns:p14="http://schemas.microsoft.com/office/powerpoint/2010/main" val="1367445979"/>
+      </p:ext>
+    </p:extLst>
+  </p:cSld>
+  <p:clrMapOvr>
+    <a:masterClrMapping/>
+  </p:clrMapOvr>
+</p:sld>
+</file>
+
+<file path=ppt/slides/slide26.xml><?xml version="1.0" encoding="utf-8"?>
+<p:sld xmlns:a="http://schemas.openxmlformats.org/drawingml/2006/main" xmlns:r="http://schemas.openxmlformats.org/officeDocument/2006/relationships" xmlns:p="http://schemas.openxmlformats.org/presentationml/2006/main">
+  <p:cSld>
+    <p:spTree>
+      <p:nvGrpSpPr>
+        <p:cNvPr id="1" name=""/>
+        <p:cNvGrpSpPr/>
+        <p:nvPr/>
+      </p:nvGrpSpPr>
+      <p:grpSpPr>
+        <a:xfrm>
+          <a:off x="0" y="0"/>
+          <a:ext cx="0" cy="0"/>
+          <a:chOff x="0" y="0"/>
+          <a:chExt cx="0" cy="0"/>
+        </a:xfrm>
+      </p:grpSpPr>
+      <p:sp>
+        <p:nvSpPr>
+          <p:cNvPr id="2" name="标题 1"/>
+          <p:cNvSpPr>
+            <a:spLocks noGrp="1"/>
+          </p:cNvSpPr>
+          <p:nvPr>
+            <p:ph type="title"/>
+          </p:nvPr>
+        </p:nvSpPr>
+        <p:spPr/>
+        <p:txBody>
+          <a:bodyPr/>
+          <a:lstStyle/>
+          <a:p>
+            <a:r>
+              <a:rPr kumimoji="1" lang="zh-TW" altLang="en-US" dirty="0" smtClean="0"/>
+              <a:t>後續</a:t>
+            </a:r>
+            <a:endParaRPr kumimoji="1" lang="zh-CN" altLang="en-US" dirty="0"/>
+          </a:p>
+        </p:txBody>
+      </p:sp>
+      <p:sp>
+        <p:nvSpPr>
+          <p:cNvPr id="3" name="内容占位符 2"/>
+          <p:cNvSpPr>
+            <a:spLocks noGrp="1"/>
+          </p:cNvSpPr>
+          <p:nvPr>
+            <p:ph idx="1"/>
+          </p:nvPr>
+        </p:nvSpPr>
+        <p:spPr/>
+        <p:txBody>
+          <a:bodyPr/>
+          <a:lstStyle/>
+          <a:p>
+            <a:r>
+              <a:rPr kumimoji="1" lang="zh-TW" altLang="en-US" dirty="0" smtClean="0"/>
+              <a:t>依練習結果安排</a:t>
+            </a:r>
+            <a:r>
+              <a:rPr kumimoji="1" lang="en-US" altLang="zh-TW" dirty="0" smtClean="0"/>
+              <a:t>,</a:t>
+            </a:r>
+            <a:r>
+              <a:rPr kumimoji="1" lang="zh-TW" altLang="en-US" dirty="0" smtClean="0"/>
+              <a:t>如果到時內容增加</a:t>
+            </a:r>
+            <a:r>
+              <a:rPr kumimoji="1" lang="en-US" altLang="zh-TW" dirty="0" smtClean="0"/>
+              <a:t>,</a:t>
+            </a:r>
+            <a:r>
+              <a:rPr kumimoji="1" lang="zh-TW" altLang="en-US" dirty="0" smtClean="0"/>
+              <a:t>再補充增加時間</a:t>
+            </a:r>
+            <a:endParaRPr kumimoji="1" lang="en-US" altLang="zh-TW" dirty="0" smtClean="0"/>
+          </a:p>
+          <a:p>
+            <a:endParaRPr kumimoji="1" lang="zh-CN" altLang="en-US" dirty="0"/>
+          </a:p>
+        </p:txBody>
+      </p:sp>
+    </p:spTree>
+    <p:extLst>
+      <p:ext uri="{BB962C8B-B14F-4D97-AF65-F5344CB8AC3E}">
+        <p14:creationId xmlns:p14="http://schemas.microsoft.com/office/powerpoint/2010/main" val="347939456"/>
       </p:ext>
     </p:extLst>
   </p:cSld>
@@ -12917,7 +13951,18 @@
             </a:r>
             <a:r>
               <a:rPr kumimoji="1" lang="zh-TW" altLang="en-US" dirty="0" smtClean="0"/>
-              <a:t>決策樹算法</a:t>
+              <a:t>決策樹</a:t>
+            </a:r>
+            <a:r>
+              <a:rPr kumimoji="1" lang="zh-TW" altLang="en-US" dirty="0" smtClean="0"/>
+              <a:t>算法</a:t>
+            </a:r>
+            <a:endParaRPr kumimoji="1" lang="en-US" altLang="zh-TW" dirty="0" smtClean="0"/>
+          </a:p>
+          <a:p>
+            <a:r>
+              <a:rPr kumimoji="1" lang="zh-TW" altLang="en-US" dirty="0" smtClean="0"/>
+              <a:t>線性迴歸</a:t>
             </a:r>
             <a:endParaRPr kumimoji="1" lang="en-US" altLang="zh-TW" dirty="0" smtClean="0"/>
           </a:p>
@@ -13020,7 +14065,7 @@
           </a:p>
           <a:p>
             <a:r>
-              <a:rPr kumimoji="1" lang="zh-TW" altLang="en-US" smtClean="0"/>
+              <a:rPr kumimoji="1" lang="zh-TW" altLang="en-US" dirty="0" smtClean="0"/>
               <a:t>相關：機率與統計</a:t>
             </a:r>
             <a:endParaRPr kumimoji="1" lang="zh-CN" altLang="en-US" dirty="0"/>
@@ -13073,8 +14118,8 @@
           <a:lstStyle/>
           <a:p>
             <a:r>
-              <a:rPr kumimoji="1" lang="en-US" altLang="zh-CN" dirty="0" smtClean="0"/>
-              <a:t>KNN</a:t>
+              <a:rPr kumimoji="1" lang="zh-TW" altLang="en-US" dirty="0"/>
+              <a:t>貝葉斯算法</a:t>
             </a:r>
             <a:endParaRPr kumimoji="1" lang="zh-CN" altLang="en-US" dirty="0"/>
           </a:p>
@@ -13096,92 +14141,16 @@
           <a:lstStyle/>
           <a:p>
             <a:r>
-              <a:rPr lang="zh-CN" altLang="en-US" dirty="0"/>
-              <a:t>何谓</a:t>
-            </a:r>
-            <a:r>
-              <a:rPr lang="en-US" altLang="zh-CN" dirty="0"/>
-              <a:t>K</a:t>
-            </a:r>
-            <a:r>
-              <a:rPr lang="zh-CN" altLang="en-US" dirty="0"/>
-              <a:t>近邻算法，即</a:t>
-            </a:r>
-            <a:r>
-              <a:rPr lang="en-US" altLang="zh-CN" dirty="0"/>
-              <a:t>K-Nearest Neighbor algorithm</a:t>
-            </a:r>
-            <a:r>
-              <a:rPr lang="zh-CN" altLang="en-US" dirty="0"/>
-              <a:t>，简称</a:t>
-            </a:r>
-            <a:r>
-              <a:rPr lang="en-US" altLang="zh-CN" dirty="0"/>
-              <a:t>KNN</a:t>
-            </a:r>
-            <a:r>
-              <a:rPr lang="zh-CN" altLang="en-US" dirty="0"/>
-              <a:t>算法，单从名字来猜想，可以简单粗暴的认为是：</a:t>
-            </a:r>
-            <a:r>
-              <a:rPr lang="en-US" altLang="zh-CN" dirty="0"/>
-              <a:t>K</a:t>
-            </a:r>
-            <a:r>
-              <a:rPr lang="zh-CN" altLang="en-US" dirty="0"/>
-              <a:t>个最近的邻居，当</a:t>
-            </a:r>
-            <a:r>
-              <a:rPr lang="en-US" altLang="zh-CN" dirty="0"/>
-              <a:t>K=1</a:t>
-            </a:r>
-            <a:r>
-              <a:rPr lang="zh-CN" altLang="en-US" dirty="0"/>
-              <a:t>时，算法便成了最近邻算法，即寻找最近的那个邻居。</a:t>
-            </a:r>
-          </a:p>
-          <a:p>
-            <a:r>
-              <a:rPr lang="zh-CN" altLang="en-US" dirty="0"/>
-              <a:t>用官方的话来说，所谓</a:t>
-            </a:r>
-            <a:r>
-              <a:rPr lang="en-US" altLang="zh-CN" dirty="0"/>
-              <a:t>K</a:t>
-            </a:r>
-            <a:r>
-              <a:rPr lang="zh-CN" altLang="en-US" dirty="0"/>
-              <a:t>近邻算法，即是给定一个训练数据集，对新的输入实例，</a:t>
-            </a:r>
-            <a:r>
-              <a:rPr lang="zh-CN" altLang="en-US" b="1" dirty="0"/>
-              <a:t>在训练数据集中找到与该实例最邻近的</a:t>
-            </a:r>
-            <a:r>
-              <a:rPr lang="en-US" altLang="zh-CN" b="1" dirty="0"/>
-              <a:t>K</a:t>
-            </a:r>
-            <a:r>
-              <a:rPr lang="zh-CN" altLang="en-US" b="1" dirty="0"/>
-              <a:t>个实例（也就是上面所说的</a:t>
-            </a:r>
-            <a:r>
-              <a:rPr lang="en-US" altLang="zh-CN" b="1" dirty="0"/>
-              <a:t>K</a:t>
-            </a:r>
-            <a:r>
-              <a:rPr lang="zh-CN" altLang="en-US" b="1" dirty="0"/>
-              <a:t>个邻居），这</a:t>
-            </a:r>
-            <a:r>
-              <a:rPr lang="en-US" altLang="zh-CN" b="1" dirty="0"/>
-              <a:t>K</a:t>
-            </a:r>
-            <a:r>
-              <a:rPr lang="zh-CN" altLang="en-US" b="1" dirty="0"/>
-              <a:t>个实例的多数属于某个类，就把该输入实例分类到这个类中。</a:t>
-            </a:r>
-            <a:endParaRPr lang="zh-CN" altLang="en-US" dirty="0"/>
+              <a:rPr kumimoji="1" lang="en-US" altLang="zh-TW" dirty="0" err="1" smtClean="0"/>
+              <a:t>Sklearn</a:t>
+            </a:r>
+            <a:r>
+              <a:rPr kumimoji="1" lang="en-US" altLang="zh-TW" dirty="0" smtClean="0"/>
+              <a:t> lib use code example ?</a:t>
+            </a:r>
+          </a:p>
+          <a:p>
+            <a:endParaRPr kumimoji="1" lang="en-US" altLang="zh-TW" dirty="0" smtClean="0"/>
           </a:p>
           <a:p>
             <a:endParaRPr kumimoji="1" lang="zh-CN" altLang="en-US" dirty="0"/>
@@ -13191,7 +14160,7 @@
     </p:spTree>
     <p:extLst>
       <p:ext uri="{BB962C8B-B14F-4D97-AF65-F5344CB8AC3E}">
-        <p14:creationId xmlns:p14="http://schemas.microsoft.com/office/powerpoint/2010/main" val="3272794576"/>
+        <p14:creationId xmlns:p14="http://schemas.microsoft.com/office/powerpoint/2010/main" val="3849555844"/>
       </p:ext>
     </p:extLst>
   </p:cSld>
@@ -13241,34 +14210,118 @@
           </a:p>
         </p:txBody>
       </p:sp>
-      <p:pic>
-        <p:nvPicPr>
-          <p:cNvPr id="7" name="内容占位符 6"/>
-          <p:cNvPicPr>
-            <a:picLocks noGrp="1" noChangeAspect="1"/>
-          </p:cNvPicPr>
+      <p:sp>
+        <p:nvSpPr>
+          <p:cNvPr id="3" name="内容占位符 2"/>
+          <p:cNvSpPr>
+            <a:spLocks noGrp="1"/>
+          </p:cNvSpPr>
           <p:nvPr>
             <p:ph idx="1"/>
           </p:nvPr>
-        </p:nvPicPr>
-        <p:blipFill>
-          <a:blip r:embed="rId3"/>
-          <a:srcRect t="20751" b="20751"/>
-          <a:stretch>
-            <a:fillRect/>
-          </a:stretch>
-        </p:blipFill>
-        <p:spPr>
-          <a:xfrm>
-            <a:off x="1632903" y="2410014"/>
-            <a:ext cx="5712777" cy="3018714"/>
-          </a:xfrm>
-        </p:spPr>
-      </p:pic>
+        </p:nvSpPr>
+        <p:spPr/>
+        <p:txBody>
+          <a:bodyPr/>
+          <a:lstStyle/>
+          <a:p>
+            <a:r>
+              <a:rPr lang="zh-CN" altLang="en-US" dirty="0"/>
+              <a:t>何谓</a:t>
+            </a:r>
+            <a:r>
+              <a:rPr lang="en-US" altLang="zh-CN" dirty="0"/>
+              <a:t>K</a:t>
+            </a:r>
+            <a:r>
+              <a:rPr lang="zh-CN" altLang="en-US" dirty="0"/>
+              <a:t>近邻算法，即</a:t>
+            </a:r>
+            <a:r>
+              <a:rPr lang="en-US" altLang="zh-CN" dirty="0"/>
+              <a:t>K-Nearest Neighbor algorithm</a:t>
+            </a:r>
+            <a:r>
+              <a:rPr lang="zh-CN" altLang="en-US" dirty="0"/>
+              <a:t>，简称</a:t>
+            </a:r>
+            <a:r>
+              <a:rPr lang="en-US" altLang="zh-CN" dirty="0"/>
+              <a:t>KNN</a:t>
+            </a:r>
+            <a:r>
+              <a:rPr lang="zh-CN" altLang="en-US" dirty="0"/>
+              <a:t>算法，单从名字来猜想，可以简单粗暴的认为是：</a:t>
+            </a:r>
+            <a:r>
+              <a:rPr lang="en-US" altLang="zh-CN" dirty="0"/>
+              <a:t>K</a:t>
+            </a:r>
+            <a:r>
+              <a:rPr lang="zh-CN" altLang="en-US" dirty="0"/>
+              <a:t>个最近的邻居，当</a:t>
+            </a:r>
+            <a:r>
+              <a:rPr lang="en-US" altLang="zh-CN" dirty="0"/>
+              <a:t>K=1</a:t>
+            </a:r>
+            <a:r>
+              <a:rPr lang="zh-CN" altLang="en-US" dirty="0"/>
+              <a:t>时，算法便成了最近邻算法，即寻找最近的那个邻居。</a:t>
+            </a:r>
+          </a:p>
+          <a:p>
+            <a:r>
+              <a:rPr lang="zh-CN" altLang="en-US" dirty="0"/>
+              <a:t>用官方的话来说，所谓</a:t>
+            </a:r>
+            <a:r>
+              <a:rPr lang="en-US" altLang="zh-CN" dirty="0"/>
+              <a:t>K</a:t>
+            </a:r>
+            <a:r>
+              <a:rPr lang="zh-CN" altLang="en-US" dirty="0"/>
+              <a:t>近邻算法，即是给定一个训练数据集，对新的输入实例，</a:t>
+            </a:r>
+            <a:r>
+              <a:rPr lang="zh-CN" altLang="en-US" b="1" dirty="0"/>
+              <a:t>在训练数据集中找到与该实例最邻近的</a:t>
+            </a:r>
+            <a:r>
+              <a:rPr lang="en-US" altLang="zh-CN" b="1" dirty="0"/>
+              <a:t>K</a:t>
+            </a:r>
+            <a:r>
+              <a:rPr lang="zh-CN" altLang="en-US" b="1" dirty="0"/>
+              <a:t>个实例（也就是上面所说的</a:t>
+            </a:r>
+            <a:r>
+              <a:rPr lang="en-US" altLang="zh-CN" b="1" dirty="0"/>
+              <a:t>K</a:t>
+            </a:r>
+            <a:r>
+              <a:rPr lang="zh-CN" altLang="en-US" b="1" dirty="0"/>
+              <a:t>个邻居），这</a:t>
+            </a:r>
+            <a:r>
+              <a:rPr lang="en-US" altLang="zh-CN" b="1" dirty="0"/>
+              <a:t>K</a:t>
+            </a:r>
+            <a:r>
+              <a:rPr lang="zh-CN" altLang="en-US" b="1" dirty="0"/>
+              <a:t>个实例的多数属于某个类，就把该输入实例分类到这个类中。</a:t>
+            </a:r>
+            <a:endParaRPr lang="zh-CN" altLang="en-US" dirty="0"/>
+          </a:p>
+          <a:p>
+            <a:endParaRPr kumimoji="1" lang="zh-CN" altLang="en-US" dirty="0"/>
+          </a:p>
+        </p:txBody>
+      </p:sp>
     </p:spTree>
     <p:extLst>
       <p:ext uri="{BB962C8B-B14F-4D97-AF65-F5344CB8AC3E}">
-        <p14:creationId xmlns:p14="http://schemas.microsoft.com/office/powerpoint/2010/main" val="3850614537"/>
+        <p14:creationId xmlns:p14="http://schemas.microsoft.com/office/powerpoint/2010/main" val="3272794576"/>
       </p:ext>
     </p:extLst>
   </p:cSld>

--- a/ml traing sean_detail.pptx
+++ b/ml traing sean_detail.pptx
@@ -5334,7 +5334,7 @@
           <a:p>
             <a:fld id="{1766A5AD-8774-FE44-A0A9-16F81BF90977}" type="datetimeFigureOut">
               <a:rPr kumimoji="1" lang="zh-CN" altLang="en-US" smtClean="0"/>
-              <a:t>01/09/20</a:t>
+              <a:t>02/09/20</a:t>
             </a:fld>
             <a:endParaRPr kumimoji="1" lang="zh-CN" altLang="en-US"/>
           </a:p>
@@ -6354,7 +6354,7 @@
           <a:p>
             <a:fld id="{B1115196-1C6F-4784-83AC-30756D8F10B3}" type="datetimeFigureOut">
               <a:rPr lang="en-US" smtClean="0"/>
-              <a:t>01/09/20</a:t>
+              <a:t>02/09/20</a:t>
             </a:fld>
             <a:endParaRPr lang="en-US"/>
           </a:p>
@@ -6783,7 +6783,7 @@
           <a:p>
             <a:fld id="{B1115196-1C6F-4784-83AC-30756D8F10B3}" type="datetimeFigureOut">
               <a:rPr lang="en-US" smtClean="0"/>
-              <a:t>01/09/20</a:t>
+              <a:t>02/09/20</a:t>
             </a:fld>
             <a:endParaRPr lang="en-US"/>
           </a:p>
@@ -6988,7 +6988,7 @@
           <a:p>
             <a:fld id="{B1115196-1C6F-4784-83AC-30756D8F10B3}" type="datetimeFigureOut">
               <a:rPr lang="en-US" smtClean="0"/>
-              <a:t>01/09/20</a:t>
+              <a:t>02/09/20</a:t>
             </a:fld>
             <a:endParaRPr lang="en-US"/>
           </a:p>
@@ -7259,7 +7259,7 @@
           <a:p>
             <a:fld id="{B1115196-1C6F-4784-83AC-30756D8F10B3}" type="datetimeFigureOut">
               <a:rPr lang="en-US" smtClean="0"/>
-              <a:t>01/09/20</a:t>
+              <a:t>02/09/20</a:t>
             </a:fld>
             <a:endParaRPr lang="en-US"/>
           </a:p>
@@ -7540,7 +7540,7 @@
           <a:p>
             <a:fld id="{B1115196-1C6F-4784-83AC-30756D8F10B3}" type="datetimeFigureOut">
               <a:rPr lang="en-US" smtClean="0"/>
-              <a:t>01/09/20</a:t>
+              <a:t>02/09/20</a:t>
             </a:fld>
             <a:endParaRPr lang="en-US"/>
           </a:p>
@@ -7775,7 +7775,7 @@
           <a:p>
             <a:fld id="{B1115196-1C6F-4784-83AC-30756D8F10B3}" type="datetimeFigureOut">
               <a:rPr lang="en-US" smtClean="0"/>
-              <a:t>01/09/20</a:t>
+              <a:t>02/09/20</a:t>
             </a:fld>
             <a:endParaRPr lang="en-US"/>
           </a:p>
@@ -8056,7 +8056,7 @@
           <a:p>
             <a:fld id="{B1115196-1C6F-4784-83AC-30756D8F10B3}" type="datetimeFigureOut">
               <a:rPr lang="en-US" smtClean="0"/>
-              <a:t>01/09/20</a:t>
+              <a:t>02/09/20</a:t>
             </a:fld>
             <a:endParaRPr lang="en-US"/>
           </a:p>
@@ -8483,7 +8483,7 @@
           <a:p>
             <a:fld id="{B1115196-1C6F-4784-83AC-30756D8F10B3}" type="datetimeFigureOut">
               <a:rPr lang="en-US" smtClean="0"/>
-              <a:t>01/09/20</a:t>
+              <a:t>02/09/20</a:t>
             </a:fld>
             <a:endParaRPr lang="en-US"/>
           </a:p>
@@ -9006,7 +9006,7 @@
           <a:p>
             <a:fld id="{B1115196-1C6F-4784-83AC-30756D8F10B3}" type="datetimeFigureOut">
               <a:rPr lang="en-US" smtClean="0"/>
-              <a:t>01/09/20</a:t>
+              <a:t>02/09/20</a:t>
             </a:fld>
             <a:endParaRPr lang="en-US"/>
           </a:p>
@@ -9368,7 +9368,7 @@
           <a:p>
             <a:fld id="{B1115196-1C6F-4784-83AC-30756D8F10B3}" type="datetimeFigureOut">
               <a:rPr lang="en-US" smtClean="0"/>
-              <a:t>01/09/20</a:t>
+              <a:t>02/09/20</a:t>
             </a:fld>
             <a:endParaRPr lang="en-US"/>
           </a:p>
@@ -9924,7 +9924,7 @@
           <a:p>
             <a:fld id="{B1115196-1C6F-4784-83AC-30756D8F10B3}" type="datetimeFigureOut">
               <a:rPr lang="en-US" smtClean="0"/>
-              <a:t>01/09/20</a:t>
+              <a:t>02/09/20</a:t>
             </a:fld>
             <a:endParaRPr lang="en-US"/>
           </a:p>
@@ -10149,7 +10149,7 @@
           <a:p>
             <a:fld id="{B1115196-1C6F-4784-83AC-30756D8F10B3}" type="datetimeFigureOut">
               <a:rPr lang="en-US" smtClean="0"/>
-              <a:t>01/09/20</a:t>
+              <a:t>02/09/20</a:t>
             </a:fld>
             <a:endParaRPr lang="en-US"/>
           </a:p>
@@ -10295,7 +10295,7 @@
           <a:p>
             <a:fld id="{B1115196-1C6F-4784-83AC-30756D8F10B3}" type="datetimeFigureOut">
               <a:rPr lang="en-US" smtClean="0"/>
-              <a:t>01/09/20</a:t>
+              <a:t>02/09/20</a:t>
             </a:fld>
             <a:endParaRPr lang="en-US"/>
           </a:p>
@@ -10760,7 +10760,7 @@
           <a:p>
             <a:fld id="{B1115196-1C6F-4784-83AC-30756D8F10B3}" type="datetimeFigureOut">
               <a:rPr lang="en-US" smtClean="0"/>
-              <a:t>01/09/20</a:t>
+              <a:t>02/09/20</a:t>
             </a:fld>
             <a:endParaRPr lang="en-US"/>
           </a:p>
@@ -10982,7 +10982,7 @@
           <a:p>
             <a:fld id="{B1115196-1C6F-4784-83AC-30756D8F10B3}" type="datetimeFigureOut">
               <a:rPr lang="en-US" smtClean="0"/>
-              <a:t>01/09/20</a:t>
+              <a:t>02/09/20</a:t>
             </a:fld>
             <a:endParaRPr lang="en-US"/>
           </a:p>
@@ -11630,12 +11630,19 @@
             </a:r>
             <a:r>
               <a:rPr kumimoji="1" lang="en-US" altLang="zh-CN" dirty="0" smtClean="0"/>
-              <a:t> to determine number with hand </a:t>
+              <a:t> to determine number with hand writing</a:t>
             </a:r>
             <a:r>
               <a:rPr kumimoji="1" lang="en-US" altLang="zh-CN" dirty="0" smtClean="0"/>
-              <a:t>writing?</a:t>
-            </a:r>
+              <a:t>?</a:t>
+            </a:r>
+          </a:p>
+          <a:p>
+            <a:r>
+              <a:rPr kumimoji="1" lang="en-US" altLang="zh-CN" dirty="0" smtClean="0"/>
+              <a:t>handwriting_c1_prac.py</a:t>
+            </a:r>
+            <a:endParaRPr kumimoji="1" lang="en-US" altLang="zh-CN" dirty="0" smtClean="0"/>
           </a:p>
           <a:p>
             <a:r>
@@ -11644,55 +11651,18 @@
             </a:r>
             <a:r>
               <a:rPr kumimoji="1" lang="en-US" altLang="zh-CN" dirty="0" smtClean="0"/>
-              <a:t> lib use  to determine number with hand writing?</a:t>
-            </a:r>
-          </a:p>
-          <a:p>
-            <a:r>
-              <a:rPr lang="zh-CN" altLang="en-US" dirty="0"/>
-              <a:t>使用</a:t>
-            </a:r>
-            <a:r>
-              <a:rPr lang="en-US" altLang="zh-CN" dirty="0"/>
-              <a:t>K</a:t>
-            </a:r>
-            <a:r>
-              <a:rPr lang="zh-CN" altLang="en-US" dirty="0"/>
-              <a:t>折交叉验证寻找最优的</a:t>
-            </a:r>
-            <a:r>
-              <a:rPr lang="en-US" altLang="zh-CN" dirty="0"/>
-              <a:t>K </a:t>
-            </a:r>
-            <a:r>
-              <a:rPr lang="en-US" altLang="zh-CN" dirty="0" smtClean="0"/>
+              <a:t> lib use  to determine number with hand writing</a:t>
+            </a:r>
+            <a:r>
+              <a:rPr kumimoji="1" lang="en-US" altLang="zh-CN" dirty="0" smtClean="0"/>
               <a:t>?</a:t>
             </a:r>
           </a:p>
           <a:p>
             <a:r>
-              <a:rPr lang="zh-CN" altLang="en-US" dirty="0" smtClean="0"/>
-              <a:t>使用</a:t>
-            </a:r>
-            <a:r>
-              <a:rPr lang="en-US" altLang="zh-CN" dirty="0"/>
-              <a:t>KNN</a:t>
-            </a:r>
-            <a:r>
-              <a:rPr lang="zh-CN" altLang="en-US" dirty="0"/>
-              <a:t>解决房价预测</a:t>
-            </a:r>
-            <a:r>
-              <a:rPr lang="zh-CN" altLang="en-US" dirty="0" smtClean="0"/>
-              <a:t>的回归问题</a:t>
-            </a:r>
-            <a:r>
-              <a:rPr lang="en-US" altLang="zh-CN" dirty="0" smtClean="0"/>
-              <a:t>?</a:t>
-            </a:r>
-            <a:endParaRPr kumimoji="1" lang="en-US" altLang="zh-CN" dirty="0" smtClean="0"/>
-          </a:p>
-          <a:p>
+              <a:rPr kumimoji="1" lang="en-US" altLang="zh-CN" dirty="0" smtClean="0"/>
+              <a:t>handwriting_sklearn_c2_prac.py</a:t>
+            </a:r>
             <a:endParaRPr kumimoji="1" lang="en-US" altLang="zh-CN" dirty="0" smtClean="0"/>
           </a:p>
           <a:p>
@@ -13951,11 +13921,7 @@
             </a:r>
             <a:r>
               <a:rPr kumimoji="1" lang="zh-TW" altLang="en-US" dirty="0" smtClean="0"/>
-              <a:t>決策樹</a:t>
-            </a:r>
-            <a:r>
-              <a:rPr kumimoji="1" lang="zh-TW" altLang="en-US" dirty="0" smtClean="0"/>
-              <a:t>算法</a:t>
+              <a:t>決策樹算法</a:t>
             </a:r>
             <a:endParaRPr kumimoji="1" lang="en-US" altLang="zh-TW" dirty="0" smtClean="0"/>
           </a:p>
@@ -14146,8 +14112,68 @@
             </a:r>
             <a:r>
               <a:rPr kumimoji="1" lang="en-US" altLang="zh-TW" dirty="0" smtClean="0"/>
-              <a:t> lib use code example ?</a:t>
-            </a:r>
+              <a:t> lib use code example </a:t>
+            </a:r>
+            <a:r>
+              <a:rPr kumimoji="1" lang="en-US" altLang="zh-TW" dirty="0" smtClean="0"/>
+              <a:t>?</a:t>
+            </a:r>
+          </a:p>
+          <a:p>
+            <a:r>
+              <a:rPr kumimoji="1" lang="en-US" altLang="zh-TW" dirty="0" err="1"/>
+              <a:t>Gaussian_Naive</a:t>
+            </a:r>
+            <a:r>
+              <a:rPr kumimoji="1" lang="en-US" altLang="zh-TW" dirty="0"/>
+              <a:t> </a:t>
+            </a:r>
+            <a:r>
+              <a:rPr kumimoji="1" lang="en-US" altLang="zh-TW" dirty="0" smtClean="0"/>
+              <a:t>_</a:t>
+            </a:r>
+            <a:r>
+              <a:rPr kumimoji="1" lang="en-US" altLang="zh-TW" dirty="0" err="1" smtClean="0"/>
+              <a:t>Bayes.py</a:t>
+            </a:r>
+            <a:r>
+              <a:rPr kumimoji="1" lang="zh-TW" altLang="en-US" dirty="0" smtClean="0"/>
+              <a:t>(高斯分佈貝葉斯模型</a:t>
+            </a:r>
+            <a:r>
+              <a:rPr kumimoji="1" lang="en-US" altLang="zh-TW" dirty="0" smtClean="0"/>
+              <a:t>)</a:t>
+            </a:r>
+            <a:endParaRPr kumimoji="1" lang="en-US" altLang="zh-TW" dirty="0"/>
+          </a:p>
+          <a:p>
+            <a:r>
+              <a:rPr kumimoji="1" lang="en-US" altLang="zh-TW" dirty="0" err="1" smtClean="0"/>
+              <a:t>span_classification_naive_bayes_prac</a:t>
+            </a:r>
+            <a:r>
+              <a:rPr kumimoji="1" lang="en-US" altLang="zh-TW" dirty="0" smtClean="0"/>
+              <a:t> </a:t>
+            </a:r>
+            <a:r>
+              <a:rPr kumimoji="1" lang="en-US" altLang="zh-TW" dirty="0" smtClean="0"/>
+              <a:t>(</a:t>
+            </a:r>
+            <a:r>
+              <a:rPr kumimoji="1" lang="zh-TW" altLang="en-US" dirty="0" smtClean="0"/>
+              <a:t>白努力貝葉斯模型</a:t>
+            </a:r>
+            <a:r>
+              <a:rPr kumimoji="1" lang="en-US" altLang="zh-TW" dirty="0" smtClean="0"/>
+              <a:t>)</a:t>
+            </a:r>
+            <a:endParaRPr kumimoji="1" lang="en-US" altLang="zh-TW" dirty="0" smtClean="0"/>
+          </a:p>
+          <a:p>
+            <a:endParaRPr kumimoji="1" lang="en-US" altLang="zh-TW" dirty="0"/>
+          </a:p>
+          <a:p>
+            <a:endParaRPr kumimoji="1" lang="en-US" altLang="zh-TW" dirty="0" smtClean="0"/>
           </a:p>
           <a:p>
             <a:endParaRPr kumimoji="1" lang="en-US" altLang="zh-TW" dirty="0" smtClean="0"/>

--- a/ml traing sean_detail.pptx
+++ b/ml traing sean_detail.pptx
@@ -132,6 +132,22 @@
       </a:defRPr>
     </a:lvl9pPr>
   </p:defaultTextStyle>
+  <p:extLst>
+    <p:ext uri="{EFAFB233-063F-42B5-8137-9DF3F51BA10A}">
+      <p15:sldGuideLst xmlns:p15="http://schemas.microsoft.com/office/powerpoint/2012/main">
+        <p15:guide id="1" orient="horz" pos="2160">
+          <p15:clr>
+            <a:srgbClr val="A4A3A4"/>
+          </p15:clr>
+        </p15:guide>
+        <p15:guide id="2" pos="2880">
+          <p15:clr>
+            <a:srgbClr val="A4A3A4"/>
+          </p15:clr>
+        </p15:guide>
+      </p15:sldGuideLst>
+    </p:ext>
+  </p:extLst>
 </p:presentation>
 </file>
 
@@ -1651,7 +1667,7 @@
         <a:lstStyle/>
         <a:p>
           <a:r>
-            <a:rPr lang="en-US" altLang="zh-CN" dirty="0" smtClean="0"/>
+            <a:rPr lang="en-US" altLang="zh-CN" dirty="0"/>
             <a:t>Raw data</a:t>
           </a:r>
           <a:endParaRPr lang="zh-CN" altLang="en-US" dirty="0"/>
@@ -1695,13 +1711,13 @@
         <a:lstStyle/>
         <a:p>
           <a:r>
-            <a:rPr lang="en-US" altLang="zh-CN" dirty="0" smtClean="0"/>
+            <a:rPr lang="en-US" altLang="zh-CN" dirty="0"/>
             <a:t>Model</a:t>
           </a:r>
         </a:p>
         <a:p>
           <a:r>
-            <a:rPr lang="en-US" altLang="zh-CN" dirty="0" smtClean="0"/>
+            <a:rPr lang="en-US" altLang="zh-CN" dirty="0"/>
             <a:t>process</a:t>
           </a:r>
           <a:endParaRPr lang="zh-CN" altLang="en-US" dirty="0"/>
@@ -1745,7 +1761,7 @@
         <a:lstStyle/>
         <a:p>
           <a:r>
-            <a:rPr lang="en-US" altLang="zh-CN" dirty="0" smtClean="0"/>
+            <a:rPr lang="en-US" altLang="zh-CN" dirty="0"/>
             <a:t>Class result</a:t>
           </a:r>
           <a:endParaRPr lang="zh-CN" altLang="en-US" dirty="0"/>
@@ -1805,13 +1821,6 @@
         </dgm:presLayoutVars>
       </dgm:prSet>
       <dgm:spPr/>
-      <dgm:t>
-        <a:bodyPr/>
-        <a:lstStyle/>
-        <a:p>
-          <a:endParaRPr lang="zh-CN" altLang="en-US"/>
-        </a:p>
-      </dgm:t>
     </dgm:pt>
     <dgm:pt modelId="{A5FDBBD1-BAF4-EC44-BDD8-41CAC764BD25}" type="pres">
       <dgm:prSet presAssocID="{E8D03164-C684-704B-9009-CAA3D5A42AC9}" presName="sibTrans" presStyleCnt="0"/>
@@ -1824,13 +1833,6 @@
         </dgm:presLayoutVars>
       </dgm:prSet>
       <dgm:spPr/>
-      <dgm:t>
-        <a:bodyPr/>
-        <a:lstStyle/>
-        <a:p>
-          <a:endParaRPr lang="zh-CN" altLang="en-US"/>
-        </a:p>
-      </dgm:t>
     </dgm:pt>
     <dgm:pt modelId="{78D65D3D-53C0-0843-970A-B8C504E04583}" type="pres">
       <dgm:prSet presAssocID="{4CBB8FD3-1C5D-3642-A971-6B7B262D2876}" presName="sibTrans" presStyleCnt="0"/>
@@ -1843,23 +1845,16 @@
         </dgm:presLayoutVars>
       </dgm:prSet>
       <dgm:spPr/>
-      <dgm:t>
-        <a:bodyPr/>
-        <a:lstStyle/>
-        <a:p>
-          <a:endParaRPr lang="zh-CN" altLang="en-US"/>
-        </a:p>
-      </dgm:t>
     </dgm:pt>
   </dgm:ptLst>
   <dgm:cxnLst>
     <dgm:cxn modelId="{FCEC3246-F350-CB4D-8BED-822F9AC25FCE}" type="presOf" srcId="{738FB070-9B70-B243-AF56-224D57852DE4}" destId="{E4C990E4-716C-3042-9279-DB52C8C61FE7}" srcOrd="0" destOrd="0" presId="urn:microsoft.com/office/officeart/2005/8/layout/hProcess9"/>
+    <dgm:cxn modelId="{7FC2B953-0A58-7E48-9951-724A4D1E8746}" type="presOf" srcId="{F6BF0F59-CEE8-4846-86B5-7BA2E3FFD714}" destId="{F5994DC2-84D5-5145-ACCD-8DB8FD66C2E6}" srcOrd="0" destOrd="0" presId="urn:microsoft.com/office/officeart/2005/8/layout/hProcess9"/>
+    <dgm:cxn modelId="{FB456C5F-7DC9-B141-A813-951018C076B8}" srcId="{2F52F0C9-5C10-2347-AC18-D21FF3017406}" destId="{738FB070-9B70-B243-AF56-224D57852DE4}" srcOrd="1" destOrd="0" parTransId="{83E8E49F-6DCA-5942-989D-6D803130A0A9}" sibTransId="{4CBB8FD3-1C5D-3642-A971-6B7B262D2876}"/>
+    <dgm:cxn modelId="{41CB7088-74E9-1F47-8A9D-36C460AA82F9}" type="presOf" srcId="{59E14426-996C-2D4B-A076-93EBD8756751}" destId="{E3C4F012-47FA-D34E-9DEC-15A5BAF77B4D}" srcOrd="0" destOrd="0" presId="urn:microsoft.com/office/officeart/2005/8/layout/hProcess9"/>
+    <dgm:cxn modelId="{B367C2A1-01C2-654A-A3E8-0C282F4EA7A9}" type="presOf" srcId="{2F52F0C9-5C10-2347-AC18-D21FF3017406}" destId="{C0C20C29-AB35-F34D-A178-83A0BB599C6C}" srcOrd="0" destOrd="0" presId="urn:microsoft.com/office/officeart/2005/8/layout/hProcess9"/>
+    <dgm:cxn modelId="{CF7A32BD-6036-D645-8DD4-2E2CAD5F6970}" srcId="{2F52F0C9-5C10-2347-AC18-D21FF3017406}" destId="{59E14426-996C-2D4B-A076-93EBD8756751}" srcOrd="2" destOrd="0" parTransId="{DD05F87A-29B8-3F48-8525-AE707F08F50E}" sibTransId="{B3424042-F1A7-D944-A0D1-6C09825E4386}"/>
     <dgm:cxn modelId="{5BC81AD7-9C98-8B45-B83E-B1ED3D1A46CA}" srcId="{2F52F0C9-5C10-2347-AC18-D21FF3017406}" destId="{F6BF0F59-CEE8-4846-86B5-7BA2E3FFD714}" srcOrd="0" destOrd="0" parTransId="{5BC62426-F22F-7049-B472-A67BBCEFBC12}" sibTransId="{E8D03164-C684-704B-9009-CAA3D5A42AC9}"/>
-    <dgm:cxn modelId="{41CB7088-74E9-1F47-8A9D-36C460AA82F9}" type="presOf" srcId="{59E14426-996C-2D4B-A076-93EBD8756751}" destId="{E3C4F012-47FA-D34E-9DEC-15A5BAF77B4D}" srcOrd="0" destOrd="0" presId="urn:microsoft.com/office/officeart/2005/8/layout/hProcess9"/>
-    <dgm:cxn modelId="{FB456C5F-7DC9-B141-A813-951018C076B8}" srcId="{2F52F0C9-5C10-2347-AC18-D21FF3017406}" destId="{738FB070-9B70-B243-AF56-224D57852DE4}" srcOrd="1" destOrd="0" parTransId="{83E8E49F-6DCA-5942-989D-6D803130A0A9}" sibTransId="{4CBB8FD3-1C5D-3642-A971-6B7B262D2876}"/>
-    <dgm:cxn modelId="{B367C2A1-01C2-654A-A3E8-0C282F4EA7A9}" type="presOf" srcId="{2F52F0C9-5C10-2347-AC18-D21FF3017406}" destId="{C0C20C29-AB35-F34D-A178-83A0BB599C6C}" srcOrd="0" destOrd="0" presId="urn:microsoft.com/office/officeart/2005/8/layout/hProcess9"/>
-    <dgm:cxn modelId="{7FC2B953-0A58-7E48-9951-724A4D1E8746}" type="presOf" srcId="{F6BF0F59-CEE8-4846-86B5-7BA2E3FFD714}" destId="{F5994DC2-84D5-5145-ACCD-8DB8FD66C2E6}" srcOrd="0" destOrd="0" presId="urn:microsoft.com/office/officeart/2005/8/layout/hProcess9"/>
-    <dgm:cxn modelId="{CF7A32BD-6036-D645-8DD4-2E2CAD5F6970}" srcId="{2F52F0C9-5C10-2347-AC18-D21FF3017406}" destId="{59E14426-996C-2D4B-A076-93EBD8756751}" srcOrd="2" destOrd="0" parTransId="{DD05F87A-29B8-3F48-8525-AE707F08F50E}" sibTransId="{B3424042-F1A7-D944-A0D1-6C09825E4386}"/>
     <dgm:cxn modelId="{83474ECC-3643-6345-8A59-EECFC9CAF197}" type="presParOf" srcId="{C0C20C29-AB35-F34D-A178-83A0BB599C6C}" destId="{251EFD85-4C8F-4943-9B83-685CA0EF0216}" srcOrd="0" destOrd="0" presId="urn:microsoft.com/office/officeart/2005/8/layout/hProcess9"/>
     <dgm:cxn modelId="{C0E0343B-7C5C-7640-9DF0-A8CF3265A361}" type="presParOf" srcId="{C0C20C29-AB35-F34D-A178-83A0BB599C6C}" destId="{850F9872-14F6-5F4B-961E-E01E7FAAEEB9}" srcOrd="1" destOrd="0" presId="urn:microsoft.com/office/officeart/2005/8/layout/hProcess9"/>
     <dgm:cxn modelId="{ECB70CDA-68A0-1B41-B349-2241A7A321F2}" type="presParOf" srcId="{850F9872-14F6-5F4B-961E-E01E7FAAEEB9}" destId="{F5994DC2-84D5-5145-ACCD-8DB8FD66C2E6}" srcOrd="0" destOrd="0" presId="urn:microsoft.com/office/officeart/2005/8/layout/hProcess9"/>
@@ -1900,7 +1895,7 @@
         <a:lstStyle/>
         <a:p>
           <a:r>
-            <a:rPr lang="en-US" altLang="zh-TW" dirty="0" smtClean="0"/>
+            <a:rPr lang="en-US" altLang="zh-TW" dirty="0"/>
             <a:t>app</a:t>
           </a:r>
           <a:endParaRPr lang="zh-CN" altLang="en-US" dirty="0"/>
@@ -1944,15 +1939,15 @@
         <a:lstStyle/>
         <a:p>
           <a:r>
-            <a:rPr lang="en-US" altLang="zh-CN" dirty="0" smtClean="0"/>
+            <a:rPr lang="en-US" altLang="zh-CN" dirty="0"/>
             <a:t>Alg</a:t>
           </a:r>
           <a:r>
-            <a:rPr lang="en-US" altLang="zh-TW" dirty="0" smtClean="0"/>
+            <a:rPr lang="en-US" altLang="zh-TW" dirty="0"/>
             <a:t>o</a:t>
           </a:r>
           <a:r>
-            <a:rPr lang="en-US" altLang="zh-CN" dirty="0" smtClean="0"/>
+            <a:rPr lang="en-US" altLang="zh-CN" dirty="0"/>
             <a:t>rithm</a:t>
           </a:r>
           <a:endParaRPr lang="zh-CN" altLang="en-US" dirty="0"/>
@@ -1996,19 +1991,19 @@
         <a:lstStyle/>
         <a:p>
           <a:r>
-            <a:rPr lang="en-US" altLang="zh-CN" dirty="0" smtClean="0"/>
+            <a:rPr lang="en-US" altLang="zh-CN" dirty="0"/>
             <a:t>Basic</a:t>
           </a:r>
           <a:r>
-            <a:rPr lang="zh-TW" altLang="en-US" dirty="0" smtClean="0"/>
+            <a:rPr lang="zh-TW" altLang="en-US" dirty="0"/>
             <a:t> </a:t>
           </a:r>
           <a:r>
-            <a:rPr lang="en-US" altLang="zh-TW" dirty="0" smtClean="0"/>
+            <a:rPr lang="en-US" altLang="zh-TW" dirty="0"/>
             <a:t>framework&amp;</a:t>
           </a:r>
           <a:r>
-            <a:rPr lang="en-US" altLang="zh-CN" dirty="0" smtClean="0"/>
+            <a:rPr lang="en-US" altLang="zh-CN" dirty="0"/>
             <a:t> math</a:t>
           </a:r>
           <a:endParaRPr lang="zh-CN" altLang="en-US" dirty="0"/>
@@ -2059,13 +2054,6 @@
         </dgm:presLayoutVars>
       </dgm:prSet>
       <dgm:spPr/>
-      <dgm:t>
-        <a:bodyPr/>
-        <a:lstStyle/>
-        <a:p>
-          <a:endParaRPr lang="zh-CN" altLang="en-US"/>
-        </a:p>
-      </dgm:t>
     </dgm:pt>
     <dgm:pt modelId="{774E70E5-6B4D-D643-89E2-F0274AC0305E}" type="pres">
       <dgm:prSet presAssocID="{BD1430FB-A987-6B4C-9EE6-D3ECC56165B0}" presName="levelTx" presStyleLbl="revTx" presStyleIdx="0" presStyleCnt="0">
@@ -2075,13 +2063,6 @@
         </dgm:presLayoutVars>
       </dgm:prSet>
       <dgm:spPr/>
-      <dgm:t>
-        <a:bodyPr/>
-        <a:lstStyle/>
-        <a:p>
-          <a:endParaRPr lang="zh-CN" altLang="en-US"/>
-        </a:p>
-      </dgm:t>
     </dgm:pt>
     <dgm:pt modelId="{2EAB0875-6299-3A49-92B4-C04E3F3768AF}" type="pres">
       <dgm:prSet presAssocID="{752C2852-967F-C644-8862-38EDF66D3D29}" presName="Name8" presStyleCnt="0"/>
@@ -2095,13 +2076,6 @@
         </dgm:presLayoutVars>
       </dgm:prSet>
       <dgm:spPr/>
-      <dgm:t>
-        <a:bodyPr/>
-        <a:lstStyle/>
-        <a:p>
-          <a:endParaRPr lang="zh-CN" altLang="en-US"/>
-        </a:p>
-      </dgm:t>
     </dgm:pt>
     <dgm:pt modelId="{33AD3B67-D3BD-434E-B5AF-12A5697D9C2D}" type="pres">
       <dgm:prSet presAssocID="{752C2852-967F-C644-8862-38EDF66D3D29}" presName="levelTx" presStyleLbl="revTx" presStyleIdx="0" presStyleCnt="0">
@@ -2111,13 +2085,6 @@
         </dgm:presLayoutVars>
       </dgm:prSet>
       <dgm:spPr/>
-      <dgm:t>
-        <a:bodyPr/>
-        <a:lstStyle/>
-        <a:p>
-          <a:endParaRPr lang="zh-CN" altLang="en-US"/>
-        </a:p>
-      </dgm:t>
     </dgm:pt>
     <dgm:pt modelId="{0265FDF8-3FD1-E449-9007-27D7C5C01429}" type="pres">
       <dgm:prSet presAssocID="{915FD3F1-88D6-4F43-9276-A5E70C389D99}" presName="Name8" presStyleCnt="0"/>
@@ -2131,13 +2098,6 @@
         </dgm:presLayoutVars>
       </dgm:prSet>
       <dgm:spPr/>
-      <dgm:t>
-        <a:bodyPr/>
-        <a:lstStyle/>
-        <a:p>
-          <a:endParaRPr lang="zh-CN" altLang="en-US"/>
-        </a:p>
-      </dgm:t>
     </dgm:pt>
     <dgm:pt modelId="{FBDD3EDA-AF00-D641-8619-2CFC80BBBEA5}" type="pres">
       <dgm:prSet presAssocID="{915FD3F1-88D6-4F43-9276-A5E70C389D99}" presName="levelTx" presStyleLbl="revTx" presStyleIdx="0" presStyleCnt="0">
@@ -2147,26 +2107,19 @@
         </dgm:presLayoutVars>
       </dgm:prSet>
       <dgm:spPr/>
-      <dgm:t>
-        <a:bodyPr/>
-        <a:lstStyle/>
-        <a:p>
-          <a:endParaRPr lang="zh-CN" altLang="en-US"/>
-        </a:p>
-      </dgm:t>
     </dgm:pt>
   </dgm:ptLst>
   <dgm:cxnLst>
+    <dgm:cxn modelId="{84D99D18-9755-8149-8C5B-CF3DD1BC8155}" srcId="{09E85799-917C-B64E-800D-6F8173827E77}" destId="{752C2852-967F-C644-8862-38EDF66D3D29}" srcOrd="1" destOrd="0" parTransId="{99B4F81A-08D8-5942-8138-C529FD0DEB33}" sibTransId="{5EEF9B10-1262-1846-BB91-299DDDF9AFBE}"/>
+    <dgm:cxn modelId="{7D3E442E-31E9-A04B-9202-B2B1C1300C6D}" srcId="{09E85799-917C-B64E-800D-6F8173827E77}" destId="{BD1430FB-A987-6B4C-9EE6-D3ECC56165B0}" srcOrd="0" destOrd="0" parTransId="{5B680B2C-BD34-1449-866D-177CA2BD07D8}" sibTransId="{5B541706-923A-014D-A2B0-5CC3A8593FE6}"/>
     <dgm:cxn modelId="{736F3340-3A56-6A40-8097-2A8DAA1CCF9C}" type="presOf" srcId="{BD1430FB-A987-6B4C-9EE6-D3ECC56165B0}" destId="{774E70E5-6B4D-D643-89E2-F0274AC0305E}" srcOrd="1" destOrd="0" presId="urn:microsoft.com/office/officeart/2005/8/layout/pyramid1"/>
+    <dgm:cxn modelId="{CF369996-8724-1D40-9D97-DCAC53835BA6}" type="presOf" srcId="{915FD3F1-88D6-4F43-9276-A5E70C389D99}" destId="{FBDD3EDA-AF00-D641-8619-2CFC80BBBEA5}" srcOrd="1" destOrd="0" presId="urn:microsoft.com/office/officeart/2005/8/layout/pyramid1"/>
+    <dgm:cxn modelId="{683C0697-07F9-8247-B1C1-5EE9986C8816}" srcId="{09E85799-917C-B64E-800D-6F8173827E77}" destId="{915FD3F1-88D6-4F43-9276-A5E70C389D99}" srcOrd="2" destOrd="0" parTransId="{891D1467-D524-0740-9EDE-FC039991F184}" sibTransId="{BDCC2092-1E49-E947-8022-AD0037E74E6F}"/>
+    <dgm:cxn modelId="{2CCD3EB3-1A8B-6D43-8D74-A7C15C39EB3B}" type="presOf" srcId="{BD1430FB-A987-6B4C-9EE6-D3ECC56165B0}" destId="{38793DA2-2ABE-BF42-907B-16DCE3F55510}" srcOrd="0" destOrd="0" presId="urn:microsoft.com/office/officeart/2005/8/layout/pyramid1"/>
     <dgm:cxn modelId="{5211D1BF-F81D-9A49-B027-C845BAC9EB5E}" type="presOf" srcId="{752C2852-967F-C644-8862-38EDF66D3D29}" destId="{33AD3B67-D3BD-434E-B5AF-12A5697D9C2D}" srcOrd="1" destOrd="0" presId="urn:microsoft.com/office/officeart/2005/8/layout/pyramid1"/>
+    <dgm:cxn modelId="{A5D4FFCA-264E-5D4D-AF63-25D7DF81C04F}" type="presOf" srcId="{752C2852-967F-C644-8862-38EDF66D3D29}" destId="{6783CD30-30E9-934A-8116-191DC54CA623}" srcOrd="0" destOrd="0" presId="urn:microsoft.com/office/officeart/2005/8/layout/pyramid1"/>
+    <dgm:cxn modelId="{340484E5-3EC9-3940-81C6-1AF7F0E40358}" type="presOf" srcId="{09E85799-917C-B64E-800D-6F8173827E77}" destId="{8248B2AA-EF40-1B4F-A964-B756EF0567E1}" srcOrd="0" destOrd="0" presId="urn:microsoft.com/office/officeart/2005/8/layout/pyramid1"/>
     <dgm:cxn modelId="{2F2E95ED-8D74-E648-87E9-04997F3CB927}" type="presOf" srcId="{915FD3F1-88D6-4F43-9276-A5E70C389D99}" destId="{E62C9D9E-7EAE-B24D-9E86-E99F70B1C75C}" srcOrd="0" destOrd="0" presId="urn:microsoft.com/office/officeart/2005/8/layout/pyramid1"/>
-    <dgm:cxn modelId="{2CCD3EB3-1A8B-6D43-8D74-A7C15C39EB3B}" type="presOf" srcId="{BD1430FB-A987-6B4C-9EE6-D3ECC56165B0}" destId="{38793DA2-2ABE-BF42-907B-16DCE3F55510}" srcOrd="0" destOrd="0" presId="urn:microsoft.com/office/officeart/2005/8/layout/pyramid1"/>
-    <dgm:cxn modelId="{7D3E442E-31E9-A04B-9202-B2B1C1300C6D}" srcId="{09E85799-917C-B64E-800D-6F8173827E77}" destId="{BD1430FB-A987-6B4C-9EE6-D3ECC56165B0}" srcOrd="0" destOrd="0" parTransId="{5B680B2C-BD34-1449-866D-177CA2BD07D8}" sibTransId="{5B541706-923A-014D-A2B0-5CC3A8593FE6}"/>
-    <dgm:cxn modelId="{683C0697-07F9-8247-B1C1-5EE9986C8816}" srcId="{09E85799-917C-B64E-800D-6F8173827E77}" destId="{915FD3F1-88D6-4F43-9276-A5E70C389D99}" srcOrd="2" destOrd="0" parTransId="{891D1467-D524-0740-9EDE-FC039991F184}" sibTransId="{BDCC2092-1E49-E947-8022-AD0037E74E6F}"/>
-    <dgm:cxn modelId="{A5D4FFCA-264E-5D4D-AF63-25D7DF81C04F}" type="presOf" srcId="{752C2852-967F-C644-8862-38EDF66D3D29}" destId="{6783CD30-30E9-934A-8116-191DC54CA623}" srcOrd="0" destOrd="0" presId="urn:microsoft.com/office/officeart/2005/8/layout/pyramid1"/>
-    <dgm:cxn modelId="{CF369996-8724-1D40-9D97-DCAC53835BA6}" type="presOf" srcId="{915FD3F1-88D6-4F43-9276-A5E70C389D99}" destId="{FBDD3EDA-AF00-D641-8619-2CFC80BBBEA5}" srcOrd="1" destOrd="0" presId="urn:microsoft.com/office/officeart/2005/8/layout/pyramid1"/>
-    <dgm:cxn modelId="{84D99D18-9755-8149-8C5B-CF3DD1BC8155}" srcId="{09E85799-917C-B64E-800D-6F8173827E77}" destId="{752C2852-967F-C644-8862-38EDF66D3D29}" srcOrd="1" destOrd="0" parTransId="{99B4F81A-08D8-5942-8138-C529FD0DEB33}" sibTransId="{5EEF9B10-1262-1846-BB91-299DDDF9AFBE}"/>
-    <dgm:cxn modelId="{340484E5-3EC9-3940-81C6-1AF7F0E40358}" type="presOf" srcId="{09E85799-917C-B64E-800D-6F8173827E77}" destId="{8248B2AA-EF40-1B4F-A964-B756EF0567E1}" srcOrd="0" destOrd="0" presId="urn:microsoft.com/office/officeart/2005/8/layout/pyramid1"/>
     <dgm:cxn modelId="{489778C9-3DC7-014C-B530-43C9AC5F8665}" type="presParOf" srcId="{8248B2AA-EF40-1B4F-A964-B756EF0567E1}" destId="{B61DD645-700A-594F-80A1-7AF1898C4B31}" srcOrd="0" destOrd="0" presId="urn:microsoft.com/office/officeart/2005/8/layout/pyramid1"/>
     <dgm:cxn modelId="{E14A6261-A2D7-D643-841E-53F0B2E60842}" type="presParOf" srcId="{B61DD645-700A-594F-80A1-7AF1898C4B31}" destId="{38793DA2-2ABE-BF42-907B-16DCE3F55510}" srcOrd="0" destOrd="0" presId="urn:microsoft.com/office/officeart/2005/8/layout/pyramid1"/>
     <dgm:cxn modelId="{6848F54A-53E2-8740-98C3-63774C49DA4C}" type="presParOf" srcId="{B61DD645-700A-594F-80A1-7AF1898C4B31}" destId="{774E70E5-6B4D-D643-89E2-F0274AC0305E}" srcOrd="1" destOrd="0" presId="urn:microsoft.com/office/officeart/2005/8/layout/pyramid1"/>
@@ -2306,7 +2259,7 @@
         </a:bodyPr>
         <a:lstStyle/>
         <a:p>
-          <a:pPr lvl="0" algn="ctr" defTabSz="1422400">
+          <a:pPr marL="0" lvl="0" indent="0" algn="ctr" defTabSz="1422400">
             <a:lnSpc>
               <a:spcPct val="90000"/>
             </a:lnSpc>
@@ -2316,9 +2269,10 @@
             <a:spcAft>
               <a:spcPct val="35000"/>
             </a:spcAft>
+            <a:buNone/>
           </a:pPr>
           <a:r>
-            <a:rPr lang="en-US" altLang="zh-CN" sz="3200" kern="1200" dirty="0" smtClean="0"/>
+            <a:rPr lang="en-US" altLang="zh-CN" sz="3200" kern="1200" dirty="0"/>
             <a:t>Raw data</a:t>
           </a:r>
           <a:endParaRPr lang="zh-CN" altLang="en-US" sz="3200" kern="1200" dirty="0"/>
@@ -2388,7 +2342,7 @@
         </a:bodyPr>
         <a:lstStyle/>
         <a:p>
-          <a:pPr lvl="0" algn="ctr" defTabSz="1422400">
+          <a:pPr marL="0" lvl="0" indent="0" algn="ctr" defTabSz="1422400">
             <a:lnSpc>
               <a:spcPct val="90000"/>
             </a:lnSpc>
@@ -2398,14 +2352,15 @@
             <a:spcAft>
               <a:spcPct val="35000"/>
             </a:spcAft>
+            <a:buNone/>
           </a:pPr>
           <a:r>
-            <a:rPr lang="en-US" altLang="zh-CN" sz="3200" kern="1200" dirty="0" smtClean="0"/>
+            <a:rPr lang="en-US" altLang="zh-CN" sz="3200" kern="1200" dirty="0"/>
             <a:t>Model</a:t>
           </a:r>
         </a:p>
         <a:p>
-          <a:pPr lvl="0" algn="ctr" defTabSz="1422400">
+          <a:pPr marL="0" lvl="0" indent="0" algn="ctr" defTabSz="1422400">
             <a:lnSpc>
               <a:spcPct val="90000"/>
             </a:lnSpc>
@@ -2415,9 +2370,10 @@
             <a:spcAft>
               <a:spcPct val="35000"/>
             </a:spcAft>
+            <a:buNone/>
           </a:pPr>
           <a:r>
-            <a:rPr lang="en-US" altLang="zh-CN" sz="3200" kern="1200" dirty="0" smtClean="0"/>
+            <a:rPr lang="en-US" altLang="zh-CN" sz="3200" kern="1200" dirty="0"/>
             <a:t>process</a:t>
           </a:r>
           <a:endParaRPr lang="zh-CN" altLang="en-US" sz="3200" kern="1200" dirty="0"/>
@@ -2487,7 +2443,7 @@
         </a:bodyPr>
         <a:lstStyle/>
         <a:p>
-          <a:pPr lvl="0" algn="ctr" defTabSz="1422400">
+          <a:pPr marL="0" lvl="0" indent="0" algn="ctr" defTabSz="1422400">
             <a:lnSpc>
               <a:spcPct val="90000"/>
             </a:lnSpc>
@@ -2497,9 +2453,10 @@
             <a:spcAft>
               <a:spcPct val="35000"/>
             </a:spcAft>
+            <a:buNone/>
           </a:pPr>
           <a:r>
-            <a:rPr lang="en-US" altLang="zh-CN" sz="3200" kern="1200" dirty="0" smtClean="0"/>
+            <a:rPr lang="en-US" altLang="zh-CN" sz="3200" kern="1200" dirty="0"/>
             <a:t>Class result</a:t>
           </a:r>
           <a:endParaRPr lang="zh-CN" altLang="en-US" sz="3200" kern="1200" dirty="0"/>
@@ -2583,7 +2540,7 @@
         </a:bodyPr>
         <a:lstStyle/>
         <a:p>
-          <a:pPr lvl="0" algn="ctr" defTabSz="1289050">
+          <a:pPr marL="0" lvl="0" indent="0" algn="ctr" defTabSz="1289050">
             <a:lnSpc>
               <a:spcPct val="90000"/>
             </a:lnSpc>
@@ -2593,9 +2550,10 @@
             <a:spcAft>
               <a:spcPct val="35000"/>
             </a:spcAft>
+            <a:buNone/>
           </a:pPr>
           <a:r>
-            <a:rPr lang="en-US" altLang="zh-TW" sz="2900" kern="1200" dirty="0" smtClean="0"/>
+            <a:rPr lang="en-US" altLang="zh-TW" sz="2900" kern="1200" dirty="0"/>
             <a:t>app</a:t>
           </a:r>
           <a:endParaRPr lang="zh-CN" altLang="en-US" sz="2900" kern="1200" dirty="0"/>
@@ -2667,7 +2625,7 @@
         </a:bodyPr>
         <a:lstStyle/>
         <a:p>
-          <a:pPr lvl="0" algn="ctr" defTabSz="1289050">
+          <a:pPr marL="0" lvl="0" indent="0" algn="ctr" defTabSz="1289050">
             <a:lnSpc>
               <a:spcPct val="90000"/>
             </a:lnSpc>
@@ -2677,17 +2635,18 @@
             <a:spcAft>
               <a:spcPct val="35000"/>
             </a:spcAft>
+            <a:buNone/>
           </a:pPr>
           <a:r>
-            <a:rPr lang="en-US" altLang="zh-CN" sz="2900" kern="1200" dirty="0" smtClean="0"/>
+            <a:rPr lang="en-US" altLang="zh-CN" sz="2900" kern="1200" dirty="0"/>
             <a:t>Alg</a:t>
           </a:r>
           <a:r>
-            <a:rPr lang="en-US" altLang="zh-TW" sz="2900" kern="1200" dirty="0" smtClean="0"/>
+            <a:rPr lang="en-US" altLang="zh-TW" sz="2900" kern="1200" dirty="0"/>
             <a:t>o</a:t>
           </a:r>
           <a:r>
-            <a:rPr lang="en-US" altLang="zh-CN" sz="2900" kern="1200" dirty="0" smtClean="0"/>
+            <a:rPr lang="en-US" altLang="zh-CN" sz="2900" kern="1200" dirty="0"/>
             <a:t>rithm</a:t>
           </a:r>
           <a:endParaRPr lang="zh-CN" altLang="en-US" sz="2900" kern="1200" dirty="0"/>
@@ -2759,7 +2718,7 @@
         </a:bodyPr>
         <a:lstStyle/>
         <a:p>
-          <a:pPr lvl="0" algn="ctr" defTabSz="1289050">
+          <a:pPr marL="0" lvl="0" indent="0" algn="ctr" defTabSz="1289050">
             <a:lnSpc>
               <a:spcPct val="90000"/>
             </a:lnSpc>
@@ -2769,21 +2728,22 @@
             <a:spcAft>
               <a:spcPct val="35000"/>
             </a:spcAft>
+            <a:buNone/>
           </a:pPr>
           <a:r>
-            <a:rPr lang="en-US" altLang="zh-CN" sz="2900" kern="1200" dirty="0" smtClean="0"/>
+            <a:rPr lang="en-US" altLang="zh-CN" sz="2900" kern="1200" dirty="0"/>
             <a:t>Basic</a:t>
           </a:r>
           <a:r>
-            <a:rPr lang="zh-TW" altLang="en-US" sz="2900" kern="1200" dirty="0" smtClean="0"/>
+            <a:rPr lang="zh-TW" altLang="en-US" sz="2900" kern="1200" dirty="0"/>
             <a:t> </a:t>
           </a:r>
           <a:r>
-            <a:rPr lang="en-US" altLang="zh-TW" sz="2900" kern="1200" dirty="0" smtClean="0"/>
+            <a:rPr lang="en-US" altLang="zh-TW" sz="2900" kern="1200" dirty="0"/>
             <a:t>framework&amp;</a:t>
           </a:r>
           <a:r>
-            <a:rPr lang="en-US" altLang="zh-CN" sz="2900" kern="1200" dirty="0" smtClean="0"/>
+            <a:rPr lang="en-US" altLang="zh-CN" sz="2900" kern="1200" dirty="0"/>
             <a:t> math</a:t>
           </a:r>
           <a:endParaRPr lang="zh-CN" altLang="en-US" sz="2900" kern="1200" dirty="0"/>
@@ -5334,7 +5294,7 @@
           <a:p>
             <a:fld id="{1766A5AD-8774-FE44-A0A9-16F81BF90977}" type="datetimeFigureOut">
               <a:rPr kumimoji="1" lang="zh-CN" altLang="en-US" smtClean="0"/>
-              <a:t>02/09/20</a:t>
+              <a:t>2020/9/2</a:t>
             </a:fld>
             <a:endParaRPr kumimoji="1" lang="zh-CN" altLang="en-US"/>
           </a:p>
@@ -5398,38 +5358,37 @@
           <a:p>
             <a:pPr lvl="0"/>
             <a:r>
-              <a:rPr kumimoji="1" lang="zh-CN" altLang="en-US" smtClean="0"/>
+              <a:rPr kumimoji="1" lang="zh-CN" altLang="en-US"/>
               <a:t>单击此处编辑母版文本样式</a:t>
             </a:r>
           </a:p>
           <a:p>
             <a:pPr lvl="1"/>
             <a:r>
-              <a:rPr kumimoji="1" lang="zh-CN" altLang="en-US" smtClean="0"/>
+              <a:rPr kumimoji="1" lang="zh-CN" altLang="en-US"/>
               <a:t>二级</a:t>
             </a:r>
           </a:p>
           <a:p>
             <a:pPr lvl="2"/>
             <a:r>
-              <a:rPr kumimoji="1" lang="zh-CN" altLang="en-US" smtClean="0"/>
+              <a:rPr kumimoji="1" lang="zh-CN" altLang="en-US"/>
               <a:t>三级</a:t>
             </a:r>
           </a:p>
           <a:p>
             <a:pPr lvl="3"/>
             <a:r>
-              <a:rPr kumimoji="1" lang="zh-CN" altLang="en-US" smtClean="0"/>
+              <a:rPr kumimoji="1" lang="zh-CN" altLang="en-US"/>
               <a:t>四级</a:t>
             </a:r>
           </a:p>
           <a:p>
             <a:pPr lvl="4"/>
             <a:r>
-              <a:rPr kumimoji="1" lang="zh-CN" altLang="en-US" smtClean="0"/>
+              <a:rPr kumimoji="1" lang="zh-CN" altLang="en-US"/>
               <a:t>五级</a:t>
             </a:r>
-            <a:endParaRPr kumimoji="1" lang="zh-CN" altLang="en-US"/>
           </a:p>
         </p:txBody>
       </p:sp>
@@ -5621,7 +5580,7 @@
       </p:grpSpPr>
       <p:sp>
         <p:nvSpPr>
-          <p:cNvPr id="2" name="幻灯片图像占位符 1"/>
+          <p:cNvPr id="2" name="投影片影像版面配置區 1"/>
           <p:cNvSpPr>
             <a:spLocks noGrp="1" noRot="1" noChangeAspect="1"/>
           </p:cNvSpPr>
@@ -5633,7 +5592,7 @@
       </p:sp>
       <p:sp>
         <p:nvSpPr>
-          <p:cNvPr id="3" name="备注占位符 2"/>
+          <p:cNvPr id="3" name="備忘稿版面配置區 2"/>
           <p:cNvSpPr>
             <a:spLocks noGrp="1"/>
           </p:cNvSpPr>
@@ -5647,146 +5606,133 @@
           <a:lstStyle/>
           <a:p>
             <a:r>
-              <a:rPr lang="zh-CN" altLang="en-US" dirty="0" smtClean="0"/>
-              <a:t>如上图所示，有两类不同的样本数据，分别用蓝色的小正方形和红色的小三角形表示，而图正中间的那个绿色的圆所标示的数据则是待分类的数据。也就是说，现在，我们不知道中间那个绿色的数据是从属于哪一类（蓝色小正方形</a:t>
-            </a:r>
-            <a:r>
-              <a:rPr lang="en-US" altLang="zh-CN" dirty="0" smtClean="0"/>
-              <a:t>or</a:t>
-            </a:r>
-            <a:r>
-              <a:rPr lang="zh-CN" altLang="en-US" dirty="0" smtClean="0"/>
-              <a:t>红色小三角形），</a:t>
-            </a:r>
-            <a:r>
-              <a:rPr lang="en-US" altLang="zh-CN" dirty="0" smtClean="0"/>
-              <a:t>KNN</a:t>
-            </a:r>
-            <a:r>
-              <a:rPr lang="zh-CN" altLang="en-US" dirty="0" smtClean="0"/>
-              <a:t>就是解决这个问题的。</a:t>
-            </a:r>
-          </a:p>
-          <a:p>
-            <a:r>
-              <a:rPr lang="zh-CN" altLang="en-US" dirty="0" smtClean="0"/>
-              <a:t>如果</a:t>
-            </a:r>
-            <a:r>
-              <a:rPr lang="en-US" altLang="zh-CN" dirty="0" smtClean="0"/>
-              <a:t>K=3</a:t>
-            </a:r>
-            <a:r>
-              <a:rPr lang="zh-CN" altLang="en-US" dirty="0" smtClean="0"/>
-              <a:t>，绿色圆点的最近的</a:t>
-            </a:r>
-            <a:r>
-              <a:rPr lang="en-US" altLang="zh-CN" dirty="0" smtClean="0"/>
-              <a:t>3</a:t>
-            </a:r>
-            <a:r>
-              <a:rPr lang="zh-CN" altLang="en-US" dirty="0" smtClean="0"/>
-              <a:t>个邻居是</a:t>
-            </a:r>
-            <a:r>
-              <a:rPr lang="en-US" altLang="zh-CN" dirty="0" smtClean="0"/>
-              <a:t>2</a:t>
-            </a:r>
-            <a:r>
-              <a:rPr lang="zh-CN" altLang="en-US" dirty="0" smtClean="0"/>
-              <a:t>个红色小三角形和</a:t>
-            </a:r>
-            <a:r>
-              <a:rPr lang="en-US" altLang="zh-CN" dirty="0" smtClean="0"/>
-              <a:t>1</a:t>
-            </a:r>
-            <a:r>
-              <a:rPr lang="zh-CN" altLang="en-US" dirty="0" smtClean="0"/>
-              <a:t>个蓝色小正方形，少数从属于多数，基于统计的方法，判定绿色的这个待分类点属于红色的三角形一类。</a:t>
-            </a:r>
-          </a:p>
-          <a:p>
-            <a:r>
-              <a:rPr lang="zh-CN" altLang="en-US" dirty="0" smtClean="0"/>
-              <a:t>如果</a:t>
-            </a:r>
-            <a:r>
-              <a:rPr lang="en-US" altLang="zh-CN" dirty="0" smtClean="0"/>
-              <a:t>K=5</a:t>
-            </a:r>
-            <a:r>
-              <a:rPr lang="zh-CN" altLang="en-US" dirty="0" smtClean="0"/>
-              <a:t>，绿色圆点的最近的</a:t>
-            </a:r>
-            <a:r>
-              <a:rPr lang="en-US" altLang="zh-CN" dirty="0" smtClean="0"/>
-              <a:t>5</a:t>
-            </a:r>
-            <a:r>
-              <a:rPr lang="zh-CN" altLang="en-US" dirty="0" smtClean="0"/>
-              <a:t>个邻居是</a:t>
-            </a:r>
-            <a:r>
-              <a:rPr lang="en-US" altLang="zh-CN" dirty="0" smtClean="0"/>
-              <a:t>2</a:t>
-            </a:r>
-            <a:r>
-              <a:rPr lang="zh-CN" altLang="en-US" dirty="0" smtClean="0"/>
-              <a:t>个红色三角形和</a:t>
-            </a:r>
-            <a:r>
-              <a:rPr lang="en-US" altLang="zh-CN" dirty="0" smtClean="0"/>
-              <a:t>3</a:t>
-            </a:r>
-            <a:r>
-              <a:rPr lang="zh-CN" altLang="en-US" dirty="0" smtClean="0"/>
-              <a:t>个蓝色的正方形，还是少数从属于多数，基于统计的方法，判定绿色的这个待分类点属于蓝色的正方形一类。</a:t>
-            </a:r>
-          </a:p>
-          <a:p>
-            <a:r>
-              <a:rPr lang="zh-CN" altLang="en-US" b="1" dirty="0" smtClean="0"/>
-              <a:t>于此我们看到，当无法判定当前待分类点是从属于已知分类中的哪一类时，我们可以依据统计学的理论看它所处的位置特征，衡量它周围邻居的权重，而把它归为</a:t>
-            </a:r>
-            <a:r>
-              <a:rPr lang="en-US" altLang="zh-CN" b="1" dirty="0" smtClean="0"/>
-              <a:t>(</a:t>
-            </a:r>
-            <a:r>
-              <a:rPr lang="zh-CN" altLang="en-US" b="1" dirty="0" smtClean="0"/>
-              <a:t>或分配</a:t>
-            </a:r>
-            <a:r>
-              <a:rPr lang="en-US" altLang="zh-CN" b="1" dirty="0" smtClean="0"/>
-              <a:t>)</a:t>
-            </a:r>
-            <a:r>
-              <a:rPr lang="zh-CN" altLang="en-US" b="1" dirty="0" smtClean="0"/>
-              <a:t>到权重更大的那一类。这就是</a:t>
-            </a:r>
-            <a:r>
-              <a:rPr lang="en-US" altLang="zh-CN" b="1" dirty="0" smtClean="0"/>
-              <a:t>K</a:t>
-            </a:r>
-            <a:r>
-              <a:rPr lang="zh-CN" altLang="en-US" b="1" smtClean="0"/>
-              <a:t>近邻算法的核心思想。</a:t>
-            </a:r>
-            <a:endParaRPr lang="zh-CN" altLang="en-US" smtClean="0"/>
-          </a:p>
-          <a:p>
-            <a:endParaRPr kumimoji="1" lang="zh-CN" altLang="en-US"/>
+              <a:rPr lang="zh-TW" altLang="en-US" sz="1200" b="0" i="0" u="none" strike="noStrike" kern="1200">
+                <a:solidFill>
+                  <a:schemeClr val="tx1"/>
+                </a:solidFill>
+                <a:effectLst/>
+                <a:latin typeface="+mn-lt"/>
+                <a:ea typeface="+mn-ea"/>
+                <a:cs typeface="+mn-cs"/>
+              </a:rPr>
+              <a:t>计算</a:t>
+            </a:r>
+            <a:r>
+              <a:rPr lang="zh-TW" altLang="en-US" sz="1200" b="0" i="0" u="none" strike="noStrike" kern="1200" dirty="0">
+                <a:solidFill>
+                  <a:schemeClr val="tx1"/>
+                </a:solidFill>
+                <a:effectLst/>
+                <a:latin typeface="+mn-lt"/>
+                <a:ea typeface="+mn-ea"/>
+                <a:cs typeface="+mn-cs"/>
+              </a:rPr>
+              <a:t>测试样本和训练样本中每个样本点的距离（常见的距离度量有欧式距离，马氏距离等）；</a:t>
+            </a:r>
+          </a:p>
+          <a:p>
+            <a:r>
+              <a:rPr lang="zh-TW" altLang="en-US" sz="1200" b="0" i="0" u="none" strike="noStrike" kern="1200" dirty="0">
+                <a:solidFill>
+                  <a:schemeClr val="tx1"/>
+                </a:solidFill>
+                <a:effectLst/>
+                <a:latin typeface="+mn-lt"/>
+                <a:ea typeface="+mn-ea"/>
+                <a:cs typeface="+mn-cs"/>
+              </a:rPr>
+              <a:t>对上面所有的距离值进行排序；</a:t>
+            </a:r>
+          </a:p>
+          <a:p>
+            <a:r>
+              <a:rPr lang="zh-TW" altLang="en-US" sz="1200" b="0" i="0" u="none" strike="noStrike" kern="1200" dirty="0">
+                <a:solidFill>
+                  <a:schemeClr val="tx1"/>
+                </a:solidFill>
+                <a:effectLst/>
+                <a:latin typeface="+mn-lt"/>
+                <a:ea typeface="+mn-ea"/>
+                <a:cs typeface="+mn-cs"/>
+              </a:rPr>
+              <a:t>选前 </a:t>
+            </a:r>
+            <a:r>
+              <a:rPr lang="en" altLang="zh-TW" sz="1200" b="0" i="0" u="none" strike="noStrike" kern="1200" dirty="0">
+                <a:solidFill>
+                  <a:schemeClr val="tx1"/>
+                </a:solidFill>
+                <a:effectLst/>
+                <a:latin typeface="+mn-lt"/>
+                <a:ea typeface="+mn-ea"/>
+                <a:cs typeface="+mn-cs"/>
+              </a:rPr>
+              <a:t>k </a:t>
+            </a:r>
+            <a:r>
+              <a:rPr lang="zh-TW" altLang="en-US" sz="1200" b="0" i="0" u="none" strike="noStrike" kern="1200" dirty="0">
+                <a:solidFill>
+                  <a:schemeClr val="tx1"/>
+                </a:solidFill>
+                <a:effectLst/>
+                <a:latin typeface="+mn-lt"/>
+                <a:ea typeface="+mn-ea"/>
+                <a:cs typeface="+mn-cs"/>
+              </a:rPr>
+              <a:t>个最小距离的样本；</a:t>
+            </a:r>
+          </a:p>
+          <a:p>
+            <a:r>
+              <a:rPr lang="zh-TW" altLang="en-US" sz="1200" b="0" i="0" u="none" strike="noStrike" kern="1200" dirty="0">
+                <a:solidFill>
+                  <a:schemeClr val="tx1"/>
+                </a:solidFill>
+                <a:effectLst/>
+                <a:latin typeface="+mn-lt"/>
+                <a:ea typeface="+mn-ea"/>
+                <a:cs typeface="+mn-cs"/>
+              </a:rPr>
+              <a:t>根据这 </a:t>
+            </a:r>
+            <a:r>
+              <a:rPr lang="en" altLang="zh-TW" sz="1200" b="0" i="0" u="none" strike="noStrike" kern="1200" dirty="0">
+                <a:solidFill>
+                  <a:schemeClr val="tx1"/>
+                </a:solidFill>
+                <a:effectLst/>
+                <a:latin typeface="+mn-lt"/>
+                <a:ea typeface="+mn-ea"/>
+                <a:cs typeface="+mn-cs"/>
+              </a:rPr>
+              <a:t>k </a:t>
+            </a:r>
+            <a:r>
+              <a:rPr lang="zh-TW" altLang="en-US" sz="1200" b="0" i="0" u="none" strike="noStrike" kern="1200" dirty="0">
+                <a:solidFill>
+                  <a:schemeClr val="tx1"/>
+                </a:solidFill>
+                <a:effectLst/>
+                <a:latin typeface="+mn-lt"/>
+                <a:ea typeface="+mn-ea"/>
+                <a:cs typeface="+mn-cs"/>
+              </a:rPr>
+              <a:t>个样本的标签进行投票，得到最后的分类类别；</a:t>
+            </a:r>
+          </a:p>
+          <a:p>
+            <a:endParaRPr kumimoji="1" lang="zh-TW" altLang="en-US" dirty="0"/>
           </a:p>
         </p:txBody>
       </p:sp>
       <p:sp>
         <p:nvSpPr>
-          <p:cNvPr id="4" name="幻灯片编号占位符 3"/>
+          <p:cNvPr id="4" name="投影片編號版面配置區 3"/>
           <p:cNvSpPr>
             <a:spLocks noGrp="1"/>
           </p:cNvSpPr>
           <p:nvPr>
-            <p:ph type="sldNum" sz="quarter" idx="10"/>
+            <p:ph type="sldNum" sz="quarter" idx="5"/>
           </p:nvPr>
         </p:nvSpPr>
         <p:spPr/>
@@ -5796,7 +5742,7 @@
           <a:p>
             <a:fld id="{BCEC23BA-C284-A64D-90DA-4E530BAE7B0A}" type="slidenum">
               <a:rPr kumimoji="1" lang="zh-CN" altLang="en-US" smtClean="0"/>
-              <a:t>10</a:t>
+              <a:t>9</a:t>
             </a:fld>
             <a:endParaRPr kumimoji="1" lang="zh-CN" altLang="en-US"/>
           </a:p>
@@ -5805,7 +5751,7 @@
     </p:spTree>
     <p:extLst>
       <p:ext uri="{BB962C8B-B14F-4D97-AF65-F5344CB8AC3E}">
-        <p14:creationId xmlns:p14="http://schemas.microsoft.com/office/powerpoint/2010/main" val="437523068"/>
+        <p14:creationId xmlns:p14="http://schemas.microsoft.com/office/powerpoint/2010/main" val="3109314766"/>
       </p:ext>
     </p:extLst>
   </p:cSld>
@@ -5859,6 +5805,219 @@
           <a:bodyPr/>
           <a:lstStyle/>
           <a:p>
+            <a:r>
+              <a:rPr lang="zh-CN" altLang="en-US" dirty="0"/>
+              <a:t>如上图所示，有两类不同的样本数据，分别用蓝色的小正方形和红色的小三角形表示，而图正中间的那个绿色的圆所标示的数据则是待分类的数据。也就是说，现在，我们不知道中间那个绿色的数据是从属于哪一类（蓝色小正方形</a:t>
+            </a:r>
+            <a:r>
+              <a:rPr lang="en-US" altLang="zh-CN" dirty="0"/>
+              <a:t>or</a:t>
+            </a:r>
+            <a:r>
+              <a:rPr lang="zh-CN" altLang="en-US" dirty="0"/>
+              <a:t>红色小三角形），</a:t>
+            </a:r>
+            <a:r>
+              <a:rPr lang="en-US" altLang="zh-CN" dirty="0"/>
+              <a:t>KNN</a:t>
+            </a:r>
+            <a:r>
+              <a:rPr lang="zh-CN" altLang="en-US" dirty="0"/>
+              <a:t>就是解决这个问题的。</a:t>
+            </a:r>
+          </a:p>
+          <a:p>
+            <a:r>
+              <a:rPr lang="zh-CN" altLang="en-US" dirty="0"/>
+              <a:t>如果</a:t>
+            </a:r>
+            <a:r>
+              <a:rPr lang="en-US" altLang="zh-CN" dirty="0"/>
+              <a:t>K=3</a:t>
+            </a:r>
+            <a:r>
+              <a:rPr lang="zh-CN" altLang="en-US" dirty="0"/>
+              <a:t>，绿色圆点的最近的</a:t>
+            </a:r>
+            <a:r>
+              <a:rPr lang="en-US" altLang="zh-CN" dirty="0"/>
+              <a:t>3</a:t>
+            </a:r>
+            <a:r>
+              <a:rPr lang="zh-CN" altLang="en-US" dirty="0"/>
+              <a:t>个邻居是</a:t>
+            </a:r>
+            <a:r>
+              <a:rPr lang="en-US" altLang="zh-CN" dirty="0"/>
+              <a:t>2</a:t>
+            </a:r>
+            <a:r>
+              <a:rPr lang="zh-CN" altLang="en-US" dirty="0"/>
+              <a:t>个红色小三角形和</a:t>
+            </a:r>
+            <a:r>
+              <a:rPr lang="en-US" altLang="zh-CN" dirty="0"/>
+              <a:t>1</a:t>
+            </a:r>
+            <a:r>
+              <a:rPr lang="zh-CN" altLang="en-US" dirty="0"/>
+              <a:t>个蓝色小正方形，少数从属于多数，基于统计的方法，判定绿色的这个待分类点属于红色的三角形一类。</a:t>
+            </a:r>
+          </a:p>
+          <a:p>
+            <a:r>
+              <a:rPr lang="zh-CN" altLang="en-US" dirty="0"/>
+              <a:t>如果</a:t>
+            </a:r>
+            <a:r>
+              <a:rPr lang="en-US" altLang="zh-CN" dirty="0"/>
+              <a:t>K=5</a:t>
+            </a:r>
+            <a:r>
+              <a:rPr lang="zh-CN" altLang="en-US" dirty="0"/>
+              <a:t>，绿色圆点的最近的</a:t>
+            </a:r>
+            <a:r>
+              <a:rPr lang="en-US" altLang="zh-CN" dirty="0"/>
+              <a:t>5</a:t>
+            </a:r>
+            <a:r>
+              <a:rPr lang="zh-CN" altLang="en-US" dirty="0"/>
+              <a:t>个邻居是</a:t>
+            </a:r>
+            <a:r>
+              <a:rPr lang="en-US" altLang="zh-CN" dirty="0"/>
+              <a:t>2</a:t>
+            </a:r>
+            <a:r>
+              <a:rPr lang="zh-CN" altLang="en-US" dirty="0"/>
+              <a:t>个红色三角形和</a:t>
+            </a:r>
+            <a:r>
+              <a:rPr lang="en-US" altLang="zh-CN" dirty="0"/>
+              <a:t>3</a:t>
+            </a:r>
+            <a:r>
+              <a:rPr lang="zh-CN" altLang="en-US" dirty="0"/>
+              <a:t>个蓝色的正方形，还是少数从属于多数，基于统计的方法，判定绿色的这个待分类点属于蓝色的正方形一类。</a:t>
+            </a:r>
+          </a:p>
+          <a:p>
+            <a:r>
+              <a:rPr lang="zh-CN" altLang="en-US" b="1" dirty="0"/>
+              <a:t>于此我们看到，当无法判定当前待分类点是从属于已知分类中的哪一类时，我们可以依据统计学的理论看它所处的位置特征，衡量它周围邻居的权重，而把它归为</a:t>
+            </a:r>
+            <a:r>
+              <a:rPr lang="en-US" altLang="zh-CN" b="1" dirty="0"/>
+              <a:t>(</a:t>
+            </a:r>
+            <a:r>
+              <a:rPr lang="zh-CN" altLang="en-US" b="1" dirty="0"/>
+              <a:t>或分配</a:t>
+            </a:r>
+            <a:r>
+              <a:rPr lang="en-US" altLang="zh-CN" b="1" dirty="0"/>
+              <a:t>)</a:t>
+            </a:r>
+            <a:r>
+              <a:rPr lang="zh-CN" altLang="en-US" b="1" dirty="0"/>
+              <a:t>到权重更大的那一类。这就是</a:t>
+            </a:r>
+            <a:r>
+              <a:rPr lang="en-US" altLang="zh-CN" b="1" dirty="0"/>
+              <a:t>K</a:t>
+            </a:r>
+            <a:r>
+              <a:rPr lang="zh-CN" altLang="en-US" b="1"/>
+              <a:t>近邻算法的核心思想。</a:t>
+            </a:r>
+            <a:endParaRPr lang="zh-CN" altLang="en-US"/>
+          </a:p>
+          <a:p>
+            <a:endParaRPr kumimoji="1" lang="zh-CN" altLang="en-US"/>
+          </a:p>
+        </p:txBody>
+      </p:sp>
+      <p:sp>
+        <p:nvSpPr>
+          <p:cNvPr id="4" name="幻灯片编号占位符 3"/>
+          <p:cNvSpPr>
+            <a:spLocks noGrp="1"/>
+          </p:cNvSpPr>
+          <p:nvPr>
+            <p:ph type="sldNum" sz="quarter" idx="10"/>
+          </p:nvPr>
+        </p:nvSpPr>
+        <p:spPr/>
+        <p:txBody>
+          <a:bodyPr/>
+          <a:lstStyle/>
+          <a:p>
+            <a:fld id="{BCEC23BA-C284-A64D-90DA-4E530BAE7B0A}" type="slidenum">
+              <a:rPr kumimoji="1" lang="zh-CN" altLang="en-US" smtClean="0"/>
+              <a:t>10</a:t>
+            </a:fld>
+            <a:endParaRPr kumimoji="1" lang="zh-CN" altLang="en-US"/>
+          </a:p>
+        </p:txBody>
+      </p:sp>
+    </p:spTree>
+    <p:extLst>
+      <p:ext uri="{BB962C8B-B14F-4D97-AF65-F5344CB8AC3E}">
+        <p14:creationId xmlns:p14="http://schemas.microsoft.com/office/powerpoint/2010/main" val="437523068"/>
+      </p:ext>
+    </p:extLst>
+  </p:cSld>
+  <p:clrMapOvr>
+    <a:masterClrMapping/>
+  </p:clrMapOvr>
+</p:notes>
+</file>
+
+<file path=ppt/notesSlides/notesSlide3.xml><?xml version="1.0" encoding="utf-8"?>
+<p:notes xmlns:a="http://schemas.openxmlformats.org/drawingml/2006/main" xmlns:r="http://schemas.openxmlformats.org/officeDocument/2006/relationships" xmlns:p="http://schemas.openxmlformats.org/presentationml/2006/main">
+  <p:cSld>
+    <p:spTree>
+      <p:nvGrpSpPr>
+        <p:cNvPr id="1" name=""/>
+        <p:cNvGrpSpPr/>
+        <p:nvPr/>
+      </p:nvGrpSpPr>
+      <p:grpSpPr>
+        <a:xfrm>
+          <a:off x="0" y="0"/>
+          <a:ext cx="0" cy="0"/>
+          <a:chOff x="0" y="0"/>
+          <a:chExt cx="0" cy="0"/>
+        </a:xfrm>
+      </p:grpSpPr>
+      <p:sp>
+        <p:nvSpPr>
+          <p:cNvPr id="2" name="幻灯片图像占位符 1"/>
+          <p:cNvSpPr>
+            <a:spLocks noGrp="1" noRot="1" noChangeAspect="1"/>
+          </p:cNvSpPr>
+          <p:nvPr>
+            <p:ph type="sldImg"/>
+          </p:nvPr>
+        </p:nvSpPr>
+        <p:spPr/>
+      </p:sp>
+      <p:sp>
+        <p:nvSpPr>
+          <p:cNvPr id="3" name="备注占位符 2"/>
+          <p:cNvSpPr>
+            <a:spLocks noGrp="1"/>
+          </p:cNvSpPr>
+          <p:nvPr>
+            <p:ph type="body" idx="1"/>
+          </p:nvPr>
+        </p:nvSpPr>
+        <p:spPr/>
+        <p:txBody>
+          <a:bodyPr/>
+          <a:lstStyle/>
+          <a:p>
             <a:endParaRPr kumimoji="1" lang="zh-CN" altLang="en-US" dirty="0"/>
           </a:p>
         </p:txBody>
@@ -5899,7 +6058,7 @@
 </p:notes>
 </file>
 
-<file path=ppt/notesSlides/notesSlide3.xml><?xml version="1.0" encoding="utf-8"?>
+<file path=ppt/notesSlides/notesSlide4.xml><?xml version="1.0" encoding="utf-8"?>
 <p:notes xmlns:a="http://schemas.openxmlformats.org/drawingml/2006/main" xmlns:r="http://schemas.openxmlformats.org/officeDocument/2006/relationships" xmlns:p="http://schemas.openxmlformats.org/presentationml/2006/main">
   <p:cSld>
     <p:spTree>
@@ -6190,7 +6349,7 @@
           </a:lstStyle>
           <a:p>
             <a:r>
-              <a:rPr lang="zh-CN" altLang="en-US" smtClean="0"/>
+              <a:rPr lang="zh-CN" altLang="en-US"/>
               <a:t>单击此处编辑母版标题样式</a:t>
             </a:r>
             <a:endParaRPr/>
@@ -6315,7 +6474,7 @@
           </a:lstStyle>
           <a:p>
             <a:r>
-              <a:rPr lang="zh-CN" altLang="en-US" smtClean="0"/>
+              <a:rPr lang="zh-CN" altLang="en-US"/>
               <a:t>单击此处编辑母版副标题样式</a:t>
             </a:r>
             <a:endParaRPr dirty="0"/>
@@ -6354,7 +6513,7 @@
           <a:p>
             <a:fld id="{B1115196-1C6F-4784-83AC-30756D8F10B3}" type="datetimeFigureOut">
               <a:rPr lang="en-US" smtClean="0"/>
-              <a:t>02/09/20</a:t>
+              <a:t>9/2/20</a:t>
             </a:fld>
             <a:endParaRPr lang="en-US"/>
           </a:p>
@@ -6573,7 +6732,7 @@
           </a:lstStyle>
           <a:p>
             <a:r>
-              <a:rPr lang="zh-CN" altLang="en-US" smtClean="0"/>
+              <a:rPr lang="zh-CN" altLang="en-US"/>
               <a:t>单击此处编辑母版标题样式</a:t>
             </a:r>
             <a:endParaRPr/>
@@ -6671,7 +6830,7 @@
           </a:lstStyle>
           <a:p>
             <a:r>
-              <a:rPr lang="zh-CN" altLang="en-US" smtClean="0"/>
+              <a:rPr lang="zh-CN" altLang="en-US"/>
               <a:t>将图片拖动到占位符，或单击添加图标</a:t>
             </a:r>
             <a:endParaRPr/>
@@ -6755,7 +6914,7 @@
           <a:p>
             <a:pPr lvl="0"/>
             <a:r>
-              <a:rPr lang="zh-CN" altLang="en-US" smtClean="0"/>
+              <a:rPr lang="zh-CN" altLang="en-US"/>
               <a:t>单击此处编辑母版文本样式</a:t>
             </a:r>
           </a:p>
@@ -6783,7 +6942,7 @@
           <a:p>
             <a:fld id="{B1115196-1C6F-4784-83AC-30756D8F10B3}" type="datetimeFigureOut">
               <a:rPr lang="en-US" smtClean="0"/>
-              <a:t>02/09/20</a:t>
+              <a:t>9/2/20</a:t>
             </a:fld>
             <a:endParaRPr lang="en-US"/>
           </a:p>
@@ -6964,7 +7123,7 @@
           </a:lstStyle>
           <a:p>
             <a:r>
-              <a:rPr lang="zh-CN" altLang="en-US" smtClean="0"/>
+              <a:rPr lang="zh-CN" altLang="en-US"/>
               <a:t>单击此处编辑母版标题样式</a:t>
             </a:r>
             <a:endParaRPr/>
@@ -6988,7 +7147,7 @@
           <a:p>
             <a:fld id="{B1115196-1C6F-4784-83AC-30756D8F10B3}" type="datetimeFigureOut">
               <a:rPr lang="en-US" smtClean="0"/>
-              <a:t>02/09/20</a:t>
+              <a:t>9/2/20</a:t>
             </a:fld>
             <a:endParaRPr lang="en-US"/>
           </a:p>
@@ -7113,7 +7272,7 @@
           <a:p>
             <a:pPr lvl="0"/>
             <a:r>
-              <a:rPr lang="zh-CN" altLang="en-US" smtClean="0"/>
+              <a:rPr lang="zh-CN" altLang="en-US"/>
               <a:t>单击此处编辑母版文本样式</a:t>
             </a:r>
           </a:p>
@@ -7210,7 +7369,7 @@
           </a:lstStyle>
           <a:p>
             <a:r>
-              <a:rPr lang="zh-CN" altLang="en-US" smtClean="0"/>
+              <a:rPr lang="zh-CN" altLang="en-US"/>
               <a:t>将图片拖动到占位符，或单击添加图标</a:t>
             </a:r>
             <a:endParaRPr/>
@@ -7259,7 +7418,7 @@
           <a:p>
             <a:fld id="{B1115196-1C6F-4784-83AC-30756D8F10B3}" type="datetimeFigureOut">
               <a:rPr lang="en-US" smtClean="0"/>
-              <a:t>02/09/20</a:t>
+              <a:t>9/2/20</a:t>
             </a:fld>
             <a:endParaRPr lang="en-US"/>
           </a:p>
@@ -7460,7 +7619,7 @@
           <a:lstStyle/>
           <a:p>
             <a:r>
-              <a:rPr lang="zh-CN" altLang="en-US" smtClean="0"/>
+              <a:rPr lang="zh-CN" altLang="en-US"/>
               <a:t>单击此处编辑母版标题样式</a:t>
             </a:r>
             <a:endParaRPr/>
@@ -7488,35 +7647,35 @@
           <a:p>
             <a:pPr lvl="0"/>
             <a:r>
-              <a:rPr lang="zh-CN" altLang="en-US" smtClean="0"/>
+              <a:rPr lang="zh-CN" altLang="en-US"/>
               <a:t>单击此处编辑母版文本样式</a:t>
             </a:r>
           </a:p>
           <a:p>
             <a:pPr lvl="1"/>
             <a:r>
-              <a:rPr lang="zh-CN" altLang="en-US" smtClean="0"/>
+              <a:rPr lang="zh-CN" altLang="en-US"/>
               <a:t>二级</a:t>
             </a:r>
           </a:p>
           <a:p>
             <a:pPr lvl="2"/>
             <a:r>
-              <a:rPr lang="zh-CN" altLang="en-US" smtClean="0"/>
+              <a:rPr lang="zh-CN" altLang="en-US"/>
               <a:t>三级</a:t>
             </a:r>
           </a:p>
           <a:p>
             <a:pPr lvl="3"/>
             <a:r>
-              <a:rPr lang="zh-CN" altLang="en-US" smtClean="0"/>
+              <a:rPr lang="zh-CN" altLang="en-US"/>
               <a:t>四级</a:t>
             </a:r>
           </a:p>
           <a:p>
             <a:pPr lvl="4"/>
             <a:r>
-              <a:rPr lang="zh-CN" altLang="en-US" smtClean="0"/>
+              <a:rPr lang="zh-CN" altLang="en-US"/>
               <a:t>五级</a:t>
             </a:r>
             <a:endParaRPr dirty="0"/>
@@ -7540,7 +7699,7 @@
           <a:p>
             <a:fld id="{B1115196-1C6F-4784-83AC-30756D8F10B3}" type="datetimeFigureOut">
               <a:rPr lang="en-US" smtClean="0"/>
-              <a:t>02/09/20</a:t>
+              <a:t>9/2/20</a:t>
             </a:fld>
             <a:endParaRPr lang="en-US"/>
           </a:p>
@@ -7690,7 +7849,7 @@
           <a:lstStyle/>
           <a:p>
             <a:r>
-              <a:rPr lang="zh-CN" altLang="en-US" smtClean="0"/>
+              <a:rPr lang="zh-CN" altLang="en-US"/>
               <a:t>单击此处编辑母版标题样式</a:t>
             </a:r>
             <a:endParaRPr/>
@@ -7723,35 +7882,35 @@
           <a:p>
             <a:pPr lvl="0"/>
             <a:r>
-              <a:rPr lang="zh-CN" altLang="en-US" smtClean="0"/>
+              <a:rPr lang="zh-CN" altLang="en-US"/>
               <a:t>单击此处编辑母版文本样式</a:t>
             </a:r>
           </a:p>
           <a:p>
             <a:pPr lvl="1"/>
             <a:r>
-              <a:rPr lang="zh-CN" altLang="en-US" smtClean="0"/>
+              <a:rPr lang="zh-CN" altLang="en-US"/>
               <a:t>二级</a:t>
             </a:r>
           </a:p>
           <a:p>
             <a:pPr lvl="2"/>
             <a:r>
-              <a:rPr lang="zh-CN" altLang="en-US" smtClean="0"/>
+              <a:rPr lang="zh-CN" altLang="en-US"/>
               <a:t>三级</a:t>
             </a:r>
           </a:p>
           <a:p>
             <a:pPr lvl="3"/>
             <a:r>
-              <a:rPr lang="zh-CN" altLang="en-US" smtClean="0"/>
+              <a:rPr lang="zh-CN" altLang="en-US"/>
               <a:t>四级</a:t>
             </a:r>
           </a:p>
           <a:p>
             <a:pPr lvl="4"/>
             <a:r>
-              <a:rPr lang="zh-CN" altLang="en-US" smtClean="0"/>
+              <a:rPr lang="zh-CN" altLang="en-US"/>
               <a:t>五级</a:t>
             </a:r>
             <a:endParaRPr dirty="0"/>
@@ -7775,7 +7934,7 @@
           <a:p>
             <a:fld id="{B1115196-1C6F-4784-83AC-30756D8F10B3}" type="datetimeFigureOut">
               <a:rPr lang="en-US" smtClean="0"/>
-              <a:t>02/09/20</a:t>
+              <a:t>9/2/20</a:t>
             </a:fld>
             <a:endParaRPr lang="en-US"/>
           </a:p>
@@ -7976,7 +8135,7 @@
           <a:lstStyle/>
           <a:p>
             <a:r>
-              <a:rPr lang="zh-CN" altLang="en-US" smtClean="0"/>
+              <a:rPr lang="zh-CN" altLang="en-US"/>
               <a:t>单击此处编辑母版标题样式</a:t>
             </a:r>
             <a:endParaRPr/>
@@ -8004,35 +8163,35 @@
           <a:p>
             <a:pPr lvl="0"/>
             <a:r>
-              <a:rPr lang="zh-CN" altLang="en-US" smtClean="0"/>
+              <a:rPr lang="zh-CN" altLang="en-US"/>
               <a:t>单击此处编辑母版文本样式</a:t>
             </a:r>
           </a:p>
           <a:p>
             <a:pPr lvl="1"/>
             <a:r>
-              <a:rPr lang="zh-CN" altLang="en-US" smtClean="0"/>
+              <a:rPr lang="zh-CN" altLang="en-US"/>
               <a:t>二级</a:t>
             </a:r>
           </a:p>
           <a:p>
             <a:pPr lvl="2"/>
             <a:r>
-              <a:rPr lang="zh-CN" altLang="en-US" smtClean="0"/>
+              <a:rPr lang="zh-CN" altLang="en-US"/>
               <a:t>三级</a:t>
             </a:r>
           </a:p>
           <a:p>
             <a:pPr lvl="3"/>
             <a:r>
-              <a:rPr lang="zh-CN" altLang="en-US" smtClean="0"/>
+              <a:rPr lang="zh-CN" altLang="en-US"/>
               <a:t>四级</a:t>
             </a:r>
           </a:p>
           <a:p>
             <a:pPr lvl="4"/>
             <a:r>
-              <a:rPr lang="zh-CN" altLang="en-US" smtClean="0"/>
+              <a:rPr lang="zh-CN" altLang="en-US"/>
               <a:t>五级</a:t>
             </a:r>
             <a:endParaRPr dirty="0"/>
@@ -8056,7 +8215,7 @@
           <a:p>
             <a:fld id="{B1115196-1C6F-4784-83AC-30756D8F10B3}" type="datetimeFigureOut">
               <a:rPr lang="en-US" smtClean="0"/>
-              <a:t>02/09/20</a:t>
+              <a:t>9/2/20</a:t>
             </a:fld>
             <a:endParaRPr lang="en-US"/>
           </a:p>
@@ -8319,7 +8478,7 @@
           </a:lstStyle>
           <a:p>
             <a:r>
-              <a:rPr lang="zh-CN" altLang="en-US" smtClean="0"/>
+              <a:rPr lang="zh-CN" altLang="en-US"/>
               <a:t>单击此处编辑母版标题样式</a:t>
             </a:r>
             <a:endParaRPr/>
@@ -8444,7 +8603,7 @@
           </a:lstStyle>
           <a:p>
             <a:r>
-              <a:rPr lang="zh-CN" altLang="en-US" smtClean="0"/>
+              <a:rPr lang="zh-CN" altLang="en-US"/>
               <a:t>单击此处编辑母版副标题样式</a:t>
             </a:r>
             <a:endParaRPr dirty="0"/>
@@ -8483,7 +8642,7 @@
           <a:p>
             <a:fld id="{B1115196-1C6F-4784-83AC-30756D8F10B3}" type="datetimeFigureOut">
               <a:rPr lang="en-US" smtClean="0"/>
-              <a:t>02/09/20</a:t>
+              <a:t>9/2/20</a:t>
             </a:fld>
             <a:endParaRPr lang="en-US"/>
           </a:p>
@@ -8558,7 +8717,7 @@
           </a:lstStyle>
           <a:p>
             <a:r>
-              <a:rPr lang="zh-CN" altLang="en-US" smtClean="0"/>
+              <a:rPr lang="zh-CN" altLang="en-US"/>
               <a:t>将图片拖动到占位符，或单击添加图标</a:t>
             </a:r>
             <a:endParaRPr/>
@@ -8794,7 +8953,7 @@
           </a:lstStyle>
           <a:p>
             <a:r>
-              <a:rPr lang="zh-CN" altLang="en-US" smtClean="0"/>
+              <a:rPr lang="zh-CN" altLang="en-US"/>
               <a:t>单击此处编辑母版标题样式</a:t>
             </a:r>
             <a:endParaRPr/>
@@ -8928,7 +9087,7 @@
           <a:p>
             <a:pPr lvl="0"/>
             <a:r>
-              <a:rPr lang="zh-CN" altLang="en-US" smtClean="0"/>
+              <a:rPr lang="zh-CN" altLang="en-US"/>
               <a:t>单击此处编辑母版文本样式</a:t>
             </a:r>
           </a:p>
@@ -9006,7 +9165,7 @@
           <a:p>
             <a:fld id="{B1115196-1C6F-4784-83AC-30756D8F10B3}" type="datetimeFigureOut">
               <a:rPr lang="en-US" smtClean="0"/>
-              <a:t>02/09/20</a:t>
+              <a:t>9/2/20</a:t>
             </a:fld>
             <a:endParaRPr lang="en-US"/>
           </a:p>
@@ -9170,7 +9329,7 @@
           <a:lstStyle/>
           <a:p>
             <a:r>
-              <a:rPr lang="zh-CN" altLang="en-US" smtClean="0"/>
+              <a:rPr lang="zh-CN" altLang="en-US"/>
               <a:t>单击此处编辑母版标题样式</a:t>
             </a:r>
             <a:endParaRPr/>
@@ -9229,35 +9388,35 @@
           <a:p>
             <a:pPr lvl="0"/>
             <a:r>
-              <a:rPr lang="zh-CN" altLang="en-US" smtClean="0"/>
+              <a:rPr lang="zh-CN" altLang="en-US"/>
               <a:t>单击此处编辑母版文本样式</a:t>
             </a:r>
           </a:p>
           <a:p>
             <a:pPr lvl="1"/>
             <a:r>
-              <a:rPr lang="zh-CN" altLang="en-US" smtClean="0"/>
+              <a:rPr lang="zh-CN" altLang="en-US"/>
               <a:t>二级</a:t>
             </a:r>
           </a:p>
           <a:p>
             <a:pPr lvl="2"/>
             <a:r>
-              <a:rPr lang="zh-CN" altLang="en-US" smtClean="0"/>
+              <a:rPr lang="zh-CN" altLang="en-US"/>
               <a:t>三级</a:t>
             </a:r>
           </a:p>
           <a:p>
             <a:pPr lvl="3"/>
             <a:r>
-              <a:rPr lang="zh-CN" altLang="en-US" smtClean="0"/>
+              <a:rPr lang="zh-CN" altLang="en-US"/>
               <a:t>四级</a:t>
             </a:r>
           </a:p>
           <a:p>
             <a:pPr lvl="4"/>
             <a:r>
-              <a:rPr lang="zh-CN" altLang="en-US" smtClean="0"/>
+              <a:rPr lang="zh-CN" altLang="en-US"/>
               <a:t>五级</a:t>
             </a:r>
             <a:endParaRPr dirty="0"/>
@@ -9316,35 +9475,35 @@
           <a:p>
             <a:pPr lvl="0"/>
             <a:r>
-              <a:rPr lang="zh-CN" altLang="en-US" smtClean="0"/>
+              <a:rPr lang="zh-CN" altLang="en-US"/>
               <a:t>单击此处编辑母版文本样式</a:t>
             </a:r>
           </a:p>
           <a:p>
             <a:pPr lvl="1"/>
             <a:r>
-              <a:rPr lang="zh-CN" altLang="en-US" smtClean="0"/>
+              <a:rPr lang="zh-CN" altLang="en-US"/>
               <a:t>二级</a:t>
             </a:r>
           </a:p>
           <a:p>
             <a:pPr lvl="2"/>
             <a:r>
-              <a:rPr lang="zh-CN" altLang="en-US" smtClean="0"/>
+              <a:rPr lang="zh-CN" altLang="en-US"/>
               <a:t>三级</a:t>
             </a:r>
           </a:p>
           <a:p>
             <a:pPr lvl="3"/>
             <a:r>
-              <a:rPr lang="zh-CN" altLang="en-US" smtClean="0"/>
+              <a:rPr lang="zh-CN" altLang="en-US"/>
               <a:t>四级</a:t>
             </a:r>
           </a:p>
           <a:p>
             <a:pPr lvl="4"/>
             <a:r>
-              <a:rPr lang="zh-CN" altLang="en-US" smtClean="0"/>
+              <a:rPr lang="zh-CN" altLang="en-US"/>
               <a:t>五级</a:t>
             </a:r>
             <a:endParaRPr dirty="0"/>
@@ -9368,7 +9527,7 @@
           <a:p>
             <a:fld id="{B1115196-1C6F-4784-83AC-30756D8F10B3}" type="datetimeFigureOut">
               <a:rPr lang="en-US" smtClean="0"/>
-              <a:t>02/09/20</a:t>
+              <a:t>9/2/20</a:t>
             </a:fld>
             <a:endParaRPr lang="en-US"/>
           </a:p>
@@ -9578,7 +9737,7 @@
           </a:lstStyle>
           <a:p>
             <a:r>
-              <a:rPr lang="zh-CN" altLang="en-US" smtClean="0"/>
+              <a:rPr lang="zh-CN" altLang="en-US"/>
               <a:t>单击此处编辑母版标题样式</a:t>
             </a:r>
             <a:endParaRPr/>
@@ -9653,7 +9812,7 @@
           <a:p>
             <a:pPr lvl="0"/>
             <a:r>
-              <a:rPr lang="zh-CN" altLang="en-US" smtClean="0"/>
+              <a:rPr lang="zh-CN" altLang="en-US"/>
               <a:t>单击此处编辑母版文本样式</a:t>
             </a:r>
           </a:p>
@@ -9711,35 +9870,35 @@
           <a:p>
             <a:pPr lvl="0"/>
             <a:r>
-              <a:rPr lang="zh-CN" altLang="en-US" smtClean="0"/>
+              <a:rPr lang="zh-CN" altLang="en-US"/>
               <a:t>单击此处编辑母版文本样式</a:t>
             </a:r>
           </a:p>
           <a:p>
             <a:pPr lvl="1"/>
             <a:r>
-              <a:rPr lang="zh-CN" altLang="en-US" smtClean="0"/>
+              <a:rPr lang="zh-CN" altLang="en-US"/>
               <a:t>二级</a:t>
             </a:r>
           </a:p>
           <a:p>
             <a:pPr lvl="2"/>
             <a:r>
-              <a:rPr lang="zh-CN" altLang="en-US" smtClean="0"/>
+              <a:rPr lang="zh-CN" altLang="en-US"/>
               <a:t>三级</a:t>
             </a:r>
           </a:p>
           <a:p>
             <a:pPr lvl="3"/>
             <a:r>
-              <a:rPr lang="zh-CN" altLang="en-US" smtClean="0"/>
+              <a:rPr lang="zh-CN" altLang="en-US"/>
               <a:t>四级</a:t>
             </a:r>
           </a:p>
           <a:p>
             <a:pPr lvl="4"/>
             <a:r>
-              <a:rPr lang="zh-CN" altLang="en-US" smtClean="0"/>
+              <a:rPr lang="zh-CN" altLang="en-US"/>
               <a:t>五级</a:t>
             </a:r>
             <a:endParaRPr dirty="0"/>
@@ -9814,7 +9973,7 @@
           <a:p>
             <a:pPr lvl="0"/>
             <a:r>
-              <a:rPr lang="zh-CN" altLang="en-US" smtClean="0"/>
+              <a:rPr lang="zh-CN" altLang="en-US"/>
               <a:t>单击此处编辑母版文本样式</a:t>
             </a:r>
           </a:p>
@@ -9872,35 +10031,35 @@
           <a:p>
             <a:pPr lvl="0"/>
             <a:r>
-              <a:rPr lang="zh-CN" altLang="en-US" smtClean="0"/>
+              <a:rPr lang="zh-CN" altLang="en-US"/>
               <a:t>单击此处编辑母版文本样式</a:t>
             </a:r>
           </a:p>
           <a:p>
             <a:pPr lvl="1"/>
             <a:r>
-              <a:rPr lang="zh-CN" altLang="en-US" smtClean="0"/>
+              <a:rPr lang="zh-CN" altLang="en-US"/>
               <a:t>二级</a:t>
             </a:r>
           </a:p>
           <a:p>
             <a:pPr lvl="2"/>
             <a:r>
-              <a:rPr lang="zh-CN" altLang="en-US" smtClean="0"/>
+              <a:rPr lang="zh-CN" altLang="en-US"/>
               <a:t>三级</a:t>
             </a:r>
           </a:p>
           <a:p>
             <a:pPr lvl="3"/>
             <a:r>
-              <a:rPr lang="zh-CN" altLang="en-US" smtClean="0"/>
+              <a:rPr lang="zh-CN" altLang="en-US"/>
               <a:t>四级</a:t>
             </a:r>
           </a:p>
           <a:p>
             <a:pPr lvl="4"/>
             <a:r>
-              <a:rPr lang="zh-CN" altLang="en-US" smtClean="0"/>
+              <a:rPr lang="zh-CN" altLang="en-US"/>
               <a:t>五级</a:t>
             </a:r>
             <a:endParaRPr dirty="0"/>
@@ -9924,7 +10083,7 @@
           <a:p>
             <a:fld id="{B1115196-1C6F-4784-83AC-30756D8F10B3}" type="datetimeFigureOut">
               <a:rPr lang="en-US" smtClean="0"/>
-              <a:t>02/09/20</a:t>
+              <a:t>9/2/20</a:t>
             </a:fld>
             <a:endParaRPr lang="en-US"/>
           </a:p>
@@ -10125,7 +10284,7 @@
           <a:lstStyle/>
           <a:p>
             <a:r>
-              <a:rPr lang="zh-CN" altLang="en-US" smtClean="0"/>
+              <a:rPr lang="zh-CN" altLang="en-US"/>
               <a:t>单击此处编辑母版标题样式</a:t>
             </a:r>
             <a:endParaRPr/>
@@ -10149,7 +10308,7 @@
           <a:p>
             <a:fld id="{B1115196-1C6F-4784-83AC-30756D8F10B3}" type="datetimeFigureOut">
               <a:rPr lang="en-US" smtClean="0"/>
-              <a:t>02/09/20</a:t>
+              <a:t>9/2/20</a:t>
             </a:fld>
             <a:endParaRPr lang="en-US"/>
           </a:p>
@@ -10295,7 +10454,7 @@
           <a:p>
             <a:fld id="{B1115196-1C6F-4784-83AC-30756D8F10B3}" type="datetimeFigureOut">
               <a:rPr lang="en-US" smtClean="0"/>
-              <a:t>02/09/20</a:t>
+              <a:t>9/2/20</a:t>
             </a:fld>
             <a:endParaRPr lang="en-US"/>
           </a:p>
@@ -10571,7 +10730,7 @@
           </a:lstStyle>
           <a:p>
             <a:r>
-              <a:rPr lang="zh-CN" altLang="en-US" smtClean="0"/>
+              <a:rPr lang="zh-CN" altLang="en-US"/>
               <a:t>单击此处编辑母版标题样式</a:t>
             </a:r>
             <a:endParaRPr/>
@@ -10630,35 +10789,35 @@
           <a:p>
             <a:pPr lvl="0"/>
             <a:r>
-              <a:rPr lang="zh-CN" altLang="en-US" smtClean="0"/>
+              <a:rPr lang="zh-CN" altLang="en-US"/>
               <a:t>单击此处编辑母版文本样式</a:t>
             </a:r>
           </a:p>
           <a:p>
             <a:pPr lvl="1"/>
             <a:r>
-              <a:rPr lang="zh-CN" altLang="en-US" smtClean="0"/>
+              <a:rPr lang="zh-CN" altLang="en-US"/>
               <a:t>二级</a:t>
             </a:r>
           </a:p>
           <a:p>
             <a:pPr lvl="2"/>
             <a:r>
-              <a:rPr lang="zh-CN" altLang="en-US" smtClean="0"/>
+              <a:rPr lang="zh-CN" altLang="en-US"/>
               <a:t>三级</a:t>
             </a:r>
           </a:p>
           <a:p>
             <a:pPr lvl="3"/>
             <a:r>
-              <a:rPr lang="zh-CN" altLang="en-US" smtClean="0"/>
+              <a:rPr lang="zh-CN" altLang="en-US"/>
               <a:t>四级</a:t>
             </a:r>
           </a:p>
           <a:p>
             <a:pPr lvl="4"/>
             <a:r>
-              <a:rPr lang="zh-CN" altLang="en-US" smtClean="0"/>
+              <a:rPr lang="zh-CN" altLang="en-US"/>
               <a:t>五级</a:t>
             </a:r>
             <a:endParaRPr dirty="0"/>
@@ -10732,7 +10891,7 @@
           <a:p>
             <a:pPr lvl="0"/>
             <a:r>
-              <a:rPr lang="zh-CN" altLang="en-US" smtClean="0"/>
+              <a:rPr lang="zh-CN" altLang="en-US"/>
               <a:t>单击此处编辑母版文本样式</a:t>
             </a:r>
           </a:p>
@@ -10760,7 +10919,7 @@
           <a:p>
             <a:fld id="{B1115196-1C6F-4784-83AC-30756D8F10B3}" type="datetimeFigureOut">
               <a:rPr lang="en-US" smtClean="0"/>
-              <a:t>02/09/20</a:t>
+              <a:t>9/2/20</a:t>
             </a:fld>
             <a:endParaRPr lang="en-US"/>
           </a:p>
@@ -10878,7 +11037,7 @@
           <a:lstStyle/>
           <a:p>
             <a:r>
-              <a:rPr lang="zh-CN" altLang="en-US" smtClean="0"/>
+              <a:rPr lang="zh-CN" altLang="en-US"/>
               <a:t>单击此处编辑母版标题样式</a:t>
             </a:r>
             <a:endParaRPr/>
@@ -10912,35 +11071,35 @@
           <a:p>
             <a:pPr lvl="0"/>
             <a:r>
-              <a:rPr lang="zh-CN" altLang="en-US" smtClean="0"/>
+              <a:rPr lang="zh-CN" altLang="en-US"/>
               <a:t>单击此处编辑母版文本样式</a:t>
             </a:r>
           </a:p>
           <a:p>
             <a:pPr lvl="1"/>
             <a:r>
-              <a:rPr lang="zh-CN" altLang="en-US" smtClean="0"/>
+              <a:rPr lang="zh-CN" altLang="en-US"/>
               <a:t>二级</a:t>
             </a:r>
           </a:p>
           <a:p>
             <a:pPr lvl="2"/>
             <a:r>
-              <a:rPr lang="zh-CN" altLang="en-US" smtClean="0"/>
+              <a:rPr lang="zh-CN" altLang="en-US"/>
               <a:t>三级</a:t>
             </a:r>
           </a:p>
           <a:p>
             <a:pPr lvl="3"/>
             <a:r>
-              <a:rPr lang="zh-CN" altLang="en-US" smtClean="0"/>
+              <a:rPr lang="zh-CN" altLang="en-US"/>
               <a:t>四级</a:t>
             </a:r>
           </a:p>
           <a:p>
             <a:pPr lvl="4"/>
             <a:r>
-              <a:rPr lang="zh-CN" altLang="en-US" smtClean="0"/>
+              <a:rPr lang="zh-CN" altLang="en-US"/>
               <a:t>五级</a:t>
             </a:r>
             <a:endParaRPr dirty="0"/>
@@ -10982,7 +11141,7 @@
           <a:p>
             <a:fld id="{B1115196-1C6F-4784-83AC-30756D8F10B3}" type="datetimeFigureOut">
               <a:rPr lang="en-US" smtClean="0"/>
-              <a:t>02/09/20</a:t>
+              <a:t>9/2/20</a:t>
             </a:fld>
             <a:endParaRPr lang="en-US"/>
           </a:p>
@@ -11439,7 +11598,7 @@
           <a:lstStyle/>
           <a:p>
             <a:r>
-              <a:rPr kumimoji="1" lang="en-US" altLang="zh-CN" dirty="0" smtClean="0"/>
+              <a:rPr kumimoji="1" lang="en-US" altLang="zh-CN" dirty="0"/>
               <a:t>Machine Learning Train Plan</a:t>
             </a:r>
             <a:endParaRPr kumimoji="1" lang="zh-CN" altLang="en-US" dirty="0"/>
@@ -11462,7 +11621,7 @@
           <a:lstStyle/>
           <a:p>
             <a:r>
-              <a:rPr kumimoji="1" lang="en-US" altLang="zh-CN" dirty="0" smtClean="0"/>
+              <a:rPr kumimoji="1" lang="en-US" altLang="zh-CN" dirty="0"/>
               <a:t>Sean only.</a:t>
             </a:r>
             <a:endParaRPr kumimoji="1" lang="zh-CN" altLang="en-US" dirty="0"/>
@@ -11515,7 +11674,7 @@
           <a:lstStyle/>
           <a:p>
             <a:r>
-              <a:rPr kumimoji="1" lang="en-US" altLang="zh-CN" dirty="0" smtClean="0"/>
+              <a:rPr kumimoji="1" lang="en-US" altLang="zh-CN" dirty="0"/>
               <a:t>KNN</a:t>
             </a:r>
             <a:endParaRPr kumimoji="1" lang="zh-CN" altLang="en-US" dirty="0"/>
@@ -11592,7 +11751,7 @@
           <a:lstStyle/>
           <a:p>
             <a:r>
-              <a:rPr kumimoji="1" lang="en-US" altLang="zh-CN" dirty="0" smtClean="0"/>
+              <a:rPr kumimoji="1" lang="en-US" altLang="zh-CN" dirty="0"/>
               <a:t>KNN</a:t>
             </a:r>
             <a:endParaRPr kumimoji="1" lang="zh-CN" altLang="en-US" dirty="0"/>
@@ -11615,55 +11774,45 @@
           <a:lstStyle/>
           <a:p>
             <a:r>
-              <a:rPr kumimoji="1" lang="en-US" altLang="zh-CN" dirty="0" smtClean="0"/>
+              <a:rPr kumimoji="1" lang="en-US" altLang="zh-CN" dirty="0"/>
               <a:t>Code example</a:t>
             </a:r>
           </a:p>
           <a:p>
             <a:r>
-              <a:rPr kumimoji="1" lang="en-US" altLang="zh-CN" dirty="0" smtClean="0"/>
+              <a:rPr kumimoji="1" lang="en-US" altLang="zh-CN" dirty="0"/>
               <a:t>Use </a:t>
             </a:r>
             <a:r>
-              <a:rPr kumimoji="1" lang="en-US" altLang="zh-CN" dirty="0" err="1" smtClean="0"/>
+              <a:rPr kumimoji="1" lang="en-US" altLang="zh-CN" dirty="0" err="1"/>
               <a:t>knn</a:t>
             </a:r>
             <a:r>
-              <a:rPr kumimoji="1" lang="en-US" altLang="zh-CN" dirty="0" smtClean="0"/>
-              <a:t> to determine number with hand writing</a:t>
-            </a:r>
-            <a:r>
-              <a:rPr kumimoji="1" lang="en-US" altLang="zh-CN" dirty="0" smtClean="0"/>
-              <a:t>?</a:t>
-            </a:r>
-          </a:p>
-          <a:p>
-            <a:r>
-              <a:rPr kumimoji="1" lang="en-US" altLang="zh-CN" dirty="0" smtClean="0"/>
+              <a:rPr kumimoji="1" lang="en-US" altLang="zh-CN" dirty="0"/>
+              <a:t> to determine number with hand writing?</a:t>
+            </a:r>
+          </a:p>
+          <a:p>
+            <a:r>
+              <a:rPr kumimoji="1" lang="en-US" altLang="zh-CN" dirty="0"/>
               <a:t>handwriting_c1_prac.py</a:t>
             </a:r>
-            <a:endParaRPr kumimoji="1" lang="en-US" altLang="zh-CN" dirty="0" smtClean="0"/>
-          </a:p>
-          <a:p>
-            <a:r>
-              <a:rPr kumimoji="1" lang="en-US" altLang="zh-CN" dirty="0" err="1" smtClean="0"/>
+          </a:p>
+          <a:p>
+            <a:r>
+              <a:rPr kumimoji="1" lang="en-US" altLang="zh-CN" dirty="0" err="1"/>
               <a:t>SKLearn</a:t>
             </a:r>
             <a:r>
-              <a:rPr kumimoji="1" lang="en-US" altLang="zh-CN" dirty="0" smtClean="0"/>
-              <a:t> lib use  to determine number with hand writing</a:t>
-            </a:r>
-            <a:r>
-              <a:rPr kumimoji="1" lang="en-US" altLang="zh-CN" dirty="0" smtClean="0"/>
-              <a:t>?</a:t>
-            </a:r>
-          </a:p>
-          <a:p>
-            <a:r>
-              <a:rPr kumimoji="1" lang="en-US" altLang="zh-CN" dirty="0" smtClean="0"/>
+              <a:rPr kumimoji="1" lang="en-US" altLang="zh-CN" dirty="0"/>
+              <a:t> lib use  to determine number with hand writing?</a:t>
+            </a:r>
+          </a:p>
+          <a:p>
+            <a:r>
+              <a:rPr kumimoji="1" lang="en-US" altLang="zh-CN" dirty="0"/>
               <a:t>handwriting_sklearn_c2_prac.py</a:t>
             </a:r>
-            <a:endParaRPr kumimoji="1" lang="en-US" altLang="zh-CN" dirty="0" smtClean="0"/>
           </a:p>
           <a:p>
             <a:endParaRPr kumimoji="1" lang="zh-CN" altLang="en-US" dirty="0"/>
@@ -11716,7 +11865,7 @@
           <a:lstStyle/>
           <a:p>
             <a:r>
-              <a:rPr kumimoji="1" lang="en-US" altLang="zh-CN" dirty="0" smtClean="0"/>
+              <a:rPr kumimoji="1" lang="en-US" altLang="zh-CN" dirty="0"/>
               <a:t>Tree </a:t>
             </a:r>
             <a:endParaRPr kumimoji="1" lang="zh-CN" altLang="en-US" dirty="0"/>
@@ -11752,21 +11901,17 @@
           <a:p>
             <a:r>
               <a:rPr lang="zh-CN" altLang="en-US" dirty="0"/>
-              <a:t>这颗“树”长到什么时候停</a:t>
-            </a:r>
-            <a:r>
-              <a:rPr lang="zh-CN" altLang="en-US" dirty="0" smtClean="0"/>
-              <a:t>。</a:t>
-            </a:r>
-            <a:endParaRPr lang="en-US" altLang="zh-CN" dirty="0" smtClean="0"/>
-          </a:p>
-          <a:p>
-            <a:r>
-              <a:rPr lang="zh-CN" altLang="en-US" b="1" dirty="0" smtClean="0"/>
+              <a:t>这颗“树”长到什么时候停。</a:t>
+            </a:r>
+            <a:endParaRPr lang="en-US" altLang="zh-CN" dirty="0"/>
+          </a:p>
+          <a:p>
+            <a:r>
+              <a:rPr lang="zh-CN" altLang="en-US" b="1" dirty="0"/>
               <a:t>信息熵</a:t>
             </a:r>
             <a:r>
-              <a:rPr lang="en-US" altLang="zh-CN" b="1" dirty="0" smtClean="0"/>
+              <a:rPr lang="en-US" altLang="zh-CN" b="1" dirty="0"/>
               <a:t>:</a:t>
             </a:r>
             <a:endParaRPr lang="zh-CN" altLang="en-US" dirty="0"/>
@@ -11880,7 +12025,7 @@
           <a:lstStyle/>
           <a:p>
             <a:r>
-              <a:rPr kumimoji="1" lang="en-US" altLang="zh-CN" dirty="0" smtClean="0"/>
+              <a:rPr kumimoji="1" lang="en-US" altLang="zh-CN" dirty="0"/>
               <a:t>Tree</a:t>
             </a:r>
             <a:endParaRPr kumimoji="1" lang="zh-CN" altLang="en-US" dirty="0"/>
@@ -11981,7 +12126,7 @@
           <a:lstStyle/>
           <a:p>
             <a:r>
-              <a:rPr kumimoji="1" lang="en-US" altLang="zh-CN" dirty="0" smtClean="0"/>
+              <a:rPr kumimoji="1" lang="en-US" altLang="zh-CN" dirty="0"/>
               <a:t>Tree</a:t>
             </a:r>
             <a:endParaRPr kumimoji="1" lang="zh-CN" altLang="en-US" dirty="0"/>
@@ -12004,14 +12149,14 @@
           <a:lstStyle/>
           <a:p>
             <a:r>
-              <a:rPr kumimoji="1" lang="en-US" altLang="zh-CN" dirty="0" smtClean="0"/>
+              <a:rPr kumimoji="1" lang="en-US" altLang="zh-CN" dirty="0"/>
               <a:t>Example ID3</a:t>
             </a:r>
             <a:r>
-              <a:rPr kumimoji="1" lang="zh-TW" altLang="en-US" dirty="0" smtClean="0"/>
+              <a:rPr kumimoji="1" lang="zh-TW" altLang="en-US" dirty="0"/>
               <a:t>算法</a:t>
             </a:r>
-            <a:endParaRPr kumimoji="1" lang="en-US" altLang="zh-CN" dirty="0" smtClean="0"/>
+            <a:endParaRPr kumimoji="1" lang="en-US" altLang="zh-CN" dirty="0"/>
           </a:p>
           <a:p>
             <a:endParaRPr kumimoji="1" lang="zh-CN" altLang="en-US" dirty="0"/>
@@ -12090,15 +12235,11 @@
           <a:lstStyle/>
           <a:p>
             <a:r>
-              <a:rPr kumimoji="1" lang="en-US" altLang="zh-CN" dirty="0" smtClean="0"/>
-              <a:t>Tree </a:t>
-            </a:r>
-            <a:r>
               <a:rPr kumimoji="1" lang="en-US" altLang="zh-CN" dirty="0"/>
-              <a:t>ID3</a:t>
-            </a:r>
-            <a:r>
-              <a:rPr kumimoji="1" lang="zh-TW" altLang="en-US" dirty="0" smtClean="0"/>
+              <a:t>Tree ID3</a:t>
+            </a:r>
+            <a:r>
+              <a:rPr kumimoji="1" lang="zh-TW" altLang="en-US" dirty="0"/>
               <a:t>算法</a:t>
             </a:r>
             <a:endParaRPr kumimoji="1" lang="zh-CN" altLang="en-US" dirty="0"/>
@@ -12183,15 +12324,11 @@
           <a:lstStyle/>
           <a:p>
             <a:r>
-              <a:rPr kumimoji="1" lang="en-US" altLang="zh-CN" dirty="0" smtClean="0"/>
-              <a:t>Tree </a:t>
-            </a:r>
-            <a:r>
               <a:rPr kumimoji="1" lang="en-US" altLang="zh-CN" dirty="0"/>
-              <a:t>ID3</a:t>
-            </a:r>
-            <a:r>
-              <a:rPr kumimoji="1" lang="zh-TW" altLang="en-US" dirty="0" smtClean="0"/>
+              <a:t>Tree ID3</a:t>
+            </a:r>
+            <a:r>
+              <a:rPr kumimoji="1" lang="zh-TW" altLang="en-US" dirty="0"/>
               <a:t>算法</a:t>
             </a:r>
             <a:endParaRPr kumimoji="1" lang="zh-CN" altLang="en-US" dirty="0"/>
@@ -12270,15 +12407,11 @@
           <a:lstStyle/>
           <a:p>
             <a:r>
-              <a:rPr kumimoji="1" lang="en-US" altLang="zh-CN" dirty="0" smtClean="0"/>
-              <a:t>Tree </a:t>
-            </a:r>
-            <a:r>
               <a:rPr kumimoji="1" lang="en-US" altLang="zh-CN" dirty="0"/>
-              <a:t>ID3</a:t>
-            </a:r>
-            <a:r>
-              <a:rPr kumimoji="1" lang="zh-TW" altLang="en-US" dirty="0" smtClean="0"/>
+              <a:t>Tree ID3</a:t>
+            </a:r>
+            <a:r>
+              <a:rPr kumimoji="1" lang="zh-TW" altLang="en-US" dirty="0"/>
               <a:t>算法</a:t>
             </a:r>
             <a:endParaRPr kumimoji="1" lang="zh-CN" altLang="en-US" dirty="0"/>
@@ -12522,7 +12655,7 @@
           <a:lstStyle/>
           <a:p>
             <a:r>
-              <a:rPr kumimoji="1" lang="en-US" altLang="zh-CN" dirty="0" smtClean="0"/>
+              <a:rPr kumimoji="1" lang="en-US" altLang="zh-CN" dirty="0"/>
               <a:t>Plan Concept</a:t>
             </a:r>
             <a:endParaRPr kumimoji="1" lang="zh-CN" altLang="en-US" dirty="0"/>
@@ -12554,15 +12687,7 @@
             <a:pPr lvl="0"/>
             <a:r>
               <a:rPr kumimoji="1" lang="en-US" altLang="zh-CN" sz="2400" dirty="0"/>
-              <a:t>1. purpose: </a:t>
-            </a:r>
-            <a:r>
-              <a:rPr kumimoji="1" lang="en-US" altLang="zh-CN" sz="2400" dirty="0" smtClean="0"/>
-              <a:t>find  a model for </a:t>
-            </a:r>
-            <a:r>
-              <a:rPr kumimoji="1" lang="en-US" altLang="zh-CN" sz="2400" dirty="0"/>
-              <a:t>AI FA Function</a:t>
+              <a:t>1. purpose: find  a model for AI FA Function</a:t>
             </a:r>
             <a:endParaRPr lang="en-US" altLang="zh-CN" sz="2400" dirty="0"/>
           </a:p>
@@ -12639,19 +12764,19 @@
           <a:lstStyle/>
           <a:p>
             <a:r>
-              <a:rPr kumimoji="1" lang="en-US" altLang="zh-CN" dirty="0" smtClean="0"/>
+              <a:rPr kumimoji="1" lang="en-US" altLang="zh-CN" dirty="0"/>
               <a:t>W</a:t>
             </a:r>
             <a:r>
-              <a:rPr kumimoji="1" lang="zh-TW" altLang="zh-CN" dirty="0" smtClean="0"/>
+              <a:rPr kumimoji="1" lang="zh-TW" altLang="zh-CN" dirty="0"/>
               <a:t>4</a:t>
             </a:r>
             <a:r>
-              <a:rPr kumimoji="1" lang="en-US" altLang="zh-CN" dirty="0" smtClean="0"/>
+              <a:rPr kumimoji="1" lang="en-US" altLang="zh-CN" dirty="0"/>
               <a:t> Item:</a:t>
             </a:r>
             <a:r>
-              <a:rPr kumimoji="1" lang="zh-TW" altLang="en-US" dirty="0" smtClean="0"/>
+              <a:rPr kumimoji="1" lang="zh-TW" altLang="en-US" dirty="0"/>
               <a:t>數學算法</a:t>
             </a:r>
             <a:endParaRPr kumimoji="1" lang="zh-CN" altLang="en-US" dirty="0"/>
@@ -12673,43 +12798,43 @@
           <a:bodyPr/>
           <a:lstStyle/>
           <a:p>
-            <a:endParaRPr kumimoji="1" lang="en-US" altLang="zh-TW" dirty="0" smtClean="0"/>
-          </a:p>
-          <a:p>
-            <a:r>
-              <a:rPr kumimoji="1" lang="en-US" altLang="zh-TW" dirty="0" err="1" smtClean="0"/>
+            <a:endParaRPr kumimoji="1" lang="en-US" altLang="zh-TW" dirty="0"/>
+          </a:p>
+          <a:p>
+            <a:r>
+              <a:rPr kumimoji="1" lang="en-US" altLang="zh-TW" dirty="0" err="1"/>
               <a:t>Svm</a:t>
             </a:r>
             <a:r>
-              <a:rPr kumimoji="1" lang="zh-TW" altLang="en-US" dirty="0" smtClean="0"/>
+              <a:rPr kumimoji="1" lang="zh-TW" altLang="en-US" dirty="0"/>
               <a:t>算法</a:t>
             </a:r>
-            <a:endParaRPr kumimoji="1" lang="en-US" altLang="zh-TW" dirty="0" smtClean="0"/>
-          </a:p>
-          <a:p>
-            <a:r>
-              <a:rPr kumimoji="1" lang="en-US" altLang="zh-TW" dirty="0" err="1" smtClean="0"/>
+            <a:endParaRPr kumimoji="1" lang="en-US" altLang="zh-TW" dirty="0"/>
+          </a:p>
+          <a:p>
+            <a:r>
+              <a:rPr kumimoji="1" lang="en-US" altLang="zh-TW" dirty="0" err="1"/>
               <a:t>Svm</a:t>
             </a:r>
             <a:r>
-              <a:rPr kumimoji="1" lang="zh-TW" altLang="en-US" dirty="0" smtClean="0"/>
+              <a:rPr kumimoji="1" lang="zh-TW" altLang="en-US" dirty="0"/>
               <a:t>分類</a:t>
             </a:r>
             <a:r>
-              <a:rPr kumimoji="1" lang="en-US" altLang="zh-TW" dirty="0" smtClean="0"/>
+              <a:rPr kumimoji="1" lang="en-US" altLang="zh-TW" dirty="0"/>
               <a:t> demo </a:t>
             </a:r>
             <a:r>
-              <a:rPr kumimoji="1" lang="zh-TW" altLang="en-US" dirty="0" smtClean="0"/>
+              <a:rPr kumimoji="1" lang="zh-TW" altLang="en-US" dirty="0"/>
               <a:t>代碼實現</a:t>
             </a:r>
-            <a:endParaRPr kumimoji="1" lang="en-US" altLang="zh-TW" dirty="0" smtClean="0"/>
+            <a:endParaRPr kumimoji="1" lang="en-US" altLang="zh-TW" dirty="0"/>
           </a:p>
           <a:p>
             <a:pPr marL="0" indent="0">
               <a:buNone/>
             </a:pPr>
-            <a:endParaRPr kumimoji="1" lang="en-US" altLang="zh-TW" dirty="0" smtClean="0"/>
+            <a:endParaRPr kumimoji="1" lang="en-US" altLang="zh-TW" dirty="0"/>
           </a:p>
         </p:txBody>
       </p:sp>
@@ -12759,15 +12884,15 @@
           <a:lstStyle/>
           <a:p>
             <a:r>
-              <a:rPr kumimoji="1" lang="zh-TW" altLang="en-US" dirty="0" smtClean="0"/>
+              <a:rPr kumimoji="1" lang="zh-TW" altLang="en-US" dirty="0"/>
               <a:t>W</a:t>
             </a:r>
             <a:r>
-              <a:rPr kumimoji="1" lang="en-US" altLang="zh-TW" dirty="0" smtClean="0"/>
+              <a:rPr kumimoji="1" lang="en-US" altLang="zh-TW" dirty="0"/>
               <a:t>? : </a:t>
             </a:r>
             <a:r>
-              <a:rPr kumimoji="1" lang="zh-TW" altLang="en-US" dirty="0" smtClean="0"/>
+              <a:rPr kumimoji="1" lang="zh-TW" altLang="en-US" dirty="0"/>
               <a:t>語言資料基礎分析</a:t>
             </a:r>
             <a:endParaRPr kumimoji="1" lang="zh-CN" altLang="en-US" dirty="0"/>
@@ -12790,14 +12915,14 @@
           <a:lstStyle/>
           <a:p>
             <a:r>
-              <a:rPr kumimoji="1" lang="zh-TW" altLang="en-US" dirty="0" smtClean="0"/>
+              <a:rPr kumimoji="1" lang="zh-TW" altLang="en-US" dirty="0"/>
               <a:t>後續看完基礎數學算法後決定</a:t>
             </a:r>
-            <a:endParaRPr kumimoji="1" lang="en-US" altLang="zh-TW" dirty="0" smtClean="0"/>
-          </a:p>
-          <a:p>
-            <a:r>
-              <a:rPr kumimoji="1" lang="zh-TW" altLang="en-US" dirty="0" smtClean="0"/>
+            <a:endParaRPr kumimoji="1" lang="en-US" altLang="zh-TW" dirty="0"/>
+          </a:p>
+          <a:p>
+            <a:r>
+              <a:rPr kumimoji="1" lang="zh-TW" altLang="en-US" dirty="0"/>
               <a:t>預定最多佔兩週</a:t>
             </a:r>
             <a:endParaRPr kumimoji="1" lang="zh-CN" altLang="en-US" dirty="0"/>
@@ -12850,27 +12975,27 @@
           <a:lstStyle/>
           <a:p>
             <a:r>
-              <a:rPr kumimoji="1" lang="zh-TW" altLang="en-US" dirty="0" smtClean="0"/>
+              <a:rPr kumimoji="1" lang="zh-TW" altLang="en-US" dirty="0"/>
               <a:t>W</a:t>
             </a:r>
             <a:r>
-              <a:rPr kumimoji="1" lang="zh-TW" altLang="zh-TW" dirty="0" smtClean="0"/>
+              <a:rPr kumimoji="1" lang="zh-TW" altLang="zh-TW" dirty="0"/>
               <a:t>5</a:t>
             </a:r>
             <a:r>
-              <a:rPr kumimoji="1" lang="en-US" altLang="zh-TW" dirty="0" smtClean="0"/>
+              <a:rPr kumimoji="1" lang="en-US" altLang="zh-TW" dirty="0"/>
               <a:t>:</a:t>
             </a:r>
             <a:r>
-              <a:rPr kumimoji="1" lang="zh-TW" altLang="en-US" dirty="0" smtClean="0"/>
+              <a:rPr kumimoji="1" lang="zh-TW" altLang="en-US" dirty="0"/>
               <a:t>深度學習模型</a:t>
             </a:r>
             <a:r>
-              <a:rPr kumimoji="1" lang="en-US" altLang="zh-TW" dirty="0" smtClean="0"/>
+              <a:rPr kumimoji="1" lang="en-US" altLang="zh-TW" dirty="0"/>
               <a:t>-</a:t>
             </a:r>
             <a:r>
-              <a:rPr kumimoji="1" lang="zh-TW" altLang="en-US" dirty="0" smtClean="0"/>
+              <a:rPr kumimoji="1" lang="zh-TW" altLang="en-US" dirty="0"/>
               <a:t>基礎模型</a:t>
             </a:r>
             <a:endParaRPr kumimoji="1" lang="zh-CN" altLang="en-US" dirty="0"/>
@@ -12893,43 +13018,33 @@
           <a:lstStyle/>
           <a:p>
             <a:r>
-              <a:rPr kumimoji="1" lang="zh-TW" altLang="en-US" dirty="0" smtClean="0"/>
+              <a:rPr kumimoji="1" lang="zh-TW" altLang="en-US" dirty="0"/>
               <a:t>D</a:t>
             </a:r>
             <a:r>
-              <a:rPr kumimoji="1" lang="en-US" altLang="zh-TW" dirty="0" smtClean="0"/>
+              <a:rPr kumimoji="1" lang="en-US" altLang="zh-TW" dirty="0"/>
               <a:t>MN model</a:t>
             </a:r>
           </a:p>
           <a:p>
             <a:r>
-              <a:rPr kumimoji="1" lang="en-US" altLang="zh-TW" dirty="0" smtClean="0"/>
-              <a:t>CNN </a:t>
-            </a:r>
-            <a:r>
               <a:rPr kumimoji="1" lang="en-US" altLang="zh-TW" dirty="0"/>
-              <a:t>model</a:t>
-            </a:r>
-            <a:endParaRPr kumimoji="1" lang="en-US" altLang="zh-TW" dirty="0" smtClean="0"/>
-          </a:p>
-          <a:p>
-            <a:r>
-              <a:rPr kumimoji="1" lang="en-US" altLang="zh-TW" dirty="0" smtClean="0"/>
+              <a:t>CNN model</a:t>
+            </a:r>
+          </a:p>
+          <a:p>
+            <a:r>
+              <a:rPr kumimoji="1" lang="en-US" altLang="zh-TW" dirty="0"/>
               <a:t>R</a:t>
             </a:r>
             <a:r>
-              <a:rPr kumimoji="1" lang="zh-TW" altLang="en-US" dirty="0" smtClean="0"/>
+              <a:rPr kumimoji="1" lang="zh-TW" altLang="en-US" dirty="0"/>
               <a:t>N</a:t>
             </a:r>
             <a:r>
-              <a:rPr kumimoji="1" lang="en-US" altLang="zh-TW" dirty="0" smtClean="0"/>
-              <a:t>N </a:t>
-            </a:r>
-            <a:r>
               <a:rPr kumimoji="1" lang="en-US" altLang="zh-TW" dirty="0"/>
-              <a:t>model</a:t>
-            </a:r>
-            <a:endParaRPr kumimoji="1" lang="en-US" altLang="zh-TW" dirty="0" smtClean="0"/>
+              <a:t>N model</a:t>
+            </a:r>
           </a:p>
           <a:p>
             <a:endParaRPr kumimoji="1" lang="zh-CN" altLang="en-US" dirty="0"/>
@@ -12982,7 +13097,7 @@
           <a:lstStyle/>
           <a:p>
             <a:r>
-              <a:rPr kumimoji="1" lang="zh-TW" altLang="en-US" dirty="0" smtClean="0"/>
+              <a:rPr kumimoji="1" lang="zh-TW" altLang="en-US" dirty="0"/>
               <a:t>W</a:t>
             </a:r>
             <a:r>
@@ -12990,19 +13105,19 @@
               <a:t>6</a:t>
             </a:r>
             <a:r>
-              <a:rPr kumimoji="1" lang="en-US" altLang="zh-TW" dirty="0" smtClean="0"/>
+              <a:rPr kumimoji="1" lang="en-US" altLang="zh-TW" dirty="0"/>
               <a:t>:</a:t>
             </a:r>
             <a:r>
-              <a:rPr kumimoji="1" lang="zh-TW" altLang="en-US" dirty="0" smtClean="0"/>
+              <a:rPr kumimoji="1" lang="zh-TW" altLang="en-US" dirty="0"/>
               <a:t>深度學習模型</a:t>
             </a:r>
             <a:r>
-              <a:rPr kumimoji="1" lang="en-US" altLang="zh-TW" dirty="0" smtClean="0"/>
+              <a:rPr kumimoji="1" lang="en-US" altLang="zh-TW" dirty="0"/>
               <a:t>-</a:t>
             </a:r>
             <a:r>
-              <a:rPr kumimoji="1" lang="zh-TW" altLang="en-US" dirty="0" smtClean="0"/>
+              <a:rPr kumimoji="1" lang="zh-TW" altLang="en-US" dirty="0"/>
               <a:t>應用文本</a:t>
             </a:r>
             <a:endParaRPr kumimoji="1" lang="zh-CN" altLang="en-US" dirty="0"/>
@@ -13025,41 +13140,31 @@
           <a:lstStyle/>
           <a:p>
             <a:r>
-              <a:rPr kumimoji="1" lang="zh-TW" altLang="zh-TW" dirty="0" smtClean="0"/>
+              <a:rPr kumimoji="1" lang="zh-TW" altLang="zh-TW" dirty="0"/>
               <a:t>t</a:t>
             </a:r>
             <a:r>
-              <a:rPr kumimoji="1" lang="en-US" altLang="zh-TW" dirty="0" err="1" smtClean="0"/>
+              <a:rPr kumimoji="1" lang="en-US" altLang="zh-TW" dirty="0" err="1"/>
               <a:t>extCNN</a:t>
             </a:r>
             <a:r>
-              <a:rPr kumimoji="1" lang="en-US" altLang="zh-TW" dirty="0" smtClean="0"/>
-              <a:t> </a:t>
-            </a:r>
-            <a:r>
               <a:rPr kumimoji="1" lang="en-US" altLang="zh-TW" dirty="0"/>
-              <a:t>model</a:t>
-            </a:r>
-            <a:endParaRPr kumimoji="1" lang="en-US" altLang="zh-TW" dirty="0" smtClean="0"/>
-          </a:p>
-          <a:p>
-            <a:r>
-              <a:rPr kumimoji="1" lang="zh-TW" altLang="zh-TW" dirty="0" smtClean="0"/>
+              <a:t> model</a:t>
+            </a:r>
+          </a:p>
+          <a:p>
+            <a:r>
+              <a:rPr kumimoji="1" lang="zh-TW" altLang="zh-TW" dirty="0"/>
               <a:t>t</a:t>
             </a:r>
             <a:r>
-              <a:rPr kumimoji="1" lang="en-US" altLang="zh-TW" dirty="0" err="1" smtClean="0"/>
+              <a:rPr kumimoji="1" lang="en-US" altLang="zh-TW" dirty="0" err="1"/>
               <a:t>extRNN</a:t>
             </a:r>
             <a:r>
-              <a:rPr kumimoji="1" lang="en-US" altLang="zh-TW" dirty="0" smtClean="0"/>
-              <a:t> </a:t>
-            </a:r>
-            <a:r>
               <a:rPr kumimoji="1" lang="en-US" altLang="zh-TW" dirty="0"/>
-              <a:t>model</a:t>
-            </a:r>
-            <a:endParaRPr kumimoji="1" lang="en-US" altLang="zh-TW" dirty="0" smtClean="0"/>
+              <a:t> model</a:t>
+            </a:r>
           </a:p>
         </p:txBody>
       </p:sp>
@@ -13109,23 +13214,23 @@
           <a:lstStyle/>
           <a:p>
             <a:r>
-              <a:rPr kumimoji="1" lang="zh-TW" altLang="en-US" dirty="0" smtClean="0"/>
+              <a:rPr kumimoji="1" lang="zh-TW" altLang="en-US" dirty="0"/>
               <a:t>W</a:t>
             </a:r>
             <a:r>
-              <a:rPr kumimoji="1" lang="zh-TW" altLang="zh-TW" dirty="0" smtClean="0"/>
+              <a:rPr kumimoji="1" lang="zh-TW" altLang="zh-TW" dirty="0"/>
               <a:t>7</a:t>
             </a:r>
             <a:r>
-              <a:rPr kumimoji="1" lang="en-US" altLang="zh-TW" dirty="0" smtClean="0"/>
+              <a:rPr kumimoji="1" lang="en-US" altLang="zh-TW" dirty="0"/>
               <a:t>:</a:t>
             </a:r>
             <a:r>
-              <a:rPr kumimoji="1" lang="zh-TW" altLang="en-US" dirty="0" smtClean="0"/>
+              <a:rPr kumimoji="1" lang="zh-TW" altLang="en-US" dirty="0"/>
               <a:t>模型</a:t>
             </a:r>
             <a:r>
-              <a:rPr kumimoji="1" lang="en-US" altLang="zh-TW" dirty="0" smtClean="0"/>
+              <a:rPr kumimoji="1" lang="en-US" altLang="zh-TW" dirty="0"/>
               <a:t>DEMO </a:t>
             </a:r>
             <a:endParaRPr kumimoji="1" lang="zh-CN" altLang="en-US" dirty="0"/>
@@ -13148,19 +13253,19 @@
           <a:lstStyle/>
           <a:p>
             <a:r>
-              <a:rPr kumimoji="1" lang="zh-TW" altLang="en-US" dirty="0" smtClean="0"/>
+              <a:rPr kumimoji="1" lang="zh-TW" altLang="en-US" dirty="0"/>
               <a:t>文本分類</a:t>
             </a:r>
             <a:r>
-              <a:rPr kumimoji="1" lang="en-US" altLang="zh-TW" dirty="0" smtClean="0"/>
+              <a:rPr kumimoji="1" lang="en-US" altLang="zh-TW" dirty="0"/>
               <a:t>-</a:t>
             </a:r>
             <a:r>
-              <a:rPr kumimoji="1" lang="zh-TW" altLang="en-US" dirty="0" smtClean="0"/>
+              <a:rPr kumimoji="1" lang="zh-TW" altLang="en-US" dirty="0"/>
               <a:t>意圖分類</a:t>
             </a:r>
             <a:r>
-              <a:rPr kumimoji="1" lang="en-US" altLang="zh-TW" dirty="0" smtClean="0"/>
+              <a:rPr kumimoji="1" lang="en-US" altLang="zh-TW" dirty="0"/>
               <a:t>DEMO</a:t>
             </a:r>
           </a:p>
@@ -13215,7 +13320,7 @@
           <a:lstStyle/>
           <a:p>
             <a:r>
-              <a:rPr kumimoji="1" lang="zh-TW" altLang="en-US" dirty="0" smtClean="0"/>
+              <a:rPr kumimoji="1" lang="zh-TW" altLang="en-US" dirty="0"/>
               <a:t>W</a:t>
             </a:r>
             <a:r>
@@ -13223,15 +13328,15 @@
               <a:t>8</a:t>
             </a:r>
             <a:r>
-              <a:rPr kumimoji="1" lang="en-US" altLang="zh-TW" dirty="0" smtClean="0"/>
+              <a:rPr kumimoji="1" lang="en-US" altLang="zh-TW" dirty="0"/>
               <a:t>:</a:t>
             </a:r>
             <a:r>
-              <a:rPr kumimoji="1" lang="zh-TW" altLang="en-US" dirty="0" smtClean="0"/>
+              <a:rPr kumimoji="1" lang="zh-TW" altLang="en-US" dirty="0"/>
               <a:t>模型</a:t>
             </a:r>
             <a:r>
-              <a:rPr kumimoji="1" lang="en-US" altLang="zh-TW" dirty="0" smtClean="0"/>
+              <a:rPr kumimoji="1" lang="en-US" altLang="zh-TW" dirty="0"/>
               <a:t>DEMO </a:t>
             </a:r>
             <a:endParaRPr kumimoji="1" lang="zh-CN" altLang="en-US" dirty="0"/>
@@ -13254,28 +13359,28 @@
           <a:lstStyle/>
           <a:p>
             <a:r>
-              <a:rPr kumimoji="1" lang="zh-TW" altLang="en-US" dirty="0" smtClean="0"/>
+              <a:rPr kumimoji="1" lang="zh-TW" altLang="en-US" dirty="0"/>
               <a:t>文本分類</a:t>
             </a:r>
             <a:r>
-              <a:rPr kumimoji="1" lang="en-US" altLang="zh-TW" dirty="0" smtClean="0"/>
+              <a:rPr kumimoji="1" lang="en-US" altLang="zh-TW" dirty="0"/>
               <a:t>DEMO-</a:t>
             </a:r>
             <a:r>
-              <a:rPr kumimoji="1" lang="zh-TW" altLang="en-US" dirty="0" smtClean="0"/>
+              <a:rPr kumimoji="1" lang="zh-TW" altLang="en-US" dirty="0"/>
               <a:t>真假新聞分類</a:t>
             </a:r>
             <a:r>
-              <a:rPr kumimoji="1" lang="zh-TW" altLang="zh-TW" dirty="0" smtClean="0"/>
+              <a:rPr kumimoji="1" lang="zh-TW" altLang="zh-TW" dirty="0"/>
               <a:t>D</a:t>
             </a:r>
             <a:r>
-              <a:rPr kumimoji="1" lang="en-US" altLang="zh-TW" dirty="0" smtClean="0"/>
+              <a:rPr kumimoji="1" lang="en-US" altLang="zh-TW" dirty="0"/>
               <a:t>EMO</a:t>
             </a:r>
           </a:p>
           <a:p>
-            <a:endParaRPr kumimoji="1" lang="en-US" altLang="zh-TW" dirty="0" smtClean="0"/>
+            <a:endParaRPr kumimoji="1" lang="en-US" altLang="zh-TW" dirty="0"/>
           </a:p>
           <a:p>
             <a:endParaRPr kumimoji="1" lang="zh-CN" altLang="en-US" dirty="0"/>
@@ -13328,7 +13433,7 @@
           <a:lstStyle/>
           <a:p>
             <a:r>
-              <a:rPr kumimoji="1" lang="zh-TW" altLang="en-US" dirty="0" smtClean="0"/>
+              <a:rPr kumimoji="1" lang="zh-TW" altLang="en-US" dirty="0"/>
               <a:t>後續</a:t>
             </a:r>
             <a:endParaRPr kumimoji="1" lang="zh-CN" altLang="en-US" dirty="0"/>
@@ -13351,26 +13456,26 @@
           <a:lstStyle/>
           <a:p>
             <a:r>
-              <a:rPr kumimoji="1" lang="zh-TW" altLang="en-US" dirty="0" smtClean="0"/>
+              <a:rPr kumimoji="1" lang="zh-TW" altLang="en-US" dirty="0"/>
               <a:t>依練習結果安排</a:t>
             </a:r>
             <a:r>
-              <a:rPr kumimoji="1" lang="en-US" altLang="zh-TW" dirty="0" smtClean="0"/>
+              <a:rPr kumimoji="1" lang="en-US" altLang="zh-TW" dirty="0"/>
               <a:t>,</a:t>
             </a:r>
             <a:r>
-              <a:rPr kumimoji="1" lang="zh-TW" altLang="en-US" dirty="0" smtClean="0"/>
+              <a:rPr kumimoji="1" lang="zh-TW" altLang="en-US" dirty="0"/>
               <a:t>如果到時內容增加</a:t>
             </a:r>
             <a:r>
-              <a:rPr kumimoji="1" lang="en-US" altLang="zh-TW" dirty="0" smtClean="0"/>
+              <a:rPr kumimoji="1" lang="en-US" altLang="zh-TW" dirty="0"/>
               <a:t>,</a:t>
             </a:r>
             <a:r>
-              <a:rPr kumimoji="1" lang="zh-TW" altLang="en-US" dirty="0" smtClean="0"/>
+              <a:rPr kumimoji="1" lang="zh-TW" altLang="en-US" dirty="0"/>
               <a:t>再補充增加時間</a:t>
             </a:r>
-            <a:endParaRPr kumimoji="1" lang="en-US" altLang="zh-TW" dirty="0" smtClean="0"/>
+            <a:endParaRPr kumimoji="1" lang="en-US" altLang="zh-TW" dirty="0"/>
           </a:p>
           <a:p>
             <a:endParaRPr kumimoji="1" lang="zh-CN" altLang="en-US" dirty="0"/>
@@ -13446,49 +13551,49 @@
           <a:lstStyle/>
           <a:p>
             <a:r>
-              <a:rPr kumimoji="1" lang="en-US" altLang="zh-CN" dirty="0" smtClean="0"/>
+              <a:rPr kumimoji="1" lang="en-US" altLang="zh-CN" dirty="0"/>
               <a:t> </a:t>
             </a:r>
             <a:r>
-              <a:rPr kumimoji="1" lang="zh-TW" altLang="en-US" dirty="0" smtClean="0"/>
+              <a:rPr kumimoji="1" lang="zh-TW" altLang="en-US" dirty="0"/>
               <a:t>暫定計畫時間兩到三個月</a:t>
             </a:r>
             <a:r>
-              <a:rPr kumimoji="1" lang="en-US" altLang="zh-TW" dirty="0" smtClean="0"/>
+              <a:rPr kumimoji="1" lang="en-US" altLang="zh-TW" dirty="0"/>
               <a:t>(</a:t>
             </a:r>
             <a:r>
-              <a:rPr kumimoji="1" lang="zh-TW" altLang="en-US" dirty="0" smtClean="0"/>
+              <a:rPr kumimoji="1" lang="zh-TW" altLang="en-US" dirty="0"/>
               <a:t>預計兩個月後續增加內容調整</a:t>
             </a:r>
             <a:r>
-              <a:rPr kumimoji="1" lang="en-US" altLang="zh-TW" dirty="0" smtClean="0"/>
+              <a:rPr kumimoji="1" lang="en-US" altLang="zh-TW" dirty="0"/>
               <a:t>)</a:t>
             </a:r>
           </a:p>
           <a:p>
             <a:r>
-              <a:rPr kumimoji="1" lang="zh-TW" altLang="en-US" dirty="0" smtClean="0"/>
+              <a:rPr kumimoji="1" lang="zh-TW" altLang="en-US" dirty="0"/>
               <a:t>（</a:t>
             </a:r>
             <a:r>
-              <a:rPr kumimoji="1" lang="en-US" altLang="zh-TW" dirty="0" smtClean="0"/>
+              <a:rPr kumimoji="1" lang="en-US" altLang="zh-TW" dirty="0"/>
               <a:t>9/1 ~ 10/31</a:t>
             </a:r>
             <a:r>
-              <a:rPr kumimoji="1" lang="zh-TW" altLang="en-US" dirty="0" smtClean="0"/>
+              <a:rPr kumimoji="1" lang="zh-TW" altLang="en-US" dirty="0"/>
               <a:t>）</a:t>
             </a:r>
-            <a:endParaRPr kumimoji="1" lang="en-US" altLang="zh-CN" dirty="0" smtClean="0"/>
-          </a:p>
-          <a:p>
-            <a:r>
-              <a:rPr kumimoji="1" lang="en-US" altLang="zh-CN" dirty="0" smtClean="0"/>
+            <a:endParaRPr kumimoji="1" lang="en-US" altLang="zh-CN" dirty="0"/>
+          </a:p>
+          <a:p>
+            <a:r>
+              <a:rPr kumimoji="1" lang="en-US" altLang="zh-CN" dirty="0"/>
               <a:t>A week last for one algorithm for study and write code</a:t>
             </a:r>
           </a:p>
           <a:p>
-            <a:endParaRPr kumimoji="1" lang="en-US" altLang="zh-CN" dirty="0" smtClean="0"/>
+            <a:endParaRPr kumimoji="1" lang="en-US" altLang="zh-CN" dirty="0"/>
           </a:p>
         </p:txBody>
       </p:sp>
@@ -13560,19 +13665,19 @@
           <a:lstStyle/>
           <a:p>
             <a:r>
-              <a:rPr kumimoji="1" lang="en-US" altLang="zh-CN" dirty="0" smtClean="0"/>
+              <a:rPr kumimoji="1" lang="en-US" altLang="zh-CN" dirty="0"/>
               <a:t>W1 </a:t>
             </a:r>
             <a:r>
-              <a:rPr kumimoji="1" lang="en-US" altLang="zh-CN" dirty="0" err="1" smtClean="0"/>
+              <a:rPr kumimoji="1" lang="en-US" altLang="zh-CN" dirty="0" err="1"/>
               <a:t>Item:</a:t>
             </a:r>
             <a:r>
-              <a:rPr kumimoji="1" lang="en-US" altLang="zh-TW" dirty="0" err="1" smtClean="0"/>
+              <a:rPr kumimoji="1" lang="en-US" altLang="zh-TW" dirty="0" err="1"/>
               <a:t>python</a:t>
             </a:r>
             <a:r>
-              <a:rPr kumimoji="1" lang="en-US" altLang="zh-TW" dirty="0" smtClean="0"/>
+              <a:rPr kumimoji="1" lang="en-US" altLang="zh-TW" dirty="0"/>
               <a:t> base framework</a:t>
             </a:r>
             <a:endParaRPr kumimoji="1" lang="zh-CN" altLang="en-US" dirty="0"/>
@@ -13595,75 +13700,69 @@
           <a:lstStyle/>
           <a:p>
             <a:r>
-              <a:rPr kumimoji="1" lang="en-US" altLang="zh-TW" dirty="0" smtClean="0"/>
+              <a:rPr kumimoji="1" lang="en-US" altLang="zh-TW" dirty="0"/>
               <a:t>Python </a:t>
             </a:r>
             <a:r>
-              <a:rPr kumimoji="1" lang="zh-TW" altLang="en-US" dirty="0" smtClean="0"/>
+              <a:rPr kumimoji="1" lang="zh-TW" altLang="en-US" dirty="0"/>
               <a:t>基本常用套件熟悉</a:t>
             </a:r>
             <a:r>
-              <a:rPr kumimoji="1" lang="en-US" altLang="zh-TW" dirty="0" smtClean="0"/>
+              <a:rPr kumimoji="1" lang="en-US" altLang="zh-TW" dirty="0"/>
               <a:t>,</a:t>
             </a:r>
             <a:r>
-              <a:rPr kumimoji="1" lang="zh-TW" altLang="en-US" dirty="0" smtClean="0"/>
+              <a:rPr kumimoji="1" lang="zh-TW" altLang="en-US" dirty="0"/>
               <a:t>語法熟悉</a:t>
             </a:r>
-            <a:endParaRPr kumimoji="1" lang="en-US" altLang="zh-TW" dirty="0" smtClean="0"/>
+            <a:endParaRPr kumimoji="1" lang="en-US" altLang="zh-TW" dirty="0"/>
           </a:p>
           <a:p>
             <a:r>
               <a:rPr kumimoji="1" lang="en-US" altLang="zh-TW" dirty="0">
                 <a:hlinkClick r:id="rId2"/>
               </a:rPr>
-              <a:t>https://www.liaoxuefeng.com/wiki/</a:t>
-            </a:r>
-            <a:r>
-              <a:rPr kumimoji="1" lang="en-US" altLang="zh-TW" dirty="0" smtClean="0">
-                <a:hlinkClick r:id="rId2"/>
-              </a:rPr>
-              <a:t>1016959663602400</a:t>
-            </a:r>
-            <a:endParaRPr kumimoji="1" lang="en-US" altLang="zh-TW" dirty="0" smtClean="0"/>
-          </a:p>
-          <a:p>
-            <a:r>
-              <a:rPr kumimoji="1" lang="en-US" altLang="zh-TW" dirty="0" err="1" smtClean="0"/>
+              <a:t>https://www.liaoxuefeng.com/wiki/1016959663602400</a:t>
+            </a:r>
+            <a:endParaRPr kumimoji="1" lang="en-US" altLang="zh-TW" dirty="0"/>
+          </a:p>
+          <a:p>
+            <a:r>
+              <a:rPr kumimoji="1" lang="en-US" altLang="zh-TW" dirty="0" err="1"/>
               <a:t>Numpy</a:t>
             </a:r>
             <a:r>
-              <a:rPr kumimoji="1" lang="en-US" altLang="zh-TW" dirty="0" smtClean="0"/>
+              <a:rPr kumimoji="1" lang="en-US" altLang="zh-TW" dirty="0"/>
               <a:t> </a:t>
             </a:r>
             <a:r>
-              <a:rPr kumimoji="1" lang="zh-TW" altLang="en-US" dirty="0" smtClean="0"/>
+              <a:rPr kumimoji="1" lang="zh-TW" altLang="en-US" dirty="0"/>
               <a:t>套件</a:t>
             </a:r>
-            <a:endParaRPr kumimoji="1" lang="en-US" altLang="zh-TW" dirty="0" smtClean="0"/>
-          </a:p>
-          <a:p>
-            <a:r>
-              <a:rPr kumimoji="1" lang="en-US" altLang="zh-TW" dirty="0" smtClean="0"/>
+            <a:endParaRPr kumimoji="1" lang="en-US" altLang="zh-TW" dirty="0"/>
+          </a:p>
+          <a:p>
+            <a:r>
+              <a:rPr kumimoji="1" lang="en-US" altLang="zh-TW" dirty="0"/>
               <a:t>Pandas</a:t>
             </a:r>
             <a:r>
-              <a:rPr kumimoji="1" lang="zh-TW" altLang="en-US" dirty="0" smtClean="0"/>
+              <a:rPr kumimoji="1" lang="zh-TW" altLang="en-US" dirty="0"/>
               <a:t>套件</a:t>
             </a:r>
-            <a:endParaRPr kumimoji="1" lang="en-US" altLang="zh-TW" dirty="0" smtClean="0"/>
-          </a:p>
-          <a:p>
-            <a:r>
-              <a:rPr kumimoji="1" lang="en-US" altLang="zh-TW" dirty="0" smtClean="0"/>
+            <a:endParaRPr kumimoji="1" lang="en-US" altLang="zh-TW" dirty="0"/>
+          </a:p>
+          <a:p>
+            <a:r>
+              <a:rPr kumimoji="1" lang="en-US" altLang="zh-TW" dirty="0"/>
               <a:t>Others</a:t>
             </a:r>
             <a:r>
-              <a:rPr kumimoji="1" lang="mr-IN" altLang="zh-TW" dirty="0" smtClean="0"/>
+              <a:rPr kumimoji="1" lang="mr-IN" altLang="zh-TW" dirty="0"/>
               <a:t>…</a:t>
             </a:r>
             <a:r>
-              <a:rPr kumimoji="1" lang="en-US" altLang="zh-TW" dirty="0" smtClean="0"/>
+              <a:rPr kumimoji="1" lang="en-US" altLang="zh-TW" dirty="0"/>
               <a:t>.</a:t>
             </a:r>
           </a:p>
@@ -13718,23 +13817,23 @@
           <a:lstStyle/>
           <a:p>
             <a:r>
-              <a:rPr kumimoji="1" lang="en-US" altLang="zh-CN" dirty="0" smtClean="0"/>
+              <a:rPr kumimoji="1" lang="en-US" altLang="zh-CN" dirty="0"/>
               <a:t>W</a:t>
             </a:r>
             <a:r>
-              <a:rPr kumimoji="1" lang="en-US" altLang="zh-TW" dirty="0" smtClean="0"/>
+              <a:rPr kumimoji="1" lang="en-US" altLang="zh-TW" dirty="0"/>
               <a:t>2</a:t>
             </a:r>
             <a:r>
-              <a:rPr kumimoji="1" lang="en-US" altLang="zh-CN" dirty="0" smtClean="0"/>
+              <a:rPr kumimoji="1" lang="en-US" altLang="zh-CN" dirty="0"/>
               <a:t> Item: </a:t>
             </a:r>
             <a:r>
-              <a:rPr kumimoji="1" lang="en-US" altLang="zh-TW" dirty="0" err="1" smtClean="0"/>
+              <a:rPr kumimoji="1" lang="en-US" altLang="zh-TW" dirty="0" err="1"/>
               <a:t>tensorflow</a:t>
             </a:r>
             <a:r>
-              <a:rPr kumimoji="1" lang="en-US" altLang="zh-TW" dirty="0" smtClean="0"/>
+              <a:rPr kumimoji="1" lang="en-US" altLang="zh-TW" dirty="0"/>
               <a:t> framework</a:t>
             </a:r>
             <a:endParaRPr kumimoji="1" lang="zh-CN" altLang="en-US" dirty="0"/>
@@ -13757,18 +13856,18 @@
           <a:lstStyle/>
           <a:p>
             <a:r>
-              <a:rPr kumimoji="1" lang="en-US" altLang="zh-TW" dirty="0" err="1" smtClean="0"/>
+              <a:rPr kumimoji="1" lang="en-US" altLang="zh-TW" dirty="0" err="1"/>
               <a:t>Tensorflow</a:t>
             </a:r>
             <a:r>
-              <a:rPr kumimoji="1" lang="en-US" altLang="zh-TW" dirty="0" smtClean="0"/>
+              <a:rPr kumimoji="1" lang="en-US" altLang="zh-TW" dirty="0"/>
               <a:t> </a:t>
             </a:r>
             <a:r>
-              <a:rPr kumimoji="1" lang="zh-TW" altLang="en-US" dirty="0" smtClean="0"/>
+              <a:rPr kumimoji="1" lang="zh-TW" altLang="en-US" dirty="0"/>
               <a:t>基本語法熟悉</a:t>
             </a:r>
-            <a:endParaRPr kumimoji="1" lang="en-US" altLang="zh-TW" dirty="0" smtClean="0"/>
+            <a:endParaRPr kumimoji="1" lang="en-US" altLang="zh-TW" dirty="0"/>
           </a:p>
           <a:p>
             <a:r>
@@ -13783,18 +13882,18 @@
               <a:rPr kumimoji="1" lang="en-US" altLang="zh-TW"/>
               <a:t>/</a:t>
             </a:r>
-            <a:endParaRPr kumimoji="1" lang="en-US" altLang="zh-TW" dirty="0" smtClean="0"/>
-          </a:p>
-          <a:p>
-            <a:r>
-              <a:rPr kumimoji="1" lang="en-US" altLang="zh-TW" dirty="0" err="1" smtClean="0"/>
+            <a:endParaRPr kumimoji="1" lang="en-US" altLang="zh-TW" dirty="0"/>
+          </a:p>
+          <a:p>
+            <a:r>
+              <a:rPr kumimoji="1" lang="en-US" altLang="zh-TW" dirty="0" err="1"/>
               <a:t>Keras</a:t>
             </a:r>
             <a:r>
-              <a:rPr kumimoji="1" lang="zh-TW" altLang="en-US" dirty="0" smtClean="0"/>
+              <a:rPr kumimoji="1" lang="zh-TW" altLang="en-US" dirty="0"/>
               <a:t>框架使用</a:t>
             </a:r>
-            <a:endParaRPr kumimoji="1" lang="en-US" altLang="zh-TW" dirty="0" smtClean="0"/>
+            <a:endParaRPr kumimoji="1" lang="en-US" altLang="zh-TW" dirty="0"/>
           </a:p>
           <a:p>
             <a:endParaRPr kumimoji="1" lang="zh-CN" altLang="en-US" dirty="0"/>
@@ -13847,7 +13946,7 @@
           <a:lstStyle/>
           <a:p>
             <a:r>
-              <a:rPr kumimoji="1" lang="en-US" altLang="zh-CN" dirty="0" smtClean="0"/>
+              <a:rPr kumimoji="1" lang="en-US" altLang="zh-CN" dirty="0"/>
               <a:t>W</a:t>
             </a:r>
             <a:r>
@@ -13855,11 +13954,11 @@
               <a:t>3</a:t>
             </a:r>
             <a:r>
-              <a:rPr kumimoji="1" lang="en-US" altLang="zh-CN" dirty="0" smtClean="0"/>
+              <a:rPr kumimoji="1" lang="en-US" altLang="zh-CN" dirty="0"/>
               <a:t> Item:</a:t>
             </a:r>
             <a:r>
-              <a:rPr kumimoji="1" lang="zh-TW" altLang="en-US" dirty="0" smtClean="0"/>
+              <a:rPr kumimoji="1" lang="zh-TW" altLang="en-US" dirty="0"/>
               <a:t>數學算法</a:t>
             </a:r>
             <a:endParaRPr kumimoji="1" lang="zh-CN" altLang="en-US" dirty="0"/>
@@ -13882,55 +13981,55 @@
           <a:lstStyle/>
           <a:p>
             <a:r>
-              <a:rPr kumimoji="1" lang="zh-TW" altLang="en-US" dirty="0" smtClean="0"/>
+              <a:rPr kumimoji="1" lang="zh-TW" altLang="en-US" dirty="0"/>
               <a:t>基礎線性代數</a:t>
             </a:r>
-            <a:endParaRPr kumimoji="1" lang="en-US" altLang="zh-TW" dirty="0" smtClean="0"/>
-          </a:p>
-          <a:p>
-            <a:r>
-              <a:rPr kumimoji="1" lang="zh-TW" altLang="en-US" dirty="0" smtClean="0"/>
+            <a:endParaRPr kumimoji="1" lang="en-US" altLang="zh-TW" dirty="0"/>
+          </a:p>
+          <a:p>
+            <a:r>
+              <a:rPr kumimoji="1" lang="zh-TW" altLang="en-US" dirty="0"/>
               <a:t>基礎微分</a:t>
             </a:r>
-            <a:endParaRPr kumimoji="1" lang="en-US" altLang="zh-TW" dirty="0" smtClean="0"/>
-          </a:p>
-          <a:p>
-            <a:r>
-              <a:rPr kumimoji="1" lang="zh-TW" altLang="en-US" dirty="0" smtClean="0"/>
+            <a:endParaRPr kumimoji="1" lang="en-US" altLang="zh-TW" dirty="0"/>
+          </a:p>
+          <a:p>
+            <a:r>
+              <a:rPr kumimoji="1" lang="zh-TW" altLang="en-US" dirty="0"/>
               <a:t>貝葉斯算法</a:t>
             </a:r>
-            <a:endParaRPr kumimoji="1" lang="en-US" altLang="zh-TW" dirty="0" smtClean="0"/>
-          </a:p>
-          <a:p>
-            <a:r>
-              <a:rPr kumimoji="1" lang="en-US" altLang="zh-TW" dirty="0" smtClean="0"/>
+            <a:endParaRPr kumimoji="1" lang="en-US" altLang="zh-TW" dirty="0"/>
+          </a:p>
+          <a:p>
+            <a:r>
+              <a:rPr kumimoji="1" lang="en-US" altLang="zh-TW" dirty="0"/>
               <a:t>KNN</a:t>
             </a:r>
           </a:p>
           <a:p>
             <a:r>
-              <a:rPr kumimoji="1" lang="zh-TW" altLang="en-US" dirty="0" smtClean="0"/>
+              <a:rPr kumimoji="1" lang="zh-TW" altLang="en-US" dirty="0"/>
               <a:t>隱瑪爾科夫算法</a:t>
             </a:r>
-            <a:endParaRPr kumimoji="1" lang="en-US" altLang="zh-TW" dirty="0" smtClean="0"/>
-          </a:p>
-          <a:p>
-            <a:r>
-              <a:rPr kumimoji="1" lang="en-US" altLang="zh-TW" dirty="0" smtClean="0"/>
+            <a:endParaRPr kumimoji="1" lang="en-US" altLang="zh-TW" dirty="0"/>
+          </a:p>
+          <a:p>
+            <a:r>
+              <a:rPr kumimoji="1" lang="en-US" altLang="zh-TW" dirty="0"/>
               <a:t>Tree </a:t>
             </a:r>
             <a:r>
-              <a:rPr kumimoji="1" lang="zh-TW" altLang="en-US" dirty="0" smtClean="0"/>
+              <a:rPr kumimoji="1" lang="zh-TW" altLang="en-US" dirty="0"/>
               <a:t>決策樹算法</a:t>
             </a:r>
-            <a:endParaRPr kumimoji="1" lang="en-US" altLang="zh-TW" dirty="0" smtClean="0"/>
-          </a:p>
-          <a:p>
-            <a:r>
-              <a:rPr kumimoji="1" lang="zh-TW" altLang="en-US" dirty="0" smtClean="0"/>
+            <a:endParaRPr kumimoji="1" lang="en-US" altLang="zh-TW" dirty="0"/>
+          </a:p>
+          <a:p>
+            <a:r>
+              <a:rPr kumimoji="1" lang="zh-TW" altLang="en-US" dirty="0"/>
               <a:t>線性迴歸</a:t>
             </a:r>
-            <a:endParaRPr kumimoji="1" lang="en-US" altLang="zh-TW" dirty="0" smtClean="0"/>
+            <a:endParaRPr kumimoji="1" lang="en-US" altLang="zh-TW" dirty="0"/>
           </a:p>
         </p:txBody>
       </p:sp>
@@ -13983,11 +14082,7 @@
           <a:p>
             <a:r>
               <a:rPr kumimoji="1" lang="zh-TW" altLang="en-US" dirty="0"/>
-              <a:t>貝葉斯</a:t>
-            </a:r>
-            <a:r>
-              <a:rPr kumimoji="1" lang="zh-TW" altLang="en-US" dirty="0" smtClean="0"/>
-              <a:t>算法</a:t>
+              <a:t>貝葉斯算法</a:t>
             </a:r>
             <a:endParaRPr kumimoji="1" lang="zh-CN" altLang="en-US" dirty="0"/>
           </a:p>
@@ -14009,29 +14104,21 @@
           <a:lstStyle/>
           <a:p>
             <a:r>
-              <a:rPr lang="zh-TW" altLang="en-US" dirty="0" smtClean="0"/>
+              <a:rPr lang="zh-TW" altLang="en-US" dirty="0"/>
               <a:t>公式：</a:t>
             </a:r>
-            <a:endParaRPr lang="en-US" altLang="zh-CN" dirty="0" smtClean="0"/>
-          </a:p>
-          <a:p>
-            <a:r>
-              <a:rPr lang="mr-IN" altLang="zh-CN" dirty="0" smtClean="0"/>
-              <a:t>P</a:t>
-            </a:r>
+            <a:endParaRPr lang="en-US" altLang="zh-CN" dirty="0"/>
+          </a:p>
+          <a:p>
             <a:r>
               <a:rPr lang="mr-IN" altLang="zh-CN" dirty="0"/>
-              <a:t>(A|B) = P(B|A) * P(A)/ P(B</a:t>
-            </a:r>
-            <a:r>
-              <a:rPr lang="mr-IN" altLang="zh-CN" dirty="0" smtClean="0"/>
-              <a:t>)</a:t>
-            </a:r>
-            <a:endParaRPr lang="en-US" altLang="zh-CN" dirty="0" smtClean="0"/>
-          </a:p>
-          <a:p>
-            <a:r>
-              <a:rPr kumimoji="1" lang="zh-TW" altLang="en-US" dirty="0" smtClean="0"/>
+              <a:t>P(A|B) = P(B|A) * P(A)/ P(B)</a:t>
+            </a:r>
+            <a:endParaRPr lang="en-US" altLang="zh-CN" dirty="0"/>
+          </a:p>
+          <a:p>
+            <a:r>
+              <a:rPr kumimoji="1" lang="zh-TW" altLang="en-US" dirty="0"/>
               <a:t>相關：機率與統計</a:t>
             </a:r>
             <a:endParaRPr kumimoji="1" lang="zh-CN" altLang="en-US" dirty="0"/>
@@ -14107,16 +14194,12 @@
           <a:lstStyle/>
           <a:p>
             <a:r>
-              <a:rPr kumimoji="1" lang="en-US" altLang="zh-TW" dirty="0" err="1" smtClean="0"/>
+              <a:rPr kumimoji="1" lang="en-US" altLang="zh-TW" dirty="0" err="1"/>
               <a:t>Sklearn</a:t>
             </a:r>
             <a:r>
-              <a:rPr kumimoji="1" lang="en-US" altLang="zh-TW" dirty="0" smtClean="0"/>
-              <a:t> lib use code example </a:t>
-            </a:r>
-            <a:r>
-              <a:rPr kumimoji="1" lang="en-US" altLang="zh-TW" dirty="0" smtClean="0"/>
-              <a:t>?</a:t>
+              <a:rPr kumimoji="1" lang="en-US" altLang="zh-TW" dirty="0"/>
+              <a:t> lib use code example ?</a:t>
             </a:r>
           </a:p>
           <a:p>
@@ -14126,57 +14209,47 @@
             </a:r>
             <a:r>
               <a:rPr kumimoji="1" lang="en-US" altLang="zh-TW" dirty="0"/>
-              <a:t> </a:t>
-            </a:r>
-            <a:r>
-              <a:rPr kumimoji="1" lang="en-US" altLang="zh-TW" dirty="0" smtClean="0"/>
-              <a:t>_</a:t>
-            </a:r>
-            <a:r>
-              <a:rPr kumimoji="1" lang="en-US" altLang="zh-TW" dirty="0" err="1" smtClean="0"/>
+              <a:t> _</a:t>
+            </a:r>
+            <a:r>
+              <a:rPr kumimoji="1" lang="en-US" altLang="zh-TW" dirty="0" err="1"/>
               <a:t>Bayes.py</a:t>
             </a:r>
             <a:r>
-              <a:rPr kumimoji="1" lang="zh-TW" altLang="en-US" dirty="0" smtClean="0"/>
+              <a:rPr kumimoji="1" lang="zh-TW" altLang="en-US" dirty="0"/>
               <a:t>(高斯分佈貝葉斯模型</a:t>
             </a:r>
             <a:r>
-              <a:rPr kumimoji="1" lang="en-US" altLang="zh-TW" dirty="0" smtClean="0"/>
+              <a:rPr kumimoji="1" lang="en-US" altLang="zh-TW" dirty="0"/>
               <a:t>)</a:t>
             </a:r>
+          </a:p>
+          <a:p>
+            <a:r>
+              <a:rPr kumimoji="1" lang="en-US" altLang="zh-TW" dirty="0" err="1"/>
+              <a:t>span_classification_naive_bayes_prac</a:t>
+            </a:r>
+            <a:r>
+              <a:rPr kumimoji="1" lang="en-US" altLang="zh-TW" dirty="0"/>
+              <a:t> (</a:t>
+            </a:r>
+            <a:r>
+              <a:rPr kumimoji="1" lang="zh-TW" altLang="en-US" dirty="0"/>
+              <a:t>白努力貝葉斯模型</a:t>
+            </a:r>
+            <a:r>
+              <a:rPr kumimoji="1" lang="en-US" altLang="zh-TW" dirty="0"/>
+              <a:t>)</a:t>
+            </a:r>
+          </a:p>
+          <a:p>
             <a:endParaRPr kumimoji="1" lang="en-US" altLang="zh-TW" dirty="0"/>
           </a:p>
           <a:p>
-            <a:r>
-              <a:rPr kumimoji="1" lang="en-US" altLang="zh-TW" dirty="0" err="1" smtClean="0"/>
-              <a:t>span_classification_naive_bayes_prac</a:t>
-            </a:r>
-            <a:r>
-              <a:rPr kumimoji="1" lang="en-US" altLang="zh-TW" dirty="0" smtClean="0"/>
-              <a:t> </a:t>
-            </a:r>
-            <a:r>
-              <a:rPr kumimoji="1" lang="en-US" altLang="zh-TW" dirty="0" smtClean="0"/>
-              <a:t>(</a:t>
-            </a:r>
-            <a:r>
-              <a:rPr kumimoji="1" lang="zh-TW" altLang="en-US" dirty="0" smtClean="0"/>
-              <a:t>白努力貝葉斯模型</a:t>
-            </a:r>
-            <a:r>
-              <a:rPr kumimoji="1" lang="en-US" altLang="zh-TW" dirty="0" smtClean="0"/>
-              <a:t>)</a:t>
-            </a:r>
-            <a:endParaRPr kumimoji="1" lang="en-US" altLang="zh-TW" dirty="0" smtClean="0"/>
-          </a:p>
-          <a:p>
             <a:endParaRPr kumimoji="1" lang="en-US" altLang="zh-TW" dirty="0"/>
           </a:p>
           <a:p>
-            <a:endParaRPr kumimoji="1" lang="en-US" altLang="zh-TW" dirty="0" smtClean="0"/>
-          </a:p>
-          <a:p>
-            <a:endParaRPr kumimoji="1" lang="en-US" altLang="zh-TW" dirty="0" smtClean="0"/>
+            <a:endParaRPr kumimoji="1" lang="en-US" altLang="zh-TW" dirty="0"/>
           </a:p>
           <a:p>
             <a:endParaRPr kumimoji="1" lang="zh-CN" altLang="en-US" dirty="0"/>
@@ -14229,7 +14302,7 @@
           <a:lstStyle/>
           <a:p>
             <a:r>
-              <a:rPr kumimoji="1" lang="en-US" altLang="zh-CN" dirty="0" smtClean="0"/>
+              <a:rPr kumimoji="1" lang="en-US" altLang="zh-CN" dirty="0"/>
               <a:t>KNN</a:t>
             </a:r>
             <a:endParaRPr kumimoji="1" lang="zh-CN" altLang="en-US" dirty="0"/>

--- a/ml traing sean_detail.pptx
+++ b/ml traing sean_detail.pptx
@@ -12813,16 +12813,12 @@
           </a:p>
           <a:p>
             <a:r>
-              <a:rPr kumimoji="1" lang="en-US" altLang="zh-TW" dirty="0" err="1"/>
-              <a:t>Svm</a:t>
-            </a:r>
-            <a:r>
-              <a:rPr kumimoji="1" lang="zh-TW" altLang="en-US" dirty="0"/>
-              <a:t>分類</a:t>
+              <a:rPr kumimoji="1" lang="en-US" altLang="zh-TW"/>
+              <a:t> </a:t>
             </a:r>
             <a:r>
               <a:rPr kumimoji="1" lang="en-US" altLang="zh-TW" dirty="0"/>
-              <a:t> demo </a:t>
+              <a:t>demo </a:t>
             </a:r>
             <a:r>
               <a:rPr kumimoji="1" lang="zh-TW" altLang="en-US" dirty="0"/>

--- a/ml traing sean_detail.pptx
+++ b/ml traing sean_detail.pptx
@@ -5,7 +5,7 @@
     <p:sldMasterId id="2147483660" r:id="rId1"/>
   </p:sldMasterIdLst>
   <p:notesMasterIdLst>
-    <p:notesMasterId r:id="rId28"/>
+    <p:notesMasterId r:id="rId29"/>
   </p:notesMasterIdLst>
   <p:sldIdLst>
     <p:sldId id="256" r:id="rId2"/>
@@ -27,13 +27,14 @@
     <p:sldId id="279" r:id="rId18"/>
     <p:sldId id="280" r:id="rId19"/>
     <p:sldId id="281" r:id="rId20"/>
-    <p:sldId id="262" r:id="rId21"/>
-    <p:sldId id="268" r:id="rId22"/>
-    <p:sldId id="263" r:id="rId23"/>
-    <p:sldId id="264" r:id="rId24"/>
-    <p:sldId id="265" r:id="rId25"/>
-    <p:sldId id="266" r:id="rId26"/>
-    <p:sldId id="267" r:id="rId27"/>
+    <p:sldId id="282" r:id="rId21"/>
+    <p:sldId id="262" r:id="rId22"/>
+    <p:sldId id="268" r:id="rId23"/>
+    <p:sldId id="263" r:id="rId24"/>
+    <p:sldId id="264" r:id="rId25"/>
+    <p:sldId id="265" r:id="rId26"/>
+    <p:sldId id="266" r:id="rId27"/>
+    <p:sldId id="267" r:id="rId28"/>
   </p:sldIdLst>
   <p:sldSz cx="9144000" cy="6858000" type="screen4x3"/>
   <p:notesSz cx="6858000" cy="9144000"/>
@@ -134,7 +135,7 @@
   </p:defaultTextStyle>
   <p:extLst>
     <p:ext uri="{EFAFB233-063F-42B5-8137-9DF3F51BA10A}">
-      <p15:sldGuideLst xmlns:p15="http://schemas.microsoft.com/office/powerpoint/2012/main">
+      <p15:sldGuideLst xmlns:p15="http://schemas.microsoft.com/office/powerpoint/2012/main" xmlns="">
         <p15:guide id="1" orient="horz" pos="2160">
           <p15:clr>
             <a:srgbClr val="A4A3A4"/>
@@ -1821,6 +1822,13 @@
         </dgm:presLayoutVars>
       </dgm:prSet>
       <dgm:spPr/>
+      <dgm:t>
+        <a:bodyPr/>
+        <a:lstStyle/>
+        <a:p>
+          <a:endParaRPr lang="zh-CN" altLang="en-US"/>
+        </a:p>
+      </dgm:t>
     </dgm:pt>
     <dgm:pt modelId="{A5FDBBD1-BAF4-EC44-BDD8-41CAC764BD25}" type="pres">
       <dgm:prSet presAssocID="{E8D03164-C684-704B-9009-CAA3D5A42AC9}" presName="sibTrans" presStyleCnt="0"/>
@@ -1833,6 +1841,13 @@
         </dgm:presLayoutVars>
       </dgm:prSet>
       <dgm:spPr/>
+      <dgm:t>
+        <a:bodyPr/>
+        <a:lstStyle/>
+        <a:p>
+          <a:endParaRPr lang="zh-CN" altLang="en-US"/>
+        </a:p>
+      </dgm:t>
     </dgm:pt>
     <dgm:pt modelId="{78D65D3D-53C0-0843-970A-B8C504E04583}" type="pres">
       <dgm:prSet presAssocID="{4CBB8FD3-1C5D-3642-A971-6B7B262D2876}" presName="sibTrans" presStyleCnt="0"/>
@@ -1845,16 +1860,23 @@
         </dgm:presLayoutVars>
       </dgm:prSet>
       <dgm:spPr/>
+      <dgm:t>
+        <a:bodyPr/>
+        <a:lstStyle/>
+        <a:p>
+          <a:endParaRPr lang="zh-CN" altLang="en-US"/>
+        </a:p>
+      </dgm:t>
     </dgm:pt>
   </dgm:ptLst>
   <dgm:cxnLst>
     <dgm:cxn modelId="{FCEC3246-F350-CB4D-8BED-822F9AC25FCE}" type="presOf" srcId="{738FB070-9B70-B243-AF56-224D57852DE4}" destId="{E4C990E4-716C-3042-9279-DB52C8C61FE7}" srcOrd="0" destOrd="0" presId="urn:microsoft.com/office/officeart/2005/8/layout/hProcess9"/>
+    <dgm:cxn modelId="{5BC81AD7-9C98-8B45-B83E-B1ED3D1A46CA}" srcId="{2F52F0C9-5C10-2347-AC18-D21FF3017406}" destId="{F6BF0F59-CEE8-4846-86B5-7BA2E3FFD714}" srcOrd="0" destOrd="0" parTransId="{5BC62426-F22F-7049-B472-A67BBCEFBC12}" sibTransId="{E8D03164-C684-704B-9009-CAA3D5A42AC9}"/>
+    <dgm:cxn modelId="{41CB7088-74E9-1F47-8A9D-36C460AA82F9}" type="presOf" srcId="{59E14426-996C-2D4B-A076-93EBD8756751}" destId="{E3C4F012-47FA-D34E-9DEC-15A5BAF77B4D}" srcOrd="0" destOrd="0" presId="urn:microsoft.com/office/officeart/2005/8/layout/hProcess9"/>
+    <dgm:cxn modelId="{FB456C5F-7DC9-B141-A813-951018C076B8}" srcId="{2F52F0C9-5C10-2347-AC18-D21FF3017406}" destId="{738FB070-9B70-B243-AF56-224D57852DE4}" srcOrd="1" destOrd="0" parTransId="{83E8E49F-6DCA-5942-989D-6D803130A0A9}" sibTransId="{4CBB8FD3-1C5D-3642-A971-6B7B262D2876}"/>
+    <dgm:cxn modelId="{B367C2A1-01C2-654A-A3E8-0C282F4EA7A9}" type="presOf" srcId="{2F52F0C9-5C10-2347-AC18-D21FF3017406}" destId="{C0C20C29-AB35-F34D-A178-83A0BB599C6C}" srcOrd="0" destOrd="0" presId="urn:microsoft.com/office/officeart/2005/8/layout/hProcess9"/>
     <dgm:cxn modelId="{7FC2B953-0A58-7E48-9951-724A4D1E8746}" type="presOf" srcId="{F6BF0F59-CEE8-4846-86B5-7BA2E3FFD714}" destId="{F5994DC2-84D5-5145-ACCD-8DB8FD66C2E6}" srcOrd="0" destOrd="0" presId="urn:microsoft.com/office/officeart/2005/8/layout/hProcess9"/>
-    <dgm:cxn modelId="{FB456C5F-7DC9-B141-A813-951018C076B8}" srcId="{2F52F0C9-5C10-2347-AC18-D21FF3017406}" destId="{738FB070-9B70-B243-AF56-224D57852DE4}" srcOrd="1" destOrd="0" parTransId="{83E8E49F-6DCA-5942-989D-6D803130A0A9}" sibTransId="{4CBB8FD3-1C5D-3642-A971-6B7B262D2876}"/>
-    <dgm:cxn modelId="{41CB7088-74E9-1F47-8A9D-36C460AA82F9}" type="presOf" srcId="{59E14426-996C-2D4B-A076-93EBD8756751}" destId="{E3C4F012-47FA-D34E-9DEC-15A5BAF77B4D}" srcOrd="0" destOrd="0" presId="urn:microsoft.com/office/officeart/2005/8/layout/hProcess9"/>
-    <dgm:cxn modelId="{B367C2A1-01C2-654A-A3E8-0C282F4EA7A9}" type="presOf" srcId="{2F52F0C9-5C10-2347-AC18-D21FF3017406}" destId="{C0C20C29-AB35-F34D-A178-83A0BB599C6C}" srcOrd="0" destOrd="0" presId="urn:microsoft.com/office/officeart/2005/8/layout/hProcess9"/>
     <dgm:cxn modelId="{CF7A32BD-6036-D645-8DD4-2E2CAD5F6970}" srcId="{2F52F0C9-5C10-2347-AC18-D21FF3017406}" destId="{59E14426-996C-2D4B-A076-93EBD8756751}" srcOrd="2" destOrd="0" parTransId="{DD05F87A-29B8-3F48-8525-AE707F08F50E}" sibTransId="{B3424042-F1A7-D944-A0D1-6C09825E4386}"/>
-    <dgm:cxn modelId="{5BC81AD7-9C98-8B45-B83E-B1ED3D1A46CA}" srcId="{2F52F0C9-5C10-2347-AC18-D21FF3017406}" destId="{F6BF0F59-CEE8-4846-86B5-7BA2E3FFD714}" srcOrd="0" destOrd="0" parTransId="{5BC62426-F22F-7049-B472-A67BBCEFBC12}" sibTransId="{E8D03164-C684-704B-9009-CAA3D5A42AC9}"/>
     <dgm:cxn modelId="{83474ECC-3643-6345-8A59-EECFC9CAF197}" type="presParOf" srcId="{C0C20C29-AB35-F34D-A178-83A0BB599C6C}" destId="{251EFD85-4C8F-4943-9B83-685CA0EF0216}" srcOrd="0" destOrd="0" presId="urn:microsoft.com/office/officeart/2005/8/layout/hProcess9"/>
     <dgm:cxn modelId="{C0E0343B-7C5C-7640-9DF0-A8CF3265A361}" type="presParOf" srcId="{C0C20C29-AB35-F34D-A178-83A0BB599C6C}" destId="{850F9872-14F6-5F4B-961E-E01E7FAAEEB9}" srcOrd="1" destOrd="0" presId="urn:microsoft.com/office/officeart/2005/8/layout/hProcess9"/>
     <dgm:cxn modelId="{ECB70CDA-68A0-1B41-B349-2241A7A321F2}" type="presParOf" srcId="{850F9872-14F6-5F4B-961E-E01E7FAAEEB9}" destId="{F5994DC2-84D5-5145-ACCD-8DB8FD66C2E6}" srcOrd="0" destOrd="0" presId="urn:microsoft.com/office/officeart/2005/8/layout/hProcess9"/>
@@ -2054,6 +2076,13 @@
         </dgm:presLayoutVars>
       </dgm:prSet>
       <dgm:spPr/>
+      <dgm:t>
+        <a:bodyPr/>
+        <a:lstStyle/>
+        <a:p>
+          <a:endParaRPr lang="zh-CN" altLang="en-US"/>
+        </a:p>
+      </dgm:t>
     </dgm:pt>
     <dgm:pt modelId="{774E70E5-6B4D-D643-89E2-F0274AC0305E}" type="pres">
       <dgm:prSet presAssocID="{BD1430FB-A987-6B4C-9EE6-D3ECC56165B0}" presName="levelTx" presStyleLbl="revTx" presStyleIdx="0" presStyleCnt="0">
@@ -2063,6 +2092,13 @@
         </dgm:presLayoutVars>
       </dgm:prSet>
       <dgm:spPr/>
+      <dgm:t>
+        <a:bodyPr/>
+        <a:lstStyle/>
+        <a:p>
+          <a:endParaRPr lang="zh-CN" altLang="en-US"/>
+        </a:p>
+      </dgm:t>
     </dgm:pt>
     <dgm:pt modelId="{2EAB0875-6299-3A49-92B4-C04E3F3768AF}" type="pres">
       <dgm:prSet presAssocID="{752C2852-967F-C644-8862-38EDF66D3D29}" presName="Name8" presStyleCnt="0"/>
@@ -2076,6 +2112,13 @@
         </dgm:presLayoutVars>
       </dgm:prSet>
       <dgm:spPr/>
+      <dgm:t>
+        <a:bodyPr/>
+        <a:lstStyle/>
+        <a:p>
+          <a:endParaRPr lang="zh-CN" altLang="en-US"/>
+        </a:p>
+      </dgm:t>
     </dgm:pt>
     <dgm:pt modelId="{33AD3B67-D3BD-434E-B5AF-12A5697D9C2D}" type="pres">
       <dgm:prSet presAssocID="{752C2852-967F-C644-8862-38EDF66D3D29}" presName="levelTx" presStyleLbl="revTx" presStyleIdx="0" presStyleCnt="0">
@@ -2085,6 +2128,13 @@
         </dgm:presLayoutVars>
       </dgm:prSet>
       <dgm:spPr/>
+      <dgm:t>
+        <a:bodyPr/>
+        <a:lstStyle/>
+        <a:p>
+          <a:endParaRPr lang="zh-CN" altLang="en-US"/>
+        </a:p>
+      </dgm:t>
     </dgm:pt>
     <dgm:pt modelId="{0265FDF8-3FD1-E449-9007-27D7C5C01429}" type="pres">
       <dgm:prSet presAssocID="{915FD3F1-88D6-4F43-9276-A5E70C389D99}" presName="Name8" presStyleCnt="0"/>
@@ -2098,6 +2148,13 @@
         </dgm:presLayoutVars>
       </dgm:prSet>
       <dgm:spPr/>
+      <dgm:t>
+        <a:bodyPr/>
+        <a:lstStyle/>
+        <a:p>
+          <a:endParaRPr lang="zh-CN" altLang="en-US"/>
+        </a:p>
+      </dgm:t>
     </dgm:pt>
     <dgm:pt modelId="{FBDD3EDA-AF00-D641-8619-2CFC80BBBEA5}" type="pres">
       <dgm:prSet presAssocID="{915FD3F1-88D6-4F43-9276-A5E70C389D99}" presName="levelTx" presStyleLbl="revTx" presStyleIdx="0" presStyleCnt="0">
@@ -2107,19 +2164,26 @@
         </dgm:presLayoutVars>
       </dgm:prSet>
       <dgm:spPr/>
+      <dgm:t>
+        <a:bodyPr/>
+        <a:lstStyle/>
+        <a:p>
+          <a:endParaRPr lang="zh-CN" altLang="en-US"/>
+        </a:p>
+      </dgm:t>
     </dgm:pt>
   </dgm:ptLst>
   <dgm:cxnLst>
+    <dgm:cxn modelId="{736F3340-3A56-6A40-8097-2A8DAA1CCF9C}" type="presOf" srcId="{BD1430FB-A987-6B4C-9EE6-D3ECC56165B0}" destId="{774E70E5-6B4D-D643-89E2-F0274AC0305E}" srcOrd="1" destOrd="0" presId="urn:microsoft.com/office/officeart/2005/8/layout/pyramid1"/>
+    <dgm:cxn modelId="{5211D1BF-F81D-9A49-B027-C845BAC9EB5E}" type="presOf" srcId="{752C2852-967F-C644-8862-38EDF66D3D29}" destId="{33AD3B67-D3BD-434E-B5AF-12A5697D9C2D}" srcOrd="1" destOrd="0" presId="urn:microsoft.com/office/officeart/2005/8/layout/pyramid1"/>
+    <dgm:cxn modelId="{2F2E95ED-8D74-E648-87E9-04997F3CB927}" type="presOf" srcId="{915FD3F1-88D6-4F43-9276-A5E70C389D99}" destId="{E62C9D9E-7EAE-B24D-9E86-E99F70B1C75C}" srcOrd="0" destOrd="0" presId="urn:microsoft.com/office/officeart/2005/8/layout/pyramid1"/>
+    <dgm:cxn modelId="{2CCD3EB3-1A8B-6D43-8D74-A7C15C39EB3B}" type="presOf" srcId="{BD1430FB-A987-6B4C-9EE6-D3ECC56165B0}" destId="{38793DA2-2ABE-BF42-907B-16DCE3F55510}" srcOrd="0" destOrd="0" presId="urn:microsoft.com/office/officeart/2005/8/layout/pyramid1"/>
+    <dgm:cxn modelId="{7D3E442E-31E9-A04B-9202-B2B1C1300C6D}" srcId="{09E85799-917C-B64E-800D-6F8173827E77}" destId="{BD1430FB-A987-6B4C-9EE6-D3ECC56165B0}" srcOrd="0" destOrd="0" parTransId="{5B680B2C-BD34-1449-866D-177CA2BD07D8}" sibTransId="{5B541706-923A-014D-A2B0-5CC3A8593FE6}"/>
+    <dgm:cxn modelId="{683C0697-07F9-8247-B1C1-5EE9986C8816}" srcId="{09E85799-917C-B64E-800D-6F8173827E77}" destId="{915FD3F1-88D6-4F43-9276-A5E70C389D99}" srcOrd="2" destOrd="0" parTransId="{891D1467-D524-0740-9EDE-FC039991F184}" sibTransId="{BDCC2092-1E49-E947-8022-AD0037E74E6F}"/>
+    <dgm:cxn modelId="{A5D4FFCA-264E-5D4D-AF63-25D7DF81C04F}" type="presOf" srcId="{752C2852-967F-C644-8862-38EDF66D3D29}" destId="{6783CD30-30E9-934A-8116-191DC54CA623}" srcOrd="0" destOrd="0" presId="urn:microsoft.com/office/officeart/2005/8/layout/pyramid1"/>
+    <dgm:cxn modelId="{CF369996-8724-1D40-9D97-DCAC53835BA6}" type="presOf" srcId="{915FD3F1-88D6-4F43-9276-A5E70C389D99}" destId="{FBDD3EDA-AF00-D641-8619-2CFC80BBBEA5}" srcOrd="1" destOrd="0" presId="urn:microsoft.com/office/officeart/2005/8/layout/pyramid1"/>
     <dgm:cxn modelId="{84D99D18-9755-8149-8C5B-CF3DD1BC8155}" srcId="{09E85799-917C-B64E-800D-6F8173827E77}" destId="{752C2852-967F-C644-8862-38EDF66D3D29}" srcOrd="1" destOrd="0" parTransId="{99B4F81A-08D8-5942-8138-C529FD0DEB33}" sibTransId="{5EEF9B10-1262-1846-BB91-299DDDF9AFBE}"/>
-    <dgm:cxn modelId="{7D3E442E-31E9-A04B-9202-B2B1C1300C6D}" srcId="{09E85799-917C-B64E-800D-6F8173827E77}" destId="{BD1430FB-A987-6B4C-9EE6-D3ECC56165B0}" srcOrd="0" destOrd="0" parTransId="{5B680B2C-BD34-1449-866D-177CA2BD07D8}" sibTransId="{5B541706-923A-014D-A2B0-5CC3A8593FE6}"/>
-    <dgm:cxn modelId="{736F3340-3A56-6A40-8097-2A8DAA1CCF9C}" type="presOf" srcId="{BD1430FB-A987-6B4C-9EE6-D3ECC56165B0}" destId="{774E70E5-6B4D-D643-89E2-F0274AC0305E}" srcOrd="1" destOrd="0" presId="urn:microsoft.com/office/officeart/2005/8/layout/pyramid1"/>
-    <dgm:cxn modelId="{CF369996-8724-1D40-9D97-DCAC53835BA6}" type="presOf" srcId="{915FD3F1-88D6-4F43-9276-A5E70C389D99}" destId="{FBDD3EDA-AF00-D641-8619-2CFC80BBBEA5}" srcOrd="1" destOrd="0" presId="urn:microsoft.com/office/officeart/2005/8/layout/pyramid1"/>
-    <dgm:cxn modelId="{683C0697-07F9-8247-B1C1-5EE9986C8816}" srcId="{09E85799-917C-B64E-800D-6F8173827E77}" destId="{915FD3F1-88D6-4F43-9276-A5E70C389D99}" srcOrd="2" destOrd="0" parTransId="{891D1467-D524-0740-9EDE-FC039991F184}" sibTransId="{BDCC2092-1E49-E947-8022-AD0037E74E6F}"/>
-    <dgm:cxn modelId="{2CCD3EB3-1A8B-6D43-8D74-A7C15C39EB3B}" type="presOf" srcId="{BD1430FB-A987-6B4C-9EE6-D3ECC56165B0}" destId="{38793DA2-2ABE-BF42-907B-16DCE3F55510}" srcOrd="0" destOrd="0" presId="urn:microsoft.com/office/officeart/2005/8/layout/pyramid1"/>
-    <dgm:cxn modelId="{5211D1BF-F81D-9A49-B027-C845BAC9EB5E}" type="presOf" srcId="{752C2852-967F-C644-8862-38EDF66D3D29}" destId="{33AD3B67-D3BD-434E-B5AF-12A5697D9C2D}" srcOrd="1" destOrd="0" presId="urn:microsoft.com/office/officeart/2005/8/layout/pyramid1"/>
-    <dgm:cxn modelId="{A5D4FFCA-264E-5D4D-AF63-25D7DF81C04F}" type="presOf" srcId="{752C2852-967F-C644-8862-38EDF66D3D29}" destId="{6783CD30-30E9-934A-8116-191DC54CA623}" srcOrd="0" destOrd="0" presId="urn:microsoft.com/office/officeart/2005/8/layout/pyramid1"/>
     <dgm:cxn modelId="{340484E5-3EC9-3940-81C6-1AF7F0E40358}" type="presOf" srcId="{09E85799-917C-B64E-800D-6F8173827E77}" destId="{8248B2AA-EF40-1B4F-A964-B756EF0567E1}" srcOrd="0" destOrd="0" presId="urn:microsoft.com/office/officeart/2005/8/layout/pyramid1"/>
-    <dgm:cxn modelId="{2F2E95ED-8D74-E648-87E9-04997F3CB927}" type="presOf" srcId="{915FD3F1-88D6-4F43-9276-A5E70C389D99}" destId="{E62C9D9E-7EAE-B24D-9E86-E99F70B1C75C}" srcOrd="0" destOrd="0" presId="urn:microsoft.com/office/officeart/2005/8/layout/pyramid1"/>
     <dgm:cxn modelId="{489778C9-3DC7-014C-B530-43C9AC5F8665}" type="presParOf" srcId="{8248B2AA-EF40-1B4F-A964-B756EF0567E1}" destId="{B61DD645-700A-594F-80A1-7AF1898C4B31}" srcOrd="0" destOrd="0" presId="urn:microsoft.com/office/officeart/2005/8/layout/pyramid1"/>
     <dgm:cxn modelId="{E14A6261-A2D7-D643-841E-53F0B2E60842}" type="presParOf" srcId="{B61DD645-700A-594F-80A1-7AF1898C4B31}" destId="{38793DA2-2ABE-BF42-907B-16DCE3F55510}" srcOrd="0" destOrd="0" presId="urn:microsoft.com/office/officeart/2005/8/layout/pyramid1"/>
     <dgm:cxn modelId="{6848F54A-53E2-8740-98C3-63774C49DA4C}" type="presParOf" srcId="{B61DD645-700A-594F-80A1-7AF1898C4B31}" destId="{774E70E5-6B4D-D643-89E2-F0274AC0305E}" srcOrd="1" destOrd="0" presId="urn:microsoft.com/office/officeart/2005/8/layout/pyramid1"/>
@@ -2259,7 +2323,7 @@
         </a:bodyPr>
         <a:lstStyle/>
         <a:p>
-          <a:pPr marL="0" lvl="0" indent="0" algn="ctr" defTabSz="1422400">
+          <a:pPr lvl="0" algn="ctr" defTabSz="1422400">
             <a:lnSpc>
               <a:spcPct val="90000"/>
             </a:lnSpc>
@@ -2269,7 +2333,6 @@
             <a:spcAft>
               <a:spcPct val="35000"/>
             </a:spcAft>
-            <a:buNone/>
           </a:pPr>
           <a:r>
             <a:rPr lang="en-US" altLang="zh-CN" sz="3200" kern="1200" dirty="0"/>
@@ -2342,7 +2405,7 @@
         </a:bodyPr>
         <a:lstStyle/>
         <a:p>
-          <a:pPr marL="0" lvl="0" indent="0" algn="ctr" defTabSz="1422400">
+          <a:pPr lvl="0" algn="ctr" defTabSz="1422400">
             <a:lnSpc>
               <a:spcPct val="90000"/>
             </a:lnSpc>
@@ -2352,7 +2415,6 @@
             <a:spcAft>
               <a:spcPct val="35000"/>
             </a:spcAft>
-            <a:buNone/>
           </a:pPr>
           <a:r>
             <a:rPr lang="en-US" altLang="zh-CN" sz="3200" kern="1200" dirty="0"/>
@@ -2360,7 +2422,7 @@
           </a:r>
         </a:p>
         <a:p>
-          <a:pPr marL="0" lvl="0" indent="0" algn="ctr" defTabSz="1422400">
+          <a:pPr lvl="0" algn="ctr" defTabSz="1422400">
             <a:lnSpc>
               <a:spcPct val="90000"/>
             </a:lnSpc>
@@ -2370,7 +2432,6 @@
             <a:spcAft>
               <a:spcPct val="35000"/>
             </a:spcAft>
-            <a:buNone/>
           </a:pPr>
           <a:r>
             <a:rPr lang="en-US" altLang="zh-CN" sz="3200" kern="1200" dirty="0"/>
@@ -2443,7 +2504,7 @@
         </a:bodyPr>
         <a:lstStyle/>
         <a:p>
-          <a:pPr marL="0" lvl="0" indent="0" algn="ctr" defTabSz="1422400">
+          <a:pPr lvl="0" algn="ctr" defTabSz="1422400">
             <a:lnSpc>
               <a:spcPct val="90000"/>
             </a:lnSpc>
@@ -2453,7 +2514,6 @@
             <a:spcAft>
               <a:spcPct val="35000"/>
             </a:spcAft>
-            <a:buNone/>
           </a:pPr>
           <a:r>
             <a:rPr lang="en-US" altLang="zh-CN" sz="3200" kern="1200" dirty="0"/>
@@ -2540,7 +2600,7 @@
         </a:bodyPr>
         <a:lstStyle/>
         <a:p>
-          <a:pPr marL="0" lvl="0" indent="0" algn="ctr" defTabSz="1289050">
+          <a:pPr lvl="0" algn="ctr" defTabSz="1289050">
             <a:lnSpc>
               <a:spcPct val="90000"/>
             </a:lnSpc>
@@ -2550,7 +2610,6 @@
             <a:spcAft>
               <a:spcPct val="35000"/>
             </a:spcAft>
-            <a:buNone/>
           </a:pPr>
           <a:r>
             <a:rPr lang="en-US" altLang="zh-TW" sz="2900" kern="1200" dirty="0"/>
@@ -2625,7 +2684,7 @@
         </a:bodyPr>
         <a:lstStyle/>
         <a:p>
-          <a:pPr marL="0" lvl="0" indent="0" algn="ctr" defTabSz="1289050">
+          <a:pPr lvl="0" algn="ctr" defTabSz="1289050">
             <a:lnSpc>
               <a:spcPct val="90000"/>
             </a:lnSpc>
@@ -2635,7 +2694,6 @@
             <a:spcAft>
               <a:spcPct val="35000"/>
             </a:spcAft>
-            <a:buNone/>
           </a:pPr>
           <a:r>
             <a:rPr lang="en-US" altLang="zh-CN" sz="2900" kern="1200" dirty="0"/>
@@ -2718,7 +2776,7 @@
         </a:bodyPr>
         <a:lstStyle/>
         <a:p>
-          <a:pPr marL="0" lvl="0" indent="0" algn="ctr" defTabSz="1289050">
+          <a:pPr lvl="0" algn="ctr" defTabSz="1289050">
             <a:lnSpc>
               <a:spcPct val="90000"/>
             </a:lnSpc>
@@ -2728,7 +2786,6 @@
             <a:spcAft>
               <a:spcPct val="35000"/>
             </a:spcAft>
-            <a:buNone/>
           </a:pPr>
           <a:r>
             <a:rPr lang="en-US" altLang="zh-CN" sz="2900" kern="1200" dirty="0"/>
@@ -5294,7 +5351,7 @@
           <a:p>
             <a:fld id="{1766A5AD-8774-FE44-A0A9-16F81BF90977}" type="datetimeFigureOut">
               <a:rPr kumimoji="1" lang="zh-CN" altLang="en-US" smtClean="0"/>
-              <a:t>2020/9/2</a:t>
+              <a:t>03/09/20</a:t>
             </a:fld>
             <a:endParaRPr kumimoji="1" lang="zh-CN" altLang="en-US"/>
           </a:p>
@@ -6123,7 +6180,7 @@
           <a:p>
             <a:fld id="{BCEC23BA-C284-A64D-90DA-4E530BAE7B0A}" type="slidenum">
               <a:rPr kumimoji="1" lang="zh-CN" altLang="en-US" smtClean="0"/>
-              <a:t>25</a:t>
+              <a:t>26</a:t>
             </a:fld>
             <a:endParaRPr kumimoji="1" lang="zh-CN" altLang="en-US"/>
           </a:p>
@@ -6513,7 +6570,7 @@
           <a:p>
             <a:fld id="{B1115196-1C6F-4784-83AC-30756D8F10B3}" type="datetimeFigureOut">
               <a:rPr lang="en-US" smtClean="0"/>
-              <a:t>9/2/20</a:t>
+              <a:t>03/09/20</a:t>
             </a:fld>
             <a:endParaRPr lang="en-US"/>
           </a:p>
@@ -6942,7 +6999,7 @@
           <a:p>
             <a:fld id="{B1115196-1C6F-4784-83AC-30756D8F10B3}" type="datetimeFigureOut">
               <a:rPr lang="en-US" smtClean="0"/>
-              <a:t>9/2/20</a:t>
+              <a:t>03/09/20</a:t>
             </a:fld>
             <a:endParaRPr lang="en-US"/>
           </a:p>
@@ -7147,7 +7204,7 @@
           <a:p>
             <a:fld id="{B1115196-1C6F-4784-83AC-30756D8F10B3}" type="datetimeFigureOut">
               <a:rPr lang="en-US" smtClean="0"/>
-              <a:t>9/2/20</a:t>
+              <a:t>03/09/20</a:t>
             </a:fld>
             <a:endParaRPr lang="en-US"/>
           </a:p>
@@ -7418,7 +7475,7 @@
           <a:p>
             <a:fld id="{B1115196-1C6F-4784-83AC-30756D8F10B3}" type="datetimeFigureOut">
               <a:rPr lang="en-US" smtClean="0"/>
-              <a:t>9/2/20</a:t>
+              <a:t>03/09/20</a:t>
             </a:fld>
             <a:endParaRPr lang="en-US"/>
           </a:p>
@@ -7699,7 +7756,7 @@
           <a:p>
             <a:fld id="{B1115196-1C6F-4784-83AC-30756D8F10B3}" type="datetimeFigureOut">
               <a:rPr lang="en-US" smtClean="0"/>
-              <a:t>9/2/20</a:t>
+              <a:t>03/09/20</a:t>
             </a:fld>
             <a:endParaRPr lang="en-US"/>
           </a:p>
@@ -7934,7 +7991,7 @@
           <a:p>
             <a:fld id="{B1115196-1C6F-4784-83AC-30756D8F10B3}" type="datetimeFigureOut">
               <a:rPr lang="en-US" smtClean="0"/>
-              <a:t>9/2/20</a:t>
+              <a:t>03/09/20</a:t>
             </a:fld>
             <a:endParaRPr lang="en-US"/>
           </a:p>
@@ -8215,7 +8272,7 @@
           <a:p>
             <a:fld id="{B1115196-1C6F-4784-83AC-30756D8F10B3}" type="datetimeFigureOut">
               <a:rPr lang="en-US" smtClean="0"/>
-              <a:t>9/2/20</a:t>
+              <a:t>03/09/20</a:t>
             </a:fld>
             <a:endParaRPr lang="en-US"/>
           </a:p>
@@ -8642,7 +8699,7 @@
           <a:p>
             <a:fld id="{B1115196-1C6F-4784-83AC-30756D8F10B3}" type="datetimeFigureOut">
               <a:rPr lang="en-US" smtClean="0"/>
-              <a:t>9/2/20</a:t>
+              <a:t>03/09/20</a:t>
             </a:fld>
             <a:endParaRPr lang="en-US"/>
           </a:p>
@@ -9165,7 +9222,7 @@
           <a:p>
             <a:fld id="{B1115196-1C6F-4784-83AC-30756D8F10B3}" type="datetimeFigureOut">
               <a:rPr lang="en-US" smtClean="0"/>
-              <a:t>9/2/20</a:t>
+              <a:t>03/09/20</a:t>
             </a:fld>
             <a:endParaRPr lang="en-US"/>
           </a:p>
@@ -9527,7 +9584,7 @@
           <a:p>
             <a:fld id="{B1115196-1C6F-4784-83AC-30756D8F10B3}" type="datetimeFigureOut">
               <a:rPr lang="en-US" smtClean="0"/>
-              <a:t>9/2/20</a:t>
+              <a:t>03/09/20</a:t>
             </a:fld>
             <a:endParaRPr lang="en-US"/>
           </a:p>
@@ -10083,7 +10140,7 @@
           <a:p>
             <a:fld id="{B1115196-1C6F-4784-83AC-30756D8F10B3}" type="datetimeFigureOut">
               <a:rPr lang="en-US" smtClean="0"/>
-              <a:t>9/2/20</a:t>
+              <a:t>03/09/20</a:t>
             </a:fld>
             <a:endParaRPr lang="en-US"/>
           </a:p>
@@ -10308,7 +10365,7 @@
           <a:p>
             <a:fld id="{B1115196-1C6F-4784-83AC-30756D8F10B3}" type="datetimeFigureOut">
               <a:rPr lang="en-US" smtClean="0"/>
-              <a:t>9/2/20</a:t>
+              <a:t>03/09/20</a:t>
             </a:fld>
             <a:endParaRPr lang="en-US"/>
           </a:p>
@@ -10454,7 +10511,7 @@
           <a:p>
             <a:fld id="{B1115196-1C6F-4784-83AC-30756D8F10B3}" type="datetimeFigureOut">
               <a:rPr lang="en-US" smtClean="0"/>
-              <a:t>9/2/20</a:t>
+              <a:t>03/09/20</a:t>
             </a:fld>
             <a:endParaRPr lang="en-US"/>
           </a:p>
@@ -10919,7 +10976,7 @@
           <a:p>
             <a:fld id="{B1115196-1C6F-4784-83AC-30756D8F10B3}" type="datetimeFigureOut">
               <a:rPr lang="en-US" smtClean="0"/>
-              <a:t>9/2/20</a:t>
+              <a:t>03/09/20</a:t>
             </a:fld>
             <a:endParaRPr lang="en-US"/>
           </a:p>
@@ -11141,7 +11198,7 @@
           <a:p>
             <a:fld id="{B1115196-1C6F-4784-83AC-30756D8F10B3}" type="datetimeFigureOut">
               <a:rPr lang="en-US" smtClean="0"/>
-              <a:t>9/2/20</a:t>
+              <a:t>03/09/20</a:t>
             </a:fld>
             <a:endParaRPr lang="en-US"/>
           </a:p>
@@ -12760,24 +12817,14 @@
         </p:nvSpPr>
         <p:spPr/>
         <p:txBody>
-          <a:bodyPr/>
+          <a:bodyPr>
+            <a:normAutofit/>
+          </a:bodyPr>
           <a:lstStyle/>
           <a:p>
             <a:r>
-              <a:rPr kumimoji="1" lang="en-US" altLang="zh-CN" dirty="0"/>
-              <a:t>W</a:t>
-            </a:r>
-            <a:r>
-              <a:rPr kumimoji="1" lang="zh-TW" altLang="zh-CN" dirty="0"/>
-              <a:t>4</a:t>
-            </a:r>
-            <a:r>
-              <a:rPr kumimoji="1" lang="en-US" altLang="zh-CN" dirty="0"/>
-              <a:t> Item:</a:t>
-            </a:r>
-            <a:r>
-              <a:rPr kumimoji="1" lang="zh-TW" altLang="en-US" dirty="0"/>
-              <a:t>數學算法</a:t>
+              <a:rPr kumimoji="1" lang="en-US" altLang="zh-CN" dirty="0" smtClean="0"/>
+              <a:t>Tree demo2</a:t>
             </a:r>
             <a:endParaRPr kumimoji="1" lang="zh-CN" altLang="en-US" dirty="0"/>
           </a:p>
@@ -12798,46 +12845,14 @@
           <a:bodyPr/>
           <a:lstStyle/>
           <a:p>
-            <a:endParaRPr kumimoji="1" lang="en-US" altLang="zh-TW" dirty="0"/>
-          </a:p>
-          <a:p>
-            <a:r>
-              <a:rPr kumimoji="1" lang="en-US" altLang="zh-TW" dirty="0" err="1"/>
-              <a:t>Svm</a:t>
-            </a:r>
-            <a:r>
-              <a:rPr kumimoji="1" lang="zh-TW" altLang="en-US" dirty="0"/>
-              <a:t>算法</a:t>
-            </a:r>
-            <a:endParaRPr kumimoji="1" lang="en-US" altLang="zh-TW" dirty="0"/>
-          </a:p>
-          <a:p>
-            <a:r>
-              <a:rPr kumimoji="1" lang="en-US" altLang="zh-TW"/>
-              <a:t> </a:t>
-            </a:r>
-            <a:r>
-              <a:rPr kumimoji="1" lang="en-US" altLang="zh-TW" dirty="0"/>
-              <a:t>demo </a:t>
-            </a:r>
-            <a:r>
-              <a:rPr kumimoji="1" lang="zh-TW" altLang="en-US" dirty="0"/>
-              <a:t>代碼實現</a:t>
-            </a:r>
-            <a:endParaRPr kumimoji="1" lang="en-US" altLang="zh-TW" dirty="0"/>
-          </a:p>
-          <a:p>
-            <a:pPr marL="0" indent="0">
-              <a:buNone/>
-            </a:pPr>
-            <a:endParaRPr kumimoji="1" lang="en-US" altLang="zh-TW" dirty="0"/>
+            <a:endParaRPr kumimoji="1" lang="zh-CN" altLang="en-US"/>
           </a:p>
         </p:txBody>
       </p:sp>
     </p:spTree>
     <p:extLst>
       <p:ext uri="{BB962C8B-B14F-4D97-AF65-F5344CB8AC3E}">
-        <p14:creationId xmlns:p14="http://schemas.microsoft.com/office/powerpoint/2010/main" val="514264433"/>
+        <p14:creationId xmlns:p14="http://schemas.microsoft.com/office/powerpoint/2010/main" val="1232152638"/>
       </p:ext>
     </p:extLst>
   </p:cSld>
@@ -12880,16 +12895,20 @@
           <a:lstStyle/>
           <a:p>
             <a:r>
+              <a:rPr kumimoji="1" lang="en-US" altLang="zh-CN" dirty="0"/>
+              <a:t>W</a:t>
+            </a:r>
+            <a:r>
+              <a:rPr kumimoji="1" lang="zh-TW" altLang="zh-CN" dirty="0"/>
+              <a:t>4</a:t>
+            </a:r>
+            <a:r>
+              <a:rPr kumimoji="1" lang="en-US" altLang="zh-CN" dirty="0"/>
+              <a:t> Item:</a:t>
+            </a:r>
+            <a:r>
               <a:rPr kumimoji="1" lang="zh-TW" altLang="en-US" dirty="0"/>
-              <a:t>W</a:t>
-            </a:r>
-            <a:r>
-              <a:rPr kumimoji="1" lang="en-US" altLang="zh-TW" dirty="0"/>
-              <a:t>? : </a:t>
-            </a:r>
-            <a:r>
-              <a:rPr kumimoji="1" lang="zh-TW" altLang="en-US" dirty="0"/>
-              <a:t>語言資料基礎分析</a:t>
+              <a:t>數學算法</a:t>
             </a:r>
             <a:endParaRPr kumimoji="1" lang="zh-CN" altLang="en-US" dirty="0"/>
           </a:p>
@@ -12910,25 +12929,46 @@
           <a:bodyPr/>
           <a:lstStyle/>
           <a:p>
+            <a:endParaRPr kumimoji="1" lang="en-US" altLang="zh-TW" dirty="0"/>
+          </a:p>
+          <a:p>
+            <a:r>
+              <a:rPr kumimoji="1" lang="en-US" altLang="zh-TW" dirty="0" err="1"/>
+              <a:t>Svm</a:t>
+            </a:r>
             <a:r>
               <a:rPr kumimoji="1" lang="zh-TW" altLang="en-US" dirty="0"/>
-              <a:t>後續看完基礎數學算法後決定</a:t>
+              <a:t>算法</a:t>
             </a:r>
             <a:endParaRPr kumimoji="1" lang="en-US" altLang="zh-TW" dirty="0"/>
           </a:p>
           <a:p>
             <a:r>
+              <a:rPr kumimoji="1" lang="en-US" altLang="zh-TW"/>
+              <a:t> </a:t>
+            </a:r>
+            <a:r>
+              <a:rPr kumimoji="1" lang="en-US" altLang="zh-TW" dirty="0"/>
+              <a:t>demo </a:t>
+            </a:r>
+            <a:r>
               <a:rPr kumimoji="1" lang="zh-TW" altLang="en-US" dirty="0"/>
-              <a:t>預定最多佔兩週</a:t>
-            </a:r>
-            <a:endParaRPr kumimoji="1" lang="zh-CN" altLang="en-US" dirty="0"/>
+              <a:t>代碼實現</a:t>
+            </a:r>
+            <a:endParaRPr kumimoji="1" lang="en-US" altLang="zh-TW" dirty="0"/>
+          </a:p>
+          <a:p>
+            <a:pPr marL="0" indent="0">
+              <a:buNone/>
+            </a:pPr>
+            <a:endParaRPr kumimoji="1" lang="en-US" altLang="zh-TW" dirty="0"/>
           </a:p>
         </p:txBody>
       </p:sp>
     </p:spTree>
     <p:extLst>
       <p:ext uri="{BB962C8B-B14F-4D97-AF65-F5344CB8AC3E}">
-        <p14:creationId xmlns:p14="http://schemas.microsoft.com/office/powerpoint/2010/main" val="1663076574"/>
+        <p14:creationId xmlns:p14="http://schemas.microsoft.com/office/powerpoint/2010/main" val="514264433"/>
       </p:ext>
     </p:extLst>
   </p:cSld>
@@ -12975,24 +13015,12 @@
               <a:t>W</a:t>
             </a:r>
             <a:r>
-              <a:rPr kumimoji="1" lang="zh-TW" altLang="zh-TW" dirty="0"/>
-              <a:t>5</a:t>
-            </a:r>
-            <a:r>
               <a:rPr kumimoji="1" lang="en-US" altLang="zh-TW" dirty="0"/>
-              <a:t>:</a:t>
+              <a:t>? : </a:t>
             </a:r>
             <a:r>
               <a:rPr kumimoji="1" lang="zh-TW" altLang="en-US" dirty="0"/>
-              <a:t>深度學習模型</a:t>
-            </a:r>
-            <a:r>
-              <a:rPr kumimoji="1" lang="en-US" altLang="zh-TW" dirty="0"/>
-              <a:t>-</a:t>
-            </a:r>
-            <a:r>
-              <a:rPr kumimoji="1" lang="zh-TW" altLang="en-US" dirty="0"/>
-              <a:t>基礎模型</a:t>
+              <a:t>語言資料基礎分析</a:t>
             </a:r>
             <a:endParaRPr kumimoji="1" lang="zh-CN" altLang="en-US" dirty="0"/>
           </a:p>
@@ -13015,34 +13043,15 @@
           <a:p>
             <a:r>
               <a:rPr kumimoji="1" lang="zh-TW" altLang="en-US" dirty="0"/>
-              <a:t>D</a:t>
-            </a:r>
-            <a:r>
-              <a:rPr kumimoji="1" lang="en-US" altLang="zh-TW" dirty="0"/>
-              <a:t>MN model</a:t>
-            </a:r>
-          </a:p>
-          <a:p>
-            <a:r>
-              <a:rPr kumimoji="1" lang="en-US" altLang="zh-TW" dirty="0"/>
-              <a:t>CNN model</a:t>
-            </a:r>
-          </a:p>
-          <a:p>
-            <a:r>
-              <a:rPr kumimoji="1" lang="en-US" altLang="zh-TW" dirty="0"/>
-              <a:t>R</a:t>
-            </a:r>
+              <a:t>後續看完基礎數學算法後決定</a:t>
+            </a:r>
+            <a:endParaRPr kumimoji="1" lang="en-US" altLang="zh-TW" dirty="0"/>
+          </a:p>
+          <a:p>
             <a:r>
               <a:rPr kumimoji="1" lang="zh-TW" altLang="en-US" dirty="0"/>
-              <a:t>N</a:t>
-            </a:r>
-            <a:r>
-              <a:rPr kumimoji="1" lang="en-US" altLang="zh-TW" dirty="0"/>
-              <a:t>N model</a:t>
-            </a:r>
-          </a:p>
-          <a:p>
+              <a:t>預定最多佔兩週</a:t>
+            </a:r>
             <a:endParaRPr kumimoji="1" lang="zh-CN" altLang="en-US" dirty="0"/>
           </a:p>
         </p:txBody>
@@ -13050,7 +13059,7 @@
     </p:spTree>
     <p:extLst>
       <p:ext uri="{BB962C8B-B14F-4D97-AF65-F5344CB8AC3E}">
-        <p14:creationId xmlns:p14="http://schemas.microsoft.com/office/powerpoint/2010/main" val="1976090492"/>
+        <p14:creationId xmlns:p14="http://schemas.microsoft.com/office/powerpoint/2010/main" val="1663076574"/>
       </p:ext>
     </p:extLst>
   </p:cSld>
@@ -13098,7 +13107,7 @@
             </a:r>
             <a:r>
               <a:rPr kumimoji="1" lang="zh-TW" altLang="zh-TW" dirty="0"/>
-              <a:t>6</a:t>
+              <a:t>5</a:t>
             </a:r>
             <a:r>
               <a:rPr kumimoji="1" lang="en-US" altLang="zh-TW" dirty="0"/>
@@ -13114,7 +13123,7 @@
             </a:r>
             <a:r>
               <a:rPr kumimoji="1" lang="zh-TW" altLang="en-US" dirty="0"/>
-              <a:t>應用文本</a:t>
+              <a:t>基礎模型</a:t>
             </a:r>
             <a:endParaRPr kumimoji="1" lang="zh-CN" altLang="en-US" dirty="0"/>
           </a:p>
@@ -13136,38 +13145,43 @@
           <a:lstStyle/>
           <a:p>
             <a:r>
-              <a:rPr kumimoji="1" lang="zh-TW" altLang="zh-TW" dirty="0"/>
-              <a:t>t</a:t>
-            </a:r>
-            <a:r>
-              <a:rPr kumimoji="1" lang="en-US" altLang="zh-TW" dirty="0" err="1"/>
-              <a:t>extCNN</a:t>
+              <a:rPr kumimoji="1" lang="zh-TW" altLang="en-US" dirty="0"/>
+              <a:t>D</a:t>
             </a:r>
             <a:r>
               <a:rPr kumimoji="1" lang="en-US" altLang="zh-TW" dirty="0"/>
-              <a:t> model</a:t>
-            </a:r>
-          </a:p>
-          <a:p>
-            <a:r>
-              <a:rPr kumimoji="1" lang="zh-TW" altLang="zh-TW" dirty="0"/>
-              <a:t>t</a:t>
-            </a:r>
-            <a:r>
-              <a:rPr kumimoji="1" lang="en-US" altLang="zh-TW" dirty="0" err="1"/>
-              <a:t>extRNN</a:t>
-            </a:r>
+              <a:t>MN model</a:t>
+            </a:r>
+          </a:p>
+          <a:p>
             <a:r>
               <a:rPr kumimoji="1" lang="en-US" altLang="zh-TW" dirty="0"/>
-              <a:t> model</a:t>
-            </a:r>
+              <a:t>CNN model</a:t>
+            </a:r>
+          </a:p>
+          <a:p>
+            <a:r>
+              <a:rPr kumimoji="1" lang="en-US" altLang="zh-TW" dirty="0"/>
+              <a:t>R</a:t>
+            </a:r>
+            <a:r>
+              <a:rPr kumimoji="1" lang="zh-TW" altLang="en-US" dirty="0"/>
+              <a:t>N</a:t>
+            </a:r>
+            <a:r>
+              <a:rPr kumimoji="1" lang="en-US" altLang="zh-TW" dirty="0"/>
+              <a:t>N model</a:t>
+            </a:r>
+          </a:p>
+          <a:p>
+            <a:endParaRPr kumimoji="1" lang="zh-CN" altLang="en-US" dirty="0"/>
           </a:p>
         </p:txBody>
       </p:sp>
     </p:spTree>
     <p:extLst>
       <p:ext uri="{BB962C8B-B14F-4D97-AF65-F5344CB8AC3E}">
-        <p14:creationId xmlns:p14="http://schemas.microsoft.com/office/powerpoint/2010/main" val="1670608775"/>
+        <p14:creationId xmlns:p14="http://schemas.microsoft.com/office/powerpoint/2010/main" val="1976090492"/>
       </p:ext>
     </p:extLst>
   </p:cSld>
@@ -13215,7 +13229,7 @@
             </a:r>
             <a:r>
               <a:rPr kumimoji="1" lang="zh-TW" altLang="zh-TW" dirty="0"/>
-              <a:t>7</a:t>
+              <a:t>6</a:t>
             </a:r>
             <a:r>
               <a:rPr kumimoji="1" lang="en-US" altLang="zh-TW" dirty="0"/>
@@ -13223,11 +13237,15 @@
             </a:r>
             <a:r>
               <a:rPr kumimoji="1" lang="zh-TW" altLang="en-US" dirty="0"/>
-              <a:t>模型</a:t>
+              <a:t>深度學習模型</a:t>
             </a:r>
             <a:r>
               <a:rPr kumimoji="1" lang="en-US" altLang="zh-TW" dirty="0"/>
-              <a:t>DEMO </a:t>
+              <a:t>-</a:t>
+            </a:r>
+            <a:r>
+              <a:rPr kumimoji="1" lang="zh-TW" altLang="en-US" dirty="0"/>
+              <a:t>應用文本</a:t>
             </a:r>
             <a:endParaRPr kumimoji="1" lang="zh-CN" altLang="en-US" dirty="0"/>
           </a:p>
@@ -13249,31 +13267,38 @@
           <a:lstStyle/>
           <a:p>
             <a:r>
-              <a:rPr kumimoji="1" lang="zh-TW" altLang="en-US" dirty="0"/>
-              <a:t>文本分類</a:t>
+              <a:rPr kumimoji="1" lang="zh-TW" altLang="zh-TW" dirty="0"/>
+              <a:t>t</a:t>
+            </a:r>
+            <a:r>
+              <a:rPr kumimoji="1" lang="en-US" altLang="zh-TW" dirty="0" err="1"/>
+              <a:t>extCNN</a:t>
             </a:r>
             <a:r>
               <a:rPr kumimoji="1" lang="en-US" altLang="zh-TW" dirty="0"/>
-              <a:t>-</a:t>
-            </a:r>
-            <a:r>
-              <a:rPr kumimoji="1" lang="zh-TW" altLang="en-US" dirty="0"/>
-              <a:t>意圖分類</a:t>
+              <a:t> model</a:t>
+            </a:r>
+          </a:p>
+          <a:p>
+            <a:r>
+              <a:rPr kumimoji="1" lang="zh-TW" altLang="zh-TW" dirty="0"/>
+              <a:t>t</a:t>
+            </a:r>
+            <a:r>
+              <a:rPr kumimoji="1" lang="en-US" altLang="zh-TW" dirty="0" err="1"/>
+              <a:t>extRNN</a:t>
             </a:r>
             <a:r>
               <a:rPr kumimoji="1" lang="en-US" altLang="zh-TW" dirty="0"/>
-              <a:t>DEMO</a:t>
-            </a:r>
-          </a:p>
-          <a:p>
-            <a:endParaRPr kumimoji="1" lang="zh-CN" altLang="en-US" dirty="0"/>
+              <a:t> model</a:t>
+            </a:r>
           </a:p>
         </p:txBody>
       </p:sp>
     </p:spTree>
     <p:extLst>
       <p:ext uri="{BB962C8B-B14F-4D97-AF65-F5344CB8AC3E}">
-        <p14:creationId xmlns:p14="http://schemas.microsoft.com/office/powerpoint/2010/main" val="158954754"/>
+        <p14:creationId xmlns:p14="http://schemas.microsoft.com/office/powerpoint/2010/main" val="1670608775"/>
       </p:ext>
     </p:extLst>
   </p:cSld>
@@ -13321,6 +13346,112 @@
             </a:r>
             <a:r>
               <a:rPr kumimoji="1" lang="zh-TW" altLang="zh-TW" dirty="0"/>
+              <a:t>7</a:t>
+            </a:r>
+            <a:r>
+              <a:rPr kumimoji="1" lang="en-US" altLang="zh-TW" dirty="0"/>
+              <a:t>:</a:t>
+            </a:r>
+            <a:r>
+              <a:rPr kumimoji="1" lang="zh-TW" altLang="en-US" dirty="0"/>
+              <a:t>模型</a:t>
+            </a:r>
+            <a:r>
+              <a:rPr kumimoji="1" lang="en-US" altLang="zh-TW" dirty="0"/>
+              <a:t>DEMO </a:t>
+            </a:r>
+            <a:endParaRPr kumimoji="1" lang="zh-CN" altLang="en-US" dirty="0"/>
+          </a:p>
+        </p:txBody>
+      </p:sp>
+      <p:sp>
+        <p:nvSpPr>
+          <p:cNvPr id="3" name="内容占位符 2"/>
+          <p:cNvSpPr>
+            <a:spLocks noGrp="1"/>
+          </p:cNvSpPr>
+          <p:nvPr>
+            <p:ph idx="1"/>
+          </p:nvPr>
+        </p:nvSpPr>
+        <p:spPr/>
+        <p:txBody>
+          <a:bodyPr/>
+          <a:lstStyle/>
+          <a:p>
+            <a:r>
+              <a:rPr kumimoji="1" lang="zh-TW" altLang="en-US" dirty="0"/>
+              <a:t>文本分類</a:t>
+            </a:r>
+            <a:r>
+              <a:rPr kumimoji="1" lang="en-US" altLang="zh-TW" dirty="0"/>
+              <a:t>-</a:t>
+            </a:r>
+            <a:r>
+              <a:rPr kumimoji="1" lang="zh-TW" altLang="en-US" dirty="0"/>
+              <a:t>意圖分類</a:t>
+            </a:r>
+            <a:r>
+              <a:rPr kumimoji="1" lang="en-US" altLang="zh-TW" dirty="0"/>
+              <a:t>DEMO</a:t>
+            </a:r>
+          </a:p>
+          <a:p>
+            <a:endParaRPr kumimoji="1" lang="zh-CN" altLang="en-US" dirty="0"/>
+          </a:p>
+        </p:txBody>
+      </p:sp>
+    </p:spTree>
+    <p:extLst>
+      <p:ext uri="{BB962C8B-B14F-4D97-AF65-F5344CB8AC3E}">
+        <p14:creationId xmlns:p14="http://schemas.microsoft.com/office/powerpoint/2010/main" val="158954754"/>
+      </p:ext>
+    </p:extLst>
+  </p:cSld>
+  <p:clrMapOvr>
+    <a:masterClrMapping/>
+  </p:clrMapOvr>
+</p:sld>
+</file>
+
+<file path=ppt/slides/slide26.xml><?xml version="1.0" encoding="utf-8"?>
+<p:sld xmlns:a="http://schemas.openxmlformats.org/drawingml/2006/main" xmlns:r="http://schemas.openxmlformats.org/officeDocument/2006/relationships" xmlns:p="http://schemas.openxmlformats.org/presentationml/2006/main">
+  <p:cSld>
+    <p:spTree>
+      <p:nvGrpSpPr>
+        <p:cNvPr id="1" name=""/>
+        <p:cNvGrpSpPr/>
+        <p:nvPr/>
+      </p:nvGrpSpPr>
+      <p:grpSpPr>
+        <a:xfrm>
+          <a:off x="0" y="0"/>
+          <a:ext cx="0" cy="0"/>
+          <a:chOff x="0" y="0"/>
+          <a:chExt cx="0" cy="0"/>
+        </a:xfrm>
+      </p:grpSpPr>
+      <p:sp>
+        <p:nvSpPr>
+          <p:cNvPr id="2" name="标题 1"/>
+          <p:cNvSpPr>
+            <a:spLocks noGrp="1"/>
+          </p:cNvSpPr>
+          <p:nvPr>
+            <p:ph type="title"/>
+          </p:nvPr>
+        </p:nvSpPr>
+        <p:spPr/>
+        <p:txBody>
+          <a:bodyPr/>
+          <a:lstStyle/>
+          <a:p>
+            <a:r>
+              <a:rPr kumimoji="1" lang="zh-TW" altLang="en-US" dirty="0"/>
+              <a:t>W</a:t>
+            </a:r>
+            <a:r>
+              <a:rPr kumimoji="1" lang="zh-TW" altLang="zh-TW" dirty="0"/>
               <a:t>8</a:t>
             </a:r>
             <a:r>
@@ -13396,7 +13527,7 @@
 </p:sld>
 </file>
 
-<file path=ppt/slides/slide26.xml><?xml version="1.0" encoding="utf-8"?>
+<file path=ppt/slides/slide27.xml><?xml version="1.0" encoding="utf-8"?>
 <p:sld xmlns:a="http://schemas.openxmlformats.org/drawingml/2006/main" xmlns:r="http://schemas.openxmlformats.org/officeDocument/2006/relationships" xmlns:p="http://schemas.openxmlformats.org/presentationml/2006/main">
   <p:cSld>
     <p:spTree>
@@ -14195,17 +14326,25 @@
             </a:r>
             <a:r>
               <a:rPr kumimoji="1" lang="en-US" altLang="zh-TW" dirty="0"/>
-              <a:t> lib use code example ?</a:t>
-            </a:r>
-          </a:p>
-          <a:p>
-            <a:r>
-              <a:rPr kumimoji="1" lang="en-US" altLang="zh-TW" dirty="0" err="1"/>
+              <a:t> lib use code example </a:t>
+            </a:r>
+            <a:r>
+              <a:rPr kumimoji="1" lang="en-US" altLang="zh-TW" dirty="0" smtClean="0"/>
+              <a:t>?</a:t>
+            </a:r>
+          </a:p>
+          <a:p>
+            <a:r>
+              <a:rPr kumimoji="1" lang="en-US" altLang="zh-TW" dirty="0" err="1" smtClean="0"/>
               <a:t>Gaussian_Naive</a:t>
             </a:r>
             <a:r>
+              <a:rPr kumimoji="1" lang="en-US" altLang="zh-TW" dirty="0" smtClean="0"/>
+              <a:t> </a:t>
+            </a:r>
+            <a:r>
               <a:rPr kumimoji="1" lang="en-US" altLang="zh-TW" dirty="0"/>
-              <a:t> _</a:t>
+              <a:t>_</a:t>
             </a:r>
             <a:r>
               <a:rPr kumimoji="1" lang="en-US" altLang="zh-TW" dirty="0" err="1"/>
@@ -14216,9 +14355,28 @@
               <a:t>(高斯分佈貝葉斯模型</a:t>
             </a:r>
             <a:r>
-              <a:rPr kumimoji="1" lang="en-US" altLang="zh-TW" dirty="0"/>
+              <a:rPr kumimoji="1" lang="en-US" altLang="zh-TW" dirty="0" smtClean="0"/>
               <a:t>)</a:t>
             </a:r>
+          </a:p>
+          <a:p>
+            <a:r>
+              <a:rPr kumimoji="1" lang="en-US" altLang="zh-TW" dirty="0" err="1" smtClean="0"/>
+              <a:t>span_classification_naive_bayes_pra</a:t>
+            </a:r>
+            <a:r>
+              <a:rPr kumimoji="1" lang="zh-TW" altLang="zh-TW" dirty="0" smtClean="0"/>
+              <a:t>c</a:t>
+            </a:r>
+            <a:r>
+              <a:rPr kumimoji="1" lang="en-US" altLang="zh-TW" dirty="0" smtClean="0"/>
+              <a:t>.</a:t>
+            </a:r>
+            <a:r>
+              <a:rPr kumimoji="1" lang="en-US" altLang="zh-TW" dirty="0" err="1" smtClean="0"/>
+              <a:t>py</a:t>
+            </a:r>
+            <a:endParaRPr kumimoji="1" lang="en-US" altLang="zh-TW" dirty="0"/>
           </a:p>
           <a:p>
             <a:r>

--- a/ml traing sean_detail.pptx
+++ b/ml traing sean_detail.pptx
@@ -5,7 +5,7 @@
     <p:sldMasterId id="2147483660" r:id="rId1"/>
   </p:sldMasterIdLst>
   <p:notesMasterIdLst>
-    <p:notesMasterId r:id="rId29"/>
+    <p:notesMasterId r:id="rId30"/>
   </p:notesMasterIdLst>
   <p:sldIdLst>
     <p:sldId id="256" r:id="rId2"/>
@@ -29,12 +29,13 @@
     <p:sldId id="281" r:id="rId20"/>
     <p:sldId id="282" r:id="rId21"/>
     <p:sldId id="262" r:id="rId22"/>
-    <p:sldId id="268" r:id="rId23"/>
-    <p:sldId id="263" r:id="rId24"/>
-    <p:sldId id="264" r:id="rId25"/>
-    <p:sldId id="265" r:id="rId26"/>
-    <p:sldId id="266" r:id="rId27"/>
-    <p:sldId id="267" r:id="rId28"/>
+    <p:sldId id="283" r:id="rId23"/>
+    <p:sldId id="268" r:id="rId24"/>
+    <p:sldId id="263" r:id="rId25"/>
+    <p:sldId id="264" r:id="rId26"/>
+    <p:sldId id="265" r:id="rId27"/>
+    <p:sldId id="266" r:id="rId28"/>
+    <p:sldId id="267" r:id="rId29"/>
   </p:sldIdLst>
   <p:sldSz cx="9144000" cy="6858000" type="screen4x3"/>
   <p:notesSz cx="6858000" cy="9144000"/>
@@ -135,7 +136,7 @@
   </p:defaultTextStyle>
   <p:extLst>
     <p:ext uri="{EFAFB233-063F-42B5-8137-9DF3F51BA10A}">
-      <p15:sldGuideLst xmlns:p15="http://schemas.microsoft.com/office/powerpoint/2012/main" xmlns="">
+      <p15:sldGuideLst xmlns="" xmlns:p15="http://schemas.microsoft.com/office/powerpoint/2012/main">
         <p15:guide id="1" orient="horz" pos="2160">
           <p15:clr>
             <a:srgbClr val="A4A3A4"/>
@@ -5351,7 +5352,7 @@
           <a:p>
             <a:fld id="{1766A5AD-8774-FE44-A0A9-16F81BF90977}" type="datetimeFigureOut">
               <a:rPr kumimoji="1" lang="zh-CN" altLang="en-US" smtClean="0"/>
-              <a:t>03/09/20</a:t>
+              <a:t>04/09/20</a:t>
             </a:fld>
             <a:endParaRPr kumimoji="1" lang="zh-CN" altLang="en-US"/>
           </a:p>
@@ -5637,7 +5638,7 @@
       </p:grpSpPr>
       <p:sp>
         <p:nvSpPr>
-          <p:cNvPr id="2" name="投影片影像版面配置區 1"/>
+          <p:cNvPr id="2" name="幻灯片图像占位符 1"/>
           <p:cNvSpPr>
             <a:spLocks noGrp="1" noRot="1" noChangeAspect="1"/>
           </p:cNvSpPr>
@@ -5649,7 +5650,7 @@
       </p:sp>
       <p:sp>
         <p:nvSpPr>
-          <p:cNvPr id="3" name="備忘稿版面配置區 2"/>
+          <p:cNvPr id="3" name="备注占位符 2"/>
           <p:cNvSpPr>
             <a:spLocks noGrp="1"/>
           </p:cNvSpPr>
@@ -5662,134 +5663,18 @@
           <a:bodyPr/>
           <a:lstStyle/>
           <a:p>
-            <a:r>
-              <a:rPr lang="zh-TW" altLang="en-US" sz="1200" b="0" i="0" u="none" strike="noStrike" kern="1200">
-                <a:solidFill>
-                  <a:schemeClr val="tx1"/>
-                </a:solidFill>
-                <a:effectLst/>
-                <a:latin typeface="+mn-lt"/>
-                <a:ea typeface="+mn-ea"/>
-                <a:cs typeface="+mn-cs"/>
-              </a:rPr>
-              <a:t>计算</a:t>
-            </a:r>
-            <a:r>
-              <a:rPr lang="zh-TW" altLang="en-US" sz="1200" b="0" i="0" u="none" strike="noStrike" kern="1200" dirty="0">
-                <a:solidFill>
-                  <a:schemeClr val="tx1"/>
-                </a:solidFill>
-                <a:effectLst/>
-                <a:latin typeface="+mn-lt"/>
-                <a:ea typeface="+mn-ea"/>
-                <a:cs typeface="+mn-cs"/>
-              </a:rPr>
-              <a:t>测试样本和训练样本中每个样本点的距离（常见的距离度量有欧式距离，马氏距离等）；</a:t>
-            </a:r>
-          </a:p>
-          <a:p>
-            <a:r>
-              <a:rPr lang="zh-TW" altLang="en-US" sz="1200" b="0" i="0" u="none" strike="noStrike" kern="1200" dirty="0">
-                <a:solidFill>
-                  <a:schemeClr val="tx1"/>
-                </a:solidFill>
-                <a:effectLst/>
-                <a:latin typeface="+mn-lt"/>
-                <a:ea typeface="+mn-ea"/>
-                <a:cs typeface="+mn-cs"/>
-              </a:rPr>
-              <a:t>对上面所有的距离值进行排序；</a:t>
-            </a:r>
-          </a:p>
-          <a:p>
-            <a:r>
-              <a:rPr lang="zh-TW" altLang="en-US" sz="1200" b="0" i="0" u="none" strike="noStrike" kern="1200" dirty="0">
-                <a:solidFill>
-                  <a:schemeClr val="tx1"/>
-                </a:solidFill>
-                <a:effectLst/>
-                <a:latin typeface="+mn-lt"/>
-                <a:ea typeface="+mn-ea"/>
-                <a:cs typeface="+mn-cs"/>
-              </a:rPr>
-              <a:t>选前 </a:t>
-            </a:r>
-            <a:r>
-              <a:rPr lang="en" altLang="zh-TW" sz="1200" b="0" i="0" u="none" strike="noStrike" kern="1200" dirty="0">
-                <a:solidFill>
-                  <a:schemeClr val="tx1"/>
-                </a:solidFill>
-                <a:effectLst/>
-                <a:latin typeface="+mn-lt"/>
-                <a:ea typeface="+mn-ea"/>
-                <a:cs typeface="+mn-cs"/>
-              </a:rPr>
-              <a:t>k </a:t>
-            </a:r>
-            <a:r>
-              <a:rPr lang="zh-TW" altLang="en-US" sz="1200" b="0" i="0" u="none" strike="noStrike" kern="1200" dirty="0">
-                <a:solidFill>
-                  <a:schemeClr val="tx1"/>
-                </a:solidFill>
-                <a:effectLst/>
-                <a:latin typeface="+mn-lt"/>
-                <a:ea typeface="+mn-ea"/>
-                <a:cs typeface="+mn-cs"/>
-              </a:rPr>
-              <a:t>个最小距离的样本；</a:t>
-            </a:r>
-          </a:p>
-          <a:p>
-            <a:r>
-              <a:rPr lang="zh-TW" altLang="en-US" sz="1200" b="0" i="0" u="none" strike="noStrike" kern="1200" dirty="0">
-                <a:solidFill>
-                  <a:schemeClr val="tx1"/>
-                </a:solidFill>
-                <a:effectLst/>
-                <a:latin typeface="+mn-lt"/>
-                <a:ea typeface="+mn-ea"/>
-                <a:cs typeface="+mn-cs"/>
-              </a:rPr>
-              <a:t>根据这 </a:t>
-            </a:r>
-            <a:r>
-              <a:rPr lang="en" altLang="zh-TW" sz="1200" b="0" i="0" u="none" strike="noStrike" kern="1200" dirty="0">
-                <a:solidFill>
-                  <a:schemeClr val="tx1"/>
-                </a:solidFill>
-                <a:effectLst/>
-                <a:latin typeface="+mn-lt"/>
-                <a:ea typeface="+mn-ea"/>
-                <a:cs typeface="+mn-cs"/>
-              </a:rPr>
-              <a:t>k </a:t>
-            </a:r>
-            <a:r>
-              <a:rPr lang="zh-TW" altLang="en-US" sz="1200" b="0" i="0" u="none" strike="noStrike" kern="1200" dirty="0">
-                <a:solidFill>
-                  <a:schemeClr val="tx1"/>
-                </a:solidFill>
-                <a:effectLst/>
-                <a:latin typeface="+mn-lt"/>
-                <a:ea typeface="+mn-ea"/>
-                <a:cs typeface="+mn-cs"/>
-              </a:rPr>
-              <a:t>个样本的标签进行投票，得到最后的分类类别；</a:t>
-            </a:r>
-          </a:p>
-          <a:p>
-            <a:endParaRPr kumimoji="1" lang="zh-TW" altLang="en-US" dirty="0"/>
-          </a:p>
-        </p:txBody>
-      </p:sp>
-      <p:sp>
-        <p:nvSpPr>
-          <p:cNvPr id="4" name="投影片編號版面配置區 3"/>
+            <a:endParaRPr kumimoji="1" lang="zh-CN" altLang="en-US" dirty="0"/>
+          </a:p>
+        </p:txBody>
+      </p:sp>
+      <p:sp>
+        <p:nvSpPr>
+          <p:cNvPr id="4" name="幻灯片编号占位符 3"/>
           <p:cNvSpPr>
             <a:spLocks noGrp="1"/>
           </p:cNvSpPr>
           <p:nvPr>
-            <p:ph type="sldNum" sz="quarter" idx="5"/>
+            <p:ph type="sldNum" sz="quarter" idx="10"/>
           </p:nvPr>
         </p:nvSpPr>
         <p:spPr/>
@@ -5799,7 +5684,7 @@
           <a:p>
             <a:fld id="{BCEC23BA-C284-A64D-90DA-4E530BAE7B0A}" type="slidenum">
               <a:rPr kumimoji="1" lang="zh-CN" altLang="en-US" smtClean="0"/>
-              <a:t>9</a:t>
+              <a:t>7</a:t>
             </a:fld>
             <a:endParaRPr kumimoji="1" lang="zh-CN" altLang="en-US"/>
           </a:p>
@@ -5808,7 +5693,7 @@
     </p:spTree>
     <p:extLst>
       <p:ext uri="{BB962C8B-B14F-4D97-AF65-F5344CB8AC3E}">
-        <p14:creationId xmlns:p14="http://schemas.microsoft.com/office/powerpoint/2010/main" val="3109314766"/>
+        <p14:creationId xmlns:p14="http://schemas.microsoft.com/office/powerpoint/2010/main" val="1460196345"/>
       </p:ext>
     </p:extLst>
   </p:cSld>
@@ -5862,136 +5747,7 @@
           <a:bodyPr/>
           <a:lstStyle/>
           <a:p>
-            <a:r>
-              <a:rPr lang="zh-CN" altLang="en-US" dirty="0"/>
-              <a:t>如上图所示，有两类不同的样本数据，分别用蓝色的小正方形和红色的小三角形表示，而图正中间的那个绿色的圆所标示的数据则是待分类的数据。也就是说，现在，我们不知道中间那个绿色的数据是从属于哪一类（蓝色小正方形</a:t>
-            </a:r>
-            <a:r>
-              <a:rPr lang="en-US" altLang="zh-CN" dirty="0"/>
-              <a:t>or</a:t>
-            </a:r>
-            <a:r>
-              <a:rPr lang="zh-CN" altLang="en-US" dirty="0"/>
-              <a:t>红色小三角形），</a:t>
-            </a:r>
-            <a:r>
-              <a:rPr lang="en-US" altLang="zh-CN" dirty="0"/>
-              <a:t>KNN</a:t>
-            </a:r>
-            <a:r>
-              <a:rPr lang="zh-CN" altLang="en-US" dirty="0"/>
-              <a:t>就是解决这个问题的。</a:t>
-            </a:r>
-          </a:p>
-          <a:p>
-            <a:r>
-              <a:rPr lang="zh-CN" altLang="en-US" dirty="0"/>
-              <a:t>如果</a:t>
-            </a:r>
-            <a:r>
-              <a:rPr lang="en-US" altLang="zh-CN" dirty="0"/>
-              <a:t>K=3</a:t>
-            </a:r>
-            <a:r>
-              <a:rPr lang="zh-CN" altLang="en-US" dirty="0"/>
-              <a:t>，绿色圆点的最近的</a:t>
-            </a:r>
-            <a:r>
-              <a:rPr lang="en-US" altLang="zh-CN" dirty="0"/>
-              <a:t>3</a:t>
-            </a:r>
-            <a:r>
-              <a:rPr lang="zh-CN" altLang="en-US" dirty="0"/>
-              <a:t>个邻居是</a:t>
-            </a:r>
-            <a:r>
-              <a:rPr lang="en-US" altLang="zh-CN" dirty="0"/>
-              <a:t>2</a:t>
-            </a:r>
-            <a:r>
-              <a:rPr lang="zh-CN" altLang="en-US" dirty="0"/>
-              <a:t>个红色小三角形和</a:t>
-            </a:r>
-            <a:r>
-              <a:rPr lang="en-US" altLang="zh-CN" dirty="0"/>
-              <a:t>1</a:t>
-            </a:r>
-            <a:r>
-              <a:rPr lang="zh-CN" altLang="en-US" dirty="0"/>
-              <a:t>个蓝色小正方形，少数从属于多数，基于统计的方法，判定绿色的这个待分类点属于红色的三角形一类。</a:t>
-            </a:r>
-          </a:p>
-          <a:p>
-            <a:r>
-              <a:rPr lang="zh-CN" altLang="en-US" dirty="0"/>
-              <a:t>如果</a:t>
-            </a:r>
-            <a:r>
-              <a:rPr lang="en-US" altLang="zh-CN" dirty="0"/>
-              <a:t>K=5</a:t>
-            </a:r>
-            <a:r>
-              <a:rPr lang="zh-CN" altLang="en-US" dirty="0"/>
-              <a:t>，绿色圆点的最近的</a:t>
-            </a:r>
-            <a:r>
-              <a:rPr lang="en-US" altLang="zh-CN" dirty="0"/>
-              <a:t>5</a:t>
-            </a:r>
-            <a:r>
-              <a:rPr lang="zh-CN" altLang="en-US" dirty="0"/>
-              <a:t>个邻居是</a:t>
-            </a:r>
-            <a:r>
-              <a:rPr lang="en-US" altLang="zh-CN" dirty="0"/>
-              <a:t>2</a:t>
-            </a:r>
-            <a:r>
-              <a:rPr lang="zh-CN" altLang="en-US" dirty="0"/>
-              <a:t>个红色三角形和</a:t>
-            </a:r>
-            <a:r>
-              <a:rPr lang="en-US" altLang="zh-CN" dirty="0"/>
-              <a:t>3</a:t>
-            </a:r>
-            <a:r>
-              <a:rPr lang="zh-CN" altLang="en-US" dirty="0"/>
-              <a:t>个蓝色的正方形，还是少数从属于多数，基于统计的方法，判定绿色的这个待分类点属于蓝色的正方形一类。</a:t>
-            </a:r>
-          </a:p>
-          <a:p>
-            <a:r>
-              <a:rPr lang="zh-CN" altLang="en-US" b="1" dirty="0"/>
-              <a:t>于此我们看到，当无法判定当前待分类点是从属于已知分类中的哪一类时，我们可以依据统计学的理论看它所处的位置特征，衡量它周围邻居的权重，而把它归为</a:t>
-            </a:r>
-            <a:r>
-              <a:rPr lang="en-US" altLang="zh-CN" b="1" dirty="0"/>
-              <a:t>(</a:t>
-            </a:r>
-            <a:r>
-              <a:rPr lang="zh-CN" altLang="en-US" b="1" dirty="0"/>
-              <a:t>或分配</a:t>
-            </a:r>
-            <a:r>
-              <a:rPr lang="en-US" altLang="zh-CN" b="1" dirty="0"/>
-              <a:t>)</a:t>
-            </a:r>
-            <a:r>
-              <a:rPr lang="zh-CN" altLang="en-US" b="1" dirty="0"/>
-              <a:t>到权重更大的那一类。这就是</a:t>
-            </a:r>
-            <a:r>
-              <a:rPr lang="en-US" altLang="zh-CN" b="1" dirty="0"/>
-              <a:t>K</a:t>
-            </a:r>
-            <a:r>
-              <a:rPr lang="zh-CN" altLang="en-US" b="1"/>
-              <a:t>近邻算法的核心思想。</a:t>
-            </a:r>
-            <a:endParaRPr lang="zh-CN" altLang="en-US"/>
-          </a:p>
-          <a:p>
-            <a:endParaRPr kumimoji="1" lang="zh-CN" altLang="en-US"/>
+            <a:endParaRPr kumimoji="1" lang="zh-CN" altLang="en-US" dirty="0"/>
           </a:p>
         </p:txBody>
       </p:sp>
@@ -6012,7 +5768,7 @@
           <a:p>
             <a:fld id="{BCEC23BA-C284-A64D-90DA-4E530BAE7B0A}" type="slidenum">
               <a:rPr kumimoji="1" lang="zh-CN" altLang="en-US" smtClean="0"/>
-              <a:t>10</a:t>
+              <a:t>8</a:t>
             </a:fld>
             <a:endParaRPr kumimoji="1" lang="zh-CN" altLang="en-US"/>
           </a:p>
@@ -6021,7 +5777,7 @@
     </p:spTree>
     <p:extLst>
       <p:ext uri="{BB962C8B-B14F-4D97-AF65-F5344CB8AC3E}">
-        <p14:creationId xmlns:p14="http://schemas.microsoft.com/office/powerpoint/2010/main" val="437523068"/>
+        <p14:creationId xmlns:p14="http://schemas.microsoft.com/office/powerpoint/2010/main" val="1634528861"/>
       </p:ext>
     </p:extLst>
   </p:cSld>
@@ -6050,7 +5806,7 @@
       </p:grpSpPr>
       <p:sp>
         <p:nvSpPr>
-          <p:cNvPr id="2" name="幻灯片图像占位符 1"/>
+          <p:cNvPr id="2" name="投影片影像版面配置區 1"/>
           <p:cNvSpPr>
             <a:spLocks noGrp="1" noRot="1" noChangeAspect="1"/>
           </p:cNvSpPr>
@@ -6062,7 +5818,7 @@
       </p:sp>
       <p:sp>
         <p:nvSpPr>
-          <p:cNvPr id="3" name="备注占位符 2"/>
+          <p:cNvPr id="3" name="備忘稿版面配置區 2"/>
           <p:cNvSpPr>
             <a:spLocks noGrp="1"/>
           </p:cNvSpPr>
@@ -6075,18 +5831,134 @@
           <a:bodyPr/>
           <a:lstStyle/>
           <a:p>
-            <a:endParaRPr kumimoji="1" lang="zh-CN" altLang="en-US" dirty="0"/>
-          </a:p>
-        </p:txBody>
-      </p:sp>
-      <p:sp>
-        <p:nvSpPr>
-          <p:cNvPr id="4" name="幻灯片编号占位符 3"/>
+            <a:r>
+              <a:rPr lang="zh-TW" altLang="en-US" sz="1200" b="0" i="0" u="none" strike="noStrike" kern="1200">
+                <a:solidFill>
+                  <a:schemeClr val="tx1"/>
+                </a:solidFill>
+                <a:effectLst/>
+                <a:latin typeface="+mn-lt"/>
+                <a:ea typeface="+mn-ea"/>
+                <a:cs typeface="+mn-cs"/>
+              </a:rPr>
+              <a:t>计算</a:t>
+            </a:r>
+            <a:r>
+              <a:rPr lang="zh-TW" altLang="en-US" sz="1200" b="0" i="0" u="none" strike="noStrike" kern="1200" dirty="0">
+                <a:solidFill>
+                  <a:schemeClr val="tx1"/>
+                </a:solidFill>
+                <a:effectLst/>
+                <a:latin typeface="+mn-lt"/>
+                <a:ea typeface="+mn-ea"/>
+                <a:cs typeface="+mn-cs"/>
+              </a:rPr>
+              <a:t>测试样本和训练样本中每个样本点的距离（常见的距离度量有欧式距离，马氏距离等）；</a:t>
+            </a:r>
+          </a:p>
+          <a:p>
+            <a:r>
+              <a:rPr lang="zh-TW" altLang="en-US" sz="1200" b="0" i="0" u="none" strike="noStrike" kern="1200" dirty="0">
+                <a:solidFill>
+                  <a:schemeClr val="tx1"/>
+                </a:solidFill>
+                <a:effectLst/>
+                <a:latin typeface="+mn-lt"/>
+                <a:ea typeface="+mn-ea"/>
+                <a:cs typeface="+mn-cs"/>
+              </a:rPr>
+              <a:t>对上面所有的距离值进行排序；</a:t>
+            </a:r>
+          </a:p>
+          <a:p>
+            <a:r>
+              <a:rPr lang="zh-TW" altLang="en-US" sz="1200" b="0" i="0" u="none" strike="noStrike" kern="1200" dirty="0">
+                <a:solidFill>
+                  <a:schemeClr val="tx1"/>
+                </a:solidFill>
+                <a:effectLst/>
+                <a:latin typeface="+mn-lt"/>
+                <a:ea typeface="+mn-ea"/>
+                <a:cs typeface="+mn-cs"/>
+              </a:rPr>
+              <a:t>选前 </a:t>
+            </a:r>
+            <a:r>
+              <a:rPr lang="en" altLang="zh-TW" sz="1200" b="0" i="0" u="none" strike="noStrike" kern="1200" dirty="0">
+                <a:solidFill>
+                  <a:schemeClr val="tx1"/>
+                </a:solidFill>
+                <a:effectLst/>
+                <a:latin typeface="+mn-lt"/>
+                <a:ea typeface="+mn-ea"/>
+                <a:cs typeface="+mn-cs"/>
+              </a:rPr>
+              <a:t>k </a:t>
+            </a:r>
+            <a:r>
+              <a:rPr lang="zh-TW" altLang="en-US" sz="1200" b="0" i="0" u="none" strike="noStrike" kern="1200" dirty="0">
+                <a:solidFill>
+                  <a:schemeClr val="tx1"/>
+                </a:solidFill>
+                <a:effectLst/>
+                <a:latin typeface="+mn-lt"/>
+                <a:ea typeface="+mn-ea"/>
+                <a:cs typeface="+mn-cs"/>
+              </a:rPr>
+              <a:t>个最小距离的样本；</a:t>
+            </a:r>
+          </a:p>
+          <a:p>
+            <a:r>
+              <a:rPr lang="zh-TW" altLang="en-US" sz="1200" b="0" i="0" u="none" strike="noStrike" kern="1200" dirty="0">
+                <a:solidFill>
+                  <a:schemeClr val="tx1"/>
+                </a:solidFill>
+                <a:effectLst/>
+                <a:latin typeface="+mn-lt"/>
+                <a:ea typeface="+mn-ea"/>
+                <a:cs typeface="+mn-cs"/>
+              </a:rPr>
+              <a:t>根据这 </a:t>
+            </a:r>
+            <a:r>
+              <a:rPr lang="en" altLang="zh-TW" sz="1200" b="0" i="0" u="none" strike="noStrike" kern="1200" dirty="0">
+                <a:solidFill>
+                  <a:schemeClr val="tx1"/>
+                </a:solidFill>
+                <a:effectLst/>
+                <a:latin typeface="+mn-lt"/>
+                <a:ea typeface="+mn-ea"/>
+                <a:cs typeface="+mn-cs"/>
+              </a:rPr>
+              <a:t>k </a:t>
+            </a:r>
+            <a:r>
+              <a:rPr lang="zh-TW" altLang="en-US" sz="1200" b="0" i="0" u="none" strike="noStrike" kern="1200" dirty="0">
+                <a:solidFill>
+                  <a:schemeClr val="tx1"/>
+                </a:solidFill>
+                <a:effectLst/>
+                <a:latin typeface="+mn-lt"/>
+                <a:ea typeface="+mn-ea"/>
+                <a:cs typeface="+mn-cs"/>
+              </a:rPr>
+              <a:t>个样本的标签进行投票，得到最后的分类类别；</a:t>
+            </a:r>
+          </a:p>
+          <a:p>
+            <a:endParaRPr kumimoji="1" lang="zh-TW" altLang="en-US" dirty="0"/>
+          </a:p>
+        </p:txBody>
+      </p:sp>
+      <p:sp>
+        <p:nvSpPr>
+          <p:cNvPr id="4" name="投影片編號版面配置區 3"/>
           <p:cNvSpPr>
             <a:spLocks noGrp="1"/>
           </p:cNvSpPr>
           <p:nvPr>
-            <p:ph type="sldNum" sz="quarter" idx="10"/>
+            <p:ph type="sldNum" sz="quarter" idx="5"/>
           </p:nvPr>
         </p:nvSpPr>
         <p:spPr/>
@@ -6096,7 +5968,7 @@
           <a:p>
             <a:fld id="{BCEC23BA-C284-A64D-90DA-4E530BAE7B0A}" type="slidenum">
               <a:rPr kumimoji="1" lang="zh-CN" altLang="en-US" smtClean="0"/>
-              <a:t>14</a:t>
+              <a:t>9</a:t>
             </a:fld>
             <a:endParaRPr kumimoji="1" lang="zh-CN" altLang="en-US"/>
           </a:p>
@@ -6105,7 +5977,7 @@
     </p:spTree>
     <p:extLst>
       <p:ext uri="{BB962C8B-B14F-4D97-AF65-F5344CB8AC3E}">
-        <p14:creationId xmlns:p14="http://schemas.microsoft.com/office/powerpoint/2010/main" val="1223292002"/>
+        <p14:creationId xmlns:p14="http://schemas.microsoft.com/office/powerpoint/2010/main" val="3109314766"/>
       </p:ext>
     </p:extLst>
   </p:cSld>
@@ -6159,7 +6031,136 @@
           <a:bodyPr/>
           <a:lstStyle/>
           <a:p>
-            <a:endParaRPr kumimoji="1" lang="zh-CN" altLang="en-US" dirty="0"/>
+            <a:r>
+              <a:rPr lang="zh-CN" altLang="en-US" dirty="0"/>
+              <a:t>如上图所示，有两类不同的样本数据，分别用蓝色的小正方形和红色的小三角形表示，而图正中间的那个绿色的圆所标示的数据则是待分类的数据。也就是说，现在，我们不知道中间那个绿色的数据是从属于哪一类（蓝色小正方形</a:t>
+            </a:r>
+            <a:r>
+              <a:rPr lang="en-US" altLang="zh-CN" dirty="0"/>
+              <a:t>or</a:t>
+            </a:r>
+            <a:r>
+              <a:rPr lang="zh-CN" altLang="en-US" dirty="0"/>
+              <a:t>红色小三角形），</a:t>
+            </a:r>
+            <a:r>
+              <a:rPr lang="en-US" altLang="zh-CN" dirty="0"/>
+              <a:t>KNN</a:t>
+            </a:r>
+            <a:r>
+              <a:rPr lang="zh-CN" altLang="en-US" dirty="0"/>
+              <a:t>就是解决这个问题的。</a:t>
+            </a:r>
+          </a:p>
+          <a:p>
+            <a:r>
+              <a:rPr lang="zh-CN" altLang="en-US" dirty="0"/>
+              <a:t>如果</a:t>
+            </a:r>
+            <a:r>
+              <a:rPr lang="en-US" altLang="zh-CN" dirty="0"/>
+              <a:t>K=3</a:t>
+            </a:r>
+            <a:r>
+              <a:rPr lang="zh-CN" altLang="en-US" dirty="0"/>
+              <a:t>，绿色圆点的最近的</a:t>
+            </a:r>
+            <a:r>
+              <a:rPr lang="en-US" altLang="zh-CN" dirty="0"/>
+              <a:t>3</a:t>
+            </a:r>
+            <a:r>
+              <a:rPr lang="zh-CN" altLang="en-US" dirty="0"/>
+              <a:t>个邻居是</a:t>
+            </a:r>
+            <a:r>
+              <a:rPr lang="en-US" altLang="zh-CN" dirty="0"/>
+              <a:t>2</a:t>
+            </a:r>
+            <a:r>
+              <a:rPr lang="zh-CN" altLang="en-US" dirty="0"/>
+              <a:t>个红色小三角形和</a:t>
+            </a:r>
+            <a:r>
+              <a:rPr lang="en-US" altLang="zh-CN" dirty="0"/>
+              <a:t>1</a:t>
+            </a:r>
+            <a:r>
+              <a:rPr lang="zh-CN" altLang="en-US" dirty="0"/>
+              <a:t>个蓝色小正方形，少数从属于多数，基于统计的方法，判定绿色的这个待分类点属于红色的三角形一类。</a:t>
+            </a:r>
+          </a:p>
+          <a:p>
+            <a:r>
+              <a:rPr lang="zh-CN" altLang="en-US" dirty="0"/>
+              <a:t>如果</a:t>
+            </a:r>
+            <a:r>
+              <a:rPr lang="en-US" altLang="zh-CN" dirty="0"/>
+              <a:t>K=5</a:t>
+            </a:r>
+            <a:r>
+              <a:rPr lang="zh-CN" altLang="en-US" dirty="0"/>
+              <a:t>，绿色圆点的最近的</a:t>
+            </a:r>
+            <a:r>
+              <a:rPr lang="en-US" altLang="zh-CN" dirty="0"/>
+              <a:t>5</a:t>
+            </a:r>
+            <a:r>
+              <a:rPr lang="zh-CN" altLang="en-US" dirty="0"/>
+              <a:t>个邻居是</a:t>
+            </a:r>
+            <a:r>
+              <a:rPr lang="en-US" altLang="zh-CN" dirty="0"/>
+              <a:t>2</a:t>
+            </a:r>
+            <a:r>
+              <a:rPr lang="zh-CN" altLang="en-US" dirty="0"/>
+              <a:t>个红色三角形和</a:t>
+            </a:r>
+            <a:r>
+              <a:rPr lang="en-US" altLang="zh-CN" dirty="0"/>
+              <a:t>3</a:t>
+            </a:r>
+            <a:r>
+              <a:rPr lang="zh-CN" altLang="en-US" dirty="0"/>
+              <a:t>个蓝色的正方形，还是少数从属于多数，基于统计的方法，判定绿色的这个待分类点属于蓝色的正方形一类。</a:t>
+            </a:r>
+          </a:p>
+          <a:p>
+            <a:r>
+              <a:rPr lang="zh-CN" altLang="en-US" b="1" dirty="0"/>
+              <a:t>于此我们看到，当无法判定当前待分类点是从属于已知分类中的哪一类时，我们可以依据统计学的理论看它所处的位置特征，衡量它周围邻居的权重，而把它归为</a:t>
+            </a:r>
+            <a:r>
+              <a:rPr lang="en-US" altLang="zh-CN" b="1" dirty="0"/>
+              <a:t>(</a:t>
+            </a:r>
+            <a:r>
+              <a:rPr lang="zh-CN" altLang="en-US" b="1" dirty="0"/>
+              <a:t>或分配</a:t>
+            </a:r>
+            <a:r>
+              <a:rPr lang="en-US" altLang="zh-CN" b="1" dirty="0"/>
+              <a:t>)</a:t>
+            </a:r>
+            <a:r>
+              <a:rPr lang="zh-CN" altLang="en-US" b="1" dirty="0"/>
+              <a:t>到权重更大的那一类。这就是</a:t>
+            </a:r>
+            <a:r>
+              <a:rPr lang="en-US" altLang="zh-CN" b="1" dirty="0"/>
+              <a:t>K</a:t>
+            </a:r>
+            <a:r>
+              <a:rPr lang="zh-CN" altLang="en-US" b="1"/>
+              <a:t>近邻算法的核心思想。</a:t>
+            </a:r>
+            <a:endParaRPr lang="zh-CN" altLang="en-US"/>
+          </a:p>
+          <a:p>
+            <a:endParaRPr kumimoji="1" lang="zh-CN" altLang="en-US"/>
           </a:p>
         </p:txBody>
       </p:sp>
@@ -6180,7 +6181,259 @@
           <a:p>
             <a:fld id="{BCEC23BA-C284-A64D-90DA-4E530BAE7B0A}" type="slidenum">
               <a:rPr kumimoji="1" lang="zh-CN" altLang="en-US" smtClean="0"/>
-              <a:t>26</a:t>
+              <a:t>10</a:t>
+            </a:fld>
+            <a:endParaRPr kumimoji="1" lang="zh-CN" altLang="en-US"/>
+          </a:p>
+        </p:txBody>
+      </p:sp>
+    </p:spTree>
+    <p:extLst>
+      <p:ext uri="{BB962C8B-B14F-4D97-AF65-F5344CB8AC3E}">
+        <p14:creationId xmlns:p14="http://schemas.microsoft.com/office/powerpoint/2010/main" val="437523068"/>
+      </p:ext>
+    </p:extLst>
+  </p:cSld>
+  <p:clrMapOvr>
+    <a:masterClrMapping/>
+  </p:clrMapOvr>
+</p:notes>
+</file>
+
+<file path=ppt/notesSlides/notesSlide5.xml><?xml version="1.0" encoding="utf-8"?>
+<p:notes xmlns:a="http://schemas.openxmlformats.org/drawingml/2006/main" xmlns:r="http://schemas.openxmlformats.org/officeDocument/2006/relationships" xmlns:p="http://schemas.openxmlformats.org/presentationml/2006/main">
+  <p:cSld>
+    <p:spTree>
+      <p:nvGrpSpPr>
+        <p:cNvPr id="1" name=""/>
+        <p:cNvGrpSpPr/>
+        <p:nvPr/>
+      </p:nvGrpSpPr>
+      <p:grpSpPr>
+        <a:xfrm>
+          <a:off x="0" y="0"/>
+          <a:ext cx="0" cy="0"/>
+          <a:chOff x="0" y="0"/>
+          <a:chExt cx="0" cy="0"/>
+        </a:xfrm>
+      </p:grpSpPr>
+      <p:sp>
+        <p:nvSpPr>
+          <p:cNvPr id="2" name="幻灯片图像占位符 1"/>
+          <p:cNvSpPr>
+            <a:spLocks noGrp="1" noRot="1" noChangeAspect="1"/>
+          </p:cNvSpPr>
+          <p:nvPr>
+            <p:ph type="sldImg"/>
+          </p:nvPr>
+        </p:nvSpPr>
+        <p:spPr/>
+      </p:sp>
+      <p:sp>
+        <p:nvSpPr>
+          <p:cNvPr id="3" name="备注占位符 2"/>
+          <p:cNvSpPr>
+            <a:spLocks noGrp="1"/>
+          </p:cNvSpPr>
+          <p:nvPr>
+            <p:ph type="body" idx="1"/>
+          </p:nvPr>
+        </p:nvSpPr>
+        <p:spPr/>
+        <p:txBody>
+          <a:bodyPr/>
+          <a:lstStyle/>
+          <a:p>
+            <a:endParaRPr kumimoji="1" lang="zh-CN" altLang="en-US" dirty="0"/>
+          </a:p>
+        </p:txBody>
+      </p:sp>
+      <p:sp>
+        <p:nvSpPr>
+          <p:cNvPr id="4" name="幻灯片编号占位符 3"/>
+          <p:cNvSpPr>
+            <a:spLocks noGrp="1"/>
+          </p:cNvSpPr>
+          <p:nvPr>
+            <p:ph type="sldNum" sz="quarter" idx="10"/>
+          </p:nvPr>
+        </p:nvSpPr>
+        <p:spPr/>
+        <p:txBody>
+          <a:bodyPr/>
+          <a:lstStyle/>
+          <a:p>
+            <a:fld id="{BCEC23BA-C284-A64D-90DA-4E530BAE7B0A}" type="slidenum">
+              <a:rPr kumimoji="1" lang="zh-CN" altLang="en-US" smtClean="0"/>
+              <a:t>14</a:t>
+            </a:fld>
+            <a:endParaRPr kumimoji="1" lang="zh-CN" altLang="en-US"/>
+          </a:p>
+        </p:txBody>
+      </p:sp>
+    </p:spTree>
+    <p:extLst>
+      <p:ext uri="{BB962C8B-B14F-4D97-AF65-F5344CB8AC3E}">
+        <p14:creationId xmlns:p14="http://schemas.microsoft.com/office/powerpoint/2010/main" val="1223292002"/>
+      </p:ext>
+    </p:extLst>
+  </p:cSld>
+  <p:clrMapOvr>
+    <a:masterClrMapping/>
+  </p:clrMapOvr>
+</p:notes>
+</file>
+
+<file path=ppt/notesSlides/notesSlide6.xml><?xml version="1.0" encoding="utf-8"?>
+<p:notes xmlns:a="http://schemas.openxmlformats.org/drawingml/2006/main" xmlns:r="http://schemas.openxmlformats.org/officeDocument/2006/relationships" xmlns:p="http://schemas.openxmlformats.org/presentationml/2006/main">
+  <p:cSld>
+    <p:spTree>
+      <p:nvGrpSpPr>
+        <p:cNvPr id="1" name=""/>
+        <p:cNvGrpSpPr/>
+        <p:nvPr/>
+      </p:nvGrpSpPr>
+      <p:grpSpPr>
+        <a:xfrm>
+          <a:off x="0" y="0"/>
+          <a:ext cx="0" cy="0"/>
+          <a:chOff x="0" y="0"/>
+          <a:chExt cx="0" cy="0"/>
+        </a:xfrm>
+      </p:grpSpPr>
+      <p:sp>
+        <p:nvSpPr>
+          <p:cNvPr id="2" name="幻灯片图像占位符 1"/>
+          <p:cNvSpPr>
+            <a:spLocks noGrp="1" noRot="1" noChangeAspect="1"/>
+          </p:cNvSpPr>
+          <p:nvPr>
+            <p:ph type="sldImg"/>
+          </p:nvPr>
+        </p:nvSpPr>
+        <p:spPr/>
+      </p:sp>
+      <p:sp>
+        <p:nvSpPr>
+          <p:cNvPr id="3" name="备注占位符 2"/>
+          <p:cNvSpPr>
+            <a:spLocks noGrp="1"/>
+          </p:cNvSpPr>
+          <p:nvPr>
+            <p:ph type="body" idx="1"/>
+          </p:nvPr>
+        </p:nvSpPr>
+        <p:spPr/>
+        <p:txBody>
+          <a:bodyPr/>
+          <a:lstStyle/>
+          <a:p>
+            <a:endParaRPr kumimoji="1" lang="zh-CN" altLang="en-US" dirty="0"/>
+          </a:p>
+        </p:txBody>
+      </p:sp>
+      <p:sp>
+        <p:nvSpPr>
+          <p:cNvPr id="4" name="幻灯片编号占位符 3"/>
+          <p:cNvSpPr>
+            <a:spLocks noGrp="1"/>
+          </p:cNvSpPr>
+          <p:nvPr>
+            <p:ph type="sldNum" sz="quarter" idx="10"/>
+          </p:nvPr>
+        </p:nvSpPr>
+        <p:spPr/>
+        <p:txBody>
+          <a:bodyPr/>
+          <a:lstStyle/>
+          <a:p>
+            <a:fld id="{BCEC23BA-C284-A64D-90DA-4E530BAE7B0A}" type="slidenum">
+              <a:rPr kumimoji="1" lang="zh-CN" altLang="en-US" smtClean="0"/>
+              <a:t>20</a:t>
+            </a:fld>
+            <a:endParaRPr kumimoji="1" lang="zh-CN" altLang="en-US"/>
+          </a:p>
+        </p:txBody>
+      </p:sp>
+    </p:spTree>
+    <p:extLst>
+      <p:ext uri="{BB962C8B-B14F-4D97-AF65-F5344CB8AC3E}">
+        <p14:creationId xmlns:p14="http://schemas.microsoft.com/office/powerpoint/2010/main" val="3879156090"/>
+      </p:ext>
+    </p:extLst>
+  </p:cSld>
+  <p:clrMapOvr>
+    <a:masterClrMapping/>
+  </p:clrMapOvr>
+</p:notes>
+</file>
+
+<file path=ppt/notesSlides/notesSlide7.xml><?xml version="1.0" encoding="utf-8"?>
+<p:notes xmlns:a="http://schemas.openxmlformats.org/drawingml/2006/main" xmlns:r="http://schemas.openxmlformats.org/officeDocument/2006/relationships" xmlns:p="http://schemas.openxmlformats.org/presentationml/2006/main">
+  <p:cSld>
+    <p:spTree>
+      <p:nvGrpSpPr>
+        <p:cNvPr id="1" name=""/>
+        <p:cNvGrpSpPr/>
+        <p:nvPr/>
+      </p:nvGrpSpPr>
+      <p:grpSpPr>
+        <a:xfrm>
+          <a:off x="0" y="0"/>
+          <a:ext cx="0" cy="0"/>
+          <a:chOff x="0" y="0"/>
+          <a:chExt cx="0" cy="0"/>
+        </a:xfrm>
+      </p:grpSpPr>
+      <p:sp>
+        <p:nvSpPr>
+          <p:cNvPr id="2" name="幻灯片图像占位符 1"/>
+          <p:cNvSpPr>
+            <a:spLocks noGrp="1" noRot="1" noChangeAspect="1"/>
+          </p:cNvSpPr>
+          <p:nvPr>
+            <p:ph type="sldImg"/>
+          </p:nvPr>
+        </p:nvSpPr>
+        <p:spPr/>
+      </p:sp>
+      <p:sp>
+        <p:nvSpPr>
+          <p:cNvPr id="3" name="备注占位符 2"/>
+          <p:cNvSpPr>
+            <a:spLocks noGrp="1"/>
+          </p:cNvSpPr>
+          <p:nvPr>
+            <p:ph type="body" idx="1"/>
+          </p:nvPr>
+        </p:nvSpPr>
+        <p:spPr/>
+        <p:txBody>
+          <a:bodyPr/>
+          <a:lstStyle/>
+          <a:p>
+            <a:endParaRPr kumimoji="1" lang="zh-CN" altLang="en-US" dirty="0"/>
+          </a:p>
+        </p:txBody>
+      </p:sp>
+      <p:sp>
+        <p:nvSpPr>
+          <p:cNvPr id="4" name="幻灯片编号占位符 3"/>
+          <p:cNvSpPr>
+            <a:spLocks noGrp="1"/>
+          </p:cNvSpPr>
+          <p:nvPr>
+            <p:ph type="sldNum" sz="quarter" idx="10"/>
+          </p:nvPr>
+        </p:nvSpPr>
+        <p:spPr/>
+        <p:txBody>
+          <a:bodyPr/>
+          <a:lstStyle/>
+          <a:p>
+            <a:fld id="{BCEC23BA-C284-A64D-90DA-4E530BAE7B0A}" type="slidenum">
+              <a:rPr kumimoji="1" lang="zh-CN" altLang="en-US" smtClean="0"/>
+              <a:t>27</a:t>
             </a:fld>
             <a:endParaRPr kumimoji="1" lang="zh-CN" altLang="en-US"/>
           </a:p>
@@ -6570,7 +6823,7 @@
           <a:p>
             <a:fld id="{B1115196-1C6F-4784-83AC-30756D8F10B3}" type="datetimeFigureOut">
               <a:rPr lang="en-US" smtClean="0"/>
-              <a:t>03/09/20</a:t>
+              <a:t>04/09/20</a:t>
             </a:fld>
             <a:endParaRPr lang="en-US"/>
           </a:p>
@@ -6999,7 +7252,7 @@
           <a:p>
             <a:fld id="{B1115196-1C6F-4784-83AC-30756D8F10B3}" type="datetimeFigureOut">
               <a:rPr lang="en-US" smtClean="0"/>
-              <a:t>03/09/20</a:t>
+              <a:t>04/09/20</a:t>
             </a:fld>
             <a:endParaRPr lang="en-US"/>
           </a:p>
@@ -7204,7 +7457,7 @@
           <a:p>
             <a:fld id="{B1115196-1C6F-4784-83AC-30756D8F10B3}" type="datetimeFigureOut">
               <a:rPr lang="en-US" smtClean="0"/>
-              <a:t>03/09/20</a:t>
+              <a:t>04/09/20</a:t>
             </a:fld>
             <a:endParaRPr lang="en-US"/>
           </a:p>
@@ -7475,7 +7728,7 @@
           <a:p>
             <a:fld id="{B1115196-1C6F-4784-83AC-30756D8F10B3}" type="datetimeFigureOut">
               <a:rPr lang="en-US" smtClean="0"/>
-              <a:t>03/09/20</a:t>
+              <a:t>04/09/20</a:t>
             </a:fld>
             <a:endParaRPr lang="en-US"/>
           </a:p>
@@ -7756,7 +8009,7 @@
           <a:p>
             <a:fld id="{B1115196-1C6F-4784-83AC-30756D8F10B3}" type="datetimeFigureOut">
               <a:rPr lang="en-US" smtClean="0"/>
-              <a:t>03/09/20</a:t>
+              <a:t>04/09/20</a:t>
             </a:fld>
             <a:endParaRPr lang="en-US"/>
           </a:p>
@@ -7991,7 +8244,7 @@
           <a:p>
             <a:fld id="{B1115196-1C6F-4784-83AC-30756D8F10B3}" type="datetimeFigureOut">
               <a:rPr lang="en-US" smtClean="0"/>
-              <a:t>03/09/20</a:t>
+              <a:t>04/09/20</a:t>
             </a:fld>
             <a:endParaRPr lang="en-US"/>
           </a:p>
@@ -8272,7 +8525,7 @@
           <a:p>
             <a:fld id="{B1115196-1C6F-4784-83AC-30756D8F10B3}" type="datetimeFigureOut">
               <a:rPr lang="en-US" smtClean="0"/>
-              <a:t>03/09/20</a:t>
+              <a:t>04/09/20</a:t>
             </a:fld>
             <a:endParaRPr lang="en-US"/>
           </a:p>
@@ -8699,7 +8952,7 @@
           <a:p>
             <a:fld id="{B1115196-1C6F-4784-83AC-30756D8F10B3}" type="datetimeFigureOut">
               <a:rPr lang="en-US" smtClean="0"/>
-              <a:t>03/09/20</a:t>
+              <a:t>04/09/20</a:t>
             </a:fld>
             <a:endParaRPr lang="en-US"/>
           </a:p>
@@ -9222,7 +9475,7 @@
           <a:p>
             <a:fld id="{B1115196-1C6F-4784-83AC-30756D8F10B3}" type="datetimeFigureOut">
               <a:rPr lang="en-US" smtClean="0"/>
-              <a:t>03/09/20</a:t>
+              <a:t>04/09/20</a:t>
             </a:fld>
             <a:endParaRPr lang="en-US"/>
           </a:p>
@@ -9584,7 +9837,7 @@
           <a:p>
             <a:fld id="{B1115196-1C6F-4784-83AC-30756D8F10B3}" type="datetimeFigureOut">
               <a:rPr lang="en-US" smtClean="0"/>
-              <a:t>03/09/20</a:t>
+              <a:t>04/09/20</a:t>
             </a:fld>
             <a:endParaRPr lang="en-US"/>
           </a:p>
@@ -10140,7 +10393,7 @@
           <a:p>
             <a:fld id="{B1115196-1C6F-4784-83AC-30756D8F10B3}" type="datetimeFigureOut">
               <a:rPr lang="en-US" smtClean="0"/>
-              <a:t>03/09/20</a:t>
+              <a:t>04/09/20</a:t>
             </a:fld>
             <a:endParaRPr lang="en-US"/>
           </a:p>
@@ -10365,7 +10618,7 @@
           <a:p>
             <a:fld id="{B1115196-1C6F-4784-83AC-30756D8F10B3}" type="datetimeFigureOut">
               <a:rPr lang="en-US" smtClean="0"/>
-              <a:t>03/09/20</a:t>
+              <a:t>04/09/20</a:t>
             </a:fld>
             <a:endParaRPr lang="en-US"/>
           </a:p>
@@ -10511,7 +10764,7 @@
           <a:p>
             <a:fld id="{B1115196-1C6F-4784-83AC-30756D8F10B3}" type="datetimeFigureOut">
               <a:rPr lang="en-US" smtClean="0"/>
-              <a:t>03/09/20</a:t>
+              <a:t>04/09/20</a:t>
             </a:fld>
             <a:endParaRPr lang="en-US"/>
           </a:p>
@@ -10976,7 +11229,7 @@
           <a:p>
             <a:fld id="{B1115196-1C6F-4784-83AC-30756D8F10B3}" type="datetimeFigureOut">
               <a:rPr lang="en-US" smtClean="0"/>
-              <a:t>03/09/20</a:t>
+              <a:t>04/09/20</a:t>
             </a:fld>
             <a:endParaRPr lang="en-US"/>
           </a:p>
@@ -11198,7 +11451,7 @@
           <a:p>
             <a:fld id="{B1115196-1C6F-4784-83AC-30756D8F10B3}" type="datetimeFigureOut">
               <a:rPr lang="en-US" smtClean="0"/>
-              <a:t>03/09/20</a:t>
+              <a:t>04/09/20</a:t>
             </a:fld>
             <a:endParaRPr lang="en-US"/>
           </a:p>
@@ -12830,22 +13083,63 @@
           </a:p>
         </p:txBody>
       </p:sp>
-      <p:sp>
-        <p:nvSpPr>
-          <p:cNvPr id="3" name="内容占位符 2"/>
-          <p:cNvSpPr>
-            <a:spLocks noGrp="1"/>
-          </p:cNvSpPr>
+      <p:pic>
+        <p:nvPicPr>
+          <p:cNvPr id="4" name="内容占位符 3" descr="Screen Shot 2020-09-04 at 10.13.06 AM.png"/>
+          <p:cNvPicPr>
+            <a:picLocks noGrp="1" noChangeAspect="1"/>
+          </p:cNvPicPr>
           <p:nvPr>
             <p:ph idx="1"/>
           </p:nvPr>
-        </p:nvSpPr>
-        <p:spPr/>
-        <p:txBody>
-          <a:bodyPr/>
+        </p:nvPicPr>
+        <p:blipFill>
+          <a:blip r:embed="rId3">
+            <a:extLst>
+              <a:ext uri="{28A0092B-C50C-407E-A947-70E740481C1C}">
+                <a14:useLocalDpi xmlns:a14="http://schemas.microsoft.com/office/drawing/2010/main" val="0"/>
+              </a:ext>
+            </a:extLst>
+          </a:blip>
+          <a:srcRect t="-11164" b="-11164"/>
+          <a:stretch>
+            <a:fillRect/>
+          </a:stretch>
+        </p:blipFill>
+        <p:spPr>
+          <a:xfrm>
+            <a:off x="544285" y="1867515"/>
+            <a:ext cx="8237094" cy="4352599"/>
+          </a:xfrm>
+        </p:spPr>
+      </p:pic>
+      <p:sp>
+        <p:nvSpPr>
+          <p:cNvPr id="6" name="文本框 5"/>
+          <p:cNvSpPr txBox="1"/>
+          <p:nvPr/>
+        </p:nvSpPr>
+        <p:spPr>
+          <a:xfrm>
+            <a:off x="559421" y="6003641"/>
+            <a:ext cx="2375658" cy="369332"/>
+          </a:xfrm>
+          <a:prstGeom prst="rect">
+            <a:avLst/>
+          </a:prstGeom>
+          <a:noFill/>
+        </p:spPr>
+        <p:txBody>
+          <a:bodyPr wrap="none" rtlCol="0">
+            <a:spAutoFit/>
+          </a:bodyPr>
           <a:lstStyle/>
           <a:p>
-            <a:endParaRPr kumimoji="1" lang="zh-CN" altLang="en-US"/>
+            <a:r>
+              <a:rPr lang="en-US" altLang="zh-CN" dirty="0" err="1" smtClean="0"/>
+              <a:t>decison_tree_demo.py</a:t>
+            </a:r>
+            <a:endParaRPr lang="en-US" altLang="zh-CN" dirty="0"/>
           </a:p>
         </p:txBody>
       </p:sp>
@@ -13007,22 +13301,16 @@
         </p:nvSpPr>
         <p:spPr/>
         <p:txBody>
-          <a:bodyPr/>
+          <a:bodyPr>
+            <a:normAutofit/>
+          </a:bodyPr>
           <a:lstStyle/>
           <a:p>
             <a:r>
-              <a:rPr kumimoji="1" lang="zh-TW" altLang="en-US" dirty="0"/>
-              <a:t>W</a:t>
-            </a:r>
-            <a:r>
-              <a:rPr kumimoji="1" lang="en-US" altLang="zh-TW" dirty="0"/>
-              <a:t>? : </a:t>
-            </a:r>
-            <a:r>
-              <a:rPr kumimoji="1" lang="zh-TW" altLang="en-US" dirty="0"/>
-              <a:t>語言資料基礎分析</a:t>
-            </a:r>
-            <a:endParaRPr kumimoji="1" lang="zh-CN" altLang="en-US" dirty="0"/>
+              <a:rPr kumimoji="1" lang="zh-TW" altLang="en-US" smtClean="0"/>
+              <a:t>線性迴歸</a:t>
+            </a:r>
+            <a:endParaRPr kumimoji="1" lang="zh-CN" altLang="en-US"/>
           </a:p>
         </p:txBody>
       </p:sp>
@@ -13041,25 +13329,14 @@
           <a:bodyPr/>
           <a:lstStyle/>
           <a:p>
-            <a:r>
-              <a:rPr kumimoji="1" lang="zh-TW" altLang="en-US" dirty="0"/>
-              <a:t>後續看完基礎數學算法後決定</a:t>
-            </a:r>
-            <a:endParaRPr kumimoji="1" lang="en-US" altLang="zh-TW" dirty="0"/>
-          </a:p>
-          <a:p>
-            <a:r>
-              <a:rPr kumimoji="1" lang="zh-TW" altLang="en-US" dirty="0"/>
-              <a:t>預定最多佔兩週</a:t>
-            </a:r>
-            <a:endParaRPr kumimoji="1" lang="zh-CN" altLang="en-US" dirty="0"/>
+            <a:endParaRPr kumimoji="1" lang="zh-CN" altLang="en-US"/>
           </a:p>
         </p:txBody>
       </p:sp>
     </p:spTree>
     <p:extLst>
       <p:ext uri="{BB962C8B-B14F-4D97-AF65-F5344CB8AC3E}">
-        <p14:creationId xmlns:p14="http://schemas.microsoft.com/office/powerpoint/2010/main" val="1663076574"/>
+        <p14:creationId xmlns:p14="http://schemas.microsoft.com/office/powerpoint/2010/main" val="3662445154"/>
       </p:ext>
     </p:extLst>
   </p:cSld>
@@ -13106,24 +13383,12 @@
               <a:t>W</a:t>
             </a:r>
             <a:r>
-              <a:rPr kumimoji="1" lang="zh-TW" altLang="zh-TW" dirty="0"/>
-              <a:t>5</a:t>
-            </a:r>
-            <a:r>
               <a:rPr kumimoji="1" lang="en-US" altLang="zh-TW" dirty="0"/>
-              <a:t>:</a:t>
+              <a:t>? : </a:t>
             </a:r>
             <a:r>
               <a:rPr kumimoji="1" lang="zh-TW" altLang="en-US" dirty="0"/>
-              <a:t>深度學習模型</a:t>
-            </a:r>
-            <a:r>
-              <a:rPr kumimoji="1" lang="en-US" altLang="zh-TW" dirty="0"/>
-              <a:t>-</a:t>
-            </a:r>
-            <a:r>
-              <a:rPr kumimoji="1" lang="zh-TW" altLang="en-US" dirty="0"/>
-              <a:t>基礎模型</a:t>
+              <a:t>語言資料基礎分析</a:t>
             </a:r>
             <a:endParaRPr kumimoji="1" lang="zh-CN" altLang="en-US" dirty="0"/>
           </a:p>
@@ -13146,34 +13411,15 @@
           <a:p>
             <a:r>
               <a:rPr kumimoji="1" lang="zh-TW" altLang="en-US" dirty="0"/>
-              <a:t>D</a:t>
-            </a:r>
-            <a:r>
-              <a:rPr kumimoji="1" lang="en-US" altLang="zh-TW" dirty="0"/>
-              <a:t>MN model</a:t>
-            </a:r>
-          </a:p>
-          <a:p>
-            <a:r>
-              <a:rPr kumimoji="1" lang="en-US" altLang="zh-TW" dirty="0"/>
-              <a:t>CNN model</a:t>
-            </a:r>
-          </a:p>
-          <a:p>
-            <a:r>
-              <a:rPr kumimoji="1" lang="en-US" altLang="zh-TW" dirty="0"/>
-              <a:t>R</a:t>
-            </a:r>
+              <a:t>後續看完基礎數學算法後決定</a:t>
+            </a:r>
+            <a:endParaRPr kumimoji="1" lang="en-US" altLang="zh-TW" dirty="0"/>
+          </a:p>
+          <a:p>
             <a:r>
               <a:rPr kumimoji="1" lang="zh-TW" altLang="en-US" dirty="0"/>
-              <a:t>N</a:t>
-            </a:r>
-            <a:r>
-              <a:rPr kumimoji="1" lang="en-US" altLang="zh-TW" dirty="0"/>
-              <a:t>N model</a:t>
-            </a:r>
-          </a:p>
-          <a:p>
+              <a:t>預定最多佔兩週</a:t>
+            </a:r>
             <a:endParaRPr kumimoji="1" lang="zh-CN" altLang="en-US" dirty="0"/>
           </a:p>
         </p:txBody>
@@ -13181,7 +13427,7 @@
     </p:spTree>
     <p:extLst>
       <p:ext uri="{BB962C8B-B14F-4D97-AF65-F5344CB8AC3E}">
-        <p14:creationId xmlns:p14="http://schemas.microsoft.com/office/powerpoint/2010/main" val="1976090492"/>
+        <p14:creationId xmlns:p14="http://schemas.microsoft.com/office/powerpoint/2010/main" val="1663076574"/>
       </p:ext>
     </p:extLst>
   </p:cSld>
@@ -13229,7 +13475,7 @@
             </a:r>
             <a:r>
               <a:rPr kumimoji="1" lang="zh-TW" altLang="zh-TW" dirty="0"/>
-              <a:t>6</a:t>
+              <a:t>5</a:t>
             </a:r>
             <a:r>
               <a:rPr kumimoji="1" lang="en-US" altLang="zh-TW" dirty="0"/>
@@ -13245,7 +13491,7 @@
             </a:r>
             <a:r>
               <a:rPr kumimoji="1" lang="zh-TW" altLang="en-US" dirty="0"/>
-              <a:t>應用文本</a:t>
+              <a:t>基礎模型</a:t>
             </a:r>
             <a:endParaRPr kumimoji="1" lang="zh-CN" altLang="en-US" dirty="0"/>
           </a:p>
@@ -13267,38 +13513,43 @@
           <a:lstStyle/>
           <a:p>
             <a:r>
-              <a:rPr kumimoji="1" lang="zh-TW" altLang="zh-TW" dirty="0"/>
-              <a:t>t</a:t>
-            </a:r>
-            <a:r>
-              <a:rPr kumimoji="1" lang="en-US" altLang="zh-TW" dirty="0" err="1"/>
-              <a:t>extCNN</a:t>
+              <a:rPr kumimoji="1" lang="zh-TW" altLang="en-US" dirty="0"/>
+              <a:t>D</a:t>
             </a:r>
             <a:r>
               <a:rPr kumimoji="1" lang="en-US" altLang="zh-TW" dirty="0"/>
-              <a:t> model</a:t>
-            </a:r>
-          </a:p>
-          <a:p>
-            <a:r>
-              <a:rPr kumimoji="1" lang="zh-TW" altLang="zh-TW" dirty="0"/>
-              <a:t>t</a:t>
-            </a:r>
-            <a:r>
-              <a:rPr kumimoji="1" lang="en-US" altLang="zh-TW" dirty="0" err="1"/>
-              <a:t>extRNN</a:t>
-            </a:r>
+              <a:t>MN model</a:t>
+            </a:r>
+          </a:p>
+          <a:p>
             <a:r>
               <a:rPr kumimoji="1" lang="en-US" altLang="zh-TW" dirty="0"/>
-              <a:t> model</a:t>
-            </a:r>
+              <a:t>CNN model</a:t>
+            </a:r>
+          </a:p>
+          <a:p>
+            <a:r>
+              <a:rPr kumimoji="1" lang="en-US" altLang="zh-TW" dirty="0"/>
+              <a:t>R</a:t>
+            </a:r>
+            <a:r>
+              <a:rPr kumimoji="1" lang="zh-TW" altLang="en-US" dirty="0"/>
+              <a:t>N</a:t>
+            </a:r>
+            <a:r>
+              <a:rPr kumimoji="1" lang="en-US" altLang="zh-TW" dirty="0"/>
+              <a:t>N model</a:t>
+            </a:r>
+          </a:p>
+          <a:p>
+            <a:endParaRPr kumimoji="1" lang="zh-CN" altLang="en-US" dirty="0"/>
           </a:p>
         </p:txBody>
       </p:sp>
     </p:spTree>
     <p:extLst>
       <p:ext uri="{BB962C8B-B14F-4D97-AF65-F5344CB8AC3E}">
-        <p14:creationId xmlns:p14="http://schemas.microsoft.com/office/powerpoint/2010/main" val="1670608775"/>
+        <p14:creationId xmlns:p14="http://schemas.microsoft.com/office/powerpoint/2010/main" val="1976090492"/>
       </p:ext>
     </p:extLst>
   </p:cSld>
@@ -13346,7 +13597,7 @@
             </a:r>
             <a:r>
               <a:rPr kumimoji="1" lang="zh-TW" altLang="zh-TW" dirty="0"/>
-              <a:t>7</a:t>
+              <a:t>6</a:t>
             </a:r>
             <a:r>
               <a:rPr kumimoji="1" lang="en-US" altLang="zh-TW" dirty="0"/>
@@ -13354,11 +13605,15 @@
             </a:r>
             <a:r>
               <a:rPr kumimoji="1" lang="zh-TW" altLang="en-US" dirty="0"/>
-              <a:t>模型</a:t>
+              <a:t>深度學習模型</a:t>
             </a:r>
             <a:r>
               <a:rPr kumimoji="1" lang="en-US" altLang="zh-TW" dirty="0"/>
-              <a:t>DEMO </a:t>
+              <a:t>-</a:t>
+            </a:r>
+            <a:r>
+              <a:rPr kumimoji="1" lang="zh-TW" altLang="en-US" dirty="0"/>
+              <a:t>應用文本</a:t>
             </a:r>
             <a:endParaRPr kumimoji="1" lang="zh-CN" altLang="en-US" dirty="0"/>
           </a:p>
@@ -13380,31 +13635,38 @@
           <a:lstStyle/>
           <a:p>
             <a:r>
-              <a:rPr kumimoji="1" lang="zh-TW" altLang="en-US" dirty="0"/>
-              <a:t>文本分類</a:t>
+              <a:rPr kumimoji="1" lang="zh-TW" altLang="zh-TW" dirty="0"/>
+              <a:t>t</a:t>
+            </a:r>
+            <a:r>
+              <a:rPr kumimoji="1" lang="en-US" altLang="zh-TW" dirty="0" err="1"/>
+              <a:t>extCNN</a:t>
             </a:r>
             <a:r>
               <a:rPr kumimoji="1" lang="en-US" altLang="zh-TW" dirty="0"/>
-              <a:t>-</a:t>
-            </a:r>
-            <a:r>
-              <a:rPr kumimoji="1" lang="zh-TW" altLang="en-US" dirty="0"/>
-              <a:t>意圖分類</a:t>
+              <a:t> model</a:t>
+            </a:r>
+          </a:p>
+          <a:p>
+            <a:r>
+              <a:rPr kumimoji="1" lang="zh-TW" altLang="zh-TW" dirty="0"/>
+              <a:t>t</a:t>
+            </a:r>
+            <a:r>
+              <a:rPr kumimoji="1" lang="en-US" altLang="zh-TW" dirty="0" err="1"/>
+              <a:t>extRNN</a:t>
             </a:r>
             <a:r>
               <a:rPr kumimoji="1" lang="en-US" altLang="zh-TW" dirty="0"/>
-              <a:t>DEMO</a:t>
-            </a:r>
-          </a:p>
-          <a:p>
-            <a:endParaRPr kumimoji="1" lang="zh-CN" altLang="en-US" dirty="0"/>
+              <a:t> model</a:t>
+            </a:r>
           </a:p>
         </p:txBody>
       </p:sp>
     </p:spTree>
     <p:extLst>
       <p:ext uri="{BB962C8B-B14F-4D97-AF65-F5344CB8AC3E}">
-        <p14:creationId xmlns:p14="http://schemas.microsoft.com/office/powerpoint/2010/main" val="158954754"/>
+        <p14:creationId xmlns:p14="http://schemas.microsoft.com/office/powerpoint/2010/main" val="1670608775"/>
       </p:ext>
     </p:extLst>
   </p:cSld>
@@ -13452,6 +13714,112 @@
             </a:r>
             <a:r>
               <a:rPr kumimoji="1" lang="zh-TW" altLang="zh-TW" dirty="0"/>
+              <a:t>7</a:t>
+            </a:r>
+            <a:r>
+              <a:rPr kumimoji="1" lang="en-US" altLang="zh-TW" dirty="0"/>
+              <a:t>:</a:t>
+            </a:r>
+            <a:r>
+              <a:rPr kumimoji="1" lang="zh-TW" altLang="en-US" dirty="0"/>
+              <a:t>模型</a:t>
+            </a:r>
+            <a:r>
+              <a:rPr kumimoji="1" lang="en-US" altLang="zh-TW" dirty="0"/>
+              <a:t>DEMO </a:t>
+            </a:r>
+            <a:endParaRPr kumimoji="1" lang="zh-CN" altLang="en-US" dirty="0"/>
+          </a:p>
+        </p:txBody>
+      </p:sp>
+      <p:sp>
+        <p:nvSpPr>
+          <p:cNvPr id="3" name="内容占位符 2"/>
+          <p:cNvSpPr>
+            <a:spLocks noGrp="1"/>
+          </p:cNvSpPr>
+          <p:nvPr>
+            <p:ph idx="1"/>
+          </p:nvPr>
+        </p:nvSpPr>
+        <p:spPr/>
+        <p:txBody>
+          <a:bodyPr/>
+          <a:lstStyle/>
+          <a:p>
+            <a:r>
+              <a:rPr kumimoji="1" lang="zh-TW" altLang="en-US" dirty="0"/>
+              <a:t>文本分類</a:t>
+            </a:r>
+            <a:r>
+              <a:rPr kumimoji="1" lang="en-US" altLang="zh-TW" dirty="0"/>
+              <a:t>-</a:t>
+            </a:r>
+            <a:r>
+              <a:rPr kumimoji="1" lang="zh-TW" altLang="en-US" dirty="0"/>
+              <a:t>意圖分類</a:t>
+            </a:r>
+            <a:r>
+              <a:rPr kumimoji="1" lang="en-US" altLang="zh-TW" dirty="0"/>
+              <a:t>DEMO</a:t>
+            </a:r>
+          </a:p>
+          <a:p>
+            <a:endParaRPr kumimoji="1" lang="zh-CN" altLang="en-US" dirty="0"/>
+          </a:p>
+        </p:txBody>
+      </p:sp>
+    </p:spTree>
+    <p:extLst>
+      <p:ext uri="{BB962C8B-B14F-4D97-AF65-F5344CB8AC3E}">
+        <p14:creationId xmlns:p14="http://schemas.microsoft.com/office/powerpoint/2010/main" val="158954754"/>
+      </p:ext>
+    </p:extLst>
+  </p:cSld>
+  <p:clrMapOvr>
+    <a:masterClrMapping/>
+  </p:clrMapOvr>
+</p:sld>
+</file>
+
+<file path=ppt/slides/slide27.xml><?xml version="1.0" encoding="utf-8"?>
+<p:sld xmlns:a="http://schemas.openxmlformats.org/drawingml/2006/main" xmlns:r="http://schemas.openxmlformats.org/officeDocument/2006/relationships" xmlns:p="http://schemas.openxmlformats.org/presentationml/2006/main">
+  <p:cSld>
+    <p:spTree>
+      <p:nvGrpSpPr>
+        <p:cNvPr id="1" name=""/>
+        <p:cNvGrpSpPr/>
+        <p:nvPr/>
+      </p:nvGrpSpPr>
+      <p:grpSpPr>
+        <a:xfrm>
+          <a:off x="0" y="0"/>
+          <a:ext cx="0" cy="0"/>
+          <a:chOff x="0" y="0"/>
+          <a:chExt cx="0" cy="0"/>
+        </a:xfrm>
+      </p:grpSpPr>
+      <p:sp>
+        <p:nvSpPr>
+          <p:cNvPr id="2" name="标题 1"/>
+          <p:cNvSpPr>
+            <a:spLocks noGrp="1"/>
+          </p:cNvSpPr>
+          <p:nvPr>
+            <p:ph type="title"/>
+          </p:nvPr>
+        </p:nvSpPr>
+        <p:spPr/>
+        <p:txBody>
+          <a:bodyPr/>
+          <a:lstStyle/>
+          <a:p>
+            <a:r>
+              <a:rPr kumimoji="1" lang="zh-TW" altLang="en-US" dirty="0"/>
+              <a:t>W</a:t>
+            </a:r>
+            <a:r>
+              <a:rPr kumimoji="1" lang="zh-TW" altLang="zh-TW" dirty="0"/>
               <a:t>8</a:t>
             </a:r>
             <a:r>
@@ -13527,7 +13895,7 @@
 </p:sld>
 </file>
 
-<file path=ppt/slides/slide27.xml><?xml version="1.0" encoding="utf-8"?>
+<file path=ppt/slides/slide28.xml><?xml version="1.0" encoding="utf-8"?>
 <p:sld xmlns:a="http://schemas.openxmlformats.org/drawingml/2006/main" xmlns:r="http://schemas.openxmlformats.org/officeDocument/2006/relationships" xmlns:p="http://schemas.openxmlformats.org/presentationml/2006/main">
   <p:cSld>
     <p:spTree>

--- a/ml traing sean_detail.pptx
+++ b/ml traing sean_detail.pptx
@@ -5,7 +5,7 @@
     <p:sldMasterId id="2147483660" r:id="rId1"/>
   </p:sldMasterIdLst>
   <p:notesMasterIdLst>
-    <p:notesMasterId r:id="rId30"/>
+    <p:notesMasterId r:id="rId34"/>
   </p:notesMasterIdLst>
   <p:sldIdLst>
     <p:sldId id="256" r:id="rId2"/>
@@ -28,14 +28,18 @@
     <p:sldId id="280" r:id="rId19"/>
     <p:sldId id="281" r:id="rId20"/>
     <p:sldId id="282" r:id="rId21"/>
-    <p:sldId id="262" r:id="rId22"/>
-    <p:sldId id="283" r:id="rId23"/>
-    <p:sldId id="268" r:id="rId24"/>
-    <p:sldId id="263" r:id="rId25"/>
-    <p:sldId id="264" r:id="rId26"/>
-    <p:sldId id="265" r:id="rId27"/>
-    <p:sldId id="266" r:id="rId28"/>
-    <p:sldId id="267" r:id="rId29"/>
+    <p:sldId id="284" r:id="rId22"/>
+    <p:sldId id="285" r:id="rId23"/>
+    <p:sldId id="286" r:id="rId24"/>
+    <p:sldId id="287" r:id="rId25"/>
+    <p:sldId id="262" r:id="rId26"/>
+    <p:sldId id="283" r:id="rId27"/>
+    <p:sldId id="268" r:id="rId28"/>
+    <p:sldId id="263" r:id="rId29"/>
+    <p:sldId id="264" r:id="rId30"/>
+    <p:sldId id="265" r:id="rId31"/>
+    <p:sldId id="266" r:id="rId32"/>
+    <p:sldId id="267" r:id="rId33"/>
   </p:sldIdLst>
   <p:sldSz cx="9144000" cy="6858000" type="screen4x3"/>
   <p:notesSz cx="6858000" cy="9144000"/>
@@ -136,7 +140,7 @@
   </p:defaultTextStyle>
   <p:extLst>
     <p:ext uri="{EFAFB233-063F-42B5-8137-9DF3F51BA10A}">
-      <p15:sldGuideLst xmlns="" xmlns:p15="http://schemas.microsoft.com/office/powerpoint/2012/main">
+      <p15:sldGuideLst xmlns:p15="http://schemas.microsoft.com/office/powerpoint/2012/main" xmlns="">
         <p15:guide id="1" orient="horz" pos="2160">
           <p15:clr>
             <a:srgbClr val="A4A3A4"/>
@@ -5352,7 +5356,7 @@
           <a:p>
             <a:fld id="{1766A5AD-8774-FE44-A0A9-16F81BF90977}" type="datetimeFigureOut">
               <a:rPr kumimoji="1" lang="zh-CN" altLang="en-US" smtClean="0"/>
-              <a:t>04/09/20</a:t>
+              <a:t>05/09/20</a:t>
             </a:fld>
             <a:endParaRPr kumimoji="1" lang="zh-CN" altLang="en-US"/>
           </a:p>
@@ -6433,7 +6437,175 @@
           <a:p>
             <a:fld id="{BCEC23BA-C284-A64D-90DA-4E530BAE7B0A}" type="slidenum">
               <a:rPr kumimoji="1" lang="zh-CN" altLang="en-US" smtClean="0"/>
-              <a:t>27</a:t>
+              <a:t>22</a:t>
+            </a:fld>
+            <a:endParaRPr kumimoji="1" lang="zh-CN" altLang="en-US"/>
+          </a:p>
+        </p:txBody>
+      </p:sp>
+    </p:spTree>
+    <p:extLst>
+      <p:ext uri="{BB962C8B-B14F-4D97-AF65-F5344CB8AC3E}">
+        <p14:creationId xmlns:p14="http://schemas.microsoft.com/office/powerpoint/2010/main" val="96620083"/>
+      </p:ext>
+    </p:extLst>
+  </p:cSld>
+  <p:clrMapOvr>
+    <a:masterClrMapping/>
+  </p:clrMapOvr>
+</p:notes>
+</file>
+
+<file path=ppt/notesSlides/notesSlide8.xml><?xml version="1.0" encoding="utf-8"?>
+<p:notes xmlns:a="http://schemas.openxmlformats.org/drawingml/2006/main" xmlns:r="http://schemas.openxmlformats.org/officeDocument/2006/relationships" xmlns:p="http://schemas.openxmlformats.org/presentationml/2006/main">
+  <p:cSld>
+    <p:spTree>
+      <p:nvGrpSpPr>
+        <p:cNvPr id="1" name=""/>
+        <p:cNvGrpSpPr/>
+        <p:nvPr/>
+      </p:nvGrpSpPr>
+      <p:grpSpPr>
+        <a:xfrm>
+          <a:off x="0" y="0"/>
+          <a:ext cx="0" cy="0"/>
+          <a:chOff x="0" y="0"/>
+          <a:chExt cx="0" cy="0"/>
+        </a:xfrm>
+      </p:grpSpPr>
+      <p:sp>
+        <p:nvSpPr>
+          <p:cNvPr id="2" name="幻灯片图像占位符 1"/>
+          <p:cNvSpPr>
+            <a:spLocks noGrp="1" noRot="1" noChangeAspect="1"/>
+          </p:cNvSpPr>
+          <p:nvPr>
+            <p:ph type="sldImg"/>
+          </p:nvPr>
+        </p:nvSpPr>
+        <p:spPr/>
+      </p:sp>
+      <p:sp>
+        <p:nvSpPr>
+          <p:cNvPr id="3" name="备注占位符 2"/>
+          <p:cNvSpPr>
+            <a:spLocks noGrp="1"/>
+          </p:cNvSpPr>
+          <p:nvPr>
+            <p:ph type="body" idx="1"/>
+          </p:nvPr>
+        </p:nvSpPr>
+        <p:spPr/>
+        <p:txBody>
+          <a:bodyPr/>
+          <a:lstStyle/>
+          <a:p>
+            <a:endParaRPr kumimoji="1" lang="zh-CN" altLang="en-US" dirty="0"/>
+          </a:p>
+        </p:txBody>
+      </p:sp>
+      <p:sp>
+        <p:nvSpPr>
+          <p:cNvPr id="4" name="幻灯片编号占位符 3"/>
+          <p:cNvSpPr>
+            <a:spLocks noGrp="1"/>
+          </p:cNvSpPr>
+          <p:nvPr>
+            <p:ph type="sldNum" sz="quarter" idx="10"/>
+          </p:nvPr>
+        </p:nvSpPr>
+        <p:spPr/>
+        <p:txBody>
+          <a:bodyPr/>
+          <a:lstStyle/>
+          <a:p>
+            <a:fld id="{BCEC23BA-C284-A64D-90DA-4E530BAE7B0A}" type="slidenum">
+              <a:rPr kumimoji="1" lang="zh-CN" altLang="en-US" smtClean="0"/>
+              <a:t>24</a:t>
+            </a:fld>
+            <a:endParaRPr kumimoji="1" lang="zh-CN" altLang="en-US"/>
+          </a:p>
+        </p:txBody>
+      </p:sp>
+    </p:spTree>
+    <p:extLst>
+      <p:ext uri="{BB962C8B-B14F-4D97-AF65-F5344CB8AC3E}">
+        <p14:creationId xmlns:p14="http://schemas.microsoft.com/office/powerpoint/2010/main" val="881935143"/>
+      </p:ext>
+    </p:extLst>
+  </p:cSld>
+  <p:clrMapOvr>
+    <a:masterClrMapping/>
+  </p:clrMapOvr>
+</p:notes>
+</file>
+
+<file path=ppt/notesSlides/notesSlide9.xml><?xml version="1.0" encoding="utf-8"?>
+<p:notes xmlns:a="http://schemas.openxmlformats.org/drawingml/2006/main" xmlns:r="http://schemas.openxmlformats.org/officeDocument/2006/relationships" xmlns:p="http://schemas.openxmlformats.org/presentationml/2006/main">
+  <p:cSld>
+    <p:spTree>
+      <p:nvGrpSpPr>
+        <p:cNvPr id="1" name=""/>
+        <p:cNvGrpSpPr/>
+        <p:nvPr/>
+      </p:nvGrpSpPr>
+      <p:grpSpPr>
+        <a:xfrm>
+          <a:off x="0" y="0"/>
+          <a:ext cx="0" cy="0"/>
+          <a:chOff x="0" y="0"/>
+          <a:chExt cx="0" cy="0"/>
+        </a:xfrm>
+      </p:grpSpPr>
+      <p:sp>
+        <p:nvSpPr>
+          <p:cNvPr id="2" name="幻灯片图像占位符 1"/>
+          <p:cNvSpPr>
+            <a:spLocks noGrp="1" noRot="1" noChangeAspect="1"/>
+          </p:cNvSpPr>
+          <p:nvPr>
+            <p:ph type="sldImg"/>
+          </p:nvPr>
+        </p:nvSpPr>
+        <p:spPr/>
+      </p:sp>
+      <p:sp>
+        <p:nvSpPr>
+          <p:cNvPr id="3" name="备注占位符 2"/>
+          <p:cNvSpPr>
+            <a:spLocks noGrp="1"/>
+          </p:cNvSpPr>
+          <p:nvPr>
+            <p:ph type="body" idx="1"/>
+          </p:nvPr>
+        </p:nvSpPr>
+        <p:spPr/>
+        <p:txBody>
+          <a:bodyPr/>
+          <a:lstStyle/>
+          <a:p>
+            <a:endParaRPr kumimoji="1" lang="zh-CN" altLang="en-US" dirty="0"/>
+          </a:p>
+        </p:txBody>
+      </p:sp>
+      <p:sp>
+        <p:nvSpPr>
+          <p:cNvPr id="4" name="幻灯片编号占位符 3"/>
+          <p:cNvSpPr>
+            <a:spLocks noGrp="1"/>
+          </p:cNvSpPr>
+          <p:nvPr>
+            <p:ph type="sldNum" sz="quarter" idx="10"/>
+          </p:nvPr>
+        </p:nvSpPr>
+        <p:spPr/>
+        <p:txBody>
+          <a:bodyPr/>
+          <a:lstStyle/>
+          <a:p>
+            <a:fld id="{BCEC23BA-C284-A64D-90DA-4E530BAE7B0A}" type="slidenum">
+              <a:rPr kumimoji="1" lang="zh-CN" altLang="en-US" smtClean="0"/>
+              <a:t>31</a:t>
             </a:fld>
             <a:endParaRPr kumimoji="1" lang="zh-CN" altLang="en-US"/>
           </a:p>
@@ -6823,7 +6995,7 @@
           <a:p>
             <a:fld id="{B1115196-1C6F-4784-83AC-30756D8F10B3}" type="datetimeFigureOut">
               <a:rPr lang="en-US" smtClean="0"/>
-              <a:t>04/09/20</a:t>
+              <a:t>05/09/20</a:t>
             </a:fld>
             <a:endParaRPr lang="en-US"/>
           </a:p>
@@ -7252,7 +7424,7 @@
           <a:p>
             <a:fld id="{B1115196-1C6F-4784-83AC-30756D8F10B3}" type="datetimeFigureOut">
               <a:rPr lang="en-US" smtClean="0"/>
-              <a:t>04/09/20</a:t>
+              <a:t>05/09/20</a:t>
             </a:fld>
             <a:endParaRPr lang="en-US"/>
           </a:p>
@@ -7457,7 +7629,7 @@
           <a:p>
             <a:fld id="{B1115196-1C6F-4784-83AC-30756D8F10B3}" type="datetimeFigureOut">
               <a:rPr lang="en-US" smtClean="0"/>
-              <a:t>04/09/20</a:t>
+              <a:t>05/09/20</a:t>
             </a:fld>
             <a:endParaRPr lang="en-US"/>
           </a:p>
@@ -7728,7 +7900,7 @@
           <a:p>
             <a:fld id="{B1115196-1C6F-4784-83AC-30756D8F10B3}" type="datetimeFigureOut">
               <a:rPr lang="en-US" smtClean="0"/>
-              <a:t>04/09/20</a:t>
+              <a:t>05/09/20</a:t>
             </a:fld>
             <a:endParaRPr lang="en-US"/>
           </a:p>
@@ -8009,7 +8181,7 @@
           <a:p>
             <a:fld id="{B1115196-1C6F-4784-83AC-30756D8F10B3}" type="datetimeFigureOut">
               <a:rPr lang="en-US" smtClean="0"/>
-              <a:t>04/09/20</a:t>
+              <a:t>05/09/20</a:t>
             </a:fld>
             <a:endParaRPr lang="en-US"/>
           </a:p>
@@ -8244,7 +8416,7 @@
           <a:p>
             <a:fld id="{B1115196-1C6F-4784-83AC-30756D8F10B3}" type="datetimeFigureOut">
               <a:rPr lang="en-US" smtClean="0"/>
-              <a:t>04/09/20</a:t>
+              <a:t>05/09/20</a:t>
             </a:fld>
             <a:endParaRPr lang="en-US"/>
           </a:p>
@@ -8525,7 +8697,7 @@
           <a:p>
             <a:fld id="{B1115196-1C6F-4784-83AC-30756D8F10B3}" type="datetimeFigureOut">
               <a:rPr lang="en-US" smtClean="0"/>
-              <a:t>04/09/20</a:t>
+              <a:t>05/09/20</a:t>
             </a:fld>
             <a:endParaRPr lang="en-US"/>
           </a:p>
@@ -8952,7 +9124,7 @@
           <a:p>
             <a:fld id="{B1115196-1C6F-4784-83AC-30756D8F10B3}" type="datetimeFigureOut">
               <a:rPr lang="en-US" smtClean="0"/>
-              <a:t>04/09/20</a:t>
+              <a:t>05/09/20</a:t>
             </a:fld>
             <a:endParaRPr lang="en-US"/>
           </a:p>
@@ -9475,7 +9647,7 @@
           <a:p>
             <a:fld id="{B1115196-1C6F-4784-83AC-30756D8F10B3}" type="datetimeFigureOut">
               <a:rPr lang="en-US" smtClean="0"/>
-              <a:t>04/09/20</a:t>
+              <a:t>05/09/20</a:t>
             </a:fld>
             <a:endParaRPr lang="en-US"/>
           </a:p>
@@ -9837,7 +10009,7 @@
           <a:p>
             <a:fld id="{B1115196-1C6F-4784-83AC-30756D8F10B3}" type="datetimeFigureOut">
               <a:rPr lang="en-US" smtClean="0"/>
-              <a:t>04/09/20</a:t>
+              <a:t>05/09/20</a:t>
             </a:fld>
             <a:endParaRPr lang="en-US"/>
           </a:p>
@@ -10393,7 +10565,7 @@
           <a:p>
             <a:fld id="{B1115196-1C6F-4784-83AC-30756D8F10B3}" type="datetimeFigureOut">
               <a:rPr lang="en-US" smtClean="0"/>
-              <a:t>04/09/20</a:t>
+              <a:t>05/09/20</a:t>
             </a:fld>
             <a:endParaRPr lang="en-US"/>
           </a:p>
@@ -10618,7 +10790,7 @@
           <a:p>
             <a:fld id="{B1115196-1C6F-4784-83AC-30756D8F10B3}" type="datetimeFigureOut">
               <a:rPr lang="en-US" smtClean="0"/>
-              <a:t>04/09/20</a:t>
+              <a:t>05/09/20</a:t>
             </a:fld>
             <a:endParaRPr lang="en-US"/>
           </a:p>
@@ -10764,7 +10936,7 @@
           <a:p>
             <a:fld id="{B1115196-1C6F-4784-83AC-30756D8F10B3}" type="datetimeFigureOut">
               <a:rPr lang="en-US" smtClean="0"/>
-              <a:t>04/09/20</a:t>
+              <a:t>05/09/20</a:t>
             </a:fld>
             <a:endParaRPr lang="en-US"/>
           </a:p>
@@ -11229,7 +11401,7 @@
           <a:p>
             <a:fld id="{B1115196-1C6F-4784-83AC-30756D8F10B3}" type="datetimeFigureOut">
               <a:rPr lang="en-US" smtClean="0"/>
-              <a:t>04/09/20</a:t>
+              <a:t>05/09/20</a:t>
             </a:fld>
             <a:endParaRPr lang="en-US"/>
           </a:p>
@@ -11451,7 +11623,7 @@
           <a:p>
             <a:fld id="{B1115196-1C6F-4784-83AC-30756D8F10B3}" type="datetimeFigureOut">
               <a:rPr lang="en-US" smtClean="0"/>
-              <a:t>04/09/20</a:t>
+              <a:t>05/09/20</a:t>
             </a:fld>
             <a:endParaRPr lang="en-US"/>
           </a:p>
@@ -13189,20 +13361,8 @@
           <a:lstStyle/>
           <a:p>
             <a:r>
-              <a:rPr kumimoji="1" lang="en-US" altLang="zh-CN" dirty="0"/>
-              <a:t>W</a:t>
-            </a:r>
-            <a:r>
-              <a:rPr kumimoji="1" lang="zh-TW" altLang="zh-CN" dirty="0"/>
-              <a:t>4</a:t>
-            </a:r>
-            <a:r>
-              <a:rPr kumimoji="1" lang="en-US" altLang="zh-CN" dirty="0"/>
-              <a:t> Item:</a:t>
-            </a:r>
-            <a:r>
-              <a:rPr kumimoji="1" lang="zh-TW" altLang="en-US" dirty="0"/>
-              <a:t>數學算法</a:t>
+              <a:rPr kumimoji="1" lang="zh-TW" altLang="en-US" dirty="0" smtClean="0"/>
+              <a:t>線性迴歸</a:t>
             </a:r>
             <a:endParaRPr kumimoji="1" lang="zh-CN" altLang="en-US" dirty="0"/>
           </a:p>
@@ -13223,46 +13383,112 @@
           <a:bodyPr/>
           <a:lstStyle/>
           <a:p>
-            <a:endParaRPr kumimoji="1" lang="en-US" altLang="zh-TW" dirty="0"/>
-          </a:p>
-          <a:p>
-            <a:r>
-              <a:rPr kumimoji="1" lang="en-US" altLang="zh-TW" dirty="0" err="1"/>
-              <a:t>Svm</a:t>
-            </a:r>
-            <a:r>
-              <a:rPr kumimoji="1" lang="zh-TW" altLang="en-US" dirty="0"/>
-              <a:t>算法</a:t>
-            </a:r>
-            <a:endParaRPr kumimoji="1" lang="en-US" altLang="zh-TW" dirty="0"/>
-          </a:p>
-          <a:p>
-            <a:r>
-              <a:rPr kumimoji="1" lang="en-US" altLang="zh-TW"/>
-              <a:t> </a:t>
-            </a:r>
-            <a:r>
-              <a:rPr kumimoji="1" lang="en-US" altLang="zh-TW" dirty="0"/>
-              <a:t>demo </a:t>
-            </a:r>
-            <a:r>
-              <a:rPr kumimoji="1" lang="zh-TW" altLang="en-US" dirty="0"/>
-              <a:t>代碼實現</a:t>
-            </a:r>
-            <a:endParaRPr kumimoji="1" lang="en-US" altLang="zh-TW" dirty="0"/>
-          </a:p>
-          <a:p>
-            <a:pPr marL="0" indent="0">
-              <a:buNone/>
-            </a:pPr>
-            <a:endParaRPr kumimoji="1" lang="en-US" altLang="zh-TW" dirty="0"/>
-          </a:p>
-        </p:txBody>
-      </p:sp>
+            <a:r>
+              <a:rPr lang="zh-CN" altLang="en-US" dirty="0"/>
+              <a:t>线性：两个变量之间的关系</a:t>
+            </a:r>
+            <a:r>
+              <a:rPr lang="zh-CN" altLang="en-US" b="1" dirty="0"/>
+              <a:t>是</a:t>
+            </a:r>
+            <a:r>
+              <a:rPr lang="zh-CN" altLang="en-US" dirty="0"/>
+              <a:t>一次函数关系的</a:t>
+            </a:r>
+            <a:r>
+              <a:rPr lang="en-US" altLang="zh-CN" dirty="0"/>
+              <a:t>——</a:t>
+            </a:r>
+            <a:r>
+              <a:rPr lang="zh-CN" altLang="en-US" dirty="0"/>
+              <a:t>图象</a:t>
+            </a:r>
+            <a:r>
+              <a:rPr lang="zh-CN" altLang="en-US" b="1" dirty="0"/>
+              <a:t>是直线</a:t>
+            </a:r>
+            <a:r>
+              <a:rPr lang="zh-CN" altLang="en-US" dirty="0"/>
+              <a:t>，叫做线性。</a:t>
+            </a:r>
+          </a:p>
+          <a:p>
+            <a:r>
+              <a:rPr lang="zh-CN" altLang="en-US" dirty="0"/>
+              <a:t>非线性：两个变量之间的关系</a:t>
+            </a:r>
+            <a:r>
+              <a:rPr lang="zh-CN" altLang="en-US" b="1" dirty="0"/>
+              <a:t>不是</a:t>
+            </a:r>
+            <a:r>
+              <a:rPr lang="zh-CN" altLang="en-US" dirty="0"/>
+              <a:t>一次函数关系的</a:t>
+            </a:r>
+            <a:r>
+              <a:rPr lang="en-US" altLang="zh-CN" dirty="0"/>
+              <a:t>——</a:t>
+            </a:r>
+            <a:r>
+              <a:rPr lang="zh-CN" altLang="en-US" dirty="0"/>
+              <a:t>图象</a:t>
+            </a:r>
+            <a:r>
+              <a:rPr lang="zh-CN" altLang="en-US" b="1" dirty="0"/>
+              <a:t>不是直线</a:t>
+            </a:r>
+            <a:r>
+              <a:rPr lang="zh-CN" altLang="en-US" dirty="0"/>
+              <a:t>，叫做非线性。</a:t>
+            </a:r>
+          </a:p>
+          <a:p>
+            <a:r>
+              <a:rPr lang="zh-CN" altLang="en-US" dirty="0"/>
+              <a:t>回归：人们在测量事物的时候因为客观条件所限，求得的都是测量值，而不是事物真实的值，为了能够得到真实值，无限次的进行测量，最后通过这些测量数据计算</a:t>
+            </a:r>
+            <a:r>
+              <a:rPr lang="zh-CN" altLang="en-US" b="1" dirty="0"/>
+              <a:t>回归到真实值</a:t>
+            </a:r>
+            <a:r>
+              <a:rPr lang="zh-CN" altLang="en-US" dirty="0"/>
+              <a:t>，这就是回归的由来。</a:t>
+            </a:r>
+          </a:p>
+          <a:p>
+            <a:endParaRPr kumimoji="1" lang="zh-CN" altLang="en-US" dirty="0"/>
+          </a:p>
+        </p:txBody>
+      </p:sp>
+      <p:pic>
+        <p:nvPicPr>
+          <p:cNvPr id="4" name="图片 3"/>
+          <p:cNvPicPr>
+            <a:picLocks noChangeAspect="1"/>
+          </p:cNvPicPr>
+          <p:nvPr/>
+        </p:nvPicPr>
+        <p:blipFill>
+          <a:blip r:embed="rId2"/>
+          <a:stretch>
+            <a:fillRect/>
+          </a:stretch>
+        </p:blipFill>
+        <p:spPr>
+          <a:xfrm>
+            <a:off x="3317544" y="5547016"/>
+            <a:ext cx="2514862" cy="410032"/>
+          </a:xfrm>
+          <a:prstGeom prst="rect">
+            <a:avLst/>
+          </a:prstGeom>
+        </p:spPr>
+      </p:pic>
     </p:spTree>
     <p:extLst>
       <p:ext uri="{BB962C8B-B14F-4D97-AF65-F5344CB8AC3E}">
-        <p14:creationId xmlns:p14="http://schemas.microsoft.com/office/powerpoint/2010/main" val="514264433"/>
+        <p14:creationId xmlns:p14="http://schemas.microsoft.com/office/powerpoint/2010/main" val="1917730986"/>
       </p:ext>
     </p:extLst>
   </p:cSld>
@@ -13301,42 +13527,70 @@
         </p:nvSpPr>
         <p:spPr/>
         <p:txBody>
-          <a:bodyPr>
-            <a:normAutofit/>
+          <a:bodyPr/>
+          <a:lstStyle/>
+          <a:p>
+            <a:r>
+              <a:rPr kumimoji="1" lang="zh-TW" altLang="en-US" dirty="0"/>
+              <a:t>線性迴歸</a:t>
+            </a:r>
+            <a:endParaRPr kumimoji="1" lang="zh-CN" altLang="en-US" dirty="0"/>
+          </a:p>
+        </p:txBody>
+      </p:sp>
+      <p:pic>
+        <p:nvPicPr>
+          <p:cNvPr id="4" name="内容占位符 3"/>
+          <p:cNvPicPr>
+            <a:picLocks noGrp="1" noChangeAspect="1"/>
+          </p:cNvPicPr>
+          <p:nvPr>
+            <p:ph idx="1"/>
+          </p:nvPr>
+        </p:nvPicPr>
+        <p:blipFill>
+          <a:blip r:embed="rId3"/>
+          <a:srcRect l="-20967" r="-20967"/>
+          <a:stretch>
+            <a:fillRect/>
+          </a:stretch>
+        </p:blipFill>
+        <p:spPr/>
+      </p:pic>
+      <p:sp>
+        <p:nvSpPr>
+          <p:cNvPr id="5" name="文本框 4"/>
+          <p:cNvSpPr txBox="1"/>
+          <p:nvPr/>
+        </p:nvSpPr>
+        <p:spPr>
+          <a:xfrm>
+            <a:off x="3704048" y="6070724"/>
+            <a:ext cx="2117437" cy="369332"/>
+          </a:xfrm>
+          <a:prstGeom prst="rect">
+            <a:avLst/>
+          </a:prstGeom>
+          <a:noFill/>
+        </p:spPr>
+        <p:txBody>
+          <a:bodyPr wrap="none" rtlCol="0">
+            <a:spAutoFit/>
           </a:bodyPr>
           <a:lstStyle/>
           <a:p>
             <a:r>
-              <a:rPr kumimoji="1" lang="zh-TW" altLang="en-US" smtClean="0"/>
-              <a:t>線性迴歸</a:t>
-            </a:r>
-            <a:endParaRPr kumimoji="1" lang="zh-CN" altLang="en-US"/>
-          </a:p>
-        </p:txBody>
-      </p:sp>
-      <p:sp>
-        <p:nvSpPr>
-          <p:cNvPr id="3" name="内容占位符 2"/>
-          <p:cNvSpPr>
-            <a:spLocks noGrp="1"/>
-          </p:cNvSpPr>
-          <p:nvPr>
-            <p:ph idx="1"/>
-          </p:nvPr>
-        </p:nvSpPr>
-        <p:spPr/>
-        <p:txBody>
-          <a:bodyPr/>
-          <a:lstStyle/>
-          <a:p>
-            <a:endParaRPr kumimoji="1" lang="zh-CN" altLang="en-US"/>
+              <a:rPr lang="en-US" altLang="zh-CN" dirty="0" err="1"/>
+              <a:t>linear_regression.py</a:t>
+            </a:r>
+            <a:endParaRPr kumimoji="1" lang="zh-CN" altLang="en-US" dirty="0"/>
           </a:p>
         </p:txBody>
       </p:sp>
     </p:spTree>
     <p:extLst>
       <p:ext uri="{BB962C8B-B14F-4D97-AF65-F5344CB8AC3E}">
-        <p14:creationId xmlns:p14="http://schemas.microsoft.com/office/powerpoint/2010/main" val="3662445154"/>
+        <p14:creationId xmlns:p14="http://schemas.microsoft.com/office/powerpoint/2010/main" val="814103457"/>
       </p:ext>
     </p:extLst>
   </p:cSld>
@@ -13379,55 +13633,41 @@
           <a:lstStyle/>
           <a:p>
             <a:r>
-              <a:rPr kumimoji="1" lang="zh-TW" altLang="en-US" dirty="0"/>
-              <a:t>W</a:t>
-            </a:r>
-            <a:r>
-              <a:rPr kumimoji="1" lang="en-US" altLang="zh-TW" dirty="0"/>
-              <a:t>? : </a:t>
-            </a:r>
-            <a:r>
-              <a:rPr kumimoji="1" lang="zh-TW" altLang="en-US" dirty="0"/>
-              <a:t>語言資料基礎分析</a:t>
+              <a:rPr kumimoji="1" lang="zh-TW" altLang="en-US" dirty="0" smtClean="0"/>
+              <a:t>多項式回歸</a:t>
             </a:r>
             <a:endParaRPr kumimoji="1" lang="zh-CN" altLang="en-US" dirty="0"/>
           </a:p>
         </p:txBody>
       </p:sp>
-      <p:sp>
-        <p:nvSpPr>
-          <p:cNvPr id="3" name="内容占位符 2"/>
-          <p:cNvSpPr>
-            <a:spLocks noGrp="1"/>
-          </p:cNvSpPr>
+      <p:pic>
+        <p:nvPicPr>
+          <p:cNvPr id="4" name="内容占位符 3"/>
+          <p:cNvPicPr>
+            <a:picLocks noGrp="1" noChangeAspect="1"/>
+          </p:cNvPicPr>
           <p:nvPr>
             <p:ph idx="1"/>
           </p:nvPr>
-        </p:nvSpPr>
-        <p:spPr/>
-        <p:txBody>
-          <a:bodyPr/>
-          <a:lstStyle/>
-          <a:p>
-            <a:r>
-              <a:rPr kumimoji="1" lang="zh-TW" altLang="en-US" dirty="0"/>
-              <a:t>後續看完基礎數學算法後決定</a:t>
-            </a:r>
-            <a:endParaRPr kumimoji="1" lang="en-US" altLang="zh-TW" dirty="0"/>
-          </a:p>
-          <a:p>
-            <a:r>
-              <a:rPr kumimoji="1" lang="zh-TW" altLang="en-US" dirty="0"/>
-              <a:t>預定最多佔兩週</a:t>
-            </a:r>
-            <a:endParaRPr kumimoji="1" lang="zh-CN" altLang="en-US" dirty="0"/>
-          </a:p>
-        </p:txBody>
-      </p:sp>
+        </p:nvPicPr>
+        <p:blipFill>
+          <a:blip r:embed="rId2"/>
+          <a:srcRect t="-136878" b="-136878"/>
+          <a:stretch>
+            <a:fillRect/>
+          </a:stretch>
+        </p:blipFill>
+        <p:spPr>
+          <a:xfrm>
+            <a:off x="779463" y="1949824"/>
+            <a:ext cx="7583488" cy="4007224"/>
+          </a:xfrm>
+        </p:spPr>
+      </p:pic>
     </p:spTree>
     <p:extLst>
       <p:ext uri="{BB962C8B-B14F-4D97-AF65-F5344CB8AC3E}">
-        <p14:creationId xmlns:p14="http://schemas.microsoft.com/office/powerpoint/2010/main" val="1663076574"/>
+        <p14:creationId xmlns:p14="http://schemas.microsoft.com/office/powerpoint/2010/main" val="3330539226"/>
       </p:ext>
     </p:extLst>
   </p:cSld>
@@ -13470,78 +13710,58 @@
           <a:lstStyle/>
           <a:p>
             <a:r>
-              <a:rPr kumimoji="1" lang="zh-TW" altLang="en-US" dirty="0"/>
-              <a:t>W</a:t>
-            </a:r>
-            <a:r>
-              <a:rPr kumimoji="1" lang="zh-TW" altLang="zh-TW" dirty="0"/>
-              <a:t>5</a:t>
-            </a:r>
-            <a:r>
-              <a:rPr kumimoji="1" lang="en-US" altLang="zh-TW" dirty="0"/>
-              <a:t>:</a:t>
-            </a:r>
-            <a:r>
-              <a:rPr kumimoji="1" lang="zh-TW" altLang="en-US" dirty="0"/>
-              <a:t>深度學習模型</a:t>
-            </a:r>
-            <a:r>
-              <a:rPr kumimoji="1" lang="en-US" altLang="zh-TW" dirty="0"/>
-              <a:t>-</a:t>
-            </a:r>
-            <a:r>
-              <a:rPr kumimoji="1" lang="zh-TW" altLang="en-US" dirty="0"/>
-              <a:t>基礎模型</a:t>
+              <a:rPr kumimoji="1" lang="zh-TW" altLang="en-US" dirty="0" smtClean="0"/>
+              <a:t>多項式回歸</a:t>
             </a:r>
             <a:endParaRPr kumimoji="1" lang="zh-CN" altLang="en-US" dirty="0"/>
           </a:p>
         </p:txBody>
       </p:sp>
-      <p:sp>
-        <p:nvSpPr>
-          <p:cNvPr id="3" name="内容占位符 2"/>
-          <p:cNvSpPr>
-            <a:spLocks noGrp="1"/>
-          </p:cNvSpPr>
+      <p:pic>
+        <p:nvPicPr>
+          <p:cNvPr id="5" name="内容占位符 4"/>
+          <p:cNvPicPr>
+            <a:picLocks noGrp="1" noChangeAspect="1"/>
+          </p:cNvPicPr>
           <p:nvPr>
             <p:ph idx="1"/>
           </p:nvPr>
-        </p:nvSpPr>
+        </p:nvPicPr>
+        <p:blipFill>
+          <a:blip r:embed="rId3"/>
+          <a:srcRect l="-20967" r="-20967"/>
+          <a:stretch>
+            <a:fillRect/>
+          </a:stretch>
+        </p:blipFill>
         <p:spPr/>
-        <p:txBody>
-          <a:bodyPr/>
+      </p:pic>
+      <p:sp>
+        <p:nvSpPr>
+          <p:cNvPr id="6" name="文本框 5"/>
+          <p:cNvSpPr txBox="1"/>
+          <p:nvPr/>
+        </p:nvSpPr>
+        <p:spPr>
+          <a:xfrm>
+            <a:off x="3468870" y="5968806"/>
+            <a:ext cx="2726753" cy="369332"/>
+          </a:xfrm>
+          <a:prstGeom prst="rect">
+            <a:avLst/>
+          </a:prstGeom>
+          <a:noFill/>
+        </p:spPr>
+        <p:txBody>
+          <a:bodyPr wrap="none" rtlCol="0">
+            <a:spAutoFit/>
+          </a:bodyPr>
           <a:lstStyle/>
           <a:p>
             <a:r>
-              <a:rPr kumimoji="1" lang="zh-TW" altLang="en-US" dirty="0"/>
-              <a:t>D</a:t>
-            </a:r>
-            <a:r>
-              <a:rPr kumimoji="1" lang="en-US" altLang="zh-TW" dirty="0"/>
-              <a:t>MN model</a:t>
-            </a:r>
-          </a:p>
-          <a:p>
-            <a:r>
-              <a:rPr kumimoji="1" lang="en-US" altLang="zh-TW" dirty="0"/>
-              <a:t>CNN model</a:t>
-            </a:r>
-          </a:p>
-          <a:p>
-            <a:r>
-              <a:rPr kumimoji="1" lang="en-US" altLang="zh-TW" dirty="0"/>
-              <a:t>R</a:t>
-            </a:r>
-            <a:r>
-              <a:rPr kumimoji="1" lang="zh-TW" altLang="en-US" dirty="0"/>
-              <a:t>N</a:t>
-            </a:r>
-            <a:r>
-              <a:rPr kumimoji="1" lang="en-US" altLang="zh-TW" dirty="0"/>
-              <a:t>N model</a:t>
-            </a:r>
-          </a:p>
-          <a:p>
+              <a:rPr lang="en-US" altLang="zh-CN" dirty="0" err="1"/>
+              <a:t>polynormial_regression.py</a:t>
+            </a:r>
             <a:endParaRPr kumimoji="1" lang="zh-CN" altLang="en-US" dirty="0"/>
           </a:p>
         </p:txBody>
@@ -13549,7 +13769,7 @@
     </p:spTree>
     <p:extLst>
       <p:ext uri="{BB962C8B-B14F-4D97-AF65-F5344CB8AC3E}">
-        <p14:creationId xmlns:p14="http://schemas.microsoft.com/office/powerpoint/2010/main" val="1976090492"/>
+        <p14:creationId xmlns:p14="http://schemas.microsoft.com/office/powerpoint/2010/main" val="3436820390"/>
       </p:ext>
     </p:extLst>
   </p:cSld>
@@ -13592,28 +13812,20 @@
           <a:lstStyle/>
           <a:p>
             <a:r>
+              <a:rPr kumimoji="1" lang="en-US" altLang="zh-CN" dirty="0"/>
+              <a:t>W</a:t>
+            </a:r>
+            <a:r>
+              <a:rPr kumimoji="1" lang="zh-TW" altLang="zh-CN" dirty="0"/>
+              <a:t>4</a:t>
+            </a:r>
+            <a:r>
+              <a:rPr kumimoji="1" lang="en-US" altLang="zh-CN" dirty="0"/>
+              <a:t> Item:</a:t>
+            </a:r>
+            <a:r>
               <a:rPr kumimoji="1" lang="zh-TW" altLang="en-US" dirty="0"/>
-              <a:t>W</a:t>
-            </a:r>
-            <a:r>
-              <a:rPr kumimoji="1" lang="zh-TW" altLang="zh-TW" dirty="0"/>
-              <a:t>6</a:t>
-            </a:r>
-            <a:r>
-              <a:rPr kumimoji="1" lang="en-US" altLang="zh-TW" dirty="0"/>
-              <a:t>:</a:t>
-            </a:r>
-            <a:r>
-              <a:rPr kumimoji="1" lang="zh-TW" altLang="en-US" dirty="0"/>
-              <a:t>深度學習模型</a:t>
-            </a:r>
-            <a:r>
-              <a:rPr kumimoji="1" lang="en-US" altLang="zh-TW" dirty="0"/>
-              <a:t>-</a:t>
-            </a:r>
-            <a:r>
-              <a:rPr kumimoji="1" lang="zh-TW" altLang="en-US" dirty="0"/>
-              <a:t>應用文本</a:t>
+              <a:t>數學算法</a:t>
             </a:r>
             <a:endParaRPr kumimoji="1" lang="zh-CN" altLang="en-US" dirty="0"/>
           </a:p>
@@ -13634,39 +13846,46 @@
           <a:bodyPr/>
           <a:lstStyle/>
           <a:p>
-            <a:r>
-              <a:rPr kumimoji="1" lang="zh-TW" altLang="zh-TW" dirty="0"/>
-              <a:t>t</a:t>
-            </a:r>
+            <a:endParaRPr kumimoji="1" lang="en-US" altLang="zh-TW" dirty="0"/>
+          </a:p>
+          <a:p>
             <a:r>
               <a:rPr kumimoji="1" lang="en-US" altLang="zh-TW" dirty="0" err="1"/>
-              <a:t>extCNN</a:t>
+              <a:t>Svm</a:t>
+            </a:r>
+            <a:r>
+              <a:rPr kumimoji="1" lang="zh-TW" altLang="en-US" dirty="0"/>
+              <a:t>算法</a:t>
+            </a:r>
+            <a:endParaRPr kumimoji="1" lang="en-US" altLang="zh-TW" dirty="0"/>
+          </a:p>
+          <a:p>
+            <a:r>
+              <a:rPr kumimoji="1" lang="en-US" altLang="zh-TW"/>
+              <a:t> </a:t>
             </a:r>
             <a:r>
               <a:rPr kumimoji="1" lang="en-US" altLang="zh-TW" dirty="0"/>
-              <a:t> model</a:t>
-            </a:r>
-          </a:p>
-          <a:p>
-            <a:r>
-              <a:rPr kumimoji="1" lang="zh-TW" altLang="zh-TW" dirty="0"/>
-              <a:t>t</a:t>
-            </a:r>
-            <a:r>
-              <a:rPr kumimoji="1" lang="en-US" altLang="zh-TW" dirty="0" err="1"/>
-              <a:t>extRNN</a:t>
-            </a:r>
-            <a:r>
-              <a:rPr kumimoji="1" lang="en-US" altLang="zh-TW" dirty="0"/>
-              <a:t> model</a:t>
-            </a:r>
+              <a:t>demo </a:t>
+            </a:r>
+            <a:r>
+              <a:rPr kumimoji="1" lang="zh-TW" altLang="en-US" dirty="0"/>
+              <a:t>代碼實現</a:t>
+            </a:r>
+            <a:endParaRPr kumimoji="1" lang="en-US" altLang="zh-TW" dirty="0"/>
+          </a:p>
+          <a:p>
+            <a:pPr marL="0" indent="0">
+              <a:buNone/>
+            </a:pPr>
+            <a:endParaRPr kumimoji="1" lang="en-US" altLang="zh-TW" dirty="0"/>
           </a:p>
         </p:txBody>
       </p:sp>
     </p:spTree>
     <p:extLst>
       <p:ext uri="{BB962C8B-B14F-4D97-AF65-F5344CB8AC3E}">
-        <p14:creationId xmlns:p14="http://schemas.microsoft.com/office/powerpoint/2010/main" val="1670608775"/>
+        <p14:creationId xmlns:p14="http://schemas.microsoft.com/office/powerpoint/2010/main" val="514264433"/>
       </p:ext>
     </p:extLst>
   </p:cSld>
@@ -13705,28 +13924,14 @@
         </p:nvSpPr>
         <p:spPr/>
         <p:txBody>
-          <a:bodyPr/>
+          <a:bodyPr>
+            <a:normAutofit/>
+          </a:bodyPr>
           <a:lstStyle/>
           <a:p>
             <a:r>
-              <a:rPr kumimoji="1" lang="zh-TW" altLang="en-US" dirty="0"/>
-              <a:t>W</a:t>
-            </a:r>
-            <a:r>
-              <a:rPr kumimoji="1" lang="zh-TW" altLang="zh-TW" dirty="0"/>
-              <a:t>7</a:t>
-            </a:r>
-            <a:r>
-              <a:rPr kumimoji="1" lang="en-US" altLang="zh-TW" dirty="0"/>
-              <a:t>:</a:t>
-            </a:r>
-            <a:r>
-              <a:rPr kumimoji="1" lang="zh-TW" altLang="en-US" dirty="0"/>
-              <a:t>模型</a:t>
-            </a:r>
-            <a:r>
-              <a:rPr kumimoji="1" lang="en-US" altLang="zh-TW" dirty="0"/>
-              <a:t>DEMO </a:t>
+              <a:rPr kumimoji="1" lang="zh-TW" altLang="en-US" dirty="0" smtClean="0"/>
+              <a:t>線性迴歸</a:t>
             </a:r>
             <a:endParaRPr kumimoji="1" lang="zh-CN" altLang="en-US" dirty="0"/>
           </a:p>
@@ -13747,24 +13952,6 @@
           <a:bodyPr/>
           <a:lstStyle/>
           <a:p>
-            <a:r>
-              <a:rPr kumimoji="1" lang="zh-TW" altLang="en-US" dirty="0"/>
-              <a:t>文本分類</a:t>
-            </a:r>
-            <a:r>
-              <a:rPr kumimoji="1" lang="en-US" altLang="zh-TW" dirty="0"/>
-              <a:t>-</a:t>
-            </a:r>
-            <a:r>
-              <a:rPr kumimoji="1" lang="zh-TW" altLang="en-US" dirty="0"/>
-              <a:t>意圖分類</a:t>
-            </a:r>
-            <a:r>
-              <a:rPr kumimoji="1" lang="en-US" altLang="zh-TW" dirty="0"/>
-              <a:t>DEMO</a:t>
-            </a:r>
-          </a:p>
-          <a:p>
             <a:endParaRPr kumimoji="1" lang="zh-CN" altLang="en-US" dirty="0"/>
           </a:p>
         </p:txBody>
@@ -13772,7 +13959,7 @@
     </p:spTree>
     <p:extLst>
       <p:ext uri="{BB962C8B-B14F-4D97-AF65-F5344CB8AC3E}">
-        <p14:creationId xmlns:p14="http://schemas.microsoft.com/office/powerpoint/2010/main" val="158954754"/>
+        <p14:creationId xmlns:p14="http://schemas.microsoft.com/office/powerpoint/2010/main" val="3662445154"/>
       </p:ext>
     </p:extLst>
   </p:cSld>
@@ -13819,20 +14006,12 @@
               <a:t>W</a:t>
             </a:r>
             <a:r>
-              <a:rPr kumimoji="1" lang="zh-TW" altLang="zh-TW" dirty="0"/>
-              <a:t>8</a:t>
-            </a:r>
-            <a:r>
               <a:rPr kumimoji="1" lang="en-US" altLang="zh-TW" dirty="0"/>
-              <a:t>:</a:t>
+              <a:t>? : </a:t>
             </a:r>
             <a:r>
               <a:rPr kumimoji="1" lang="zh-TW" altLang="en-US" dirty="0"/>
-              <a:t>模型</a:t>
-            </a:r>
-            <a:r>
-              <a:rPr kumimoji="1" lang="en-US" altLang="zh-TW" dirty="0"/>
-              <a:t>DEMO </a:t>
+              <a:t>語言資料基礎分析</a:t>
             </a:r>
             <a:endParaRPr kumimoji="1" lang="zh-CN" altLang="en-US" dirty="0"/>
           </a:p>
@@ -13855,29 +14034,15 @@
           <a:p>
             <a:r>
               <a:rPr kumimoji="1" lang="zh-TW" altLang="en-US" dirty="0"/>
-              <a:t>文本分類</a:t>
-            </a:r>
-            <a:r>
-              <a:rPr kumimoji="1" lang="en-US" altLang="zh-TW" dirty="0"/>
-              <a:t>DEMO-</a:t>
-            </a:r>
+              <a:t>後續看完基礎數學算法後決定</a:t>
+            </a:r>
+            <a:endParaRPr kumimoji="1" lang="en-US" altLang="zh-TW" dirty="0"/>
+          </a:p>
+          <a:p>
             <a:r>
               <a:rPr kumimoji="1" lang="zh-TW" altLang="en-US" dirty="0"/>
-              <a:t>真假新聞分類</a:t>
-            </a:r>
-            <a:r>
-              <a:rPr kumimoji="1" lang="zh-TW" altLang="zh-TW" dirty="0"/>
-              <a:t>D</a:t>
-            </a:r>
-            <a:r>
-              <a:rPr kumimoji="1" lang="en-US" altLang="zh-TW" dirty="0"/>
-              <a:t>EMO</a:t>
-            </a:r>
-          </a:p>
-          <a:p>
-            <a:endParaRPr kumimoji="1" lang="en-US" altLang="zh-TW" dirty="0"/>
-          </a:p>
-          <a:p>
+              <a:t>預定最多佔兩週</a:t>
+            </a:r>
             <a:endParaRPr kumimoji="1" lang="zh-CN" altLang="en-US" dirty="0"/>
           </a:p>
         </p:txBody>
@@ -13885,7 +14050,7 @@
     </p:spTree>
     <p:extLst>
       <p:ext uri="{BB962C8B-B14F-4D97-AF65-F5344CB8AC3E}">
-        <p14:creationId xmlns:p14="http://schemas.microsoft.com/office/powerpoint/2010/main" val="1367445979"/>
+        <p14:creationId xmlns:p14="http://schemas.microsoft.com/office/powerpoint/2010/main" val="1663076574"/>
       </p:ext>
     </p:extLst>
   </p:cSld>
@@ -13929,7 +14094,27 @@
           <a:p>
             <a:r>
               <a:rPr kumimoji="1" lang="zh-TW" altLang="en-US" dirty="0"/>
-              <a:t>後續</a:t>
+              <a:t>W</a:t>
+            </a:r>
+            <a:r>
+              <a:rPr kumimoji="1" lang="zh-TW" altLang="zh-TW" dirty="0"/>
+              <a:t>5</a:t>
+            </a:r>
+            <a:r>
+              <a:rPr kumimoji="1" lang="en-US" altLang="zh-TW" dirty="0"/>
+              <a:t>:</a:t>
+            </a:r>
+            <a:r>
+              <a:rPr kumimoji="1" lang="zh-TW" altLang="en-US" dirty="0"/>
+              <a:t>深度學習模型</a:t>
+            </a:r>
+            <a:r>
+              <a:rPr kumimoji="1" lang="en-US" altLang="zh-TW" dirty="0"/>
+              <a:t>-</a:t>
+            </a:r>
+            <a:r>
+              <a:rPr kumimoji="1" lang="zh-TW" altLang="en-US" dirty="0"/>
+              <a:t>基礎模型</a:t>
             </a:r>
             <a:endParaRPr kumimoji="1" lang="zh-CN" altLang="en-US" dirty="0"/>
           </a:p>
@@ -13952,25 +14137,32 @@
           <a:p>
             <a:r>
               <a:rPr kumimoji="1" lang="zh-TW" altLang="en-US" dirty="0"/>
-              <a:t>依練習結果安排</a:t>
+              <a:t>D</a:t>
             </a:r>
             <a:r>
               <a:rPr kumimoji="1" lang="en-US" altLang="zh-TW" dirty="0"/>
-              <a:t>,</a:t>
+              <a:t>MN model</a:t>
+            </a:r>
+          </a:p>
+          <a:p>
+            <a:r>
+              <a:rPr kumimoji="1" lang="en-US" altLang="zh-TW" dirty="0"/>
+              <a:t>CNN model</a:t>
+            </a:r>
+          </a:p>
+          <a:p>
+            <a:r>
+              <a:rPr kumimoji="1" lang="en-US" altLang="zh-TW" dirty="0"/>
+              <a:t>R</a:t>
             </a:r>
             <a:r>
               <a:rPr kumimoji="1" lang="zh-TW" altLang="en-US" dirty="0"/>
-              <a:t>如果到時內容增加</a:t>
+              <a:t>N</a:t>
             </a:r>
             <a:r>
               <a:rPr kumimoji="1" lang="en-US" altLang="zh-TW" dirty="0"/>
-              <a:t>,</a:t>
-            </a:r>
-            <a:r>
-              <a:rPr kumimoji="1" lang="zh-TW" altLang="en-US" dirty="0"/>
-              <a:t>再補充增加時間</a:t>
-            </a:r>
-            <a:endParaRPr kumimoji="1" lang="en-US" altLang="zh-TW" dirty="0"/>
+              <a:t>N model</a:t>
+            </a:r>
           </a:p>
           <a:p>
             <a:endParaRPr kumimoji="1" lang="zh-CN" altLang="en-US" dirty="0"/>
@@ -13980,7 +14172,124 @@
     </p:spTree>
     <p:extLst>
       <p:ext uri="{BB962C8B-B14F-4D97-AF65-F5344CB8AC3E}">
-        <p14:creationId xmlns:p14="http://schemas.microsoft.com/office/powerpoint/2010/main" val="347939456"/>
+        <p14:creationId xmlns:p14="http://schemas.microsoft.com/office/powerpoint/2010/main" val="1976090492"/>
+      </p:ext>
+    </p:extLst>
+  </p:cSld>
+  <p:clrMapOvr>
+    <a:masterClrMapping/>
+  </p:clrMapOvr>
+</p:sld>
+</file>
+
+<file path=ppt/slides/slide29.xml><?xml version="1.0" encoding="utf-8"?>
+<p:sld xmlns:a="http://schemas.openxmlformats.org/drawingml/2006/main" xmlns:r="http://schemas.openxmlformats.org/officeDocument/2006/relationships" xmlns:p="http://schemas.openxmlformats.org/presentationml/2006/main">
+  <p:cSld>
+    <p:spTree>
+      <p:nvGrpSpPr>
+        <p:cNvPr id="1" name=""/>
+        <p:cNvGrpSpPr/>
+        <p:nvPr/>
+      </p:nvGrpSpPr>
+      <p:grpSpPr>
+        <a:xfrm>
+          <a:off x="0" y="0"/>
+          <a:ext cx="0" cy="0"/>
+          <a:chOff x="0" y="0"/>
+          <a:chExt cx="0" cy="0"/>
+        </a:xfrm>
+      </p:grpSpPr>
+      <p:sp>
+        <p:nvSpPr>
+          <p:cNvPr id="2" name="标题 1"/>
+          <p:cNvSpPr>
+            <a:spLocks noGrp="1"/>
+          </p:cNvSpPr>
+          <p:nvPr>
+            <p:ph type="title"/>
+          </p:nvPr>
+        </p:nvSpPr>
+        <p:spPr/>
+        <p:txBody>
+          <a:bodyPr/>
+          <a:lstStyle/>
+          <a:p>
+            <a:r>
+              <a:rPr kumimoji="1" lang="zh-TW" altLang="en-US" dirty="0"/>
+              <a:t>W</a:t>
+            </a:r>
+            <a:r>
+              <a:rPr kumimoji="1" lang="zh-TW" altLang="zh-TW" dirty="0"/>
+              <a:t>6</a:t>
+            </a:r>
+            <a:r>
+              <a:rPr kumimoji="1" lang="en-US" altLang="zh-TW" dirty="0"/>
+              <a:t>:</a:t>
+            </a:r>
+            <a:r>
+              <a:rPr kumimoji="1" lang="zh-TW" altLang="en-US" dirty="0"/>
+              <a:t>深度學習模型</a:t>
+            </a:r>
+            <a:r>
+              <a:rPr kumimoji="1" lang="en-US" altLang="zh-TW" dirty="0"/>
+              <a:t>-</a:t>
+            </a:r>
+            <a:r>
+              <a:rPr kumimoji="1" lang="zh-TW" altLang="en-US" dirty="0"/>
+              <a:t>應用文本</a:t>
+            </a:r>
+            <a:endParaRPr kumimoji="1" lang="zh-CN" altLang="en-US" dirty="0"/>
+          </a:p>
+        </p:txBody>
+      </p:sp>
+      <p:sp>
+        <p:nvSpPr>
+          <p:cNvPr id="3" name="内容占位符 2"/>
+          <p:cNvSpPr>
+            <a:spLocks noGrp="1"/>
+          </p:cNvSpPr>
+          <p:nvPr>
+            <p:ph idx="1"/>
+          </p:nvPr>
+        </p:nvSpPr>
+        <p:spPr/>
+        <p:txBody>
+          <a:bodyPr/>
+          <a:lstStyle/>
+          <a:p>
+            <a:r>
+              <a:rPr kumimoji="1" lang="zh-TW" altLang="zh-TW" dirty="0"/>
+              <a:t>t</a:t>
+            </a:r>
+            <a:r>
+              <a:rPr kumimoji="1" lang="en-US" altLang="zh-TW" dirty="0" err="1"/>
+              <a:t>extCNN</a:t>
+            </a:r>
+            <a:r>
+              <a:rPr kumimoji="1" lang="en-US" altLang="zh-TW" dirty="0"/>
+              <a:t> model</a:t>
+            </a:r>
+          </a:p>
+          <a:p>
+            <a:r>
+              <a:rPr kumimoji="1" lang="zh-TW" altLang="zh-TW" dirty="0"/>
+              <a:t>t</a:t>
+            </a:r>
+            <a:r>
+              <a:rPr kumimoji="1" lang="en-US" altLang="zh-TW" dirty="0" err="1"/>
+              <a:t>extRNN</a:t>
+            </a:r>
+            <a:r>
+              <a:rPr kumimoji="1" lang="en-US" altLang="zh-TW" dirty="0"/>
+              <a:t> model</a:t>
+            </a:r>
+          </a:p>
+        </p:txBody>
+      </p:sp>
+    </p:spTree>
+    <p:extLst>
+      <p:ext uri="{BB962C8B-B14F-4D97-AF65-F5344CB8AC3E}">
+        <p14:creationId xmlns:p14="http://schemas.microsoft.com/office/powerpoint/2010/main" val="1670608775"/>
       </p:ext>
     </p:extLst>
   </p:cSld>
@@ -14118,6 +14427,320 @@
     <p:extLst>
       <p:ext uri="{BB962C8B-B14F-4D97-AF65-F5344CB8AC3E}">
         <p14:creationId xmlns:p14="http://schemas.microsoft.com/office/powerpoint/2010/main" val="352628912"/>
+      </p:ext>
+    </p:extLst>
+  </p:cSld>
+  <p:clrMapOvr>
+    <a:masterClrMapping/>
+  </p:clrMapOvr>
+</p:sld>
+</file>
+
+<file path=ppt/slides/slide30.xml><?xml version="1.0" encoding="utf-8"?>
+<p:sld xmlns:a="http://schemas.openxmlformats.org/drawingml/2006/main" xmlns:r="http://schemas.openxmlformats.org/officeDocument/2006/relationships" xmlns:p="http://schemas.openxmlformats.org/presentationml/2006/main">
+  <p:cSld>
+    <p:spTree>
+      <p:nvGrpSpPr>
+        <p:cNvPr id="1" name=""/>
+        <p:cNvGrpSpPr/>
+        <p:nvPr/>
+      </p:nvGrpSpPr>
+      <p:grpSpPr>
+        <a:xfrm>
+          <a:off x="0" y="0"/>
+          <a:ext cx="0" cy="0"/>
+          <a:chOff x="0" y="0"/>
+          <a:chExt cx="0" cy="0"/>
+        </a:xfrm>
+      </p:grpSpPr>
+      <p:sp>
+        <p:nvSpPr>
+          <p:cNvPr id="2" name="标题 1"/>
+          <p:cNvSpPr>
+            <a:spLocks noGrp="1"/>
+          </p:cNvSpPr>
+          <p:nvPr>
+            <p:ph type="title"/>
+          </p:nvPr>
+        </p:nvSpPr>
+        <p:spPr/>
+        <p:txBody>
+          <a:bodyPr/>
+          <a:lstStyle/>
+          <a:p>
+            <a:r>
+              <a:rPr kumimoji="1" lang="zh-TW" altLang="en-US" dirty="0"/>
+              <a:t>W</a:t>
+            </a:r>
+            <a:r>
+              <a:rPr kumimoji="1" lang="zh-TW" altLang="zh-TW" dirty="0"/>
+              <a:t>7</a:t>
+            </a:r>
+            <a:r>
+              <a:rPr kumimoji="1" lang="en-US" altLang="zh-TW" dirty="0"/>
+              <a:t>:</a:t>
+            </a:r>
+            <a:r>
+              <a:rPr kumimoji="1" lang="zh-TW" altLang="en-US" dirty="0"/>
+              <a:t>模型</a:t>
+            </a:r>
+            <a:r>
+              <a:rPr kumimoji="1" lang="en-US" altLang="zh-TW" dirty="0"/>
+              <a:t>DEMO </a:t>
+            </a:r>
+            <a:endParaRPr kumimoji="1" lang="zh-CN" altLang="en-US" dirty="0"/>
+          </a:p>
+        </p:txBody>
+      </p:sp>
+      <p:sp>
+        <p:nvSpPr>
+          <p:cNvPr id="3" name="内容占位符 2"/>
+          <p:cNvSpPr>
+            <a:spLocks noGrp="1"/>
+          </p:cNvSpPr>
+          <p:nvPr>
+            <p:ph idx="1"/>
+          </p:nvPr>
+        </p:nvSpPr>
+        <p:spPr/>
+        <p:txBody>
+          <a:bodyPr/>
+          <a:lstStyle/>
+          <a:p>
+            <a:r>
+              <a:rPr kumimoji="1" lang="zh-TW" altLang="en-US" dirty="0"/>
+              <a:t>文本分類</a:t>
+            </a:r>
+            <a:r>
+              <a:rPr kumimoji="1" lang="en-US" altLang="zh-TW" dirty="0"/>
+              <a:t>-</a:t>
+            </a:r>
+            <a:r>
+              <a:rPr kumimoji="1" lang="zh-TW" altLang="en-US" dirty="0"/>
+              <a:t>意圖分類</a:t>
+            </a:r>
+            <a:r>
+              <a:rPr kumimoji="1" lang="en-US" altLang="zh-TW" dirty="0"/>
+              <a:t>DEMO</a:t>
+            </a:r>
+          </a:p>
+          <a:p>
+            <a:endParaRPr kumimoji="1" lang="zh-CN" altLang="en-US" dirty="0"/>
+          </a:p>
+        </p:txBody>
+      </p:sp>
+    </p:spTree>
+    <p:extLst>
+      <p:ext uri="{BB962C8B-B14F-4D97-AF65-F5344CB8AC3E}">
+        <p14:creationId xmlns:p14="http://schemas.microsoft.com/office/powerpoint/2010/main" val="158954754"/>
+      </p:ext>
+    </p:extLst>
+  </p:cSld>
+  <p:clrMapOvr>
+    <a:masterClrMapping/>
+  </p:clrMapOvr>
+</p:sld>
+</file>
+
+<file path=ppt/slides/slide31.xml><?xml version="1.0" encoding="utf-8"?>
+<p:sld xmlns:a="http://schemas.openxmlformats.org/drawingml/2006/main" xmlns:r="http://schemas.openxmlformats.org/officeDocument/2006/relationships" xmlns:p="http://schemas.openxmlformats.org/presentationml/2006/main">
+  <p:cSld>
+    <p:spTree>
+      <p:nvGrpSpPr>
+        <p:cNvPr id="1" name=""/>
+        <p:cNvGrpSpPr/>
+        <p:nvPr/>
+      </p:nvGrpSpPr>
+      <p:grpSpPr>
+        <a:xfrm>
+          <a:off x="0" y="0"/>
+          <a:ext cx="0" cy="0"/>
+          <a:chOff x="0" y="0"/>
+          <a:chExt cx="0" cy="0"/>
+        </a:xfrm>
+      </p:grpSpPr>
+      <p:sp>
+        <p:nvSpPr>
+          <p:cNvPr id="2" name="标题 1"/>
+          <p:cNvSpPr>
+            <a:spLocks noGrp="1"/>
+          </p:cNvSpPr>
+          <p:nvPr>
+            <p:ph type="title"/>
+          </p:nvPr>
+        </p:nvSpPr>
+        <p:spPr/>
+        <p:txBody>
+          <a:bodyPr/>
+          <a:lstStyle/>
+          <a:p>
+            <a:r>
+              <a:rPr kumimoji="1" lang="zh-TW" altLang="en-US" dirty="0"/>
+              <a:t>W</a:t>
+            </a:r>
+            <a:r>
+              <a:rPr kumimoji="1" lang="zh-TW" altLang="zh-TW" dirty="0"/>
+              <a:t>8</a:t>
+            </a:r>
+            <a:r>
+              <a:rPr kumimoji="1" lang="en-US" altLang="zh-TW" dirty="0"/>
+              <a:t>:</a:t>
+            </a:r>
+            <a:r>
+              <a:rPr kumimoji="1" lang="zh-TW" altLang="en-US" dirty="0"/>
+              <a:t>模型</a:t>
+            </a:r>
+            <a:r>
+              <a:rPr kumimoji="1" lang="en-US" altLang="zh-TW" dirty="0"/>
+              <a:t>DEMO </a:t>
+            </a:r>
+            <a:endParaRPr kumimoji="1" lang="zh-CN" altLang="en-US" dirty="0"/>
+          </a:p>
+        </p:txBody>
+      </p:sp>
+      <p:sp>
+        <p:nvSpPr>
+          <p:cNvPr id="3" name="内容占位符 2"/>
+          <p:cNvSpPr>
+            <a:spLocks noGrp="1"/>
+          </p:cNvSpPr>
+          <p:nvPr>
+            <p:ph idx="1"/>
+          </p:nvPr>
+        </p:nvSpPr>
+        <p:spPr/>
+        <p:txBody>
+          <a:bodyPr/>
+          <a:lstStyle/>
+          <a:p>
+            <a:r>
+              <a:rPr kumimoji="1" lang="zh-TW" altLang="en-US" dirty="0"/>
+              <a:t>文本分類</a:t>
+            </a:r>
+            <a:r>
+              <a:rPr kumimoji="1" lang="en-US" altLang="zh-TW" dirty="0"/>
+              <a:t>DEMO-</a:t>
+            </a:r>
+            <a:r>
+              <a:rPr kumimoji="1" lang="zh-TW" altLang="en-US" dirty="0"/>
+              <a:t>真假新聞分類</a:t>
+            </a:r>
+            <a:r>
+              <a:rPr kumimoji="1" lang="zh-TW" altLang="zh-TW" dirty="0"/>
+              <a:t>D</a:t>
+            </a:r>
+            <a:r>
+              <a:rPr kumimoji="1" lang="en-US" altLang="zh-TW" dirty="0"/>
+              <a:t>EMO</a:t>
+            </a:r>
+          </a:p>
+          <a:p>
+            <a:endParaRPr kumimoji="1" lang="en-US" altLang="zh-TW" dirty="0"/>
+          </a:p>
+          <a:p>
+            <a:endParaRPr kumimoji="1" lang="zh-CN" altLang="en-US" dirty="0"/>
+          </a:p>
+        </p:txBody>
+      </p:sp>
+    </p:spTree>
+    <p:extLst>
+      <p:ext uri="{BB962C8B-B14F-4D97-AF65-F5344CB8AC3E}">
+        <p14:creationId xmlns:p14="http://schemas.microsoft.com/office/powerpoint/2010/main" val="1367445979"/>
+      </p:ext>
+    </p:extLst>
+  </p:cSld>
+  <p:clrMapOvr>
+    <a:masterClrMapping/>
+  </p:clrMapOvr>
+</p:sld>
+</file>
+
+<file path=ppt/slides/slide32.xml><?xml version="1.0" encoding="utf-8"?>
+<p:sld xmlns:a="http://schemas.openxmlformats.org/drawingml/2006/main" xmlns:r="http://schemas.openxmlformats.org/officeDocument/2006/relationships" xmlns:p="http://schemas.openxmlformats.org/presentationml/2006/main">
+  <p:cSld>
+    <p:spTree>
+      <p:nvGrpSpPr>
+        <p:cNvPr id="1" name=""/>
+        <p:cNvGrpSpPr/>
+        <p:nvPr/>
+      </p:nvGrpSpPr>
+      <p:grpSpPr>
+        <a:xfrm>
+          <a:off x="0" y="0"/>
+          <a:ext cx="0" cy="0"/>
+          <a:chOff x="0" y="0"/>
+          <a:chExt cx="0" cy="0"/>
+        </a:xfrm>
+      </p:grpSpPr>
+      <p:sp>
+        <p:nvSpPr>
+          <p:cNvPr id="2" name="标题 1"/>
+          <p:cNvSpPr>
+            <a:spLocks noGrp="1"/>
+          </p:cNvSpPr>
+          <p:nvPr>
+            <p:ph type="title"/>
+          </p:nvPr>
+        </p:nvSpPr>
+        <p:spPr/>
+        <p:txBody>
+          <a:bodyPr/>
+          <a:lstStyle/>
+          <a:p>
+            <a:r>
+              <a:rPr kumimoji="1" lang="zh-TW" altLang="en-US" dirty="0"/>
+              <a:t>後續</a:t>
+            </a:r>
+            <a:endParaRPr kumimoji="1" lang="zh-CN" altLang="en-US" dirty="0"/>
+          </a:p>
+        </p:txBody>
+      </p:sp>
+      <p:sp>
+        <p:nvSpPr>
+          <p:cNvPr id="3" name="内容占位符 2"/>
+          <p:cNvSpPr>
+            <a:spLocks noGrp="1"/>
+          </p:cNvSpPr>
+          <p:nvPr>
+            <p:ph idx="1"/>
+          </p:nvPr>
+        </p:nvSpPr>
+        <p:spPr/>
+        <p:txBody>
+          <a:bodyPr/>
+          <a:lstStyle/>
+          <a:p>
+            <a:r>
+              <a:rPr kumimoji="1" lang="zh-TW" altLang="en-US" dirty="0"/>
+              <a:t>依練習結果安排</a:t>
+            </a:r>
+            <a:r>
+              <a:rPr kumimoji="1" lang="en-US" altLang="zh-TW" dirty="0"/>
+              <a:t>,</a:t>
+            </a:r>
+            <a:r>
+              <a:rPr kumimoji="1" lang="zh-TW" altLang="en-US" dirty="0"/>
+              <a:t>如果到時內容增加</a:t>
+            </a:r>
+            <a:r>
+              <a:rPr kumimoji="1" lang="en-US" altLang="zh-TW" dirty="0"/>
+              <a:t>,</a:t>
+            </a:r>
+            <a:r>
+              <a:rPr kumimoji="1" lang="zh-TW" altLang="en-US" dirty="0"/>
+              <a:t>再補充增加時間</a:t>
+            </a:r>
+            <a:endParaRPr kumimoji="1" lang="en-US" altLang="zh-TW" dirty="0"/>
+          </a:p>
+          <a:p>
+            <a:endParaRPr kumimoji="1" lang="zh-CN" altLang="en-US" dirty="0"/>
+          </a:p>
+        </p:txBody>
+      </p:sp>
+    </p:spTree>
+    <p:extLst>
+      <p:ext uri="{BB962C8B-B14F-4D97-AF65-F5344CB8AC3E}">
+        <p14:creationId xmlns:p14="http://schemas.microsoft.com/office/powerpoint/2010/main" val="347939456"/>
       </p:ext>
     </p:extLst>
   </p:cSld>

--- a/ml traing sean_detail.pptx
+++ b/ml traing sean_detail.pptx
@@ -5,7 +5,7 @@
     <p:sldMasterId id="2147483660" r:id="rId1"/>
   </p:sldMasterIdLst>
   <p:notesMasterIdLst>
-    <p:notesMasterId r:id="rId34"/>
+    <p:notesMasterId r:id="rId35"/>
   </p:notesMasterIdLst>
   <p:sldIdLst>
     <p:sldId id="256" r:id="rId2"/>
@@ -32,14 +32,15 @@
     <p:sldId id="285" r:id="rId23"/>
     <p:sldId id="286" r:id="rId24"/>
     <p:sldId id="287" r:id="rId25"/>
-    <p:sldId id="262" r:id="rId26"/>
-    <p:sldId id="283" r:id="rId27"/>
-    <p:sldId id="268" r:id="rId28"/>
-    <p:sldId id="263" r:id="rId29"/>
-    <p:sldId id="264" r:id="rId30"/>
-    <p:sldId id="265" r:id="rId31"/>
-    <p:sldId id="266" r:id="rId32"/>
-    <p:sldId id="267" r:id="rId33"/>
+    <p:sldId id="288" r:id="rId26"/>
+    <p:sldId id="262" r:id="rId27"/>
+    <p:sldId id="283" r:id="rId28"/>
+    <p:sldId id="268" r:id="rId29"/>
+    <p:sldId id="263" r:id="rId30"/>
+    <p:sldId id="264" r:id="rId31"/>
+    <p:sldId id="265" r:id="rId32"/>
+    <p:sldId id="266" r:id="rId33"/>
+    <p:sldId id="267" r:id="rId34"/>
   </p:sldIdLst>
   <p:sldSz cx="9144000" cy="6858000" type="screen4x3"/>
   <p:notesSz cx="6858000" cy="9144000"/>
@@ -140,7 +141,7 @@
   </p:defaultTextStyle>
   <p:extLst>
     <p:ext uri="{EFAFB233-063F-42B5-8137-9DF3F51BA10A}">
-      <p15:sldGuideLst xmlns:p15="http://schemas.microsoft.com/office/powerpoint/2012/main" xmlns="">
+      <p15:sldGuideLst xmlns="" xmlns:p15="http://schemas.microsoft.com/office/powerpoint/2012/main">
         <p15:guide id="1" orient="horz" pos="2160">
           <p15:clr>
             <a:srgbClr val="A4A3A4"/>
@@ -2217,321 +2218,6 @@
       <dsp:cNvGrpSpPr/>
     </dsp:nvGrpSpPr>
     <dsp:grpSpPr/>
-    <dsp:sp modelId="{251EFD85-4C8F-4943-9B83-685CA0EF0216}">
-      <dsp:nvSpPr>
-        <dsp:cNvPr id="0" name=""/>
-        <dsp:cNvSpPr/>
-      </dsp:nvSpPr>
-      <dsp:spPr>
-        <a:xfrm>
-          <a:off x="460152" y="0"/>
-          <a:ext cx="5215057" cy="3622060"/>
-        </a:xfrm>
-        <a:prstGeom prst="rightArrow">
-          <a:avLst/>
-        </a:prstGeom>
-        <a:solidFill>
-          <a:schemeClr val="tx1">
-            <a:lumMod val="10000"/>
-            <a:lumOff val="90000"/>
-          </a:schemeClr>
-        </a:solidFill>
-        <a:ln>
-          <a:noFill/>
-        </a:ln>
-        <a:effectLst>
-          <a:outerShdw blurRad="50800" dist="63500" dir="2700000" sx="102000" sy="102000" rotWithShape="0">
-            <a:srgbClr val="000000">
-              <a:alpha val="50000"/>
-            </a:srgbClr>
-          </a:outerShdw>
-        </a:effectLst>
-        <a:scene3d>
-          <a:camera prst="orthographicFront">
-            <a:rot lat="0" lon="0" rev="0"/>
-          </a:camera>
-          <a:lightRig rig="glow" dir="tl"/>
-        </a:scene3d>
-        <a:sp3d>
-          <a:bevelT w="0" h="0"/>
-        </a:sp3d>
-      </dsp:spPr>
-      <dsp:style>
-        <a:lnRef idx="0">
-          <a:scrgbClr r="0" g="0" b="0"/>
-        </a:lnRef>
-        <a:fillRef idx="1">
-          <a:scrgbClr r="0" g="0" b="0"/>
-        </a:fillRef>
-        <a:effectRef idx="2">
-          <a:scrgbClr r="0" g="0" b="0"/>
-        </a:effectRef>
-        <a:fontRef idx="minor"/>
-      </dsp:style>
-    </dsp:sp>
-    <dsp:sp modelId="{F5994DC2-84D5-5145-ACCD-8DB8FD66C2E6}">
-      <dsp:nvSpPr>
-        <dsp:cNvPr id="0" name=""/>
-        <dsp:cNvSpPr/>
-      </dsp:nvSpPr>
-      <dsp:spPr>
-        <a:xfrm>
-          <a:off x="152185" y="1086618"/>
-          <a:ext cx="1840608" cy="1448824"/>
-        </a:xfrm>
-        <a:prstGeom prst="roundRect">
-          <a:avLst/>
-        </a:prstGeom>
-        <a:solidFill>
-          <a:schemeClr val="tx1">
-            <a:lumMod val="75000"/>
-            <a:lumOff val="25000"/>
-          </a:schemeClr>
-        </a:solidFill>
-        <a:ln>
-          <a:noFill/>
-        </a:ln>
-        <a:effectLst>
-          <a:outerShdw blurRad="50800" dist="63500" dir="2700000" sx="102000" sy="102000" rotWithShape="0">
-            <a:srgbClr val="000000">
-              <a:alpha val="50000"/>
-            </a:srgbClr>
-          </a:outerShdw>
-        </a:effectLst>
-        <a:scene3d>
-          <a:camera prst="orthographicFront">
-            <a:rot lat="0" lon="0" rev="0"/>
-          </a:camera>
-          <a:lightRig rig="glow" dir="tl"/>
-        </a:scene3d>
-        <a:sp3d>
-          <a:bevelT w="0" h="0"/>
-        </a:sp3d>
-      </dsp:spPr>
-      <dsp:style>
-        <a:lnRef idx="0">
-          <a:scrgbClr r="0" g="0" b="0"/>
-        </a:lnRef>
-        <a:fillRef idx="3">
-          <a:scrgbClr r="0" g="0" b="0"/>
-        </a:fillRef>
-        <a:effectRef idx="2">
-          <a:scrgbClr r="0" g="0" b="0"/>
-        </a:effectRef>
-        <a:fontRef idx="minor">
-          <a:schemeClr val="lt1"/>
-        </a:fontRef>
-      </dsp:style>
-      <dsp:txBody>
-        <a:bodyPr spcFirstLastPara="0" vert="horz" wrap="square" lIns="121920" tIns="121920" rIns="121920" bIns="121920" numCol="1" spcCol="1270" anchor="ctr" anchorCtr="0">
-          <a:noAutofit/>
-        </a:bodyPr>
-        <a:lstStyle/>
-        <a:p>
-          <a:pPr lvl="0" algn="ctr" defTabSz="1422400">
-            <a:lnSpc>
-              <a:spcPct val="90000"/>
-            </a:lnSpc>
-            <a:spcBef>
-              <a:spcPct val="0"/>
-            </a:spcBef>
-            <a:spcAft>
-              <a:spcPct val="35000"/>
-            </a:spcAft>
-          </a:pPr>
-          <a:r>
-            <a:rPr lang="en-US" altLang="zh-CN" sz="3200" kern="1200" dirty="0"/>
-            <a:t>Raw data</a:t>
-          </a:r>
-          <a:endParaRPr lang="zh-CN" altLang="en-US" sz="3200" kern="1200" dirty="0"/>
-        </a:p>
-      </dsp:txBody>
-      <dsp:txXfrm>
-        <a:off x="222911" y="1157344"/>
-        <a:ext cx="1699156" cy="1307372"/>
-      </dsp:txXfrm>
-    </dsp:sp>
-    <dsp:sp modelId="{E4C990E4-716C-3042-9279-DB52C8C61FE7}">
-      <dsp:nvSpPr>
-        <dsp:cNvPr id="0" name=""/>
-        <dsp:cNvSpPr/>
-      </dsp:nvSpPr>
-      <dsp:spPr>
-        <a:xfrm>
-          <a:off x="2147376" y="1086618"/>
-          <a:ext cx="1840608" cy="1448824"/>
-        </a:xfrm>
-        <a:prstGeom prst="roundRect">
-          <a:avLst/>
-        </a:prstGeom>
-        <a:solidFill>
-          <a:schemeClr val="tx1">
-            <a:lumMod val="90000"/>
-            <a:lumOff val="10000"/>
-          </a:schemeClr>
-        </a:solidFill>
-        <a:ln>
-          <a:noFill/>
-        </a:ln>
-        <a:effectLst>
-          <a:outerShdw blurRad="50800" dist="63500" dir="2700000" sx="102000" sy="102000" rotWithShape="0">
-            <a:srgbClr val="000000">
-              <a:alpha val="50000"/>
-            </a:srgbClr>
-          </a:outerShdw>
-        </a:effectLst>
-        <a:scene3d>
-          <a:camera prst="orthographicFront">
-            <a:rot lat="0" lon="0" rev="0"/>
-          </a:camera>
-          <a:lightRig rig="glow" dir="tl"/>
-        </a:scene3d>
-        <a:sp3d>
-          <a:bevelT w="0" h="0"/>
-        </a:sp3d>
-      </dsp:spPr>
-      <dsp:style>
-        <a:lnRef idx="0">
-          <a:scrgbClr r="0" g="0" b="0"/>
-        </a:lnRef>
-        <a:fillRef idx="3">
-          <a:scrgbClr r="0" g="0" b="0"/>
-        </a:fillRef>
-        <a:effectRef idx="2">
-          <a:scrgbClr r="0" g="0" b="0"/>
-        </a:effectRef>
-        <a:fontRef idx="minor">
-          <a:schemeClr val="lt1"/>
-        </a:fontRef>
-      </dsp:style>
-      <dsp:txBody>
-        <a:bodyPr spcFirstLastPara="0" vert="horz" wrap="square" lIns="121920" tIns="121920" rIns="121920" bIns="121920" numCol="1" spcCol="1270" anchor="ctr" anchorCtr="0">
-          <a:noAutofit/>
-        </a:bodyPr>
-        <a:lstStyle/>
-        <a:p>
-          <a:pPr lvl="0" algn="ctr" defTabSz="1422400">
-            <a:lnSpc>
-              <a:spcPct val="90000"/>
-            </a:lnSpc>
-            <a:spcBef>
-              <a:spcPct val="0"/>
-            </a:spcBef>
-            <a:spcAft>
-              <a:spcPct val="35000"/>
-            </a:spcAft>
-          </a:pPr>
-          <a:r>
-            <a:rPr lang="en-US" altLang="zh-CN" sz="3200" kern="1200" dirty="0"/>
-            <a:t>Model</a:t>
-          </a:r>
-        </a:p>
-        <a:p>
-          <a:pPr lvl="0" algn="ctr" defTabSz="1422400">
-            <a:lnSpc>
-              <a:spcPct val="90000"/>
-            </a:lnSpc>
-            <a:spcBef>
-              <a:spcPct val="0"/>
-            </a:spcBef>
-            <a:spcAft>
-              <a:spcPct val="35000"/>
-            </a:spcAft>
-          </a:pPr>
-          <a:r>
-            <a:rPr lang="en-US" altLang="zh-CN" sz="3200" kern="1200" dirty="0"/>
-            <a:t>process</a:t>
-          </a:r>
-          <a:endParaRPr lang="zh-CN" altLang="en-US" sz="3200" kern="1200" dirty="0"/>
-        </a:p>
-      </dsp:txBody>
-      <dsp:txXfrm>
-        <a:off x="2218102" y="1157344"/>
-        <a:ext cx="1699156" cy="1307372"/>
-      </dsp:txXfrm>
-    </dsp:sp>
-    <dsp:sp modelId="{E3C4F012-47FA-D34E-9DEC-15A5BAF77B4D}">
-      <dsp:nvSpPr>
-        <dsp:cNvPr id="0" name=""/>
-        <dsp:cNvSpPr/>
-      </dsp:nvSpPr>
-      <dsp:spPr>
-        <a:xfrm>
-          <a:off x="4079850" y="1086618"/>
-          <a:ext cx="1840608" cy="1448824"/>
-        </a:xfrm>
-        <a:prstGeom prst="roundRect">
-          <a:avLst/>
-        </a:prstGeom>
-        <a:solidFill>
-          <a:schemeClr val="tx1">
-            <a:lumMod val="50000"/>
-            <a:lumOff val="50000"/>
-          </a:schemeClr>
-        </a:solidFill>
-        <a:ln>
-          <a:noFill/>
-        </a:ln>
-        <a:effectLst>
-          <a:outerShdw blurRad="50800" dist="63500" dir="2700000" sx="102000" sy="102000" rotWithShape="0">
-            <a:srgbClr val="000000">
-              <a:alpha val="50000"/>
-            </a:srgbClr>
-          </a:outerShdw>
-        </a:effectLst>
-        <a:scene3d>
-          <a:camera prst="orthographicFront">
-            <a:rot lat="0" lon="0" rev="0"/>
-          </a:camera>
-          <a:lightRig rig="glow" dir="tl"/>
-        </a:scene3d>
-        <a:sp3d>
-          <a:bevelT w="0" h="0"/>
-        </a:sp3d>
-      </dsp:spPr>
-      <dsp:style>
-        <a:lnRef idx="0">
-          <a:scrgbClr r="0" g="0" b="0"/>
-        </a:lnRef>
-        <a:fillRef idx="3">
-          <a:scrgbClr r="0" g="0" b="0"/>
-        </a:fillRef>
-        <a:effectRef idx="2">
-          <a:scrgbClr r="0" g="0" b="0"/>
-        </a:effectRef>
-        <a:fontRef idx="minor">
-          <a:schemeClr val="lt1"/>
-        </a:fontRef>
-      </dsp:style>
-      <dsp:txBody>
-        <a:bodyPr spcFirstLastPara="0" vert="horz" wrap="square" lIns="121920" tIns="121920" rIns="121920" bIns="121920" numCol="1" spcCol="1270" anchor="ctr" anchorCtr="0">
-          <a:noAutofit/>
-        </a:bodyPr>
-        <a:lstStyle/>
-        <a:p>
-          <a:pPr lvl="0" algn="ctr" defTabSz="1422400">
-            <a:lnSpc>
-              <a:spcPct val="90000"/>
-            </a:lnSpc>
-            <a:spcBef>
-              <a:spcPct val="0"/>
-            </a:spcBef>
-            <a:spcAft>
-              <a:spcPct val="35000"/>
-            </a:spcAft>
-          </a:pPr>
-          <a:r>
-            <a:rPr lang="en-US" altLang="zh-CN" sz="3200" kern="1200" dirty="0"/>
-            <a:t>Class result</a:t>
-          </a:r>
-          <a:endParaRPr lang="zh-CN" altLang="en-US" sz="3200" kern="1200" dirty="0"/>
-        </a:p>
-      </dsp:txBody>
-      <dsp:txXfrm>
-        <a:off x="4150576" y="1157344"/>
-        <a:ext cx="1699156" cy="1307372"/>
-      </dsp:txXfrm>
-    </dsp:sp>
   </dsp:spTree>
 </dsp:drawing>
 </file>
@@ -2544,278 +2230,6 @@
       <dsp:cNvGrpSpPr/>
     </dsp:nvGrpSpPr>
     <dsp:grpSpPr/>
-    <dsp:sp modelId="{38793DA2-2ABE-BF42-907B-16DCE3F55510}">
-      <dsp:nvSpPr>
-        <dsp:cNvPr id="0" name=""/>
-        <dsp:cNvSpPr/>
-      </dsp:nvSpPr>
-      <dsp:spPr>
-        <a:xfrm>
-          <a:off x="1501569" y="0"/>
-          <a:ext cx="1501569" cy="913512"/>
-        </a:xfrm>
-        <a:prstGeom prst="trapezoid">
-          <a:avLst>
-            <a:gd name="adj" fmla="val 82187"/>
-          </a:avLst>
-        </a:prstGeom>
-        <a:solidFill>
-          <a:schemeClr val="tx1">
-            <a:lumMod val="25000"/>
-            <a:lumOff val="75000"/>
-          </a:schemeClr>
-        </a:solidFill>
-        <a:ln>
-          <a:noFill/>
-        </a:ln>
-        <a:effectLst>
-          <a:outerShdw blurRad="50800" dist="63500" dir="2700000" sx="102000" sy="102000" rotWithShape="0">
-            <a:srgbClr val="000000">
-              <a:alpha val="50000"/>
-            </a:srgbClr>
-          </a:outerShdw>
-        </a:effectLst>
-        <a:scene3d>
-          <a:camera prst="orthographicFront">
-            <a:rot lat="0" lon="0" rev="0"/>
-          </a:camera>
-          <a:lightRig rig="glow" dir="tl"/>
-        </a:scene3d>
-        <a:sp3d>
-          <a:bevelT w="0" h="0"/>
-        </a:sp3d>
-      </dsp:spPr>
-      <dsp:style>
-        <a:lnRef idx="0">
-          <a:scrgbClr r="0" g="0" b="0"/>
-        </a:lnRef>
-        <a:fillRef idx="3">
-          <a:scrgbClr r="0" g="0" b="0"/>
-        </a:fillRef>
-        <a:effectRef idx="2">
-          <a:scrgbClr r="0" g="0" b="0"/>
-        </a:effectRef>
-        <a:fontRef idx="minor">
-          <a:schemeClr val="lt1"/>
-        </a:fontRef>
-      </dsp:style>
-      <dsp:txBody>
-        <a:bodyPr spcFirstLastPara="0" vert="horz" wrap="square" lIns="36830" tIns="36830" rIns="36830" bIns="36830" numCol="1" spcCol="1270" anchor="ctr" anchorCtr="0">
-          <a:noAutofit/>
-        </a:bodyPr>
-        <a:lstStyle/>
-        <a:p>
-          <a:pPr lvl="0" algn="ctr" defTabSz="1289050">
-            <a:lnSpc>
-              <a:spcPct val="90000"/>
-            </a:lnSpc>
-            <a:spcBef>
-              <a:spcPct val="0"/>
-            </a:spcBef>
-            <a:spcAft>
-              <a:spcPct val="35000"/>
-            </a:spcAft>
-          </a:pPr>
-          <a:r>
-            <a:rPr lang="en-US" altLang="zh-TW" sz="2900" kern="1200" dirty="0"/>
-            <a:t>app</a:t>
-          </a:r>
-          <a:endParaRPr lang="zh-CN" altLang="en-US" sz="2900" kern="1200" dirty="0"/>
-        </a:p>
-      </dsp:txBody>
-      <dsp:txXfrm>
-        <a:off x="1501569" y="0"/>
-        <a:ext cx="1501569" cy="913512"/>
-      </dsp:txXfrm>
-    </dsp:sp>
-    <dsp:sp modelId="{6783CD30-30E9-934A-8116-191DC54CA623}">
-      <dsp:nvSpPr>
-        <dsp:cNvPr id="0" name=""/>
-        <dsp:cNvSpPr/>
-      </dsp:nvSpPr>
-      <dsp:spPr>
-        <a:xfrm>
-          <a:off x="750784" y="913512"/>
-          <a:ext cx="3003139" cy="913512"/>
-        </a:xfrm>
-        <a:prstGeom prst="trapezoid">
-          <a:avLst>
-            <a:gd name="adj" fmla="val 82187"/>
-          </a:avLst>
-        </a:prstGeom>
-        <a:solidFill>
-          <a:schemeClr val="tx1">
-            <a:lumMod val="50000"/>
-            <a:lumOff val="50000"/>
-          </a:schemeClr>
-        </a:solidFill>
-        <a:ln>
-          <a:noFill/>
-        </a:ln>
-        <a:effectLst>
-          <a:outerShdw blurRad="50800" dist="63500" dir="2700000" sx="102000" sy="102000" rotWithShape="0">
-            <a:srgbClr val="000000">
-              <a:alpha val="50000"/>
-            </a:srgbClr>
-          </a:outerShdw>
-        </a:effectLst>
-        <a:scene3d>
-          <a:camera prst="orthographicFront">
-            <a:rot lat="0" lon="0" rev="0"/>
-          </a:camera>
-          <a:lightRig rig="glow" dir="tl"/>
-        </a:scene3d>
-        <a:sp3d>
-          <a:bevelT w="0" h="0"/>
-        </a:sp3d>
-      </dsp:spPr>
-      <dsp:style>
-        <a:lnRef idx="0">
-          <a:scrgbClr r="0" g="0" b="0"/>
-        </a:lnRef>
-        <a:fillRef idx="3">
-          <a:scrgbClr r="0" g="0" b="0"/>
-        </a:fillRef>
-        <a:effectRef idx="2">
-          <a:scrgbClr r="0" g="0" b="0"/>
-        </a:effectRef>
-        <a:fontRef idx="minor">
-          <a:schemeClr val="lt1"/>
-        </a:fontRef>
-      </dsp:style>
-      <dsp:txBody>
-        <a:bodyPr spcFirstLastPara="0" vert="horz" wrap="square" lIns="36830" tIns="36830" rIns="36830" bIns="36830" numCol="1" spcCol="1270" anchor="ctr" anchorCtr="0">
-          <a:noAutofit/>
-        </a:bodyPr>
-        <a:lstStyle/>
-        <a:p>
-          <a:pPr lvl="0" algn="ctr" defTabSz="1289050">
-            <a:lnSpc>
-              <a:spcPct val="90000"/>
-            </a:lnSpc>
-            <a:spcBef>
-              <a:spcPct val="0"/>
-            </a:spcBef>
-            <a:spcAft>
-              <a:spcPct val="35000"/>
-            </a:spcAft>
-          </a:pPr>
-          <a:r>
-            <a:rPr lang="en-US" altLang="zh-CN" sz="2900" kern="1200" dirty="0"/>
-            <a:t>Alg</a:t>
-          </a:r>
-          <a:r>
-            <a:rPr lang="en-US" altLang="zh-TW" sz="2900" kern="1200" dirty="0"/>
-            <a:t>o</a:t>
-          </a:r>
-          <a:r>
-            <a:rPr lang="en-US" altLang="zh-CN" sz="2900" kern="1200" dirty="0"/>
-            <a:t>rithm</a:t>
-          </a:r>
-          <a:endParaRPr lang="zh-CN" altLang="en-US" sz="2900" kern="1200" dirty="0"/>
-        </a:p>
-      </dsp:txBody>
-      <dsp:txXfrm>
-        <a:off x="1276334" y="913512"/>
-        <a:ext cx="1952040" cy="913512"/>
-      </dsp:txXfrm>
-    </dsp:sp>
-    <dsp:sp modelId="{E62C9D9E-7EAE-B24D-9E86-E99F70B1C75C}">
-      <dsp:nvSpPr>
-        <dsp:cNvPr id="0" name=""/>
-        <dsp:cNvSpPr/>
-      </dsp:nvSpPr>
-      <dsp:spPr>
-        <a:xfrm>
-          <a:off x="0" y="1827023"/>
-          <a:ext cx="4504709" cy="913512"/>
-        </a:xfrm>
-        <a:prstGeom prst="trapezoid">
-          <a:avLst>
-            <a:gd name="adj" fmla="val 82187"/>
-          </a:avLst>
-        </a:prstGeom>
-        <a:solidFill>
-          <a:schemeClr val="tx1">
-            <a:lumMod val="50000"/>
-            <a:lumOff val="50000"/>
-          </a:schemeClr>
-        </a:solidFill>
-        <a:ln>
-          <a:noFill/>
-        </a:ln>
-        <a:effectLst>
-          <a:outerShdw blurRad="50800" dist="63500" dir="2700000" sx="102000" sy="102000" rotWithShape="0">
-            <a:srgbClr val="000000">
-              <a:alpha val="50000"/>
-            </a:srgbClr>
-          </a:outerShdw>
-        </a:effectLst>
-        <a:scene3d>
-          <a:camera prst="orthographicFront">
-            <a:rot lat="0" lon="0" rev="0"/>
-          </a:camera>
-          <a:lightRig rig="glow" dir="tl"/>
-        </a:scene3d>
-        <a:sp3d>
-          <a:bevelT w="0" h="0"/>
-        </a:sp3d>
-      </dsp:spPr>
-      <dsp:style>
-        <a:lnRef idx="0">
-          <a:scrgbClr r="0" g="0" b="0"/>
-        </a:lnRef>
-        <a:fillRef idx="3">
-          <a:scrgbClr r="0" g="0" b="0"/>
-        </a:fillRef>
-        <a:effectRef idx="2">
-          <a:scrgbClr r="0" g="0" b="0"/>
-        </a:effectRef>
-        <a:fontRef idx="minor">
-          <a:schemeClr val="lt1"/>
-        </a:fontRef>
-      </dsp:style>
-      <dsp:txBody>
-        <a:bodyPr spcFirstLastPara="0" vert="horz" wrap="square" lIns="36830" tIns="36830" rIns="36830" bIns="36830" numCol="1" spcCol="1270" anchor="ctr" anchorCtr="0">
-          <a:noAutofit/>
-        </a:bodyPr>
-        <a:lstStyle/>
-        <a:p>
-          <a:pPr lvl="0" algn="ctr" defTabSz="1289050">
-            <a:lnSpc>
-              <a:spcPct val="90000"/>
-            </a:lnSpc>
-            <a:spcBef>
-              <a:spcPct val="0"/>
-            </a:spcBef>
-            <a:spcAft>
-              <a:spcPct val="35000"/>
-            </a:spcAft>
-          </a:pPr>
-          <a:r>
-            <a:rPr lang="en-US" altLang="zh-CN" sz="2900" kern="1200" dirty="0"/>
-            <a:t>Basic</a:t>
-          </a:r>
-          <a:r>
-            <a:rPr lang="zh-TW" altLang="en-US" sz="2900" kern="1200" dirty="0"/>
-            <a:t> </a:t>
-          </a:r>
-          <a:r>
-            <a:rPr lang="en-US" altLang="zh-TW" sz="2900" kern="1200" dirty="0"/>
-            <a:t>framework&amp;</a:t>
-          </a:r>
-          <a:r>
-            <a:rPr lang="en-US" altLang="zh-CN" sz="2900" kern="1200" dirty="0"/>
-            <a:t> math</a:t>
-          </a:r>
-          <a:endParaRPr lang="zh-CN" altLang="en-US" sz="2900" kern="1200" dirty="0"/>
-        </a:p>
-      </dsp:txBody>
-      <dsp:txXfrm>
-        <a:off x="788324" y="1827023"/>
-        <a:ext cx="2928060" cy="913512"/>
-      </dsp:txXfrm>
-    </dsp:sp>
   </dsp:spTree>
 </dsp:drawing>
 </file>
@@ -5356,7 +4770,7 @@
           <a:p>
             <a:fld id="{1766A5AD-8774-FE44-A0A9-16F81BF90977}" type="datetimeFigureOut">
               <a:rPr kumimoji="1" lang="zh-CN" altLang="en-US" smtClean="0"/>
-              <a:t>05/09/20</a:t>
+              <a:t>07/09/20</a:t>
             </a:fld>
             <a:endParaRPr kumimoji="1" lang="zh-CN" altLang="en-US"/>
           </a:p>
@@ -6605,7 +6019,7 @@
           <a:p>
             <a:fld id="{BCEC23BA-C284-A64D-90DA-4E530BAE7B0A}" type="slidenum">
               <a:rPr kumimoji="1" lang="zh-CN" altLang="en-US" smtClean="0"/>
-              <a:t>31</a:t>
+              <a:t>32</a:t>
             </a:fld>
             <a:endParaRPr kumimoji="1" lang="zh-CN" altLang="en-US"/>
           </a:p>
@@ -6995,7 +6409,7 @@
           <a:p>
             <a:fld id="{B1115196-1C6F-4784-83AC-30756D8F10B3}" type="datetimeFigureOut">
               <a:rPr lang="en-US" smtClean="0"/>
-              <a:t>05/09/20</a:t>
+              <a:t>07/09/20</a:t>
             </a:fld>
             <a:endParaRPr lang="en-US"/>
           </a:p>
@@ -7424,7 +6838,7 @@
           <a:p>
             <a:fld id="{B1115196-1C6F-4784-83AC-30756D8F10B3}" type="datetimeFigureOut">
               <a:rPr lang="en-US" smtClean="0"/>
-              <a:t>05/09/20</a:t>
+              <a:t>07/09/20</a:t>
             </a:fld>
             <a:endParaRPr lang="en-US"/>
           </a:p>
@@ -7629,7 +7043,7 @@
           <a:p>
             <a:fld id="{B1115196-1C6F-4784-83AC-30756D8F10B3}" type="datetimeFigureOut">
               <a:rPr lang="en-US" smtClean="0"/>
-              <a:t>05/09/20</a:t>
+              <a:t>07/09/20</a:t>
             </a:fld>
             <a:endParaRPr lang="en-US"/>
           </a:p>
@@ -7900,7 +7314,7 @@
           <a:p>
             <a:fld id="{B1115196-1C6F-4784-83AC-30756D8F10B3}" type="datetimeFigureOut">
               <a:rPr lang="en-US" smtClean="0"/>
-              <a:t>05/09/20</a:t>
+              <a:t>07/09/20</a:t>
             </a:fld>
             <a:endParaRPr lang="en-US"/>
           </a:p>
@@ -8181,7 +7595,7 @@
           <a:p>
             <a:fld id="{B1115196-1C6F-4784-83AC-30756D8F10B3}" type="datetimeFigureOut">
               <a:rPr lang="en-US" smtClean="0"/>
-              <a:t>05/09/20</a:t>
+              <a:t>07/09/20</a:t>
             </a:fld>
             <a:endParaRPr lang="en-US"/>
           </a:p>
@@ -8416,7 +7830,7 @@
           <a:p>
             <a:fld id="{B1115196-1C6F-4784-83AC-30756D8F10B3}" type="datetimeFigureOut">
               <a:rPr lang="en-US" smtClean="0"/>
-              <a:t>05/09/20</a:t>
+              <a:t>07/09/20</a:t>
             </a:fld>
             <a:endParaRPr lang="en-US"/>
           </a:p>
@@ -8697,7 +8111,7 @@
           <a:p>
             <a:fld id="{B1115196-1C6F-4784-83AC-30756D8F10B3}" type="datetimeFigureOut">
               <a:rPr lang="en-US" smtClean="0"/>
-              <a:t>05/09/20</a:t>
+              <a:t>07/09/20</a:t>
             </a:fld>
             <a:endParaRPr lang="en-US"/>
           </a:p>
@@ -9124,7 +8538,7 @@
           <a:p>
             <a:fld id="{B1115196-1C6F-4784-83AC-30756D8F10B3}" type="datetimeFigureOut">
               <a:rPr lang="en-US" smtClean="0"/>
-              <a:t>05/09/20</a:t>
+              <a:t>07/09/20</a:t>
             </a:fld>
             <a:endParaRPr lang="en-US"/>
           </a:p>
@@ -9647,7 +9061,7 @@
           <a:p>
             <a:fld id="{B1115196-1C6F-4784-83AC-30756D8F10B3}" type="datetimeFigureOut">
               <a:rPr lang="en-US" smtClean="0"/>
-              <a:t>05/09/20</a:t>
+              <a:t>07/09/20</a:t>
             </a:fld>
             <a:endParaRPr lang="en-US"/>
           </a:p>
@@ -10009,7 +9423,7 @@
           <a:p>
             <a:fld id="{B1115196-1C6F-4784-83AC-30756D8F10B3}" type="datetimeFigureOut">
               <a:rPr lang="en-US" smtClean="0"/>
-              <a:t>05/09/20</a:t>
+              <a:t>07/09/20</a:t>
             </a:fld>
             <a:endParaRPr lang="en-US"/>
           </a:p>
@@ -10565,7 +9979,7 @@
           <a:p>
             <a:fld id="{B1115196-1C6F-4784-83AC-30756D8F10B3}" type="datetimeFigureOut">
               <a:rPr lang="en-US" smtClean="0"/>
-              <a:t>05/09/20</a:t>
+              <a:t>07/09/20</a:t>
             </a:fld>
             <a:endParaRPr lang="en-US"/>
           </a:p>
@@ -10790,7 +10204,7 @@
           <a:p>
             <a:fld id="{B1115196-1C6F-4784-83AC-30756D8F10B3}" type="datetimeFigureOut">
               <a:rPr lang="en-US" smtClean="0"/>
-              <a:t>05/09/20</a:t>
+              <a:t>07/09/20</a:t>
             </a:fld>
             <a:endParaRPr lang="en-US"/>
           </a:p>
@@ -10936,7 +10350,7 @@
           <a:p>
             <a:fld id="{B1115196-1C6F-4784-83AC-30756D8F10B3}" type="datetimeFigureOut">
               <a:rPr lang="en-US" smtClean="0"/>
-              <a:t>05/09/20</a:t>
+              <a:t>07/09/20</a:t>
             </a:fld>
             <a:endParaRPr lang="en-US"/>
           </a:p>
@@ -11401,7 +10815,7 @@
           <a:p>
             <a:fld id="{B1115196-1C6F-4784-83AC-30756D8F10B3}" type="datetimeFigureOut">
               <a:rPr lang="en-US" smtClean="0"/>
-              <a:t>05/09/20</a:t>
+              <a:t>07/09/20</a:t>
             </a:fld>
             <a:endParaRPr lang="en-US"/>
           </a:p>
@@ -11623,7 +11037,7 @@
           <a:p>
             <a:fld id="{B1115196-1C6F-4784-83AC-30756D8F10B3}" type="datetimeFigureOut">
               <a:rPr lang="en-US" smtClean="0"/>
-              <a:t>05/09/20</a:t>
+              <a:t>07/09/20</a:t>
             </a:fld>
             <a:endParaRPr lang="en-US"/>
           </a:p>
@@ -13629,9 +13043,19 @@
         </p:nvSpPr>
         <p:spPr/>
         <p:txBody>
-          <a:bodyPr/>
+          <a:bodyPr>
+            <a:normAutofit/>
+          </a:bodyPr>
           <a:lstStyle/>
           <a:p>
+            <a:r>
+              <a:rPr kumimoji="1" lang="zh-TW" altLang="en-US" dirty="0" smtClean="0"/>
+              <a:t>線性迴歸</a:t>
+            </a:r>
+            <a:r>
+              <a:rPr kumimoji="1" lang="en-US" altLang="zh-TW" dirty="0" smtClean="0"/>
+              <a:t>: </a:t>
+            </a:r>
             <a:r>
               <a:rPr kumimoji="1" lang="zh-TW" altLang="en-US" dirty="0" smtClean="0"/>
               <a:t>多項式回歸</a:t>
@@ -13812,20 +13236,8 @@
           <a:lstStyle/>
           <a:p>
             <a:r>
-              <a:rPr kumimoji="1" lang="en-US" altLang="zh-CN" dirty="0"/>
-              <a:t>W</a:t>
-            </a:r>
-            <a:r>
-              <a:rPr kumimoji="1" lang="zh-TW" altLang="zh-CN" dirty="0"/>
-              <a:t>4</a:t>
-            </a:r>
-            <a:r>
-              <a:rPr kumimoji="1" lang="en-US" altLang="zh-CN" dirty="0"/>
-              <a:t> Item:</a:t>
-            </a:r>
-            <a:r>
-              <a:rPr kumimoji="1" lang="zh-TW" altLang="en-US" dirty="0"/>
-              <a:t>數學算法</a:t>
+              <a:rPr kumimoji="1" lang="zh-TW" altLang="en-US" dirty="0" smtClean="0"/>
+              <a:t>線性迴歸範例</a:t>
             </a:r>
             <a:endParaRPr kumimoji="1" lang="zh-CN" altLang="en-US" dirty="0"/>
           </a:p>
@@ -13846,46 +13258,18 @@
           <a:bodyPr/>
           <a:lstStyle/>
           <a:p>
-            <a:endParaRPr kumimoji="1" lang="en-US" altLang="zh-TW" dirty="0"/>
-          </a:p>
-          <a:p>
-            <a:r>
-              <a:rPr kumimoji="1" lang="en-US" altLang="zh-TW" dirty="0" err="1"/>
-              <a:t>Svm</a:t>
-            </a:r>
-            <a:r>
-              <a:rPr kumimoji="1" lang="zh-TW" altLang="en-US" dirty="0"/>
-              <a:t>算法</a:t>
-            </a:r>
-            <a:endParaRPr kumimoji="1" lang="en-US" altLang="zh-TW" dirty="0"/>
-          </a:p>
-          <a:p>
-            <a:r>
-              <a:rPr kumimoji="1" lang="en-US" altLang="zh-TW"/>
-              <a:t> </a:t>
-            </a:r>
-            <a:r>
-              <a:rPr kumimoji="1" lang="en-US" altLang="zh-TW" dirty="0"/>
-              <a:t>demo </a:t>
-            </a:r>
-            <a:r>
-              <a:rPr kumimoji="1" lang="zh-TW" altLang="en-US" dirty="0"/>
-              <a:t>代碼實現</a:t>
-            </a:r>
-            <a:endParaRPr kumimoji="1" lang="en-US" altLang="zh-TW" dirty="0"/>
-          </a:p>
-          <a:p>
-            <a:pPr marL="0" indent="0">
-              <a:buNone/>
-            </a:pPr>
-            <a:endParaRPr kumimoji="1" lang="en-US" altLang="zh-TW" dirty="0"/>
+            <a:r>
+              <a:rPr kumimoji="1" lang="en-US" altLang="zh-CN"/>
+              <a:t>house_linear_regression.py</a:t>
+            </a:r>
+            <a:endParaRPr kumimoji="1" lang="zh-CN" altLang="en-US"/>
           </a:p>
         </p:txBody>
       </p:sp>
     </p:spTree>
     <p:extLst>
       <p:ext uri="{BB962C8B-B14F-4D97-AF65-F5344CB8AC3E}">
-        <p14:creationId xmlns:p14="http://schemas.microsoft.com/office/powerpoint/2010/main" val="514264433"/>
+        <p14:creationId xmlns:p14="http://schemas.microsoft.com/office/powerpoint/2010/main" val="1607050860"/>
       </p:ext>
     </p:extLst>
   </p:cSld>
@@ -13924,42 +13308,84 @@
         </p:nvSpPr>
         <p:spPr/>
         <p:txBody>
-          <a:bodyPr>
-            <a:normAutofit/>
-          </a:bodyPr>
-          <a:lstStyle/>
-          <a:p>
-            <a:r>
-              <a:rPr kumimoji="1" lang="zh-TW" altLang="en-US" dirty="0" smtClean="0"/>
-              <a:t>線性迴歸</a:t>
-            </a:r>
-            <a:endParaRPr kumimoji="1" lang="zh-CN" altLang="en-US" dirty="0"/>
-          </a:p>
-        </p:txBody>
-      </p:sp>
-      <p:sp>
-        <p:nvSpPr>
-          <p:cNvPr id="3" name="内容占位符 2"/>
-          <p:cNvSpPr>
-            <a:spLocks noGrp="1"/>
-          </p:cNvSpPr>
-          <p:nvPr>
-            <p:ph idx="1"/>
-          </p:nvPr>
-        </p:nvSpPr>
-        <p:spPr/>
-        <p:txBody>
           <a:bodyPr/>
           <a:lstStyle/>
           <a:p>
+            <a:r>
+              <a:rPr kumimoji="1" lang="en-US" altLang="zh-CN" dirty="0"/>
+              <a:t>W</a:t>
+            </a:r>
+            <a:r>
+              <a:rPr kumimoji="1" lang="zh-TW" altLang="zh-CN" dirty="0"/>
+              <a:t>4</a:t>
+            </a:r>
+            <a:r>
+              <a:rPr kumimoji="1" lang="en-US" altLang="zh-CN" dirty="0"/>
+              <a:t> Item:</a:t>
+            </a:r>
+            <a:r>
+              <a:rPr kumimoji="1" lang="zh-TW" altLang="en-US" dirty="0"/>
+              <a:t>數學算法</a:t>
+            </a:r>
             <a:endParaRPr kumimoji="1" lang="zh-CN" altLang="en-US" dirty="0"/>
+          </a:p>
+        </p:txBody>
+      </p:sp>
+      <p:sp>
+        <p:nvSpPr>
+          <p:cNvPr id="3" name="内容占位符 2"/>
+          <p:cNvSpPr>
+            <a:spLocks noGrp="1"/>
+          </p:cNvSpPr>
+          <p:nvPr>
+            <p:ph idx="1"/>
+          </p:nvPr>
+        </p:nvSpPr>
+        <p:spPr/>
+        <p:txBody>
+          <a:bodyPr/>
+          <a:lstStyle/>
+          <a:p>
+            <a:endParaRPr kumimoji="1" lang="en-US" altLang="zh-TW" dirty="0"/>
+          </a:p>
+          <a:p>
+            <a:r>
+              <a:rPr kumimoji="1" lang="en-US" altLang="zh-TW" dirty="0" err="1"/>
+              <a:t>Svm</a:t>
+            </a:r>
+            <a:r>
+              <a:rPr kumimoji="1" lang="zh-TW" altLang="en-US" dirty="0"/>
+              <a:t>算法</a:t>
+            </a:r>
+            <a:endParaRPr kumimoji="1" lang="en-US" altLang="zh-TW" dirty="0"/>
+          </a:p>
+          <a:p>
+            <a:r>
+              <a:rPr kumimoji="1" lang="en-US" altLang="zh-TW"/>
+              <a:t> </a:t>
+            </a:r>
+            <a:r>
+              <a:rPr kumimoji="1" lang="en-US" altLang="zh-TW" dirty="0"/>
+              <a:t>demo </a:t>
+            </a:r>
+            <a:r>
+              <a:rPr kumimoji="1" lang="zh-TW" altLang="en-US" dirty="0"/>
+              <a:t>代碼實現</a:t>
+            </a:r>
+            <a:endParaRPr kumimoji="1" lang="en-US" altLang="zh-TW" dirty="0"/>
+          </a:p>
+          <a:p>
+            <a:pPr marL="0" indent="0">
+              <a:buNone/>
+            </a:pPr>
+            <a:endParaRPr kumimoji="1" lang="en-US" altLang="zh-TW" dirty="0"/>
           </a:p>
         </p:txBody>
       </p:sp>
     </p:spTree>
     <p:extLst>
       <p:ext uri="{BB962C8B-B14F-4D97-AF65-F5344CB8AC3E}">
-        <p14:creationId xmlns:p14="http://schemas.microsoft.com/office/powerpoint/2010/main" val="3662445154"/>
+        <p14:creationId xmlns:p14="http://schemas.microsoft.com/office/powerpoint/2010/main" val="514264433"/>
       </p:ext>
     </p:extLst>
   </p:cSld>
@@ -13998,51 +13424,34 @@
         </p:nvSpPr>
         <p:spPr/>
         <p:txBody>
+          <a:bodyPr>
+            <a:normAutofit/>
+          </a:bodyPr>
+          <a:lstStyle/>
+          <a:p>
+            <a:r>
+              <a:rPr kumimoji="1" lang="zh-TW" altLang="en-US" dirty="0" smtClean="0"/>
+              <a:t>線性迴歸</a:t>
+            </a:r>
+            <a:endParaRPr kumimoji="1" lang="zh-CN" altLang="en-US" dirty="0"/>
+          </a:p>
+        </p:txBody>
+      </p:sp>
+      <p:sp>
+        <p:nvSpPr>
+          <p:cNvPr id="3" name="内容占位符 2"/>
+          <p:cNvSpPr>
+            <a:spLocks noGrp="1"/>
+          </p:cNvSpPr>
+          <p:nvPr>
+            <p:ph idx="1"/>
+          </p:nvPr>
+        </p:nvSpPr>
+        <p:spPr/>
+        <p:txBody>
           <a:bodyPr/>
           <a:lstStyle/>
           <a:p>
-            <a:r>
-              <a:rPr kumimoji="1" lang="zh-TW" altLang="en-US" dirty="0"/>
-              <a:t>W</a:t>
-            </a:r>
-            <a:r>
-              <a:rPr kumimoji="1" lang="en-US" altLang="zh-TW" dirty="0"/>
-              <a:t>? : </a:t>
-            </a:r>
-            <a:r>
-              <a:rPr kumimoji="1" lang="zh-TW" altLang="en-US" dirty="0"/>
-              <a:t>語言資料基礎分析</a:t>
-            </a:r>
-            <a:endParaRPr kumimoji="1" lang="zh-CN" altLang="en-US" dirty="0"/>
-          </a:p>
-        </p:txBody>
-      </p:sp>
-      <p:sp>
-        <p:nvSpPr>
-          <p:cNvPr id="3" name="内容占位符 2"/>
-          <p:cNvSpPr>
-            <a:spLocks noGrp="1"/>
-          </p:cNvSpPr>
-          <p:nvPr>
-            <p:ph idx="1"/>
-          </p:nvPr>
-        </p:nvSpPr>
-        <p:spPr/>
-        <p:txBody>
-          <a:bodyPr/>
-          <a:lstStyle/>
-          <a:p>
-            <a:r>
-              <a:rPr kumimoji="1" lang="zh-TW" altLang="en-US" dirty="0"/>
-              <a:t>後續看完基礎數學算法後決定</a:t>
-            </a:r>
-            <a:endParaRPr kumimoji="1" lang="en-US" altLang="zh-TW" dirty="0"/>
-          </a:p>
-          <a:p>
-            <a:r>
-              <a:rPr kumimoji="1" lang="zh-TW" altLang="en-US" dirty="0"/>
-              <a:t>預定最多佔兩週</a:t>
-            </a:r>
             <a:endParaRPr kumimoji="1" lang="zh-CN" altLang="en-US" dirty="0"/>
           </a:p>
         </p:txBody>
@@ -14050,7 +13459,7 @@
     </p:spTree>
     <p:extLst>
       <p:ext uri="{BB962C8B-B14F-4D97-AF65-F5344CB8AC3E}">
-        <p14:creationId xmlns:p14="http://schemas.microsoft.com/office/powerpoint/2010/main" val="1663076574"/>
+        <p14:creationId xmlns:p14="http://schemas.microsoft.com/office/powerpoint/2010/main" val="3662445154"/>
       </p:ext>
     </p:extLst>
   </p:cSld>
@@ -14097,24 +13506,12 @@
               <a:t>W</a:t>
             </a:r>
             <a:r>
-              <a:rPr kumimoji="1" lang="zh-TW" altLang="zh-TW" dirty="0"/>
-              <a:t>5</a:t>
-            </a:r>
-            <a:r>
               <a:rPr kumimoji="1" lang="en-US" altLang="zh-TW" dirty="0"/>
-              <a:t>:</a:t>
+              <a:t>? : </a:t>
             </a:r>
             <a:r>
               <a:rPr kumimoji="1" lang="zh-TW" altLang="en-US" dirty="0"/>
-              <a:t>深度學習模型</a:t>
-            </a:r>
-            <a:r>
-              <a:rPr kumimoji="1" lang="en-US" altLang="zh-TW" dirty="0"/>
-              <a:t>-</a:t>
-            </a:r>
-            <a:r>
-              <a:rPr kumimoji="1" lang="zh-TW" altLang="en-US" dirty="0"/>
-              <a:t>基礎模型</a:t>
+              <a:t>語言資料基礎分析</a:t>
             </a:r>
             <a:endParaRPr kumimoji="1" lang="zh-CN" altLang="en-US" dirty="0"/>
           </a:p>
@@ -14137,34 +13534,15 @@
           <a:p>
             <a:r>
               <a:rPr kumimoji="1" lang="zh-TW" altLang="en-US" dirty="0"/>
-              <a:t>D</a:t>
-            </a:r>
-            <a:r>
-              <a:rPr kumimoji="1" lang="en-US" altLang="zh-TW" dirty="0"/>
-              <a:t>MN model</a:t>
-            </a:r>
-          </a:p>
-          <a:p>
-            <a:r>
-              <a:rPr kumimoji="1" lang="en-US" altLang="zh-TW" dirty="0"/>
-              <a:t>CNN model</a:t>
-            </a:r>
-          </a:p>
-          <a:p>
-            <a:r>
-              <a:rPr kumimoji="1" lang="en-US" altLang="zh-TW" dirty="0"/>
-              <a:t>R</a:t>
-            </a:r>
+              <a:t>後續看完基礎數學算法後決定</a:t>
+            </a:r>
+            <a:endParaRPr kumimoji="1" lang="en-US" altLang="zh-TW" dirty="0"/>
+          </a:p>
+          <a:p>
             <a:r>
               <a:rPr kumimoji="1" lang="zh-TW" altLang="en-US" dirty="0"/>
-              <a:t>N</a:t>
-            </a:r>
-            <a:r>
-              <a:rPr kumimoji="1" lang="en-US" altLang="zh-TW" dirty="0"/>
-              <a:t>N model</a:t>
-            </a:r>
-          </a:p>
-          <a:p>
+              <a:t>預定最多佔兩週</a:t>
+            </a:r>
             <a:endParaRPr kumimoji="1" lang="zh-CN" altLang="en-US" dirty="0"/>
           </a:p>
         </p:txBody>
@@ -14172,7 +13550,7 @@
     </p:spTree>
     <p:extLst>
       <p:ext uri="{BB962C8B-B14F-4D97-AF65-F5344CB8AC3E}">
-        <p14:creationId xmlns:p14="http://schemas.microsoft.com/office/powerpoint/2010/main" val="1976090492"/>
+        <p14:creationId xmlns:p14="http://schemas.microsoft.com/office/powerpoint/2010/main" val="1663076574"/>
       </p:ext>
     </p:extLst>
   </p:cSld>
@@ -14220,7 +13598,7 @@
             </a:r>
             <a:r>
               <a:rPr kumimoji="1" lang="zh-TW" altLang="zh-TW" dirty="0"/>
-              <a:t>6</a:t>
+              <a:t>5</a:t>
             </a:r>
             <a:r>
               <a:rPr kumimoji="1" lang="en-US" altLang="zh-TW" dirty="0"/>
@@ -14236,7 +13614,7 @@
             </a:r>
             <a:r>
               <a:rPr kumimoji="1" lang="zh-TW" altLang="en-US" dirty="0"/>
-              <a:t>應用文本</a:t>
+              <a:t>基礎模型</a:t>
             </a:r>
             <a:endParaRPr kumimoji="1" lang="zh-CN" altLang="en-US" dirty="0"/>
           </a:p>
@@ -14258,38 +13636,43 @@
           <a:lstStyle/>
           <a:p>
             <a:r>
-              <a:rPr kumimoji="1" lang="zh-TW" altLang="zh-TW" dirty="0"/>
-              <a:t>t</a:t>
-            </a:r>
-            <a:r>
-              <a:rPr kumimoji="1" lang="en-US" altLang="zh-TW" dirty="0" err="1"/>
-              <a:t>extCNN</a:t>
+              <a:rPr kumimoji="1" lang="zh-TW" altLang="en-US" dirty="0"/>
+              <a:t>D</a:t>
             </a:r>
             <a:r>
               <a:rPr kumimoji="1" lang="en-US" altLang="zh-TW" dirty="0"/>
-              <a:t> model</a:t>
-            </a:r>
-          </a:p>
-          <a:p>
-            <a:r>
-              <a:rPr kumimoji="1" lang="zh-TW" altLang="zh-TW" dirty="0"/>
-              <a:t>t</a:t>
-            </a:r>
-            <a:r>
-              <a:rPr kumimoji="1" lang="en-US" altLang="zh-TW" dirty="0" err="1"/>
-              <a:t>extRNN</a:t>
-            </a:r>
+              <a:t>MN model</a:t>
+            </a:r>
+          </a:p>
+          <a:p>
             <a:r>
               <a:rPr kumimoji="1" lang="en-US" altLang="zh-TW" dirty="0"/>
-              <a:t> model</a:t>
-            </a:r>
+              <a:t>CNN model</a:t>
+            </a:r>
+          </a:p>
+          <a:p>
+            <a:r>
+              <a:rPr kumimoji="1" lang="en-US" altLang="zh-TW" dirty="0"/>
+              <a:t>R</a:t>
+            </a:r>
+            <a:r>
+              <a:rPr kumimoji="1" lang="zh-TW" altLang="en-US" dirty="0"/>
+              <a:t>N</a:t>
+            </a:r>
+            <a:r>
+              <a:rPr kumimoji="1" lang="en-US" altLang="zh-TW" dirty="0"/>
+              <a:t>N model</a:t>
+            </a:r>
+          </a:p>
+          <a:p>
+            <a:endParaRPr kumimoji="1" lang="zh-CN" altLang="en-US" dirty="0"/>
           </a:p>
         </p:txBody>
       </p:sp>
     </p:spTree>
     <p:extLst>
       <p:ext uri="{BB962C8B-B14F-4D97-AF65-F5344CB8AC3E}">
-        <p14:creationId xmlns:p14="http://schemas.microsoft.com/office/powerpoint/2010/main" val="1670608775"/>
+        <p14:creationId xmlns:p14="http://schemas.microsoft.com/office/powerpoint/2010/main" val="1976090492"/>
       </p:ext>
     </p:extLst>
   </p:cSld>
@@ -14474,7 +13857,7 @@
             </a:r>
             <a:r>
               <a:rPr kumimoji="1" lang="zh-TW" altLang="zh-TW" dirty="0"/>
-              <a:t>7</a:t>
+              <a:t>6</a:t>
             </a:r>
             <a:r>
               <a:rPr kumimoji="1" lang="en-US" altLang="zh-TW" dirty="0"/>
@@ -14482,11 +13865,15 @@
             </a:r>
             <a:r>
               <a:rPr kumimoji="1" lang="zh-TW" altLang="en-US" dirty="0"/>
-              <a:t>模型</a:t>
+              <a:t>深度學習模型</a:t>
             </a:r>
             <a:r>
               <a:rPr kumimoji="1" lang="en-US" altLang="zh-TW" dirty="0"/>
-              <a:t>DEMO </a:t>
+              <a:t>-</a:t>
+            </a:r>
+            <a:r>
+              <a:rPr kumimoji="1" lang="zh-TW" altLang="en-US" dirty="0"/>
+              <a:t>應用文本</a:t>
             </a:r>
             <a:endParaRPr kumimoji="1" lang="zh-CN" altLang="en-US" dirty="0"/>
           </a:p>
@@ -14508,31 +13895,38 @@
           <a:lstStyle/>
           <a:p>
             <a:r>
-              <a:rPr kumimoji="1" lang="zh-TW" altLang="en-US" dirty="0"/>
-              <a:t>文本分類</a:t>
+              <a:rPr kumimoji="1" lang="zh-TW" altLang="zh-TW" dirty="0"/>
+              <a:t>t</a:t>
+            </a:r>
+            <a:r>
+              <a:rPr kumimoji="1" lang="en-US" altLang="zh-TW" dirty="0" err="1"/>
+              <a:t>extCNN</a:t>
             </a:r>
             <a:r>
               <a:rPr kumimoji="1" lang="en-US" altLang="zh-TW" dirty="0"/>
-              <a:t>-</a:t>
-            </a:r>
-            <a:r>
-              <a:rPr kumimoji="1" lang="zh-TW" altLang="en-US" dirty="0"/>
-              <a:t>意圖分類</a:t>
+              <a:t> model</a:t>
+            </a:r>
+          </a:p>
+          <a:p>
+            <a:r>
+              <a:rPr kumimoji="1" lang="zh-TW" altLang="zh-TW" dirty="0"/>
+              <a:t>t</a:t>
+            </a:r>
+            <a:r>
+              <a:rPr kumimoji="1" lang="en-US" altLang="zh-TW" dirty="0" err="1"/>
+              <a:t>extRNN</a:t>
             </a:r>
             <a:r>
               <a:rPr kumimoji="1" lang="en-US" altLang="zh-TW" dirty="0"/>
-              <a:t>DEMO</a:t>
-            </a:r>
-          </a:p>
-          <a:p>
-            <a:endParaRPr kumimoji="1" lang="zh-CN" altLang="en-US" dirty="0"/>
+              <a:t> model</a:t>
+            </a:r>
           </a:p>
         </p:txBody>
       </p:sp>
     </p:spTree>
     <p:extLst>
       <p:ext uri="{BB962C8B-B14F-4D97-AF65-F5344CB8AC3E}">
-        <p14:creationId xmlns:p14="http://schemas.microsoft.com/office/powerpoint/2010/main" val="158954754"/>
+        <p14:creationId xmlns:p14="http://schemas.microsoft.com/office/powerpoint/2010/main" val="1670608775"/>
       </p:ext>
     </p:extLst>
   </p:cSld>
@@ -14580,6 +13974,112 @@
             </a:r>
             <a:r>
               <a:rPr kumimoji="1" lang="zh-TW" altLang="zh-TW" dirty="0"/>
+              <a:t>7</a:t>
+            </a:r>
+            <a:r>
+              <a:rPr kumimoji="1" lang="en-US" altLang="zh-TW" dirty="0"/>
+              <a:t>:</a:t>
+            </a:r>
+            <a:r>
+              <a:rPr kumimoji="1" lang="zh-TW" altLang="en-US" dirty="0"/>
+              <a:t>模型</a:t>
+            </a:r>
+            <a:r>
+              <a:rPr kumimoji="1" lang="en-US" altLang="zh-TW" dirty="0"/>
+              <a:t>DEMO </a:t>
+            </a:r>
+            <a:endParaRPr kumimoji="1" lang="zh-CN" altLang="en-US" dirty="0"/>
+          </a:p>
+        </p:txBody>
+      </p:sp>
+      <p:sp>
+        <p:nvSpPr>
+          <p:cNvPr id="3" name="内容占位符 2"/>
+          <p:cNvSpPr>
+            <a:spLocks noGrp="1"/>
+          </p:cNvSpPr>
+          <p:nvPr>
+            <p:ph idx="1"/>
+          </p:nvPr>
+        </p:nvSpPr>
+        <p:spPr/>
+        <p:txBody>
+          <a:bodyPr/>
+          <a:lstStyle/>
+          <a:p>
+            <a:r>
+              <a:rPr kumimoji="1" lang="zh-TW" altLang="en-US" dirty="0"/>
+              <a:t>文本分類</a:t>
+            </a:r>
+            <a:r>
+              <a:rPr kumimoji="1" lang="en-US" altLang="zh-TW" dirty="0"/>
+              <a:t>-</a:t>
+            </a:r>
+            <a:r>
+              <a:rPr kumimoji="1" lang="zh-TW" altLang="en-US" dirty="0"/>
+              <a:t>意圖分類</a:t>
+            </a:r>
+            <a:r>
+              <a:rPr kumimoji="1" lang="en-US" altLang="zh-TW" dirty="0"/>
+              <a:t>DEMO</a:t>
+            </a:r>
+          </a:p>
+          <a:p>
+            <a:endParaRPr kumimoji="1" lang="zh-CN" altLang="en-US" dirty="0"/>
+          </a:p>
+        </p:txBody>
+      </p:sp>
+    </p:spTree>
+    <p:extLst>
+      <p:ext uri="{BB962C8B-B14F-4D97-AF65-F5344CB8AC3E}">
+        <p14:creationId xmlns:p14="http://schemas.microsoft.com/office/powerpoint/2010/main" val="158954754"/>
+      </p:ext>
+    </p:extLst>
+  </p:cSld>
+  <p:clrMapOvr>
+    <a:masterClrMapping/>
+  </p:clrMapOvr>
+</p:sld>
+</file>
+
+<file path=ppt/slides/slide32.xml><?xml version="1.0" encoding="utf-8"?>
+<p:sld xmlns:a="http://schemas.openxmlformats.org/drawingml/2006/main" xmlns:r="http://schemas.openxmlformats.org/officeDocument/2006/relationships" xmlns:p="http://schemas.openxmlformats.org/presentationml/2006/main">
+  <p:cSld>
+    <p:spTree>
+      <p:nvGrpSpPr>
+        <p:cNvPr id="1" name=""/>
+        <p:cNvGrpSpPr/>
+        <p:nvPr/>
+      </p:nvGrpSpPr>
+      <p:grpSpPr>
+        <a:xfrm>
+          <a:off x="0" y="0"/>
+          <a:ext cx="0" cy="0"/>
+          <a:chOff x="0" y="0"/>
+          <a:chExt cx="0" cy="0"/>
+        </a:xfrm>
+      </p:grpSpPr>
+      <p:sp>
+        <p:nvSpPr>
+          <p:cNvPr id="2" name="标题 1"/>
+          <p:cNvSpPr>
+            <a:spLocks noGrp="1"/>
+          </p:cNvSpPr>
+          <p:nvPr>
+            <p:ph type="title"/>
+          </p:nvPr>
+        </p:nvSpPr>
+        <p:spPr/>
+        <p:txBody>
+          <a:bodyPr/>
+          <a:lstStyle/>
+          <a:p>
+            <a:r>
+              <a:rPr kumimoji="1" lang="zh-TW" altLang="en-US" dirty="0"/>
+              <a:t>W</a:t>
+            </a:r>
+            <a:r>
+              <a:rPr kumimoji="1" lang="zh-TW" altLang="zh-TW" dirty="0"/>
               <a:t>8</a:t>
             </a:r>
             <a:r>
@@ -14655,7 +14155,7 @@
 </p:sld>
 </file>
 
-<file path=ppt/slides/slide32.xml><?xml version="1.0" encoding="utf-8"?>
+<file path=ppt/slides/slide33.xml><?xml version="1.0" encoding="utf-8"?>
 <p:sld xmlns:a="http://schemas.openxmlformats.org/drawingml/2006/main" xmlns:r="http://schemas.openxmlformats.org/officeDocument/2006/relationships" xmlns:p="http://schemas.openxmlformats.org/presentationml/2006/main">
   <p:cSld>
     <p:spTree>

--- a/ml traing sean_detail.pptx
+++ b/ml traing sean_detail.pptx
@@ -5,7 +5,7 @@
     <p:sldMasterId id="2147483660" r:id="rId1"/>
   </p:sldMasterIdLst>
   <p:notesMasterIdLst>
-    <p:notesMasterId r:id="rId35"/>
+    <p:notesMasterId r:id="rId36"/>
   </p:notesMasterIdLst>
   <p:sldIdLst>
     <p:sldId id="256" r:id="rId2"/>
@@ -33,14 +33,15 @@
     <p:sldId id="286" r:id="rId24"/>
     <p:sldId id="287" r:id="rId25"/>
     <p:sldId id="288" r:id="rId26"/>
-    <p:sldId id="262" r:id="rId27"/>
-    <p:sldId id="283" r:id="rId28"/>
-    <p:sldId id="268" r:id="rId29"/>
-    <p:sldId id="263" r:id="rId30"/>
-    <p:sldId id="264" r:id="rId31"/>
-    <p:sldId id="265" r:id="rId32"/>
-    <p:sldId id="266" r:id="rId33"/>
-    <p:sldId id="267" r:id="rId34"/>
+    <p:sldId id="289" r:id="rId27"/>
+    <p:sldId id="262" r:id="rId28"/>
+    <p:sldId id="283" r:id="rId29"/>
+    <p:sldId id="268" r:id="rId30"/>
+    <p:sldId id="263" r:id="rId31"/>
+    <p:sldId id="264" r:id="rId32"/>
+    <p:sldId id="265" r:id="rId33"/>
+    <p:sldId id="266" r:id="rId34"/>
+    <p:sldId id="267" r:id="rId35"/>
   </p:sldIdLst>
   <p:sldSz cx="9144000" cy="6858000" type="screen4x3"/>
   <p:notesSz cx="6858000" cy="9144000"/>
@@ -2218,6 +2219,321 @@
       <dsp:cNvGrpSpPr/>
     </dsp:nvGrpSpPr>
     <dsp:grpSpPr/>
+    <dsp:sp modelId="{251EFD85-4C8F-4943-9B83-685CA0EF0216}">
+      <dsp:nvSpPr>
+        <dsp:cNvPr id="0" name=""/>
+        <dsp:cNvSpPr/>
+      </dsp:nvSpPr>
+      <dsp:spPr>
+        <a:xfrm>
+          <a:off x="460152" y="0"/>
+          <a:ext cx="5215057" cy="3622060"/>
+        </a:xfrm>
+        <a:prstGeom prst="rightArrow">
+          <a:avLst/>
+        </a:prstGeom>
+        <a:solidFill>
+          <a:schemeClr val="tx1">
+            <a:lumMod val="10000"/>
+            <a:lumOff val="90000"/>
+          </a:schemeClr>
+        </a:solidFill>
+        <a:ln>
+          <a:noFill/>
+        </a:ln>
+        <a:effectLst>
+          <a:outerShdw blurRad="50800" dist="63500" dir="2700000" sx="102000" sy="102000" rotWithShape="0">
+            <a:srgbClr val="000000">
+              <a:alpha val="50000"/>
+            </a:srgbClr>
+          </a:outerShdw>
+        </a:effectLst>
+        <a:scene3d>
+          <a:camera prst="orthographicFront">
+            <a:rot lat="0" lon="0" rev="0"/>
+          </a:camera>
+          <a:lightRig rig="glow" dir="tl"/>
+        </a:scene3d>
+        <a:sp3d>
+          <a:bevelT w="0" h="0"/>
+        </a:sp3d>
+      </dsp:spPr>
+      <dsp:style>
+        <a:lnRef idx="0">
+          <a:scrgbClr r="0" g="0" b="0"/>
+        </a:lnRef>
+        <a:fillRef idx="1">
+          <a:scrgbClr r="0" g="0" b="0"/>
+        </a:fillRef>
+        <a:effectRef idx="2">
+          <a:scrgbClr r="0" g="0" b="0"/>
+        </a:effectRef>
+        <a:fontRef idx="minor"/>
+      </dsp:style>
+    </dsp:sp>
+    <dsp:sp modelId="{F5994DC2-84D5-5145-ACCD-8DB8FD66C2E6}">
+      <dsp:nvSpPr>
+        <dsp:cNvPr id="0" name=""/>
+        <dsp:cNvSpPr/>
+      </dsp:nvSpPr>
+      <dsp:spPr>
+        <a:xfrm>
+          <a:off x="152185" y="1086618"/>
+          <a:ext cx="1840608" cy="1448824"/>
+        </a:xfrm>
+        <a:prstGeom prst="roundRect">
+          <a:avLst/>
+        </a:prstGeom>
+        <a:solidFill>
+          <a:schemeClr val="tx1">
+            <a:lumMod val="75000"/>
+            <a:lumOff val="25000"/>
+          </a:schemeClr>
+        </a:solidFill>
+        <a:ln>
+          <a:noFill/>
+        </a:ln>
+        <a:effectLst>
+          <a:outerShdw blurRad="50800" dist="63500" dir="2700000" sx="102000" sy="102000" rotWithShape="0">
+            <a:srgbClr val="000000">
+              <a:alpha val="50000"/>
+            </a:srgbClr>
+          </a:outerShdw>
+        </a:effectLst>
+        <a:scene3d>
+          <a:camera prst="orthographicFront">
+            <a:rot lat="0" lon="0" rev="0"/>
+          </a:camera>
+          <a:lightRig rig="glow" dir="tl"/>
+        </a:scene3d>
+        <a:sp3d>
+          <a:bevelT w="0" h="0"/>
+        </a:sp3d>
+      </dsp:spPr>
+      <dsp:style>
+        <a:lnRef idx="0">
+          <a:scrgbClr r="0" g="0" b="0"/>
+        </a:lnRef>
+        <a:fillRef idx="3">
+          <a:scrgbClr r="0" g="0" b="0"/>
+        </a:fillRef>
+        <a:effectRef idx="2">
+          <a:scrgbClr r="0" g="0" b="0"/>
+        </a:effectRef>
+        <a:fontRef idx="minor">
+          <a:schemeClr val="lt1"/>
+        </a:fontRef>
+      </dsp:style>
+      <dsp:txBody>
+        <a:bodyPr spcFirstLastPara="0" vert="horz" wrap="square" lIns="121920" tIns="121920" rIns="121920" bIns="121920" numCol="1" spcCol="1270" anchor="ctr" anchorCtr="0">
+          <a:noAutofit/>
+        </a:bodyPr>
+        <a:lstStyle/>
+        <a:p>
+          <a:pPr lvl="0" algn="ctr" defTabSz="1422400">
+            <a:lnSpc>
+              <a:spcPct val="90000"/>
+            </a:lnSpc>
+            <a:spcBef>
+              <a:spcPct val="0"/>
+            </a:spcBef>
+            <a:spcAft>
+              <a:spcPct val="35000"/>
+            </a:spcAft>
+          </a:pPr>
+          <a:r>
+            <a:rPr lang="en-US" altLang="zh-CN" sz="3200" kern="1200" dirty="0"/>
+            <a:t>Raw data</a:t>
+          </a:r>
+          <a:endParaRPr lang="zh-CN" altLang="en-US" sz="3200" kern="1200" dirty="0"/>
+        </a:p>
+      </dsp:txBody>
+      <dsp:txXfrm>
+        <a:off x="222911" y="1157344"/>
+        <a:ext cx="1699156" cy="1307372"/>
+      </dsp:txXfrm>
+    </dsp:sp>
+    <dsp:sp modelId="{E4C990E4-716C-3042-9279-DB52C8C61FE7}">
+      <dsp:nvSpPr>
+        <dsp:cNvPr id="0" name=""/>
+        <dsp:cNvSpPr/>
+      </dsp:nvSpPr>
+      <dsp:spPr>
+        <a:xfrm>
+          <a:off x="2147376" y="1086618"/>
+          <a:ext cx="1840608" cy="1448824"/>
+        </a:xfrm>
+        <a:prstGeom prst="roundRect">
+          <a:avLst/>
+        </a:prstGeom>
+        <a:solidFill>
+          <a:schemeClr val="tx1">
+            <a:lumMod val="90000"/>
+            <a:lumOff val="10000"/>
+          </a:schemeClr>
+        </a:solidFill>
+        <a:ln>
+          <a:noFill/>
+        </a:ln>
+        <a:effectLst>
+          <a:outerShdw blurRad="50800" dist="63500" dir="2700000" sx="102000" sy="102000" rotWithShape="0">
+            <a:srgbClr val="000000">
+              <a:alpha val="50000"/>
+            </a:srgbClr>
+          </a:outerShdw>
+        </a:effectLst>
+        <a:scene3d>
+          <a:camera prst="orthographicFront">
+            <a:rot lat="0" lon="0" rev="0"/>
+          </a:camera>
+          <a:lightRig rig="glow" dir="tl"/>
+        </a:scene3d>
+        <a:sp3d>
+          <a:bevelT w="0" h="0"/>
+        </a:sp3d>
+      </dsp:spPr>
+      <dsp:style>
+        <a:lnRef idx="0">
+          <a:scrgbClr r="0" g="0" b="0"/>
+        </a:lnRef>
+        <a:fillRef idx="3">
+          <a:scrgbClr r="0" g="0" b="0"/>
+        </a:fillRef>
+        <a:effectRef idx="2">
+          <a:scrgbClr r="0" g="0" b="0"/>
+        </a:effectRef>
+        <a:fontRef idx="minor">
+          <a:schemeClr val="lt1"/>
+        </a:fontRef>
+      </dsp:style>
+      <dsp:txBody>
+        <a:bodyPr spcFirstLastPara="0" vert="horz" wrap="square" lIns="121920" tIns="121920" rIns="121920" bIns="121920" numCol="1" spcCol="1270" anchor="ctr" anchorCtr="0">
+          <a:noAutofit/>
+        </a:bodyPr>
+        <a:lstStyle/>
+        <a:p>
+          <a:pPr lvl="0" algn="ctr" defTabSz="1422400">
+            <a:lnSpc>
+              <a:spcPct val="90000"/>
+            </a:lnSpc>
+            <a:spcBef>
+              <a:spcPct val="0"/>
+            </a:spcBef>
+            <a:spcAft>
+              <a:spcPct val="35000"/>
+            </a:spcAft>
+          </a:pPr>
+          <a:r>
+            <a:rPr lang="en-US" altLang="zh-CN" sz="3200" kern="1200" dirty="0"/>
+            <a:t>Model</a:t>
+          </a:r>
+        </a:p>
+        <a:p>
+          <a:pPr lvl="0" algn="ctr" defTabSz="1422400">
+            <a:lnSpc>
+              <a:spcPct val="90000"/>
+            </a:lnSpc>
+            <a:spcBef>
+              <a:spcPct val="0"/>
+            </a:spcBef>
+            <a:spcAft>
+              <a:spcPct val="35000"/>
+            </a:spcAft>
+          </a:pPr>
+          <a:r>
+            <a:rPr lang="en-US" altLang="zh-CN" sz="3200" kern="1200" dirty="0"/>
+            <a:t>process</a:t>
+          </a:r>
+          <a:endParaRPr lang="zh-CN" altLang="en-US" sz="3200" kern="1200" dirty="0"/>
+        </a:p>
+      </dsp:txBody>
+      <dsp:txXfrm>
+        <a:off x="2218102" y="1157344"/>
+        <a:ext cx="1699156" cy="1307372"/>
+      </dsp:txXfrm>
+    </dsp:sp>
+    <dsp:sp modelId="{E3C4F012-47FA-D34E-9DEC-15A5BAF77B4D}">
+      <dsp:nvSpPr>
+        <dsp:cNvPr id="0" name=""/>
+        <dsp:cNvSpPr/>
+      </dsp:nvSpPr>
+      <dsp:spPr>
+        <a:xfrm>
+          <a:off x="4079850" y="1086618"/>
+          <a:ext cx="1840608" cy="1448824"/>
+        </a:xfrm>
+        <a:prstGeom prst="roundRect">
+          <a:avLst/>
+        </a:prstGeom>
+        <a:solidFill>
+          <a:schemeClr val="tx1">
+            <a:lumMod val="50000"/>
+            <a:lumOff val="50000"/>
+          </a:schemeClr>
+        </a:solidFill>
+        <a:ln>
+          <a:noFill/>
+        </a:ln>
+        <a:effectLst>
+          <a:outerShdw blurRad="50800" dist="63500" dir="2700000" sx="102000" sy="102000" rotWithShape="0">
+            <a:srgbClr val="000000">
+              <a:alpha val="50000"/>
+            </a:srgbClr>
+          </a:outerShdw>
+        </a:effectLst>
+        <a:scene3d>
+          <a:camera prst="orthographicFront">
+            <a:rot lat="0" lon="0" rev="0"/>
+          </a:camera>
+          <a:lightRig rig="glow" dir="tl"/>
+        </a:scene3d>
+        <a:sp3d>
+          <a:bevelT w="0" h="0"/>
+        </a:sp3d>
+      </dsp:spPr>
+      <dsp:style>
+        <a:lnRef idx="0">
+          <a:scrgbClr r="0" g="0" b="0"/>
+        </a:lnRef>
+        <a:fillRef idx="3">
+          <a:scrgbClr r="0" g="0" b="0"/>
+        </a:fillRef>
+        <a:effectRef idx="2">
+          <a:scrgbClr r="0" g="0" b="0"/>
+        </a:effectRef>
+        <a:fontRef idx="minor">
+          <a:schemeClr val="lt1"/>
+        </a:fontRef>
+      </dsp:style>
+      <dsp:txBody>
+        <a:bodyPr spcFirstLastPara="0" vert="horz" wrap="square" lIns="121920" tIns="121920" rIns="121920" bIns="121920" numCol="1" spcCol="1270" anchor="ctr" anchorCtr="0">
+          <a:noAutofit/>
+        </a:bodyPr>
+        <a:lstStyle/>
+        <a:p>
+          <a:pPr lvl="0" algn="ctr" defTabSz="1422400">
+            <a:lnSpc>
+              <a:spcPct val="90000"/>
+            </a:lnSpc>
+            <a:spcBef>
+              <a:spcPct val="0"/>
+            </a:spcBef>
+            <a:spcAft>
+              <a:spcPct val="35000"/>
+            </a:spcAft>
+          </a:pPr>
+          <a:r>
+            <a:rPr lang="en-US" altLang="zh-CN" sz="3200" kern="1200" dirty="0"/>
+            <a:t>Class result</a:t>
+          </a:r>
+          <a:endParaRPr lang="zh-CN" altLang="en-US" sz="3200" kern="1200" dirty="0"/>
+        </a:p>
+      </dsp:txBody>
+      <dsp:txXfrm>
+        <a:off x="4150576" y="1157344"/>
+        <a:ext cx="1699156" cy="1307372"/>
+      </dsp:txXfrm>
+    </dsp:sp>
   </dsp:spTree>
 </dsp:drawing>
 </file>
@@ -2230,6 +2546,278 @@
       <dsp:cNvGrpSpPr/>
     </dsp:nvGrpSpPr>
     <dsp:grpSpPr/>
+    <dsp:sp modelId="{38793DA2-2ABE-BF42-907B-16DCE3F55510}">
+      <dsp:nvSpPr>
+        <dsp:cNvPr id="0" name=""/>
+        <dsp:cNvSpPr/>
+      </dsp:nvSpPr>
+      <dsp:spPr>
+        <a:xfrm>
+          <a:off x="1501569" y="0"/>
+          <a:ext cx="1501569" cy="913512"/>
+        </a:xfrm>
+        <a:prstGeom prst="trapezoid">
+          <a:avLst>
+            <a:gd name="adj" fmla="val 82187"/>
+          </a:avLst>
+        </a:prstGeom>
+        <a:solidFill>
+          <a:schemeClr val="tx1">
+            <a:lumMod val="25000"/>
+            <a:lumOff val="75000"/>
+          </a:schemeClr>
+        </a:solidFill>
+        <a:ln>
+          <a:noFill/>
+        </a:ln>
+        <a:effectLst>
+          <a:outerShdw blurRad="50800" dist="63500" dir="2700000" sx="102000" sy="102000" rotWithShape="0">
+            <a:srgbClr val="000000">
+              <a:alpha val="50000"/>
+            </a:srgbClr>
+          </a:outerShdw>
+        </a:effectLst>
+        <a:scene3d>
+          <a:camera prst="orthographicFront">
+            <a:rot lat="0" lon="0" rev="0"/>
+          </a:camera>
+          <a:lightRig rig="glow" dir="tl"/>
+        </a:scene3d>
+        <a:sp3d>
+          <a:bevelT w="0" h="0"/>
+        </a:sp3d>
+      </dsp:spPr>
+      <dsp:style>
+        <a:lnRef idx="0">
+          <a:scrgbClr r="0" g="0" b="0"/>
+        </a:lnRef>
+        <a:fillRef idx="3">
+          <a:scrgbClr r="0" g="0" b="0"/>
+        </a:fillRef>
+        <a:effectRef idx="2">
+          <a:scrgbClr r="0" g="0" b="0"/>
+        </a:effectRef>
+        <a:fontRef idx="minor">
+          <a:schemeClr val="lt1"/>
+        </a:fontRef>
+      </dsp:style>
+      <dsp:txBody>
+        <a:bodyPr spcFirstLastPara="0" vert="horz" wrap="square" lIns="36830" tIns="36830" rIns="36830" bIns="36830" numCol="1" spcCol="1270" anchor="ctr" anchorCtr="0">
+          <a:noAutofit/>
+        </a:bodyPr>
+        <a:lstStyle/>
+        <a:p>
+          <a:pPr lvl="0" algn="ctr" defTabSz="1289050">
+            <a:lnSpc>
+              <a:spcPct val="90000"/>
+            </a:lnSpc>
+            <a:spcBef>
+              <a:spcPct val="0"/>
+            </a:spcBef>
+            <a:spcAft>
+              <a:spcPct val="35000"/>
+            </a:spcAft>
+          </a:pPr>
+          <a:r>
+            <a:rPr lang="en-US" altLang="zh-TW" sz="2900" kern="1200" dirty="0"/>
+            <a:t>app</a:t>
+          </a:r>
+          <a:endParaRPr lang="zh-CN" altLang="en-US" sz="2900" kern="1200" dirty="0"/>
+        </a:p>
+      </dsp:txBody>
+      <dsp:txXfrm>
+        <a:off x="1501569" y="0"/>
+        <a:ext cx="1501569" cy="913512"/>
+      </dsp:txXfrm>
+    </dsp:sp>
+    <dsp:sp modelId="{6783CD30-30E9-934A-8116-191DC54CA623}">
+      <dsp:nvSpPr>
+        <dsp:cNvPr id="0" name=""/>
+        <dsp:cNvSpPr/>
+      </dsp:nvSpPr>
+      <dsp:spPr>
+        <a:xfrm>
+          <a:off x="750784" y="913512"/>
+          <a:ext cx="3003139" cy="913512"/>
+        </a:xfrm>
+        <a:prstGeom prst="trapezoid">
+          <a:avLst>
+            <a:gd name="adj" fmla="val 82187"/>
+          </a:avLst>
+        </a:prstGeom>
+        <a:solidFill>
+          <a:schemeClr val="tx1">
+            <a:lumMod val="50000"/>
+            <a:lumOff val="50000"/>
+          </a:schemeClr>
+        </a:solidFill>
+        <a:ln>
+          <a:noFill/>
+        </a:ln>
+        <a:effectLst>
+          <a:outerShdw blurRad="50800" dist="63500" dir="2700000" sx="102000" sy="102000" rotWithShape="0">
+            <a:srgbClr val="000000">
+              <a:alpha val="50000"/>
+            </a:srgbClr>
+          </a:outerShdw>
+        </a:effectLst>
+        <a:scene3d>
+          <a:camera prst="orthographicFront">
+            <a:rot lat="0" lon="0" rev="0"/>
+          </a:camera>
+          <a:lightRig rig="glow" dir="tl"/>
+        </a:scene3d>
+        <a:sp3d>
+          <a:bevelT w="0" h="0"/>
+        </a:sp3d>
+      </dsp:spPr>
+      <dsp:style>
+        <a:lnRef idx="0">
+          <a:scrgbClr r="0" g="0" b="0"/>
+        </a:lnRef>
+        <a:fillRef idx="3">
+          <a:scrgbClr r="0" g="0" b="0"/>
+        </a:fillRef>
+        <a:effectRef idx="2">
+          <a:scrgbClr r="0" g="0" b="0"/>
+        </a:effectRef>
+        <a:fontRef idx="minor">
+          <a:schemeClr val="lt1"/>
+        </a:fontRef>
+      </dsp:style>
+      <dsp:txBody>
+        <a:bodyPr spcFirstLastPara="0" vert="horz" wrap="square" lIns="36830" tIns="36830" rIns="36830" bIns="36830" numCol="1" spcCol="1270" anchor="ctr" anchorCtr="0">
+          <a:noAutofit/>
+        </a:bodyPr>
+        <a:lstStyle/>
+        <a:p>
+          <a:pPr lvl="0" algn="ctr" defTabSz="1289050">
+            <a:lnSpc>
+              <a:spcPct val="90000"/>
+            </a:lnSpc>
+            <a:spcBef>
+              <a:spcPct val="0"/>
+            </a:spcBef>
+            <a:spcAft>
+              <a:spcPct val="35000"/>
+            </a:spcAft>
+          </a:pPr>
+          <a:r>
+            <a:rPr lang="en-US" altLang="zh-CN" sz="2900" kern="1200" dirty="0"/>
+            <a:t>Alg</a:t>
+          </a:r>
+          <a:r>
+            <a:rPr lang="en-US" altLang="zh-TW" sz="2900" kern="1200" dirty="0"/>
+            <a:t>o</a:t>
+          </a:r>
+          <a:r>
+            <a:rPr lang="en-US" altLang="zh-CN" sz="2900" kern="1200" dirty="0"/>
+            <a:t>rithm</a:t>
+          </a:r>
+          <a:endParaRPr lang="zh-CN" altLang="en-US" sz="2900" kern="1200" dirty="0"/>
+        </a:p>
+      </dsp:txBody>
+      <dsp:txXfrm>
+        <a:off x="1276334" y="913512"/>
+        <a:ext cx="1952040" cy="913512"/>
+      </dsp:txXfrm>
+    </dsp:sp>
+    <dsp:sp modelId="{E62C9D9E-7EAE-B24D-9E86-E99F70B1C75C}">
+      <dsp:nvSpPr>
+        <dsp:cNvPr id="0" name=""/>
+        <dsp:cNvSpPr/>
+      </dsp:nvSpPr>
+      <dsp:spPr>
+        <a:xfrm>
+          <a:off x="0" y="1827023"/>
+          <a:ext cx="4504709" cy="913512"/>
+        </a:xfrm>
+        <a:prstGeom prst="trapezoid">
+          <a:avLst>
+            <a:gd name="adj" fmla="val 82187"/>
+          </a:avLst>
+        </a:prstGeom>
+        <a:solidFill>
+          <a:schemeClr val="tx1">
+            <a:lumMod val="50000"/>
+            <a:lumOff val="50000"/>
+          </a:schemeClr>
+        </a:solidFill>
+        <a:ln>
+          <a:noFill/>
+        </a:ln>
+        <a:effectLst>
+          <a:outerShdw blurRad="50800" dist="63500" dir="2700000" sx="102000" sy="102000" rotWithShape="0">
+            <a:srgbClr val="000000">
+              <a:alpha val="50000"/>
+            </a:srgbClr>
+          </a:outerShdw>
+        </a:effectLst>
+        <a:scene3d>
+          <a:camera prst="orthographicFront">
+            <a:rot lat="0" lon="0" rev="0"/>
+          </a:camera>
+          <a:lightRig rig="glow" dir="tl"/>
+        </a:scene3d>
+        <a:sp3d>
+          <a:bevelT w="0" h="0"/>
+        </a:sp3d>
+      </dsp:spPr>
+      <dsp:style>
+        <a:lnRef idx="0">
+          <a:scrgbClr r="0" g="0" b="0"/>
+        </a:lnRef>
+        <a:fillRef idx="3">
+          <a:scrgbClr r="0" g="0" b="0"/>
+        </a:fillRef>
+        <a:effectRef idx="2">
+          <a:scrgbClr r="0" g="0" b="0"/>
+        </a:effectRef>
+        <a:fontRef idx="minor">
+          <a:schemeClr val="lt1"/>
+        </a:fontRef>
+      </dsp:style>
+      <dsp:txBody>
+        <a:bodyPr spcFirstLastPara="0" vert="horz" wrap="square" lIns="36830" tIns="36830" rIns="36830" bIns="36830" numCol="1" spcCol="1270" anchor="ctr" anchorCtr="0">
+          <a:noAutofit/>
+        </a:bodyPr>
+        <a:lstStyle/>
+        <a:p>
+          <a:pPr lvl="0" algn="ctr" defTabSz="1289050">
+            <a:lnSpc>
+              <a:spcPct val="90000"/>
+            </a:lnSpc>
+            <a:spcBef>
+              <a:spcPct val="0"/>
+            </a:spcBef>
+            <a:spcAft>
+              <a:spcPct val="35000"/>
+            </a:spcAft>
+          </a:pPr>
+          <a:r>
+            <a:rPr lang="en-US" altLang="zh-CN" sz="2900" kern="1200" dirty="0"/>
+            <a:t>Basic</a:t>
+          </a:r>
+          <a:r>
+            <a:rPr lang="zh-TW" altLang="en-US" sz="2900" kern="1200" dirty="0"/>
+            <a:t> </a:t>
+          </a:r>
+          <a:r>
+            <a:rPr lang="en-US" altLang="zh-TW" sz="2900" kern="1200" dirty="0"/>
+            <a:t>framework&amp;</a:t>
+          </a:r>
+          <a:r>
+            <a:rPr lang="en-US" altLang="zh-CN" sz="2900" kern="1200" dirty="0"/>
+            <a:t> math</a:t>
+          </a:r>
+          <a:endParaRPr lang="zh-CN" altLang="en-US" sz="2900" kern="1200" dirty="0"/>
+        </a:p>
+      </dsp:txBody>
+      <dsp:txXfrm>
+        <a:off x="788324" y="1827023"/>
+        <a:ext cx="2928060" cy="913512"/>
+      </dsp:txXfrm>
+    </dsp:sp>
   </dsp:spTree>
 </dsp:drawing>
 </file>
@@ -4770,7 +5358,7 @@
           <a:p>
             <a:fld id="{1766A5AD-8774-FE44-A0A9-16F81BF90977}" type="datetimeFigureOut">
               <a:rPr kumimoji="1" lang="zh-CN" altLang="en-US" smtClean="0"/>
-              <a:t>07/09/20</a:t>
+              <a:t>08/09/20</a:t>
             </a:fld>
             <a:endParaRPr kumimoji="1" lang="zh-CN" altLang="en-US"/>
           </a:p>
@@ -6019,7 +6607,7 @@
           <a:p>
             <a:fld id="{BCEC23BA-C284-A64D-90DA-4E530BAE7B0A}" type="slidenum">
               <a:rPr kumimoji="1" lang="zh-CN" altLang="en-US" smtClean="0"/>
-              <a:t>32</a:t>
+              <a:t>33</a:t>
             </a:fld>
             <a:endParaRPr kumimoji="1" lang="zh-CN" altLang="en-US"/>
           </a:p>
@@ -6409,7 +6997,7 @@
           <a:p>
             <a:fld id="{B1115196-1C6F-4784-83AC-30756D8F10B3}" type="datetimeFigureOut">
               <a:rPr lang="en-US" smtClean="0"/>
-              <a:t>07/09/20</a:t>
+              <a:t>08/09/20</a:t>
             </a:fld>
             <a:endParaRPr lang="en-US"/>
           </a:p>
@@ -6838,7 +7426,7 @@
           <a:p>
             <a:fld id="{B1115196-1C6F-4784-83AC-30756D8F10B3}" type="datetimeFigureOut">
               <a:rPr lang="en-US" smtClean="0"/>
-              <a:t>07/09/20</a:t>
+              <a:t>08/09/20</a:t>
             </a:fld>
             <a:endParaRPr lang="en-US"/>
           </a:p>
@@ -7043,7 +7631,7 @@
           <a:p>
             <a:fld id="{B1115196-1C6F-4784-83AC-30756D8F10B3}" type="datetimeFigureOut">
               <a:rPr lang="en-US" smtClean="0"/>
-              <a:t>07/09/20</a:t>
+              <a:t>08/09/20</a:t>
             </a:fld>
             <a:endParaRPr lang="en-US"/>
           </a:p>
@@ -7314,7 +7902,7 @@
           <a:p>
             <a:fld id="{B1115196-1C6F-4784-83AC-30756D8F10B3}" type="datetimeFigureOut">
               <a:rPr lang="en-US" smtClean="0"/>
-              <a:t>07/09/20</a:t>
+              <a:t>08/09/20</a:t>
             </a:fld>
             <a:endParaRPr lang="en-US"/>
           </a:p>
@@ -7595,7 +8183,7 @@
           <a:p>
             <a:fld id="{B1115196-1C6F-4784-83AC-30756D8F10B3}" type="datetimeFigureOut">
               <a:rPr lang="en-US" smtClean="0"/>
-              <a:t>07/09/20</a:t>
+              <a:t>08/09/20</a:t>
             </a:fld>
             <a:endParaRPr lang="en-US"/>
           </a:p>
@@ -7830,7 +8418,7 @@
           <a:p>
             <a:fld id="{B1115196-1C6F-4784-83AC-30756D8F10B3}" type="datetimeFigureOut">
               <a:rPr lang="en-US" smtClean="0"/>
-              <a:t>07/09/20</a:t>
+              <a:t>08/09/20</a:t>
             </a:fld>
             <a:endParaRPr lang="en-US"/>
           </a:p>
@@ -8111,7 +8699,7 @@
           <a:p>
             <a:fld id="{B1115196-1C6F-4784-83AC-30756D8F10B3}" type="datetimeFigureOut">
               <a:rPr lang="en-US" smtClean="0"/>
-              <a:t>07/09/20</a:t>
+              <a:t>08/09/20</a:t>
             </a:fld>
             <a:endParaRPr lang="en-US"/>
           </a:p>
@@ -8538,7 +9126,7 @@
           <a:p>
             <a:fld id="{B1115196-1C6F-4784-83AC-30756D8F10B3}" type="datetimeFigureOut">
               <a:rPr lang="en-US" smtClean="0"/>
-              <a:t>07/09/20</a:t>
+              <a:t>08/09/20</a:t>
             </a:fld>
             <a:endParaRPr lang="en-US"/>
           </a:p>
@@ -9061,7 +9649,7 @@
           <a:p>
             <a:fld id="{B1115196-1C6F-4784-83AC-30756D8F10B3}" type="datetimeFigureOut">
               <a:rPr lang="en-US" smtClean="0"/>
-              <a:t>07/09/20</a:t>
+              <a:t>08/09/20</a:t>
             </a:fld>
             <a:endParaRPr lang="en-US"/>
           </a:p>
@@ -9423,7 +10011,7 @@
           <a:p>
             <a:fld id="{B1115196-1C6F-4784-83AC-30756D8F10B3}" type="datetimeFigureOut">
               <a:rPr lang="en-US" smtClean="0"/>
-              <a:t>07/09/20</a:t>
+              <a:t>08/09/20</a:t>
             </a:fld>
             <a:endParaRPr lang="en-US"/>
           </a:p>
@@ -9979,7 +10567,7 @@
           <a:p>
             <a:fld id="{B1115196-1C6F-4784-83AC-30756D8F10B3}" type="datetimeFigureOut">
               <a:rPr lang="en-US" smtClean="0"/>
-              <a:t>07/09/20</a:t>
+              <a:t>08/09/20</a:t>
             </a:fld>
             <a:endParaRPr lang="en-US"/>
           </a:p>
@@ -10204,7 +10792,7 @@
           <a:p>
             <a:fld id="{B1115196-1C6F-4784-83AC-30756D8F10B3}" type="datetimeFigureOut">
               <a:rPr lang="en-US" smtClean="0"/>
-              <a:t>07/09/20</a:t>
+              <a:t>08/09/20</a:t>
             </a:fld>
             <a:endParaRPr lang="en-US"/>
           </a:p>
@@ -10350,7 +10938,7 @@
           <a:p>
             <a:fld id="{B1115196-1C6F-4784-83AC-30756D8F10B3}" type="datetimeFigureOut">
               <a:rPr lang="en-US" smtClean="0"/>
-              <a:t>07/09/20</a:t>
+              <a:t>08/09/20</a:t>
             </a:fld>
             <a:endParaRPr lang="en-US"/>
           </a:p>
@@ -10815,7 +11403,7 @@
           <a:p>
             <a:fld id="{B1115196-1C6F-4784-83AC-30756D8F10B3}" type="datetimeFigureOut">
               <a:rPr lang="en-US" smtClean="0"/>
-              <a:t>07/09/20</a:t>
+              <a:t>08/09/20</a:t>
             </a:fld>
             <a:endParaRPr lang="en-US"/>
           </a:p>
@@ -11037,7 +11625,7 @@
           <a:p>
             <a:fld id="{B1115196-1C6F-4784-83AC-30756D8F10B3}" type="datetimeFigureOut">
               <a:rPr lang="en-US" smtClean="0"/>
-              <a:t>07/09/20</a:t>
+              <a:t>08/09/20</a:t>
             </a:fld>
             <a:endParaRPr lang="en-US"/>
           </a:p>
@@ -13134,7 +13722,15 @@
           <a:lstStyle/>
           <a:p>
             <a:r>
-              <a:rPr kumimoji="1" lang="zh-TW" altLang="en-US" dirty="0" smtClean="0"/>
+              <a:rPr kumimoji="1" lang="zh-TW" altLang="en-US" dirty="0"/>
+              <a:t>線性迴歸</a:t>
+            </a:r>
+            <a:r>
+              <a:rPr kumimoji="1" lang="en-US" altLang="zh-TW" dirty="0"/>
+              <a:t>: </a:t>
+            </a:r>
+            <a:r>
+              <a:rPr kumimoji="1" lang="zh-TW" altLang="en-US" smtClean="0"/>
               <a:t>多項式回歸</a:t>
             </a:r>
             <a:endParaRPr kumimoji="1" lang="zh-CN" altLang="en-US" dirty="0"/>
@@ -13312,20 +13908,8 @@
           <a:lstStyle/>
           <a:p>
             <a:r>
-              <a:rPr kumimoji="1" lang="en-US" altLang="zh-CN" dirty="0"/>
-              <a:t>W</a:t>
-            </a:r>
-            <a:r>
-              <a:rPr kumimoji="1" lang="zh-TW" altLang="zh-CN" dirty="0"/>
-              <a:t>4</a:t>
-            </a:r>
-            <a:r>
-              <a:rPr kumimoji="1" lang="en-US" altLang="zh-CN" dirty="0"/>
-              <a:t> Item:</a:t>
-            </a:r>
-            <a:r>
-              <a:rPr kumimoji="1" lang="zh-TW" altLang="en-US" dirty="0"/>
-              <a:t>數學算法</a:t>
+              <a:rPr kumimoji="1" lang="zh-TW" altLang="en-US" dirty="0" smtClean="0"/>
+              <a:t>邏輯回歸</a:t>
             </a:r>
             <a:endParaRPr kumimoji="1" lang="zh-CN" altLang="en-US" dirty="0"/>
           </a:p>
@@ -13346,46 +13930,130 @@
           <a:bodyPr/>
           <a:lstStyle/>
           <a:p>
-            <a:endParaRPr kumimoji="1" lang="en-US" altLang="zh-TW" dirty="0"/>
-          </a:p>
-          <a:p>
-            <a:r>
-              <a:rPr kumimoji="1" lang="en-US" altLang="zh-TW" dirty="0" err="1"/>
-              <a:t>Svm</a:t>
-            </a:r>
-            <a:r>
-              <a:rPr kumimoji="1" lang="zh-TW" altLang="en-US" dirty="0"/>
-              <a:t>算法</a:t>
-            </a:r>
-            <a:endParaRPr kumimoji="1" lang="en-US" altLang="zh-TW" dirty="0"/>
-          </a:p>
-          <a:p>
-            <a:r>
-              <a:rPr kumimoji="1" lang="en-US" altLang="zh-TW"/>
-              <a:t> </a:t>
-            </a:r>
-            <a:r>
-              <a:rPr kumimoji="1" lang="en-US" altLang="zh-TW" dirty="0"/>
-              <a:t>demo </a:t>
-            </a:r>
-            <a:r>
-              <a:rPr kumimoji="1" lang="zh-TW" altLang="en-US" dirty="0"/>
-              <a:t>代碼實現</a:t>
-            </a:r>
-            <a:endParaRPr kumimoji="1" lang="en-US" altLang="zh-TW" dirty="0"/>
-          </a:p>
-          <a:p>
-            <a:pPr marL="0" indent="0">
-              <a:buNone/>
-            </a:pPr>
-            <a:endParaRPr kumimoji="1" lang="en-US" altLang="zh-TW" dirty="0"/>
+            <a:r>
+              <a:rPr lang="zh-CN" altLang="en-US" dirty="0"/>
+              <a:t>逻辑回归是用来做分类算法的，大家都熟悉线性回归，一般形式是</a:t>
+            </a:r>
+            <a:r>
+              <a:rPr lang="en-US" altLang="zh-CN" dirty="0"/>
+              <a:t>Y=</a:t>
+            </a:r>
+            <a:r>
+              <a:rPr lang="en-US" altLang="zh-CN" dirty="0" err="1"/>
+              <a:t>aX+b</a:t>
+            </a:r>
+            <a:r>
+              <a:rPr lang="zh-CN" altLang="en-US" dirty="0"/>
+              <a:t>，</a:t>
+            </a:r>
+            <a:r>
+              <a:rPr lang="en-US" altLang="zh-CN" dirty="0"/>
+              <a:t>y</a:t>
+            </a:r>
+            <a:r>
+              <a:rPr lang="zh-CN" altLang="en-US" dirty="0"/>
+              <a:t>的取值范围是</a:t>
+            </a:r>
+            <a:r>
+              <a:rPr lang="en-US" altLang="zh-CN" dirty="0"/>
+              <a:t>[-∞, +∞]</a:t>
+            </a:r>
+            <a:r>
+              <a:rPr lang="zh-CN" altLang="en-US" dirty="0"/>
+              <a:t>，有这么多取值，怎么进行分类呢？不用担心，伟大的数学家已经为我们找到了一个方法。</a:t>
+            </a:r>
+          </a:p>
+          <a:p>
+            <a:r>
+              <a:rPr lang="zh-CN" altLang="en-US" dirty="0"/>
+              <a:t>也就是把</a:t>
+            </a:r>
+            <a:r>
+              <a:rPr lang="en-US" altLang="zh-CN" dirty="0"/>
+              <a:t>Y</a:t>
+            </a:r>
+            <a:r>
+              <a:rPr lang="zh-CN" altLang="en-US" dirty="0"/>
+              <a:t>的结果带入一个非线性变换的</a:t>
+            </a:r>
+            <a:r>
+              <a:rPr lang="en-US" altLang="zh-CN" b="1" dirty="0"/>
+              <a:t>Sigmoid</a:t>
+            </a:r>
+            <a:r>
+              <a:rPr lang="zh-CN" altLang="en-US" b="1" dirty="0"/>
+              <a:t>函数</a:t>
+            </a:r>
+            <a:r>
+              <a:rPr lang="zh-CN" altLang="en-US" dirty="0"/>
+              <a:t>中，即可得到</a:t>
+            </a:r>
+            <a:r>
+              <a:rPr lang="en-US" altLang="zh-CN" dirty="0"/>
+              <a:t>[0,1]</a:t>
+            </a:r>
+            <a:r>
+              <a:rPr lang="zh-CN" altLang="en-US" dirty="0"/>
+              <a:t>之间取值范围的数</a:t>
+            </a:r>
+            <a:r>
+              <a:rPr lang="en-US" altLang="zh-CN" dirty="0"/>
+              <a:t>S</a:t>
+            </a:r>
+            <a:r>
+              <a:rPr lang="zh-CN" altLang="en-US" dirty="0"/>
+              <a:t>，</a:t>
+            </a:r>
+            <a:r>
+              <a:rPr lang="en-US" altLang="zh-CN" dirty="0"/>
+              <a:t>S</a:t>
+            </a:r>
+            <a:r>
+              <a:rPr lang="zh-CN" altLang="en-US" dirty="0"/>
+              <a:t>可以把它看成是一个概率值，如果我们设置概率阈值为</a:t>
+            </a:r>
+            <a:r>
+              <a:rPr lang="en-US" altLang="zh-CN" dirty="0"/>
+              <a:t>0.5</a:t>
+            </a:r>
+            <a:r>
+              <a:rPr lang="zh-CN" altLang="en-US" dirty="0"/>
+              <a:t>，那么</a:t>
+            </a:r>
+            <a:r>
+              <a:rPr lang="en-US" altLang="zh-CN" dirty="0"/>
+              <a:t>S</a:t>
+            </a:r>
+            <a:r>
+              <a:rPr lang="zh-CN" altLang="en-US" dirty="0"/>
+              <a:t>大于</a:t>
+            </a:r>
+            <a:r>
+              <a:rPr lang="en-US" altLang="zh-CN" dirty="0"/>
+              <a:t>0.5</a:t>
+            </a:r>
+            <a:r>
+              <a:rPr lang="zh-CN" altLang="en-US" dirty="0"/>
+              <a:t>可以看成是正样本，小于</a:t>
+            </a:r>
+            <a:r>
+              <a:rPr lang="en-US" altLang="zh-CN" dirty="0"/>
+              <a:t>0.5</a:t>
+            </a:r>
+            <a:r>
+              <a:rPr lang="zh-CN" altLang="en-US"/>
+              <a:t>看成是负样本，就可以进行分类了</a:t>
+            </a:r>
+          </a:p>
+          <a:p>
+            <a:endParaRPr kumimoji="1" lang="zh-CN" altLang="en-US"/>
           </a:p>
         </p:txBody>
       </p:sp>
     </p:spTree>
     <p:extLst>
       <p:ext uri="{BB962C8B-B14F-4D97-AF65-F5344CB8AC3E}">
-        <p14:creationId xmlns:p14="http://schemas.microsoft.com/office/powerpoint/2010/main" val="514264433"/>
+        <p14:creationId xmlns:p14="http://schemas.microsoft.com/office/powerpoint/2010/main" val="3967568450"/>
       </p:ext>
     </p:extLst>
   </p:cSld>
@@ -13424,14 +14092,24 @@
         </p:nvSpPr>
         <p:spPr/>
         <p:txBody>
-          <a:bodyPr>
-            <a:normAutofit/>
-          </a:bodyPr>
+          <a:bodyPr/>
           <a:lstStyle/>
           <a:p>
             <a:r>
-              <a:rPr kumimoji="1" lang="zh-TW" altLang="en-US" dirty="0" smtClean="0"/>
-              <a:t>線性迴歸</a:t>
+              <a:rPr kumimoji="1" lang="en-US" altLang="zh-CN" dirty="0"/>
+              <a:t>W</a:t>
+            </a:r>
+            <a:r>
+              <a:rPr kumimoji="1" lang="zh-TW" altLang="zh-CN" dirty="0"/>
+              <a:t>4</a:t>
+            </a:r>
+            <a:r>
+              <a:rPr kumimoji="1" lang="en-US" altLang="zh-CN" dirty="0"/>
+              <a:t> Item:</a:t>
+            </a:r>
+            <a:r>
+              <a:rPr kumimoji="1" lang="zh-TW" altLang="en-US" dirty="0"/>
+              <a:t>數學算法</a:t>
             </a:r>
             <a:endParaRPr kumimoji="1" lang="zh-CN" altLang="en-US" dirty="0"/>
           </a:p>
@@ -13452,14 +14130,46 @@
           <a:bodyPr/>
           <a:lstStyle/>
           <a:p>
-            <a:endParaRPr kumimoji="1" lang="zh-CN" altLang="en-US" dirty="0"/>
+            <a:endParaRPr kumimoji="1" lang="en-US" altLang="zh-TW" dirty="0"/>
+          </a:p>
+          <a:p>
+            <a:r>
+              <a:rPr kumimoji="1" lang="en-US" altLang="zh-TW" dirty="0" err="1"/>
+              <a:t>Svm</a:t>
+            </a:r>
+            <a:r>
+              <a:rPr kumimoji="1" lang="zh-TW" altLang="en-US" dirty="0"/>
+              <a:t>算法</a:t>
+            </a:r>
+            <a:endParaRPr kumimoji="1" lang="en-US" altLang="zh-TW" dirty="0"/>
+          </a:p>
+          <a:p>
+            <a:r>
+              <a:rPr kumimoji="1" lang="en-US" altLang="zh-TW"/>
+              <a:t> </a:t>
+            </a:r>
+            <a:r>
+              <a:rPr kumimoji="1" lang="en-US" altLang="zh-TW" dirty="0"/>
+              <a:t>demo </a:t>
+            </a:r>
+            <a:r>
+              <a:rPr kumimoji="1" lang="zh-TW" altLang="en-US" dirty="0"/>
+              <a:t>代碼實現</a:t>
+            </a:r>
+            <a:endParaRPr kumimoji="1" lang="en-US" altLang="zh-TW" dirty="0"/>
+          </a:p>
+          <a:p>
+            <a:pPr marL="0" indent="0">
+              <a:buNone/>
+            </a:pPr>
+            <a:endParaRPr kumimoji="1" lang="en-US" altLang="zh-TW" dirty="0"/>
           </a:p>
         </p:txBody>
       </p:sp>
     </p:spTree>
     <p:extLst>
       <p:ext uri="{BB962C8B-B14F-4D97-AF65-F5344CB8AC3E}">
-        <p14:creationId xmlns:p14="http://schemas.microsoft.com/office/powerpoint/2010/main" val="3662445154"/>
+        <p14:creationId xmlns:p14="http://schemas.microsoft.com/office/powerpoint/2010/main" val="514264433"/>
       </p:ext>
     </p:extLst>
   </p:cSld>
@@ -13498,20 +14208,14 @@
         </p:nvSpPr>
         <p:spPr/>
         <p:txBody>
-          <a:bodyPr/>
+          <a:bodyPr>
+            <a:normAutofit/>
+          </a:bodyPr>
           <a:lstStyle/>
           <a:p>
             <a:r>
-              <a:rPr kumimoji="1" lang="zh-TW" altLang="en-US" dirty="0"/>
-              <a:t>W</a:t>
-            </a:r>
-            <a:r>
-              <a:rPr kumimoji="1" lang="en-US" altLang="zh-TW" dirty="0"/>
-              <a:t>? : </a:t>
-            </a:r>
-            <a:r>
-              <a:rPr kumimoji="1" lang="zh-TW" altLang="en-US" dirty="0"/>
-              <a:t>語言資料基礎分析</a:t>
+              <a:rPr kumimoji="1" lang="zh-TW" altLang="en-US" dirty="0" smtClean="0"/>
+              <a:t>線性迴歸</a:t>
             </a:r>
             <a:endParaRPr kumimoji="1" lang="zh-CN" altLang="en-US" dirty="0"/>
           </a:p>
@@ -13532,17 +14236,6 @@
           <a:bodyPr/>
           <a:lstStyle/>
           <a:p>
-            <a:r>
-              <a:rPr kumimoji="1" lang="zh-TW" altLang="en-US" dirty="0"/>
-              <a:t>後續看完基礎數學算法後決定</a:t>
-            </a:r>
-            <a:endParaRPr kumimoji="1" lang="en-US" altLang="zh-TW" dirty="0"/>
-          </a:p>
-          <a:p>
-            <a:r>
-              <a:rPr kumimoji="1" lang="zh-TW" altLang="en-US" dirty="0"/>
-              <a:t>預定最多佔兩週</a:t>
-            </a:r>
             <a:endParaRPr kumimoji="1" lang="zh-CN" altLang="en-US" dirty="0"/>
           </a:p>
         </p:txBody>
@@ -13550,7 +14243,7 @@
     </p:spTree>
     <p:extLst>
       <p:ext uri="{BB962C8B-B14F-4D97-AF65-F5344CB8AC3E}">
-        <p14:creationId xmlns:p14="http://schemas.microsoft.com/office/powerpoint/2010/main" val="1663076574"/>
+        <p14:creationId xmlns:p14="http://schemas.microsoft.com/office/powerpoint/2010/main" val="3662445154"/>
       </p:ext>
     </p:extLst>
   </p:cSld>
@@ -13597,24 +14290,12 @@
               <a:t>W</a:t>
             </a:r>
             <a:r>
-              <a:rPr kumimoji="1" lang="zh-TW" altLang="zh-TW" dirty="0"/>
-              <a:t>5</a:t>
-            </a:r>
-            <a:r>
               <a:rPr kumimoji="1" lang="en-US" altLang="zh-TW" dirty="0"/>
-              <a:t>:</a:t>
+              <a:t>? : </a:t>
             </a:r>
             <a:r>
               <a:rPr kumimoji="1" lang="zh-TW" altLang="en-US" dirty="0"/>
-              <a:t>深度學習模型</a:t>
-            </a:r>
-            <a:r>
-              <a:rPr kumimoji="1" lang="en-US" altLang="zh-TW" dirty="0"/>
-              <a:t>-</a:t>
-            </a:r>
-            <a:r>
-              <a:rPr kumimoji="1" lang="zh-TW" altLang="en-US" dirty="0"/>
-              <a:t>基礎模型</a:t>
+              <a:t>語言資料基礎分析</a:t>
             </a:r>
             <a:endParaRPr kumimoji="1" lang="zh-CN" altLang="en-US" dirty="0"/>
           </a:p>
@@ -13637,34 +14318,15 @@
           <a:p>
             <a:r>
               <a:rPr kumimoji="1" lang="zh-TW" altLang="en-US" dirty="0"/>
-              <a:t>D</a:t>
-            </a:r>
-            <a:r>
-              <a:rPr kumimoji="1" lang="en-US" altLang="zh-TW" dirty="0"/>
-              <a:t>MN model</a:t>
-            </a:r>
-          </a:p>
-          <a:p>
-            <a:r>
-              <a:rPr kumimoji="1" lang="en-US" altLang="zh-TW" dirty="0"/>
-              <a:t>CNN model</a:t>
-            </a:r>
-          </a:p>
-          <a:p>
-            <a:r>
-              <a:rPr kumimoji="1" lang="en-US" altLang="zh-TW" dirty="0"/>
-              <a:t>R</a:t>
-            </a:r>
+              <a:t>後續看完基礎數學算法後決定</a:t>
+            </a:r>
+            <a:endParaRPr kumimoji="1" lang="en-US" altLang="zh-TW" dirty="0"/>
+          </a:p>
+          <a:p>
             <a:r>
               <a:rPr kumimoji="1" lang="zh-TW" altLang="en-US" dirty="0"/>
-              <a:t>N</a:t>
-            </a:r>
-            <a:r>
-              <a:rPr kumimoji="1" lang="en-US" altLang="zh-TW" dirty="0"/>
-              <a:t>N model</a:t>
-            </a:r>
-          </a:p>
-          <a:p>
+              <a:t>預定最多佔兩週</a:t>
+            </a:r>
             <a:endParaRPr kumimoji="1" lang="zh-CN" altLang="en-US" dirty="0"/>
           </a:p>
         </p:txBody>
@@ -13672,7 +14334,7 @@
     </p:spTree>
     <p:extLst>
       <p:ext uri="{BB962C8B-B14F-4D97-AF65-F5344CB8AC3E}">
-        <p14:creationId xmlns:p14="http://schemas.microsoft.com/office/powerpoint/2010/main" val="1976090492"/>
+        <p14:creationId xmlns:p14="http://schemas.microsoft.com/office/powerpoint/2010/main" val="1663076574"/>
       </p:ext>
     </p:extLst>
   </p:cSld>
@@ -13857,7 +14519,7 @@
             </a:r>
             <a:r>
               <a:rPr kumimoji="1" lang="zh-TW" altLang="zh-TW" dirty="0"/>
-              <a:t>6</a:t>
+              <a:t>5</a:t>
             </a:r>
             <a:r>
               <a:rPr kumimoji="1" lang="en-US" altLang="zh-TW" dirty="0"/>
@@ -13873,7 +14535,7 @@
             </a:r>
             <a:r>
               <a:rPr kumimoji="1" lang="zh-TW" altLang="en-US" dirty="0"/>
-              <a:t>應用文本</a:t>
+              <a:t>基礎模型</a:t>
             </a:r>
             <a:endParaRPr kumimoji="1" lang="zh-CN" altLang="en-US" dirty="0"/>
           </a:p>
@@ -13895,38 +14557,43 @@
           <a:lstStyle/>
           <a:p>
             <a:r>
-              <a:rPr kumimoji="1" lang="zh-TW" altLang="zh-TW" dirty="0"/>
-              <a:t>t</a:t>
-            </a:r>
-            <a:r>
-              <a:rPr kumimoji="1" lang="en-US" altLang="zh-TW" dirty="0" err="1"/>
-              <a:t>extCNN</a:t>
+              <a:rPr kumimoji="1" lang="zh-TW" altLang="en-US" dirty="0"/>
+              <a:t>D</a:t>
             </a:r>
             <a:r>
               <a:rPr kumimoji="1" lang="en-US" altLang="zh-TW" dirty="0"/>
-              <a:t> model</a:t>
-            </a:r>
-          </a:p>
-          <a:p>
-            <a:r>
-              <a:rPr kumimoji="1" lang="zh-TW" altLang="zh-TW" dirty="0"/>
-              <a:t>t</a:t>
-            </a:r>
-            <a:r>
-              <a:rPr kumimoji="1" lang="en-US" altLang="zh-TW" dirty="0" err="1"/>
-              <a:t>extRNN</a:t>
-            </a:r>
+              <a:t>MN model</a:t>
+            </a:r>
+          </a:p>
+          <a:p>
             <a:r>
               <a:rPr kumimoji="1" lang="en-US" altLang="zh-TW" dirty="0"/>
-              <a:t> model</a:t>
-            </a:r>
+              <a:t>CNN model</a:t>
+            </a:r>
+          </a:p>
+          <a:p>
+            <a:r>
+              <a:rPr kumimoji="1" lang="en-US" altLang="zh-TW" dirty="0"/>
+              <a:t>R</a:t>
+            </a:r>
+            <a:r>
+              <a:rPr kumimoji="1" lang="zh-TW" altLang="en-US" dirty="0"/>
+              <a:t>N</a:t>
+            </a:r>
+            <a:r>
+              <a:rPr kumimoji="1" lang="en-US" altLang="zh-TW" dirty="0"/>
+              <a:t>N model</a:t>
+            </a:r>
+          </a:p>
+          <a:p>
+            <a:endParaRPr kumimoji="1" lang="zh-CN" altLang="en-US" dirty="0"/>
           </a:p>
         </p:txBody>
       </p:sp>
     </p:spTree>
     <p:extLst>
       <p:ext uri="{BB962C8B-B14F-4D97-AF65-F5344CB8AC3E}">
-        <p14:creationId xmlns:p14="http://schemas.microsoft.com/office/powerpoint/2010/main" val="1670608775"/>
+        <p14:creationId xmlns:p14="http://schemas.microsoft.com/office/powerpoint/2010/main" val="1976090492"/>
       </p:ext>
     </p:extLst>
   </p:cSld>
@@ -13974,7 +14641,7 @@
             </a:r>
             <a:r>
               <a:rPr kumimoji="1" lang="zh-TW" altLang="zh-TW" dirty="0"/>
-              <a:t>7</a:t>
+              <a:t>6</a:t>
             </a:r>
             <a:r>
               <a:rPr kumimoji="1" lang="en-US" altLang="zh-TW" dirty="0"/>
@@ -13982,11 +14649,15 @@
             </a:r>
             <a:r>
               <a:rPr kumimoji="1" lang="zh-TW" altLang="en-US" dirty="0"/>
-              <a:t>模型</a:t>
+              <a:t>深度學習模型</a:t>
             </a:r>
             <a:r>
               <a:rPr kumimoji="1" lang="en-US" altLang="zh-TW" dirty="0"/>
-              <a:t>DEMO </a:t>
+              <a:t>-</a:t>
+            </a:r>
+            <a:r>
+              <a:rPr kumimoji="1" lang="zh-TW" altLang="en-US" dirty="0"/>
+              <a:t>應用文本</a:t>
             </a:r>
             <a:endParaRPr kumimoji="1" lang="zh-CN" altLang="en-US" dirty="0"/>
           </a:p>
@@ -14008,31 +14679,38 @@
           <a:lstStyle/>
           <a:p>
             <a:r>
-              <a:rPr kumimoji="1" lang="zh-TW" altLang="en-US" dirty="0"/>
-              <a:t>文本分類</a:t>
+              <a:rPr kumimoji="1" lang="zh-TW" altLang="zh-TW" dirty="0"/>
+              <a:t>t</a:t>
+            </a:r>
+            <a:r>
+              <a:rPr kumimoji="1" lang="en-US" altLang="zh-TW" dirty="0" err="1"/>
+              <a:t>extCNN</a:t>
             </a:r>
             <a:r>
               <a:rPr kumimoji="1" lang="en-US" altLang="zh-TW" dirty="0"/>
-              <a:t>-</a:t>
-            </a:r>
-            <a:r>
-              <a:rPr kumimoji="1" lang="zh-TW" altLang="en-US" dirty="0"/>
-              <a:t>意圖分類</a:t>
+              <a:t> model</a:t>
+            </a:r>
+          </a:p>
+          <a:p>
+            <a:r>
+              <a:rPr kumimoji="1" lang="zh-TW" altLang="zh-TW" dirty="0"/>
+              <a:t>t</a:t>
+            </a:r>
+            <a:r>
+              <a:rPr kumimoji="1" lang="en-US" altLang="zh-TW" dirty="0" err="1"/>
+              <a:t>extRNN</a:t>
             </a:r>
             <a:r>
               <a:rPr kumimoji="1" lang="en-US" altLang="zh-TW" dirty="0"/>
-              <a:t>DEMO</a:t>
-            </a:r>
-          </a:p>
-          <a:p>
-            <a:endParaRPr kumimoji="1" lang="zh-CN" altLang="en-US" dirty="0"/>
+              <a:t> model</a:t>
+            </a:r>
           </a:p>
         </p:txBody>
       </p:sp>
     </p:spTree>
     <p:extLst>
       <p:ext uri="{BB962C8B-B14F-4D97-AF65-F5344CB8AC3E}">
-        <p14:creationId xmlns:p14="http://schemas.microsoft.com/office/powerpoint/2010/main" val="158954754"/>
+        <p14:creationId xmlns:p14="http://schemas.microsoft.com/office/powerpoint/2010/main" val="1670608775"/>
       </p:ext>
     </p:extLst>
   </p:cSld>
@@ -14080,6 +14758,112 @@
             </a:r>
             <a:r>
               <a:rPr kumimoji="1" lang="zh-TW" altLang="zh-TW" dirty="0"/>
+              <a:t>7</a:t>
+            </a:r>
+            <a:r>
+              <a:rPr kumimoji="1" lang="en-US" altLang="zh-TW" dirty="0"/>
+              <a:t>:</a:t>
+            </a:r>
+            <a:r>
+              <a:rPr kumimoji="1" lang="zh-TW" altLang="en-US" dirty="0"/>
+              <a:t>模型</a:t>
+            </a:r>
+            <a:r>
+              <a:rPr kumimoji="1" lang="en-US" altLang="zh-TW" dirty="0"/>
+              <a:t>DEMO </a:t>
+            </a:r>
+            <a:endParaRPr kumimoji="1" lang="zh-CN" altLang="en-US" dirty="0"/>
+          </a:p>
+        </p:txBody>
+      </p:sp>
+      <p:sp>
+        <p:nvSpPr>
+          <p:cNvPr id="3" name="内容占位符 2"/>
+          <p:cNvSpPr>
+            <a:spLocks noGrp="1"/>
+          </p:cNvSpPr>
+          <p:nvPr>
+            <p:ph idx="1"/>
+          </p:nvPr>
+        </p:nvSpPr>
+        <p:spPr/>
+        <p:txBody>
+          <a:bodyPr/>
+          <a:lstStyle/>
+          <a:p>
+            <a:r>
+              <a:rPr kumimoji="1" lang="zh-TW" altLang="en-US" dirty="0"/>
+              <a:t>文本分類</a:t>
+            </a:r>
+            <a:r>
+              <a:rPr kumimoji="1" lang="en-US" altLang="zh-TW" dirty="0"/>
+              <a:t>-</a:t>
+            </a:r>
+            <a:r>
+              <a:rPr kumimoji="1" lang="zh-TW" altLang="en-US" dirty="0"/>
+              <a:t>意圖分類</a:t>
+            </a:r>
+            <a:r>
+              <a:rPr kumimoji="1" lang="en-US" altLang="zh-TW" dirty="0"/>
+              <a:t>DEMO</a:t>
+            </a:r>
+          </a:p>
+          <a:p>
+            <a:endParaRPr kumimoji="1" lang="zh-CN" altLang="en-US" dirty="0"/>
+          </a:p>
+        </p:txBody>
+      </p:sp>
+    </p:spTree>
+    <p:extLst>
+      <p:ext uri="{BB962C8B-B14F-4D97-AF65-F5344CB8AC3E}">
+        <p14:creationId xmlns:p14="http://schemas.microsoft.com/office/powerpoint/2010/main" val="158954754"/>
+      </p:ext>
+    </p:extLst>
+  </p:cSld>
+  <p:clrMapOvr>
+    <a:masterClrMapping/>
+  </p:clrMapOvr>
+</p:sld>
+</file>
+
+<file path=ppt/slides/slide33.xml><?xml version="1.0" encoding="utf-8"?>
+<p:sld xmlns:a="http://schemas.openxmlformats.org/drawingml/2006/main" xmlns:r="http://schemas.openxmlformats.org/officeDocument/2006/relationships" xmlns:p="http://schemas.openxmlformats.org/presentationml/2006/main">
+  <p:cSld>
+    <p:spTree>
+      <p:nvGrpSpPr>
+        <p:cNvPr id="1" name=""/>
+        <p:cNvGrpSpPr/>
+        <p:nvPr/>
+      </p:nvGrpSpPr>
+      <p:grpSpPr>
+        <a:xfrm>
+          <a:off x="0" y="0"/>
+          <a:ext cx="0" cy="0"/>
+          <a:chOff x="0" y="0"/>
+          <a:chExt cx="0" cy="0"/>
+        </a:xfrm>
+      </p:grpSpPr>
+      <p:sp>
+        <p:nvSpPr>
+          <p:cNvPr id="2" name="标题 1"/>
+          <p:cNvSpPr>
+            <a:spLocks noGrp="1"/>
+          </p:cNvSpPr>
+          <p:nvPr>
+            <p:ph type="title"/>
+          </p:nvPr>
+        </p:nvSpPr>
+        <p:spPr/>
+        <p:txBody>
+          <a:bodyPr/>
+          <a:lstStyle/>
+          <a:p>
+            <a:r>
+              <a:rPr kumimoji="1" lang="zh-TW" altLang="en-US" dirty="0"/>
+              <a:t>W</a:t>
+            </a:r>
+            <a:r>
+              <a:rPr kumimoji="1" lang="zh-TW" altLang="zh-TW" dirty="0"/>
               <a:t>8</a:t>
             </a:r>
             <a:r>
@@ -14155,7 +14939,7 @@
 </p:sld>
 </file>
 
-<file path=ppt/slides/slide33.xml><?xml version="1.0" encoding="utf-8"?>
+<file path=ppt/slides/slide34.xml><?xml version="1.0" encoding="utf-8"?>
 <p:sld xmlns:a="http://schemas.openxmlformats.org/drawingml/2006/main" xmlns:r="http://schemas.openxmlformats.org/officeDocument/2006/relationships" xmlns:p="http://schemas.openxmlformats.org/presentationml/2006/main">
   <p:cSld>
     <p:spTree>

--- a/ml traing sean_detail.pptx
+++ b/ml traing sean_detail.pptx
@@ -34,8 +34,8 @@
     <p:sldId id="287" r:id="rId25"/>
     <p:sldId id="288" r:id="rId26"/>
     <p:sldId id="289" r:id="rId27"/>
-    <p:sldId id="262" r:id="rId28"/>
-    <p:sldId id="283" r:id="rId29"/>
+    <p:sldId id="290" r:id="rId28"/>
+    <p:sldId id="262" r:id="rId29"/>
     <p:sldId id="268" r:id="rId30"/>
     <p:sldId id="263" r:id="rId31"/>
     <p:sldId id="264" r:id="rId32"/>
@@ -141,6 +141,48 @@
     </a:lvl9pPr>
   </p:defaultTextStyle>
   <p:extLst>
+    <p:ext uri="{521415D9-36F7-43E2-AB2F-B90AF26B5E84}">
+      <p14:sectionLst xmlns:p14="http://schemas.microsoft.com/office/powerpoint/2010/main">
+        <p14:section name="默认节" id="{B10845DB-F75B-D643-A022-4377F3E088D9}">
+          <p14:sldIdLst>
+            <p14:sldId id="256"/>
+            <p14:sldId id="257"/>
+            <p14:sldId id="258"/>
+            <p14:sldId id="260"/>
+            <p14:sldId id="259"/>
+            <p14:sldId id="261"/>
+            <p14:sldId id="269"/>
+            <p14:sldId id="273"/>
+            <p14:sldId id="270"/>
+            <p14:sldId id="271"/>
+            <p14:sldId id="272"/>
+            <p14:sldId id="274"/>
+            <p14:sldId id="275"/>
+            <p14:sldId id="276"/>
+            <p14:sldId id="277"/>
+            <p14:sldId id="278"/>
+            <p14:sldId id="279"/>
+            <p14:sldId id="280"/>
+            <p14:sldId id="281"/>
+            <p14:sldId id="282"/>
+            <p14:sldId id="284"/>
+            <p14:sldId id="285"/>
+            <p14:sldId id="286"/>
+            <p14:sldId id="287"/>
+            <p14:sldId id="288"/>
+            <p14:sldId id="289"/>
+            <p14:sldId id="290"/>
+            <p14:sldId id="262"/>
+            <p14:sldId id="268"/>
+            <p14:sldId id="263"/>
+            <p14:sldId id="264"/>
+            <p14:sldId id="265"/>
+            <p14:sldId id="266"/>
+            <p14:sldId id="267"/>
+          </p14:sldIdLst>
+        </p14:section>
+      </p14:sectionLst>
+    </p:ext>
     <p:ext uri="{EFAFB233-063F-42B5-8137-9DF3F51BA10A}">
       <p15:sldGuideLst xmlns="" xmlns:p15="http://schemas.microsoft.com/office/powerpoint/2012/main">
         <p15:guide id="1" orient="horz" pos="2160">
@@ -14041,12 +14083,12 @@
               <a:t>0.5</a:t>
             </a:r>
             <a:r>
-              <a:rPr lang="zh-CN" altLang="en-US"/>
+              <a:rPr lang="zh-CN" altLang="en-US" dirty="0"/>
               <a:t>看成是负样本，就可以进行分类了</a:t>
             </a:r>
           </a:p>
           <a:p>
-            <a:endParaRPr kumimoji="1" lang="zh-CN" altLang="en-US"/>
+            <a:endParaRPr kumimoji="1" lang="zh-CN" altLang="en-US" dirty="0"/>
           </a:p>
         </p:txBody>
       </p:sp>
@@ -14096,20 +14138,8 @@
           <a:lstStyle/>
           <a:p>
             <a:r>
-              <a:rPr kumimoji="1" lang="en-US" altLang="zh-CN" dirty="0"/>
-              <a:t>W</a:t>
-            </a:r>
-            <a:r>
-              <a:rPr kumimoji="1" lang="zh-TW" altLang="zh-CN" dirty="0"/>
-              <a:t>4</a:t>
-            </a:r>
-            <a:r>
-              <a:rPr kumimoji="1" lang="en-US" altLang="zh-CN" dirty="0"/>
-              <a:t> Item:</a:t>
-            </a:r>
-            <a:r>
-              <a:rPr kumimoji="1" lang="zh-TW" altLang="en-US" dirty="0"/>
-              <a:t>數學算法</a:t>
+              <a:rPr kumimoji="1" lang="zh-TW" altLang="en-US" dirty="0" smtClean="0"/>
+              <a:t>邏輯回歸</a:t>
             </a:r>
             <a:endParaRPr kumimoji="1" lang="zh-CN" altLang="en-US" dirty="0"/>
           </a:p>
@@ -14130,46 +14160,27 @@
           <a:bodyPr/>
           <a:lstStyle/>
           <a:p>
-            <a:endParaRPr kumimoji="1" lang="en-US" altLang="zh-TW" dirty="0"/>
-          </a:p>
-          <a:p>
-            <a:r>
-              <a:rPr kumimoji="1" lang="en-US" altLang="zh-TW" dirty="0" err="1"/>
-              <a:t>Svm</a:t>
-            </a:r>
-            <a:r>
-              <a:rPr kumimoji="1" lang="zh-TW" altLang="en-US" dirty="0"/>
-              <a:t>算法</a:t>
-            </a:r>
-            <a:endParaRPr kumimoji="1" lang="en-US" altLang="zh-TW" dirty="0"/>
-          </a:p>
-          <a:p>
-            <a:r>
-              <a:rPr kumimoji="1" lang="en-US" altLang="zh-TW"/>
-              <a:t> </a:t>
-            </a:r>
-            <a:r>
-              <a:rPr kumimoji="1" lang="en-US" altLang="zh-TW" dirty="0"/>
-              <a:t>demo </a:t>
-            </a:r>
-            <a:r>
-              <a:rPr kumimoji="1" lang="zh-TW" altLang="en-US" dirty="0"/>
-              <a:t>代碼實現</a:t>
-            </a:r>
-            <a:endParaRPr kumimoji="1" lang="en-US" altLang="zh-TW" dirty="0"/>
-          </a:p>
-          <a:p>
-            <a:pPr marL="0" indent="0">
-              <a:buNone/>
-            </a:pPr>
-            <a:endParaRPr kumimoji="1" lang="en-US" altLang="zh-TW" dirty="0"/>
+            <a:r>
+              <a:rPr kumimoji="1" lang="en-US" altLang="zh-CN" dirty="0" smtClean="0"/>
+              <a:t>Example:</a:t>
+            </a:r>
+          </a:p>
+          <a:p>
+            <a:r>
+              <a:rPr kumimoji="1" lang="en-US" altLang="zh-CN" dirty="0" err="1" smtClean="0"/>
+              <a:t>logic_regression_api_prac.py</a:t>
+            </a:r>
+            <a:endParaRPr kumimoji="1" lang="en-US" altLang="zh-CN" smtClean="0"/>
+          </a:p>
+          <a:p>
+            <a:endParaRPr kumimoji="1" lang="zh-CN" altLang="en-US" dirty="0"/>
           </a:p>
         </p:txBody>
       </p:sp>
     </p:spTree>
     <p:extLst>
       <p:ext uri="{BB962C8B-B14F-4D97-AF65-F5344CB8AC3E}">
-        <p14:creationId xmlns:p14="http://schemas.microsoft.com/office/powerpoint/2010/main" val="514264433"/>
+        <p14:creationId xmlns:p14="http://schemas.microsoft.com/office/powerpoint/2010/main" val="3433479631"/>
       </p:ext>
     </p:extLst>
   </p:cSld>
@@ -14208,14 +14219,24 @@
         </p:nvSpPr>
         <p:spPr/>
         <p:txBody>
-          <a:bodyPr>
-            <a:normAutofit/>
-          </a:bodyPr>
+          <a:bodyPr/>
           <a:lstStyle/>
           <a:p>
             <a:r>
-              <a:rPr kumimoji="1" lang="zh-TW" altLang="en-US" dirty="0" smtClean="0"/>
-              <a:t>線性迴歸</a:t>
+              <a:rPr kumimoji="1" lang="en-US" altLang="zh-CN" dirty="0"/>
+              <a:t>W</a:t>
+            </a:r>
+            <a:r>
+              <a:rPr kumimoji="1" lang="zh-TW" altLang="zh-CN" dirty="0"/>
+              <a:t>4</a:t>
+            </a:r>
+            <a:r>
+              <a:rPr kumimoji="1" lang="en-US" altLang="zh-CN" dirty="0"/>
+              <a:t> Item:</a:t>
+            </a:r>
+            <a:r>
+              <a:rPr kumimoji="1" lang="zh-TW" altLang="en-US" dirty="0"/>
+              <a:t>數學算法</a:t>
             </a:r>
             <a:endParaRPr kumimoji="1" lang="zh-CN" altLang="en-US" dirty="0"/>
           </a:p>
@@ -14236,14 +14257,46 @@
           <a:bodyPr/>
           <a:lstStyle/>
           <a:p>
-            <a:endParaRPr kumimoji="1" lang="zh-CN" altLang="en-US" dirty="0"/>
+            <a:endParaRPr kumimoji="1" lang="en-US" altLang="zh-TW" dirty="0"/>
+          </a:p>
+          <a:p>
+            <a:r>
+              <a:rPr kumimoji="1" lang="en-US" altLang="zh-TW" dirty="0" err="1"/>
+              <a:t>Svm</a:t>
+            </a:r>
+            <a:r>
+              <a:rPr kumimoji="1" lang="zh-TW" altLang="en-US" dirty="0"/>
+              <a:t>算法</a:t>
+            </a:r>
+            <a:endParaRPr kumimoji="1" lang="en-US" altLang="zh-TW" dirty="0"/>
+          </a:p>
+          <a:p>
+            <a:r>
+              <a:rPr kumimoji="1" lang="en-US" altLang="zh-TW"/>
+              <a:t> </a:t>
+            </a:r>
+            <a:r>
+              <a:rPr kumimoji="1" lang="en-US" altLang="zh-TW" dirty="0"/>
+              <a:t>demo </a:t>
+            </a:r>
+            <a:r>
+              <a:rPr kumimoji="1" lang="zh-TW" altLang="en-US" dirty="0"/>
+              <a:t>代碼實現</a:t>
+            </a:r>
+            <a:endParaRPr kumimoji="1" lang="en-US" altLang="zh-TW" dirty="0"/>
+          </a:p>
+          <a:p>
+            <a:pPr marL="0" indent="0">
+              <a:buNone/>
+            </a:pPr>
+            <a:endParaRPr kumimoji="1" lang="en-US" altLang="zh-TW" dirty="0"/>
           </a:p>
         </p:txBody>
       </p:sp>
     </p:spTree>
     <p:extLst>
       <p:ext uri="{BB962C8B-B14F-4D97-AF65-F5344CB8AC3E}">
-        <p14:creationId xmlns:p14="http://schemas.microsoft.com/office/powerpoint/2010/main" val="3662445154"/>
+        <p14:creationId xmlns:p14="http://schemas.microsoft.com/office/powerpoint/2010/main" val="514264433"/>
       </p:ext>
     </p:extLst>
   </p:cSld>

--- a/ml traing sean_detail.pptx
+++ b/ml traing sean_detail.pptx
@@ -5,7 +5,7 @@
     <p:sldMasterId id="2147483660" r:id="rId1"/>
   </p:sldMasterIdLst>
   <p:notesMasterIdLst>
-    <p:notesMasterId r:id="rId36"/>
+    <p:notesMasterId r:id="rId40"/>
   </p:notesMasterIdLst>
   <p:sldIdLst>
     <p:sldId id="256" r:id="rId2"/>
@@ -14,34 +14,38 @@
     <p:sldId id="260" r:id="rId5"/>
     <p:sldId id="259" r:id="rId6"/>
     <p:sldId id="261" r:id="rId7"/>
-    <p:sldId id="269" r:id="rId8"/>
-    <p:sldId id="273" r:id="rId9"/>
-    <p:sldId id="270" r:id="rId10"/>
-    <p:sldId id="271" r:id="rId11"/>
-    <p:sldId id="272" r:id="rId12"/>
-    <p:sldId id="274" r:id="rId13"/>
-    <p:sldId id="275" r:id="rId14"/>
-    <p:sldId id="276" r:id="rId15"/>
-    <p:sldId id="277" r:id="rId16"/>
-    <p:sldId id="278" r:id="rId17"/>
-    <p:sldId id="279" r:id="rId18"/>
-    <p:sldId id="280" r:id="rId19"/>
-    <p:sldId id="281" r:id="rId20"/>
-    <p:sldId id="282" r:id="rId21"/>
-    <p:sldId id="284" r:id="rId22"/>
-    <p:sldId id="285" r:id="rId23"/>
-    <p:sldId id="286" r:id="rId24"/>
-    <p:sldId id="287" r:id="rId25"/>
-    <p:sldId id="288" r:id="rId26"/>
-    <p:sldId id="289" r:id="rId27"/>
-    <p:sldId id="290" r:id="rId28"/>
-    <p:sldId id="262" r:id="rId29"/>
-    <p:sldId id="268" r:id="rId30"/>
-    <p:sldId id="263" r:id="rId31"/>
-    <p:sldId id="264" r:id="rId32"/>
-    <p:sldId id="265" r:id="rId33"/>
-    <p:sldId id="266" r:id="rId34"/>
-    <p:sldId id="267" r:id="rId35"/>
+    <p:sldId id="291" r:id="rId8"/>
+    <p:sldId id="269" r:id="rId9"/>
+    <p:sldId id="273" r:id="rId10"/>
+    <p:sldId id="270" r:id="rId11"/>
+    <p:sldId id="271" r:id="rId12"/>
+    <p:sldId id="272" r:id="rId13"/>
+    <p:sldId id="274" r:id="rId14"/>
+    <p:sldId id="275" r:id="rId15"/>
+    <p:sldId id="276" r:id="rId16"/>
+    <p:sldId id="277" r:id="rId17"/>
+    <p:sldId id="278" r:id="rId18"/>
+    <p:sldId id="279" r:id="rId19"/>
+    <p:sldId id="280" r:id="rId20"/>
+    <p:sldId id="281" r:id="rId21"/>
+    <p:sldId id="282" r:id="rId22"/>
+    <p:sldId id="284" r:id="rId23"/>
+    <p:sldId id="285" r:id="rId24"/>
+    <p:sldId id="286" r:id="rId25"/>
+    <p:sldId id="287" r:id="rId26"/>
+    <p:sldId id="288" r:id="rId27"/>
+    <p:sldId id="289" r:id="rId28"/>
+    <p:sldId id="290" r:id="rId29"/>
+    <p:sldId id="292" r:id="rId30"/>
+    <p:sldId id="293" r:id="rId31"/>
+    <p:sldId id="294" r:id="rId32"/>
+    <p:sldId id="262" r:id="rId33"/>
+    <p:sldId id="268" r:id="rId34"/>
+    <p:sldId id="263" r:id="rId35"/>
+    <p:sldId id="264" r:id="rId36"/>
+    <p:sldId id="265" r:id="rId37"/>
+    <p:sldId id="266" r:id="rId38"/>
+    <p:sldId id="267" r:id="rId39"/>
   </p:sldIdLst>
   <p:sldSz cx="9144000" cy="6858000" type="screen4x3"/>
   <p:notesSz cx="6858000" cy="9144000"/>
@@ -151,6 +155,7 @@
             <p14:sldId id="260"/>
             <p14:sldId id="259"/>
             <p14:sldId id="261"/>
+            <p14:sldId id="291"/>
             <p14:sldId id="269"/>
             <p14:sldId id="273"/>
             <p14:sldId id="270"/>
@@ -172,6 +177,9 @@
             <p14:sldId id="288"/>
             <p14:sldId id="289"/>
             <p14:sldId id="290"/>
+            <p14:sldId id="292"/>
+            <p14:sldId id="293"/>
+            <p14:sldId id="294"/>
             <p14:sldId id="262"/>
             <p14:sldId id="268"/>
             <p14:sldId id="263"/>
@@ -184,7 +192,7 @@
       </p14:sectionLst>
     </p:ext>
     <p:ext uri="{EFAFB233-063F-42B5-8137-9DF3F51BA10A}">
-      <p15:sldGuideLst xmlns="" xmlns:p15="http://schemas.microsoft.com/office/powerpoint/2012/main">
+      <p15:sldGuideLst xmlns:p15="http://schemas.microsoft.com/office/powerpoint/2012/main" xmlns="">
         <p15:guide id="1" orient="horz" pos="2160">
           <p15:clr>
             <a:srgbClr val="A4A3A4"/>
@@ -5400,7 +5408,7 @@
           <a:p>
             <a:fld id="{1766A5AD-8774-FE44-A0A9-16F81BF90977}" type="datetimeFigureOut">
               <a:rPr kumimoji="1" lang="zh-CN" altLang="en-US" smtClean="0"/>
-              <a:t>08/09/20</a:t>
+              <a:t>09/09/20</a:t>
             </a:fld>
             <a:endParaRPr kumimoji="1" lang="zh-CN" altLang="en-US"/>
           </a:p>
@@ -5732,7 +5740,7 @@
           <a:p>
             <a:fld id="{BCEC23BA-C284-A64D-90DA-4E530BAE7B0A}" type="slidenum">
               <a:rPr kumimoji="1" lang="zh-CN" altLang="en-US" smtClean="0"/>
-              <a:t>7</a:t>
+              <a:t>8</a:t>
             </a:fld>
             <a:endParaRPr kumimoji="1" lang="zh-CN" altLang="en-US"/>
           </a:p>
@@ -5816,7 +5824,7 @@
           <a:p>
             <a:fld id="{BCEC23BA-C284-A64D-90DA-4E530BAE7B0A}" type="slidenum">
               <a:rPr kumimoji="1" lang="zh-CN" altLang="en-US" smtClean="0"/>
-              <a:t>8</a:t>
+              <a:t>9</a:t>
             </a:fld>
             <a:endParaRPr kumimoji="1" lang="zh-CN" altLang="en-US"/>
           </a:p>
@@ -6016,7 +6024,7 @@
           <a:p>
             <a:fld id="{BCEC23BA-C284-A64D-90DA-4E530BAE7B0A}" type="slidenum">
               <a:rPr kumimoji="1" lang="zh-CN" altLang="en-US" smtClean="0"/>
-              <a:t>9</a:t>
+              <a:t>10</a:t>
             </a:fld>
             <a:endParaRPr kumimoji="1" lang="zh-CN" altLang="en-US"/>
           </a:p>
@@ -6229,7 +6237,7 @@
           <a:p>
             <a:fld id="{BCEC23BA-C284-A64D-90DA-4E530BAE7B0A}" type="slidenum">
               <a:rPr kumimoji="1" lang="zh-CN" altLang="en-US" smtClean="0"/>
-              <a:t>10</a:t>
+              <a:t>11</a:t>
             </a:fld>
             <a:endParaRPr kumimoji="1" lang="zh-CN" altLang="en-US"/>
           </a:p>
@@ -6313,7 +6321,7 @@
           <a:p>
             <a:fld id="{BCEC23BA-C284-A64D-90DA-4E530BAE7B0A}" type="slidenum">
               <a:rPr kumimoji="1" lang="zh-CN" altLang="en-US" smtClean="0"/>
-              <a:t>14</a:t>
+              <a:t>15</a:t>
             </a:fld>
             <a:endParaRPr kumimoji="1" lang="zh-CN" altLang="en-US"/>
           </a:p>
@@ -6397,7 +6405,7 @@
           <a:p>
             <a:fld id="{BCEC23BA-C284-A64D-90DA-4E530BAE7B0A}" type="slidenum">
               <a:rPr kumimoji="1" lang="zh-CN" altLang="en-US" smtClean="0"/>
-              <a:t>20</a:t>
+              <a:t>21</a:t>
             </a:fld>
             <a:endParaRPr kumimoji="1" lang="zh-CN" altLang="en-US"/>
           </a:p>
@@ -6481,7 +6489,7 @@
           <a:p>
             <a:fld id="{BCEC23BA-C284-A64D-90DA-4E530BAE7B0A}" type="slidenum">
               <a:rPr kumimoji="1" lang="zh-CN" altLang="en-US" smtClean="0"/>
-              <a:t>22</a:t>
+              <a:t>23</a:t>
             </a:fld>
             <a:endParaRPr kumimoji="1" lang="zh-CN" altLang="en-US"/>
           </a:p>
@@ -6565,7 +6573,7 @@
           <a:p>
             <a:fld id="{BCEC23BA-C284-A64D-90DA-4E530BAE7B0A}" type="slidenum">
               <a:rPr kumimoji="1" lang="zh-CN" altLang="en-US" smtClean="0"/>
-              <a:t>24</a:t>
+              <a:t>25</a:t>
             </a:fld>
             <a:endParaRPr kumimoji="1" lang="zh-CN" altLang="en-US"/>
           </a:p>
@@ -6649,7 +6657,7 @@
           <a:p>
             <a:fld id="{BCEC23BA-C284-A64D-90DA-4E530BAE7B0A}" type="slidenum">
               <a:rPr kumimoji="1" lang="zh-CN" altLang="en-US" smtClean="0"/>
-              <a:t>33</a:t>
+              <a:t>37</a:t>
             </a:fld>
             <a:endParaRPr kumimoji="1" lang="zh-CN" altLang="en-US"/>
           </a:p>
@@ -7039,7 +7047,7 @@
           <a:p>
             <a:fld id="{B1115196-1C6F-4784-83AC-30756D8F10B3}" type="datetimeFigureOut">
               <a:rPr lang="en-US" smtClean="0"/>
-              <a:t>08/09/20</a:t>
+              <a:t>09/09/20</a:t>
             </a:fld>
             <a:endParaRPr lang="en-US"/>
           </a:p>
@@ -7468,7 +7476,7 @@
           <a:p>
             <a:fld id="{B1115196-1C6F-4784-83AC-30756D8F10B3}" type="datetimeFigureOut">
               <a:rPr lang="en-US" smtClean="0"/>
-              <a:t>08/09/20</a:t>
+              <a:t>09/09/20</a:t>
             </a:fld>
             <a:endParaRPr lang="en-US"/>
           </a:p>
@@ -7673,7 +7681,7 @@
           <a:p>
             <a:fld id="{B1115196-1C6F-4784-83AC-30756D8F10B3}" type="datetimeFigureOut">
               <a:rPr lang="en-US" smtClean="0"/>
-              <a:t>08/09/20</a:t>
+              <a:t>09/09/20</a:t>
             </a:fld>
             <a:endParaRPr lang="en-US"/>
           </a:p>
@@ -7944,7 +7952,7 @@
           <a:p>
             <a:fld id="{B1115196-1C6F-4784-83AC-30756D8F10B3}" type="datetimeFigureOut">
               <a:rPr lang="en-US" smtClean="0"/>
-              <a:t>08/09/20</a:t>
+              <a:t>09/09/20</a:t>
             </a:fld>
             <a:endParaRPr lang="en-US"/>
           </a:p>
@@ -8225,7 +8233,7 @@
           <a:p>
             <a:fld id="{B1115196-1C6F-4784-83AC-30756D8F10B3}" type="datetimeFigureOut">
               <a:rPr lang="en-US" smtClean="0"/>
-              <a:t>08/09/20</a:t>
+              <a:t>09/09/20</a:t>
             </a:fld>
             <a:endParaRPr lang="en-US"/>
           </a:p>
@@ -8460,7 +8468,7 @@
           <a:p>
             <a:fld id="{B1115196-1C6F-4784-83AC-30756D8F10B3}" type="datetimeFigureOut">
               <a:rPr lang="en-US" smtClean="0"/>
-              <a:t>08/09/20</a:t>
+              <a:t>09/09/20</a:t>
             </a:fld>
             <a:endParaRPr lang="en-US"/>
           </a:p>
@@ -8741,7 +8749,7 @@
           <a:p>
             <a:fld id="{B1115196-1C6F-4784-83AC-30756D8F10B3}" type="datetimeFigureOut">
               <a:rPr lang="en-US" smtClean="0"/>
-              <a:t>08/09/20</a:t>
+              <a:t>09/09/20</a:t>
             </a:fld>
             <a:endParaRPr lang="en-US"/>
           </a:p>
@@ -9168,7 +9176,7 @@
           <a:p>
             <a:fld id="{B1115196-1C6F-4784-83AC-30756D8F10B3}" type="datetimeFigureOut">
               <a:rPr lang="en-US" smtClean="0"/>
-              <a:t>08/09/20</a:t>
+              <a:t>09/09/20</a:t>
             </a:fld>
             <a:endParaRPr lang="en-US"/>
           </a:p>
@@ -9691,7 +9699,7 @@
           <a:p>
             <a:fld id="{B1115196-1C6F-4784-83AC-30756D8F10B3}" type="datetimeFigureOut">
               <a:rPr lang="en-US" smtClean="0"/>
-              <a:t>08/09/20</a:t>
+              <a:t>09/09/20</a:t>
             </a:fld>
             <a:endParaRPr lang="en-US"/>
           </a:p>
@@ -10053,7 +10061,7 @@
           <a:p>
             <a:fld id="{B1115196-1C6F-4784-83AC-30756D8F10B3}" type="datetimeFigureOut">
               <a:rPr lang="en-US" smtClean="0"/>
-              <a:t>08/09/20</a:t>
+              <a:t>09/09/20</a:t>
             </a:fld>
             <a:endParaRPr lang="en-US"/>
           </a:p>
@@ -10609,7 +10617,7 @@
           <a:p>
             <a:fld id="{B1115196-1C6F-4784-83AC-30756D8F10B3}" type="datetimeFigureOut">
               <a:rPr lang="en-US" smtClean="0"/>
-              <a:t>08/09/20</a:t>
+              <a:t>09/09/20</a:t>
             </a:fld>
             <a:endParaRPr lang="en-US"/>
           </a:p>
@@ -10834,7 +10842,7 @@
           <a:p>
             <a:fld id="{B1115196-1C6F-4784-83AC-30756D8F10B3}" type="datetimeFigureOut">
               <a:rPr lang="en-US" smtClean="0"/>
-              <a:t>08/09/20</a:t>
+              <a:t>09/09/20</a:t>
             </a:fld>
             <a:endParaRPr lang="en-US"/>
           </a:p>
@@ -10980,7 +10988,7 @@
           <a:p>
             <a:fld id="{B1115196-1C6F-4784-83AC-30756D8F10B3}" type="datetimeFigureOut">
               <a:rPr lang="en-US" smtClean="0"/>
-              <a:t>08/09/20</a:t>
+              <a:t>09/09/20</a:t>
             </a:fld>
             <a:endParaRPr lang="en-US"/>
           </a:p>
@@ -11445,7 +11453,7 @@
           <a:p>
             <a:fld id="{B1115196-1C6F-4784-83AC-30756D8F10B3}" type="datetimeFigureOut">
               <a:rPr lang="en-US" smtClean="0"/>
-              <a:t>08/09/20</a:t>
+              <a:t>09/09/20</a:t>
             </a:fld>
             <a:endParaRPr lang="en-US"/>
           </a:p>
@@ -11667,7 +11675,7 @@
           <a:p>
             <a:fld id="{B1115196-1C6F-4784-83AC-30756D8F10B3}" type="datetimeFigureOut">
               <a:rPr lang="en-US" smtClean="0"/>
-              <a:t>08/09/20</a:t>
+              <a:t>09/09/20</a:t>
             </a:fld>
             <a:endParaRPr lang="en-US"/>
           </a:p>
@@ -12207,6 +12215,167 @@
           </a:p>
         </p:txBody>
       </p:sp>
+      <p:sp>
+        <p:nvSpPr>
+          <p:cNvPr id="3" name="内容占位符 2"/>
+          <p:cNvSpPr>
+            <a:spLocks noGrp="1"/>
+          </p:cNvSpPr>
+          <p:nvPr>
+            <p:ph idx="1"/>
+          </p:nvPr>
+        </p:nvSpPr>
+        <p:spPr/>
+        <p:txBody>
+          <a:bodyPr/>
+          <a:lstStyle/>
+          <a:p>
+            <a:r>
+              <a:rPr lang="zh-CN" altLang="en-US" dirty="0"/>
+              <a:t>何谓</a:t>
+            </a:r>
+            <a:r>
+              <a:rPr lang="en-US" altLang="zh-CN" dirty="0"/>
+              <a:t>K</a:t>
+            </a:r>
+            <a:r>
+              <a:rPr lang="zh-CN" altLang="en-US" dirty="0"/>
+              <a:t>近邻算法，即</a:t>
+            </a:r>
+            <a:r>
+              <a:rPr lang="en-US" altLang="zh-CN" dirty="0"/>
+              <a:t>K-Nearest Neighbor algorithm</a:t>
+            </a:r>
+            <a:r>
+              <a:rPr lang="zh-CN" altLang="en-US" dirty="0"/>
+              <a:t>，简称</a:t>
+            </a:r>
+            <a:r>
+              <a:rPr lang="en-US" altLang="zh-CN" dirty="0"/>
+              <a:t>KNN</a:t>
+            </a:r>
+            <a:r>
+              <a:rPr lang="zh-CN" altLang="en-US" dirty="0"/>
+              <a:t>算法，单从名字来猜想，可以简单粗暴的认为是：</a:t>
+            </a:r>
+            <a:r>
+              <a:rPr lang="en-US" altLang="zh-CN" dirty="0"/>
+              <a:t>K</a:t>
+            </a:r>
+            <a:r>
+              <a:rPr lang="zh-CN" altLang="en-US" dirty="0"/>
+              <a:t>个最近的邻居，当</a:t>
+            </a:r>
+            <a:r>
+              <a:rPr lang="en-US" altLang="zh-CN" dirty="0"/>
+              <a:t>K=1</a:t>
+            </a:r>
+            <a:r>
+              <a:rPr lang="zh-CN" altLang="en-US" dirty="0"/>
+              <a:t>时，算法便成了最近邻算法，即寻找最近的那个邻居。</a:t>
+            </a:r>
+          </a:p>
+          <a:p>
+            <a:r>
+              <a:rPr lang="zh-CN" altLang="en-US" dirty="0"/>
+              <a:t>用官方的话来说，所谓</a:t>
+            </a:r>
+            <a:r>
+              <a:rPr lang="en-US" altLang="zh-CN" dirty="0"/>
+              <a:t>K</a:t>
+            </a:r>
+            <a:r>
+              <a:rPr lang="zh-CN" altLang="en-US" dirty="0"/>
+              <a:t>近邻算法，即是给定一个训练数据集，对新的输入实例，</a:t>
+            </a:r>
+            <a:r>
+              <a:rPr lang="zh-CN" altLang="en-US" b="1" dirty="0"/>
+              <a:t>在训练数据集中找到与该实例最邻近的</a:t>
+            </a:r>
+            <a:r>
+              <a:rPr lang="en-US" altLang="zh-CN" b="1" dirty="0"/>
+              <a:t>K</a:t>
+            </a:r>
+            <a:r>
+              <a:rPr lang="zh-CN" altLang="en-US" b="1" dirty="0"/>
+              <a:t>个实例（也就是上面所说的</a:t>
+            </a:r>
+            <a:r>
+              <a:rPr lang="en-US" altLang="zh-CN" b="1" dirty="0"/>
+              <a:t>K</a:t>
+            </a:r>
+            <a:r>
+              <a:rPr lang="zh-CN" altLang="en-US" b="1" dirty="0"/>
+              <a:t>个邻居），这</a:t>
+            </a:r>
+            <a:r>
+              <a:rPr lang="en-US" altLang="zh-CN" b="1" dirty="0"/>
+              <a:t>K</a:t>
+            </a:r>
+            <a:r>
+              <a:rPr lang="zh-CN" altLang="en-US" b="1" dirty="0"/>
+              <a:t>个实例的多数属于某个类，就把该输入实例分类到这个类中。</a:t>
+            </a:r>
+            <a:endParaRPr lang="zh-CN" altLang="en-US" dirty="0"/>
+          </a:p>
+          <a:p>
+            <a:endParaRPr kumimoji="1" lang="zh-CN" altLang="en-US" dirty="0"/>
+          </a:p>
+        </p:txBody>
+      </p:sp>
+    </p:spTree>
+    <p:extLst>
+      <p:ext uri="{BB962C8B-B14F-4D97-AF65-F5344CB8AC3E}">
+        <p14:creationId xmlns:p14="http://schemas.microsoft.com/office/powerpoint/2010/main" val="3272794576"/>
+      </p:ext>
+    </p:extLst>
+  </p:cSld>
+  <p:clrMapOvr>
+    <a:masterClrMapping/>
+  </p:clrMapOvr>
+</p:sld>
+</file>
+
+<file path=ppt/slides/slide11.xml><?xml version="1.0" encoding="utf-8"?>
+<p:sld xmlns:a="http://schemas.openxmlformats.org/drawingml/2006/main" xmlns:r="http://schemas.openxmlformats.org/officeDocument/2006/relationships" xmlns:p="http://schemas.openxmlformats.org/presentationml/2006/main">
+  <p:cSld>
+    <p:spTree>
+      <p:nvGrpSpPr>
+        <p:cNvPr id="1" name=""/>
+        <p:cNvGrpSpPr/>
+        <p:nvPr/>
+      </p:nvGrpSpPr>
+      <p:grpSpPr>
+        <a:xfrm>
+          <a:off x="0" y="0"/>
+          <a:ext cx="0" cy="0"/>
+          <a:chOff x="0" y="0"/>
+          <a:chExt cx="0" cy="0"/>
+        </a:xfrm>
+      </p:grpSpPr>
+      <p:sp>
+        <p:nvSpPr>
+          <p:cNvPr id="2" name="标题 1"/>
+          <p:cNvSpPr>
+            <a:spLocks noGrp="1"/>
+          </p:cNvSpPr>
+          <p:nvPr>
+            <p:ph type="title"/>
+          </p:nvPr>
+        </p:nvSpPr>
+        <p:spPr/>
+        <p:txBody>
+          <a:bodyPr/>
+          <a:lstStyle/>
+          <a:p>
+            <a:r>
+              <a:rPr kumimoji="1" lang="en-US" altLang="zh-CN" dirty="0"/>
+              <a:t>KNN</a:t>
+            </a:r>
+            <a:endParaRPr kumimoji="1" lang="zh-CN" altLang="en-US" dirty="0"/>
+          </a:p>
+        </p:txBody>
+      </p:sp>
       <p:pic>
         <p:nvPicPr>
           <p:cNvPr id="7" name="内容占位符 6"/>
@@ -12244,7 +12413,7 @@
 </p:sld>
 </file>
 
-<file path=ppt/slides/slide11.xml><?xml version="1.0" encoding="utf-8"?>
+<file path=ppt/slides/slide12.xml><?xml version="1.0" encoding="utf-8"?>
 <p:sld xmlns:a="http://schemas.openxmlformats.org/drawingml/2006/main" xmlns:r="http://schemas.openxmlformats.org/officeDocument/2006/relationships" xmlns:p="http://schemas.openxmlformats.org/presentationml/2006/main">
   <p:cSld>
     <p:spTree>
@@ -12358,7 +12527,7 @@
 </p:sld>
 </file>
 
-<file path=ppt/slides/slide12.xml><?xml version="1.0" encoding="utf-8"?>
+<file path=ppt/slides/slide13.xml><?xml version="1.0" encoding="utf-8"?>
 <p:sld xmlns:a="http://schemas.openxmlformats.org/drawingml/2006/main" xmlns:r="http://schemas.openxmlformats.org/officeDocument/2006/relationships" xmlns:p="http://schemas.openxmlformats.org/presentationml/2006/main">
   <p:cSld>
     <p:spTree>
@@ -12516,7 +12685,7 @@
 </p:sld>
 </file>
 
-<file path=ppt/slides/slide13.xml><?xml version="1.0" encoding="utf-8"?>
+<file path=ppt/slides/slide14.xml><?xml version="1.0" encoding="utf-8"?>
 <p:sld xmlns:a="http://schemas.openxmlformats.org/drawingml/2006/main" xmlns:r="http://schemas.openxmlformats.org/officeDocument/2006/relationships" xmlns:p="http://schemas.openxmlformats.org/presentationml/2006/main">
   <p:cSld>
     <p:spTree>
@@ -12617,7 +12786,7 @@
 </p:sld>
 </file>
 
-<file path=ppt/slides/slide14.xml><?xml version="1.0" encoding="utf-8"?>
+<file path=ppt/slides/slide15.xml><?xml version="1.0" encoding="utf-8"?>
 <p:sld xmlns:a="http://schemas.openxmlformats.org/drawingml/2006/main" xmlns:r="http://schemas.openxmlformats.org/officeDocument/2006/relationships" xmlns:p="http://schemas.openxmlformats.org/presentationml/2006/main">
   <p:cSld>
     <p:spTree>
@@ -12726,7 +12895,7 @@
 </p:sld>
 </file>
 
-<file path=ppt/slides/slide15.xml><?xml version="1.0" encoding="utf-8"?>
+<file path=ppt/slides/slide16.xml><?xml version="1.0" encoding="utf-8"?>
 <p:sld xmlns:a="http://schemas.openxmlformats.org/drawingml/2006/main" xmlns:r="http://schemas.openxmlformats.org/officeDocument/2006/relationships" xmlns:p="http://schemas.openxmlformats.org/presentationml/2006/main">
   <p:cSld>
     <p:spTree>
@@ -12815,7 +12984,7 @@
 </p:sld>
 </file>
 
-<file path=ppt/slides/slide16.xml><?xml version="1.0" encoding="utf-8"?>
+<file path=ppt/slides/slide17.xml><?xml version="1.0" encoding="utf-8"?>
 <p:sld xmlns:a="http://schemas.openxmlformats.org/drawingml/2006/main" xmlns:r="http://schemas.openxmlformats.org/officeDocument/2006/relationships" xmlns:p="http://schemas.openxmlformats.org/presentationml/2006/main">
   <p:cSld>
     <p:spTree>
@@ -12898,7 +13067,7 @@
 </p:sld>
 </file>
 
-<file path=ppt/slides/slide17.xml><?xml version="1.0" encoding="utf-8"?>
+<file path=ppt/slides/slide18.xml><?xml version="1.0" encoding="utf-8"?>
 <p:sld xmlns:a="http://schemas.openxmlformats.org/drawingml/2006/main" xmlns:r="http://schemas.openxmlformats.org/officeDocument/2006/relationships" xmlns:p="http://schemas.openxmlformats.org/presentationml/2006/main">
   <p:cSld>
     <p:spTree>
@@ -12981,7 +13150,7 @@
 </p:sld>
 </file>
 
-<file path=ppt/slides/slide18.xml><?xml version="1.0" encoding="utf-8"?>
+<file path=ppt/slides/slide19.xml><?xml version="1.0" encoding="utf-8"?>
 <p:sld xmlns:a="http://schemas.openxmlformats.org/drawingml/2006/main" xmlns:r="http://schemas.openxmlformats.org/officeDocument/2006/relationships" xmlns:p="http://schemas.openxmlformats.org/presentationml/2006/main">
   <p:cSld>
     <p:spTree>
@@ -13056,89 +13225,6 @@
     <p:extLst>
       <p:ext uri="{BB962C8B-B14F-4D97-AF65-F5344CB8AC3E}">
         <p14:creationId xmlns:p14="http://schemas.microsoft.com/office/powerpoint/2010/main" val="2211792641"/>
-      </p:ext>
-    </p:extLst>
-  </p:cSld>
-  <p:clrMapOvr>
-    <a:masterClrMapping/>
-  </p:clrMapOvr>
-</p:sld>
-</file>
-
-<file path=ppt/slides/slide19.xml><?xml version="1.0" encoding="utf-8"?>
-<p:sld xmlns:a="http://schemas.openxmlformats.org/drawingml/2006/main" xmlns:r="http://schemas.openxmlformats.org/officeDocument/2006/relationships" xmlns:p="http://schemas.openxmlformats.org/presentationml/2006/main">
-  <p:cSld>
-    <p:spTree>
-      <p:nvGrpSpPr>
-        <p:cNvPr id="1" name=""/>
-        <p:cNvGrpSpPr/>
-        <p:nvPr/>
-      </p:nvGrpSpPr>
-      <p:grpSpPr>
-        <a:xfrm>
-          <a:off x="0" y="0"/>
-          <a:ext cx="0" cy="0"/>
-          <a:chOff x="0" y="0"/>
-          <a:chExt cx="0" cy="0"/>
-        </a:xfrm>
-      </p:grpSpPr>
-      <p:sp>
-        <p:nvSpPr>
-          <p:cNvPr id="2" name="标题 1"/>
-          <p:cNvSpPr>
-            <a:spLocks noGrp="1"/>
-          </p:cNvSpPr>
-          <p:nvPr>
-            <p:ph type="title"/>
-          </p:nvPr>
-        </p:nvSpPr>
-        <p:spPr/>
-        <p:txBody>
-          <a:bodyPr>
-            <a:normAutofit fontScale="90000"/>
-          </a:bodyPr>
-          <a:lstStyle/>
-          <a:p>
-            <a:r>
-              <a:rPr kumimoji="1" lang="en-US" altLang="zh-CN" dirty="0"/>
-              <a:t>Tree iris-code example-</a:t>
-            </a:r>
-            <a:r>
-              <a:rPr kumimoji="1" lang="en-US" altLang="zh-CN" dirty="0" err="1"/>
-              <a:t>iris_Ex_tree.py</a:t>
-            </a:r>
-            <a:endParaRPr kumimoji="1" lang="zh-CN" altLang="en-US" dirty="0"/>
-          </a:p>
-        </p:txBody>
-      </p:sp>
-      <p:pic>
-        <p:nvPicPr>
-          <p:cNvPr id="4" name="内容占位符 3"/>
-          <p:cNvPicPr>
-            <a:picLocks noGrp="1" noChangeAspect="1"/>
-          </p:cNvPicPr>
-          <p:nvPr>
-            <p:ph idx="1"/>
-          </p:nvPr>
-        </p:nvPicPr>
-        <p:blipFill>
-          <a:blip r:embed="rId2"/>
-          <a:srcRect l="-29024" r="-29024"/>
-          <a:stretch>
-            <a:fillRect/>
-          </a:stretch>
-        </p:blipFill>
-        <p:spPr>
-          <a:xfrm>
-            <a:off x="779463" y="1949450"/>
-            <a:ext cx="7583487" cy="4006850"/>
-          </a:xfrm>
-        </p:spPr>
-      </p:pic>
-    </p:spTree>
-    <p:extLst>
-      <p:ext uri="{BB962C8B-B14F-4D97-AF65-F5344CB8AC3E}">
-        <p14:creationId xmlns:p14="http://schemas.microsoft.com/office/powerpoint/2010/main" val="2596265777"/>
       </p:ext>
     </p:extLst>
   </p:cSld>
@@ -13287,6 +13373,89 @@
         <p:spPr/>
         <p:txBody>
           <a:bodyPr>
+            <a:normAutofit fontScale="90000"/>
+          </a:bodyPr>
+          <a:lstStyle/>
+          <a:p>
+            <a:r>
+              <a:rPr kumimoji="1" lang="en-US" altLang="zh-CN" dirty="0"/>
+              <a:t>Tree iris-code example-</a:t>
+            </a:r>
+            <a:r>
+              <a:rPr kumimoji="1" lang="en-US" altLang="zh-CN" dirty="0" err="1"/>
+              <a:t>iris_Ex_tree.py</a:t>
+            </a:r>
+            <a:endParaRPr kumimoji="1" lang="zh-CN" altLang="en-US" dirty="0"/>
+          </a:p>
+        </p:txBody>
+      </p:sp>
+      <p:pic>
+        <p:nvPicPr>
+          <p:cNvPr id="4" name="内容占位符 3"/>
+          <p:cNvPicPr>
+            <a:picLocks noGrp="1" noChangeAspect="1"/>
+          </p:cNvPicPr>
+          <p:nvPr>
+            <p:ph idx="1"/>
+          </p:nvPr>
+        </p:nvPicPr>
+        <p:blipFill>
+          <a:blip r:embed="rId2"/>
+          <a:srcRect l="-29024" r="-29024"/>
+          <a:stretch>
+            <a:fillRect/>
+          </a:stretch>
+        </p:blipFill>
+        <p:spPr>
+          <a:xfrm>
+            <a:off x="779463" y="1949450"/>
+            <a:ext cx="7583487" cy="4006850"/>
+          </a:xfrm>
+        </p:spPr>
+      </p:pic>
+    </p:spTree>
+    <p:extLst>
+      <p:ext uri="{BB962C8B-B14F-4D97-AF65-F5344CB8AC3E}">
+        <p14:creationId xmlns:p14="http://schemas.microsoft.com/office/powerpoint/2010/main" val="2596265777"/>
+      </p:ext>
+    </p:extLst>
+  </p:cSld>
+  <p:clrMapOvr>
+    <a:masterClrMapping/>
+  </p:clrMapOvr>
+</p:sld>
+</file>
+
+<file path=ppt/slides/slide21.xml><?xml version="1.0" encoding="utf-8"?>
+<p:sld xmlns:a="http://schemas.openxmlformats.org/drawingml/2006/main" xmlns:r="http://schemas.openxmlformats.org/officeDocument/2006/relationships" xmlns:p="http://schemas.openxmlformats.org/presentationml/2006/main">
+  <p:cSld>
+    <p:spTree>
+      <p:nvGrpSpPr>
+        <p:cNvPr id="1" name=""/>
+        <p:cNvGrpSpPr/>
+        <p:nvPr/>
+      </p:nvGrpSpPr>
+      <p:grpSpPr>
+        <a:xfrm>
+          <a:off x="0" y="0"/>
+          <a:ext cx="0" cy="0"/>
+          <a:chOff x="0" y="0"/>
+          <a:chExt cx="0" cy="0"/>
+        </a:xfrm>
+      </p:grpSpPr>
+      <p:sp>
+        <p:nvSpPr>
+          <p:cNvPr id="2" name="标题 1"/>
+          <p:cNvSpPr>
+            <a:spLocks noGrp="1"/>
+          </p:cNvSpPr>
+          <p:nvPr>
+            <p:ph type="title"/>
+          </p:nvPr>
+        </p:nvSpPr>
+        <p:spPr/>
+        <p:txBody>
+          <a:bodyPr>
             <a:normAutofit/>
           </a:bodyPr>
           <a:lstStyle/>
@@ -13372,7 +13541,7 @@
 </p:sld>
 </file>
 
-<file path=ppt/slides/slide21.xml><?xml version="1.0" encoding="utf-8"?>
+<file path=ppt/slides/slide22.xml><?xml version="1.0" encoding="utf-8"?>
 <p:sld xmlns:a="http://schemas.openxmlformats.org/drawingml/2006/main" xmlns:r="http://schemas.openxmlformats.org/officeDocument/2006/relationships" xmlns:p="http://schemas.openxmlformats.org/presentationml/2006/main">
   <p:cSld>
     <p:spTree>
@@ -13542,7 +13711,7 @@
 </p:sld>
 </file>
 
-<file path=ppt/slides/slide22.xml><?xml version="1.0" encoding="utf-8"?>
+<file path=ppt/slides/slide23.xml><?xml version="1.0" encoding="utf-8"?>
 <p:sld xmlns:a="http://schemas.openxmlformats.org/drawingml/2006/main" xmlns:r="http://schemas.openxmlformats.org/officeDocument/2006/relationships" xmlns:p="http://schemas.openxmlformats.org/presentationml/2006/main">
   <p:cSld>
     <p:spTree>
@@ -13644,7 +13813,7 @@
 </p:sld>
 </file>
 
-<file path=ppt/slides/slide23.xml><?xml version="1.0" encoding="utf-8"?>
+<file path=ppt/slides/slide24.xml><?xml version="1.0" encoding="utf-8"?>
 <p:sld xmlns:a="http://schemas.openxmlformats.org/drawingml/2006/main" xmlns:r="http://schemas.openxmlformats.org/officeDocument/2006/relationships" xmlns:p="http://schemas.openxmlformats.org/presentationml/2006/main">
   <p:cSld>
     <p:spTree>
@@ -13731,116 +13900,6 @@
 </p:sld>
 </file>
 
-<file path=ppt/slides/slide24.xml><?xml version="1.0" encoding="utf-8"?>
-<p:sld xmlns:a="http://schemas.openxmlformats.org/drawingml/2006/main" xmlns:r="http://schemas.openxmlformats.org/officeDocument/2006/relationships" xmlns:p="http://schemas.openxmlformats.org/presentationml/2006/main">
-  <p:cSld>
-    <p:spTree>
-      <p:nvGrpSpPr>
-        <p:cNvPr id="1" name=""/>
-        <p:cNvGrpSpPr/>
-        <p:nvPr/>
-      </p:nvGrpSpPr>
-      <p:grpSpPr>
-        <a:xfrm>
-          <a:off x="0" y="0"/>
-          <a:ext cx="0" cy="0"/>
-          <a:chOff x="0" y="0"/>
-          <a:chExt cx="0" cy="0"/>
-        </a:xfrm>
-      </p:grpSpPr>
-      <p:sp>
-        <p:nvSpPr>
-          <p:cNvPr id="2" name="标题 1"/>
-          <p:cNvSpPr>
-            <a:spLocks noGrp="1"/>
-          </p:cNvSpPr>
-          <p:nvPr>
-            <p:ph type="title"/>
-          </p:nvPr>
-        </p:nvSpPr>
-        <p:spPr/>
-        <p:txBody>
-          <a:bodyPr/>
-          <a:lstStyle/>
-          <a:p>
-            <a:r>
-              <a:rPr kumimoji="1" lang="zh-TW" altLang="en-US" dirty="0"/>
-              <a:t>線性迴歸</a:t>
-            </a:r>
-            <a:r>
-              <a:rPr kumimoji="1" lang="en-US" altLang="zh-TW" dirty="0"/>
-              <a:t>: </a:t>
-            </a:r>
-            <a:r>
-              <a:rPr kumimoji="1" lang="zh-TW" altLang="en-US" smtClean="0"/>
-              <a:t>多項式回歸</a:t>
-            </a:r>
-            <a:endParaRPr kumimoji="1" lang="zh-CN" altLang="en-US" dirty="0"/>
-          </a:p>
-        </p:txBody>
-      </p:sp>
-      <p:pic>
-        <p:nvPicPr>
-          <p:cNvPr id="5" name="内容占位符 4"/>
-          <p:cNvPicPr>
-            <a:picLocks noGrp="1" noChangeAspect="1"/>
-          </p:cNvPicPr>
-          <p:nvPr>
-            <p:ph idx="1"/>
-          </p:nvPr>
-        </p:nvPicPr>
-        <p:blipFill>
-          <a:blip r:embed="rId3"/>
-          <a:srcRect l="-20967" r="-20967"/>
-          <a:stretch>
-            <a:fillRect/>
-          </a:stretch>
-        </p:blipFill>
-        <p:spPr/>
-      </p:pic>
-      <p:sp>
-        <p:nvSpPr>
-          <p:cNvPr id="6" name="文本框 5"/>
-          <p:cNvSpPr txBox="1"/>
-          <p:nvPr/>
-        </p:nvSpPr>
-        <p:spPr>
-          <a:xfrm>
-            <a:off x="3468870" y="5968806"/>
-            <a:ext cx="2726753" cy="369332"/>
-          </a:xfrm>
-          <a:prstGeom prst="rect">
-            <a:avLst/>
-          </a:prstGeom>
-          <a:noFill/>
-        </p:spPr>
-        <p:txBody>
-          <a:bodyPr wrap="none" rtlCol="0">
-            <a:spAutoFit/>
-          </a:bodyPr>
-          <a:lstStyle/>
-          <a:p>
-            <a:r>
-              <a:rPr lang="en-US" altLang="zh-CN" dirty="0" err="1"/>
-              <a:t>polynormial_regression.py</a:t>
-            </a:r>
-            <a:endParaRPr kumimoji="1" lang="zh-CN" altLang="en-US" dirty="0"/>
-          </a:p>
-        </p:txBody>
-      </p:sp>
-    </p:spTree>
-    <p:extLst>
-      <p:ext uri="{BB962C8B-B14F-4D97-AF65-F5344CB8AC3E}">
-        <p14:creationId xmlns:p14="http://schemas.microsoft.com/office/powerpoint/2010/main" val="3436820390"/>
-      </p:ext>
-    </p:extLst>
-  </p:cSld>
-  <p:clrMapOvr>
-    <a:masterClrMapping/>
-  </p:clrMapOvr>
-</p:sld>
-</file>
-
 <file path=ppt/slides/slide25.xml><?xml version="1.0" encoding="utf-8"?>
 <p:sld xmlns:a="http://schemas.openxmlformats.org/drawingml/2006/main" xmlns:r="http://schemas.openxmlformats.org/officeDocument/2006/relationships" xmlns:p="http://schemas.openxmlformats.org/presentationml/2006/main">
   <p:cSld>
@@ -13874,40 +13933,74 @@
           <a:lstStyle/>
           <a:p>
             <a:r>
-              <a:rPr kumimoji="1" lang="zh-TW" altLang="en-US" dirty="0" smtClean="0"/>
-              <a:t>線性迴歸範例</a:t>
+              <a:rPr kumimoji="1" lang="zh-TW" altLang="en-US" dirty="0"/>
+              <a:t>線性迴歸</a:t>
+            </a:r>
+            <a:r>
+              <a:rPr kumimoji="1" lang="en-US" altLang="zh-TW" dirty="0"/>
+              <a:t>: </a:t>
+            </a:r>
+            <a:r>
+              <a:rPr kumimoji="1" lang="zh-TW" altLang="en-US" smtClean="0"/>
+              <a:t>多項式回歸</a:t>
             </a:r>
             <a:endParaRPr kumimoji="1" lang="zh-CN" altLang="en-US" dirty="0"/>
           </a:p>
         </p:txBody>
       </p:sp>
-      <p:sp>
-        <p:nvSpPr>
-          <p:cNvPr id="3" name="内容占位符 2"/>
-          <p:cNvSpPr>
-            <a:spLocks noGrp="1"/>
-          </p:cNvSpPr>
+      <p:pic>
+        <p:nvPicPr>
+          <p:cNvPr id="5" name="内容占位符 4"/>
+          <p:cNvPicPr>
+            <a:picLocks noGrp="1" noChangeAspect="1"/>
+          </p:cNvPicPr>
           <p:nvPr>
             <p:ph idx="1"/>
           </p:nvPr>
-        </p:nvSpPr>
+        </p:nvPicPr>
+        <p:blipFill>
+          <a:blip r:embed="rId3"/>
+          <a:srcRect l="-20967" r="-20967"/>
+          <a:stretch>
+            <a:fillRect/>
+          </a:stretch>
+        </p:blipFill>
         <p:spPr/>
-        <p:txBody>
-          <a:bodyPr/>
+      </p:pic>
+      <p:sp>
+        <p:nvSpPr>
+          <p:cNvPr id="6" name="文本框 5"/>
+          <p:cNvSpPr txBox="1"/>
+          <p:nvPr/>
+        </p:nvSpPr>
+        <p:spPr>
+          <a:xfrm>
+            <a:off x="3468870" y="5968806"/>
+            <a:ext cx="2726753" cy="369332"/>
+          </a:xfrm>
+          <a:prstGeom prst="rect">
+            <a:avLst/>
+          </a:prstGeom>
+          <a:noFill/>
+        </p:spPr>
+        <p:txBody>
+          <a:bodyPr wrap="none" rtlCol="0">
+            <a:spAutoFit/>
+          </a:bodyPr>
           <a:lstStyle/>
           <a:p>
             <a:r>
-              <a:rPr kumimoji="1" lang="en-US" altLang="zh-CN"/>
-              <a:t>house_linear_regression.py</a:t>
-            </a:r>
-            <a:endParaRPr kumimoji="1" lang="zh-CN" altLang="en-US"/>
+              <a:rPr lang="en-US" altLang="zh-CN" dirty="0" err="1"/>
+              <a:t>polynormial_regression.py</a:t>
+            </a:r>
+            <a:endParaRPr kumimoji="1" lang="zh-CN" altLang="en-US" dirty="0"/>
           </a:p>
         </p:txBody>
       </p:sp>
     </p:spTree>
     <p:extLst>
       <p:ext uri="{BB962C8B-B14F-4D97-AF65-F5344CB8AC3E}">
-        <p14:creationId xmlns:p14="http://schemas.microsoft.com/office/powerpoint/2010/main" val="1607050860"/>
+        <p14:creationId xmlns:p14="http://schemas.microsoft.com/office/powerpoint/2010/main" val="3436820390"/>
       </p:ext>
     </p:extLst>
   </p:cSld>
@@ -13951,7 +14044,7 @@
           <a:p>
             <a:r>
               <a:rPr kumimoji="1" lang="zh-TW" altLang="en-US" dirty="0" smtClean="0"/>
-              <a:t>邏輯回歸</a:t>
+              <a:t>線性迴歸範例</a:t>
             </a:r>
             <a:endParaRPr kumimoji="1" lang="zh-CN" altLang="en-US" dirty="0"/>
           </a:p>
@@ -13973,129 +14066,17 @@
           <a:lstStyle/>
           <a:p>
             <a:r>
-              <a:rPr lang="zh-CN" altLang="en-US" dirty="0"/>
-              <a:t>逻辑回归是用来做分类算法的，大家都熟悉线性回归，一般形式是</a:t>
-            </a:r>
-            <a:r>
-              <a:rPr lang="en-US" altLang="zh-CN" dirty="0"/>
-              <a:t>Y=</a:t>
-            </a:r>
-            <a:r>
-              <a:rPr lang="en-US" altLang="zh-CN" dirty="0" err="1"/>
-              <a:t>aX+b</a:t>
-            </a:r>
-            <a:r>
-              <a:rPr lang="zh-CN" altLang="en-US" dirty="0"/>
-              <a:t>，</a:t>
-            </a:r>
-            <a:r>
-              <a:rPr lang="en-US" altLang="zh-CN" dirty="0"/>
-              <a:t>y</a:t>
-            </a:r>
-            <a:r>
-              <a:rPr lang="zh-CN" altLang="en-US" dirty="0"/>
-              <a:t>的取值范围是</a:t>
-            </a:r>
-            <a:r>
-              <a:rPr lang="en-US" altLang="zh-CN" dirty="0"/>
-              <a:t>[-∞, +∞]</a:t>
-            </a:r>
-            <a:r>
-              <a:rPr lang="zh-CN" altLang="en-US" dirty="0"/>
-              <a:t>，有这么多取值，怎么进行分类呢？不用担心，伟大的数学家已经为我们找到了一个方法。</a:t>
-            </a:r>
-          </a:p>
-          <a:p>
-            <a:r>
-              <a:rPr lang="zh-CN" altLang="en-US" dirty="0"/>
-              <a:t>也就是把</a:t>
-            </a:r>
-            <a:r>
-              <a:rPr lang="en-US" altLang="zh-CN" dirty="0"/>
-              <a:t>Y</a:t>
-            </a:r>
-            <a:r>
-              <a:rPr lang="zh-CN" altLang="en-US" dirty="0"/>
-              <a:t>的结果带入一个非线性变换的</a:t>
-            </a:r>
-            <a:r>
-              <a:rPr lang="en-US" altLang="zh-CN" b="1" dirty="0"/>
-              <a:t>Sigmoid</a:t>
-            </a:r>
-            <a:r>
-              <a:rPr lang="zh-CN" altLang="en-US" b="1" dirty="0"/>
-              <a:t>函数</a:t>
-            </a:r>
-            <a:r>
-              <a:rPr lang="zh-CN" altLang="en-US" dirty="0"/>
-              <a:t>中，即可得到</a:t>
-            </a:r>
-            <a:r>
-              <a:rPr lang="en-US" altLang="zh-CN" dirty="0"/>
-              <a:t>[0,1]</a:t>
-            </a:r>
-            <a:r>
-              <a:rPr lang="zh-CN" altLang="en-US" dirty="0"/>
-              <a:t>之间取值范围的数</a:t>
-            </a:r>
-            <a:r>
-              <a:rPr lang="en-US" altLang="zh-CN" dirty="0"/>
-              <a:t>S</a:t>
-            </a:r>
-            <a:r>
-              <a:rPr lang="zh-CN" altLang="en-US" dirty="0"/>
-              <a:t>，</a:t>
-            </a:r>
-            <a:r>
-              <a:rPr lang="en-US" altLang="zh-CN" dirty="0"/>
-              <a:t>S</a:t>
-            </a:r>
-            <a:r>
-              <a:rPr lang="zh-CN" altLang="en-US" dirty="0"/>
-              <a:t>可以把它看成是一个概率值，如果我们设置概率阈值为</a:t>
-            </a:r>
-            <a:r>
-              <a:rPr lang="en-US" altLang="zh-CN" dirty="0"/>
-              <a:t>0.5</a:t>
-            </a:r>
-            <a:r>
-              <a:rPr lang="zh-CN" altLang="en-US" dirty="0"/>
-              <a:t>，那么</a:t>
-            </a:r>
-            <a:r>
-              <a:rPr lang="en-US" altLang="zh-CN" dirty="0"/>
-              <a:t>S</a:t>
-            </a:r>
-            <a:r>
-              <a:rPr lang="zh-CN" altLang="en-US" dirty="0"/>
-              <a:t>大于</a:t>
-            </a:r>
-            <a:r>
-              <a:rPr lang="en-US" altLang="zh-CN" dirty="0"/>
-              <a:t>0.5</a:t>
-            </a:r>
-            <a:r>
-              <a:rPr lang="zh-CN" altLang="en-US" dirty="0"/>
-              <a:t>可以看成是正样本，小于</a:t>
-            </a:r>
-            <a:r>
-              <a:rPr lang="en-US" altLang="zh-CN" dirty="0"/>
-              <a:t>0.5</a:t>
-            </a:r>
-            <a:r>
-              <a:rPr lang="zh-CN" altLang="en-US" dirty="0"/>
-              <a:t>看成是负样本，就可以进行分类了</a:t>
-            </a:r>
-          </a:p>
-          <a:p>
-            <a:endParaRPr kumimoji="1" lang="zh-CN" altLang="en-US" dirty="0"/>
+              <a:rPr kumimoji="1" lang="en-US" altLang="zh-CN"/>
+              <a:t>house_linear_regression.py</a:t>
+            </a:r>
+            <a:endParaRPr kumimoji="1" lang="zh-CN" altLang="en-US"/>
           </a:p>
         </p:txBody>
       </p:sp>
     </p:spTree>
     <p:extLst>
       <p:ext uri="{BB962C8B-B14F-4D97-AF65-F5344CB8AC3E}">
-        <p14:creationId xmlns:p14="http://schemas.microsoft.com/office/powerpoint/2010/main" val="3967568450"/>
+        <p14:creationId xmlns:p14="http://schemas.microsoft.com/office/powerpoint/2010/main" val="1607050860"/>
       </p:ext>
     </p:extLst>
   </p:cSld>
@@ -14161,16 +14142,119 @@
           <a:lstStyle/>
           <a:p>
             <a:r>
-              <a:rPr kumimoji="1" lang="en-US" altLang="zh-CN" dirty="0" smtClean="0"/>
-              <a:t>Example:</a:t>
-            </a:r>
-          </a:p>
-          <a:p>
-            <a:r>
-              <a:rPr kumimoji="1" lang="en-US" altLang="zh-CN" dirty="0" err="1" smtClean="0"/>
-              <a:t>logic_regression_api_prac.py</a:t>
-            </a:r>
-            <a:endParaRPr kumimoji="1" lang="en-US" altLang="zh-CN" smtClean="0"/>
+              <a:rPr lang="zh-CN" altLang="en-US" dirty="0"/>
+              <a:t>逻辑回归是用来做分类算法的，大家都熟悉线性回归，一般形式是</a:t>
+            </a:r>
+            <a:r>
+              <a:rPr lang="en-US" altLang="zh-CN" dirty="0"/>
+              <a:t>Y=</a:t>
+            </a:r>
+            <a:r>
+              <a:rPr lang="en-US" altLang="zh-CN" dirty="0" err="1"/>
+              <a:t>aX+b</a:t>
+            </a:r>
+            <a:r>
+              <a:rPr lang="zh-CN" altLang="en-US" dirty="0"/>
+              <a:t>，</a:t>
+            </a:r>
+            <a:r>
+              <a:rPr lang="en-US" altLang="zh-CN" dirty="0"/>
+              <a:t>y</a:t>
+            </a:r>
+            <a:r>
+              <a:rPr lang="zh-CN" altLang="en-US" dirty="0"/>
+              <a:t>的取值范围是</a:t>
+            </a:r>
+            <a:r>
+              <a:rPr lang="en-US" altLang="zh-CN" dirty="0"/>
+              <a:t>[-∞, +∞]</a:t>
+            </a:r>
+            <a:r>
+              <a:rPr lang="zh-CN" altLang="en-US" dirty="0"/>
+              <a:t>，有这么多取值，怎么进行分类呢？不用担心，伟大的数学家已经为我们找到了一个方法。</a:t>
+            </a:r>
+          </a:p>
+          <a:p>
+            <a:r>
+              <a:rPr lang="zh-CN" altLang="en-US" dirty="0"/>
+              <a:t>也就是把</a:t>
+            </a:r>
+            <a:r>
+              <a:rPr lang="en-US" altLang="zh-CN" dirty="0"/>
+              <a:t>Y</a:t>
+            </a:r>
+            <a:r>
+              <a:rPr lang="zh-CN" altLang="en-US" dirty="0"/>
+              <a:t>的结果带入一个非线性变换的</a:t>
+            </a:r>
+            <a:r>
+              <a:rPr lang="en-US" altLang="zh-CN" b="1" dirty="0"/>
+              <a:t>Sigmoid</a:t>
+            </a:r>
+            <a:r>
+              <a:rPr lang="zh-CN" altLang="en-US" b="1" dirty="0"/>
+              <a:t>函数</a:t>
+            </a:r>
+            <a:r>
+              <a:rPr lang="zh-CN" altLang="en-US" dirty="0"/>
+              <a:t>中，即可得到</a:t>
+            </a:r>
+            <a:r>
+              <a:rPr lang="en-US" altLang="zh-CN" dirty="0"/>
+              <a:t>[0,1]</a:t>
+            </a:r>
+            <a:r>
+              <a:rPr lang="zh-CN" altLang="en-US" dirty="0"/>
+              <a:t>之间取值范围的数</a:t>
+            </a:r>
+            <a:r>
+              <a:rPr lang="en-US" altLang="zh-CN" dirty="0"/>
+              <a:t>S</a:t>
+            </a:r>
+            <a:r>
+              <a:rPr lang="zh-CN" altLang="en-US" dirty="0"/>
+              <a:t>，</a:t>
+            </a:r>
+            <a:r>
+              <a:rPr lang="en-US" altLang="zh-CN" dirty="0"/>
+              <a:t>S</a:t>
+            </a:r>
+            <a:r>
+              <a:rPr lang="zh-CN" altLang="en-US" dirty="0"/>
+              <a:t>可以把它看成是一个概率值，如果我们设置概率阈值为</a:t>
+            </a:r>
+            <a:r>
+              <a:rPr lang="en-US" altLang="zh-CN" dirty="0"/>
+              <a:t>0.5</a:t>
+            </a:r>
+            <a:r>
+              <a:rPr lang="zh-CN" altLang="en-US" dirty="0"/>
+              <a:t>，那么</a:t>
+            </a:r>
+            <a:r>
+              <a:rPr lang="en-US" altLang="zh-CN" dirty="0"/>
+              <a:t>S</a:t>
+            </a:r>
+            <a:r>
+              <a:rPr lang="zh-CN" altLang="en-US" dirty="0"/>
+              <a:t>大于</a:t>
+            </a:r>
+            <a:r>
+              <a:rPr lang="en-US" altLang="zh-CN" dirty="0"/>
+              <a:t>0.5</a:t>
+            </a:r>
+            <a:r>
+              <a:rPr lang="zh-CN" altLang="en-US" dirty="0"/>
+              <a:t>可以看成是正样本，小于</a:t>
+            </a:r>
+            <a:r>
+              <a:rPr lang="en-US" altLang="zh-CN" dirty="0"/>
+              <a:t>0.5</a:t>
+            </a:r>
+            <a:r>
+              <a:rPr lang="zh-CN" altLang="en-US" dirty="0"/>
+              <a:t>看成是负样本，就可以进行分类了</a:t>
+            </a:r>
           </a:p>
           <a:p>
             <a:endParaRPr kumimoji="1" lang="zh-CN" altLang="en-US" dirty="0"/>
@@ -14180,7 +14264,7 @@
     </p:spTree>
     <p:extLst>
       <p:ext uri="{BB962C8B-B14F-4D97-AF65-F5344CB8AC3E}">
-        <p14:creationId xmlns:p14="http://schemas.microsoft.com/office/powerpoint/2010/main" val="3433479631"/>
+        <p14:creationId xmlns:p14="http://schemas.microsoft.com/office/powerpoint/2010/main" val="3967568450"/>
       </p:ext>
     </p:extLst>
   </p:cSld>
@@ -14223,20 +14307,8 @@
           <a:lstStyle/>
           <a:p>
             <a:r>
-              <a:rPr kumimoji="1" lang="en-US" altLang="zh-CN" dirty="0"/>
-              <a:t>W</a:t>
-            </a:r>
-            <a:r>
-              <a:rPr kumimoji="1" lang="zh-TW" altLang="zh-CN" dirty="0"/>
-              <a:t>4</a:t>
-            </a:r>
-            <a:r>
-              <a:rPr kumimoji="1" lang="en-US" altLang="zh-CN" dirty="0"/>
-              <a:t> Item:</a:t>
-            </a:r>
-            <a:r>
-              <a:rPr kumimoji="1" lang="zh-TW" altLang="en-US" dirty="0"/>
-              <a:t>數學算法</a:t>
+              <a:rPr kumimoji="1" lang="zh-TW" altLang="en-US" dirty="0" smtClean="0"/>
+              <a:t>邏輯回歸</a:t>
             </a:r>
             <a:endParaRPr kumimoji="1" lang="zh-CN" altLang="en-US" dirty="0"/>
           </a:p>
@@ -14257,46 +14329,27 @@
           <a:bodyPr/>
           <a:lstStyle/>
           <a:p>
-            <a:endParaRPr kumimoji="1" lang="en-US" altLang="zh-TW" dirty="0"/>
-          </a:p>
-          <a:p>
-            <a:r>
-              <a:rPr kumimoji="1" lang="en-US" altLang="zh-TW" dirty="0" err="1"/>
-              <a:t>Svm</a:t>
-            </a:r>
-            <a:r>
-              <a:rPr kumimoji="1" lang="zh-TW" altLang="en-US" dirty="0"/>
-              <a:t>算法</a:t>
-            </a:r>
-            <a:endParaRPr kumimoji="1" lang="en-US" altLang="zh-TW" dirty="0"/>
-          </a:p>
-          <a:p>
-            <a:r>
-              <a:rPr kumimoji="1" lang="en-US" altLang="zh-TW"/>
-              <a:t> </a:t>
-            </a:r>
-            <a:r>
-              <a:rPr kumimoji="1" lang="en-US" altLang="zh-TW" dirty="0"/>
-              <a:t>demo </a:t>
-            </a:r>
-            <a:r>
-              <a:rPr kumimoji="1" lang="zh-TW" altLang="en-US" dirty="0"/>
-              <a:t>代碼實現</a:t>
-            </a:r>
-            <a:endParaRPr kumimoji="1" lang="en-US" altLang="zh-TW" dirty="0"/>
-          </a:p>
-          <a:p>
-            <a:pPr marL="0" indent="0">
-              <a:buNone/>
-            </a:pPr>
-            <a:endParaRPr kumimoji="1" lang="en-US" altLang="zh-TW" dirty="0"/>
+            <a:r>
+              <a:rPr kumimoji="1" lang="en-US" altLang="zh-CN" dirty="0" smtClean="0"/>
+              <a:t>Example:</a:t>
+            </a:r>
+          </a:p>
+          <a:p>
+            <a:r>
+              <a:rPr kumimoji="1" lang="en-US" altLang="zh-CN" dirty="0" err="1" smtClean="0"/>
+              <a:t>logic_regression_api_prac.py</a:t>
+            </a:r>
+            <a:endParaRPr kumimoji="1" lang="en-US" altLang="zh-CN" smtClean="0"/>
+          </a:p>
+          <a:p>
+            <a:endParaRPr kumimoji="1" lang="zh-CN" altLang="en-US" dirty="0"/>
           </a:p>
         </p:txBody>
       </p:sp>
     </p:spTree>
     <p:extLst>
       <p:ext uri="{BB962C8B-B14F-4D97-AF65-F5344CB8AC3E}">
-        <p14:creationId xmlns:p14="http://schemas.microsoft.com/office/powerpoint/2010/main" val="514264433"/>
+        <p14:creationId xmlns:p14="http://schemas.microsoft.com/office/powerpoint/2010/main" val="3433479631"/>
       </p:ext>
     </p:extLst>
   </p:cSld>
@@ -14335,59 +14388,108 @@
         </p:nvSpPr>
         <p:spPr/>
         <p:txBody>
+          <a:bodyPr>
+            <a:normAutofit fontScale="90000"/>
+          </a:bodyPr>
+          <a:lstStyle/>
+          <a:p>
+            <a:r>
+              <a:rPr kumimoji="1" lang="zh-TW" altLang="en-US" dirty="0"/>
+              <a:t>線性分類</a:t>
+            </a:r>
+            <a:r>
+              <a:rPr kumimoji="1" lang="en-US" altLang="zh-TW" dirty="0"/>
+              <a:t>-</a:t>
+            </a:r>
+            <a:r>
+              <a:rPr kumimoji="1" lang="zh-TW" altLang="en-US" dirty="0"/>
+              <a:t>感知器</a:t>
+            </a:r>
+            <a:r>
+              <a:rPr kumimoji="1" lang="en-US" altLang="zh-TW" dirty="0"/>
+              <a:t/>
+            </a:r>
+            <a:br>
+              <a:rPr kumimoji="1" lang="en-US" altLang="zh-TW" dirty="0"/>
+            </a:br>
+            <a:endParaRPr kumimoji="1" lang="zh-CN" altLang="en-US" dirty="0"/>
+          </a:p>
+        </p:txBody>
+      </p:sp>
+      <p:sp>
+        <p:nvSpPr>
+          <p:cNvPr id="3" name="内容占位符 2"/>
+          <p:cNvSpPr>
+            <a:spLocks noGrp="1"/>
+          </p:cNvSpPr>
+          <p:nvPr>
+            <p:ph idx="1"/>
+          </p:nvPr>
+        </p:nvSpPr>
+        <p:spPr/>
+        <p:txBody>
           <a:bodyPr/>
           <a:lstStyle/>
           <a:p>
             <a:r>
-              <a:rPr kumimoji="1" lang="zh-TW" altLang="en-US" dirty="0"/>
-              <a:t>W</a:t>
-            </a:r>
-            <a:r>
-              <a:rPr kumimoji="1" lang="en-US" altLang="zh-TW" dirty="0"/>
-              <a:t>? : </a:t>
-            </a:r>
-            <a:r>
-              <a:rPr kumimoji="1" lang="zh-TW" altLang="en-US" dirty="0"/>
-              <a:t>語言資料基礎分析</a:t>
+              <a:rPr lang="zh-CN" altLang="en-US" dirty="0"/>
+              <a:t>概括而言：</a:t>
+            </a:r>
+            <a:br>
+              <a:rPr lang="zh-CN" altLang="en-US" dirty="0"/>
+            </a:br>
+            <a:r>
+              <a:rPr lang="zh-CN" altLang="en-US" dirty="0"/>
+              <a:t>感知机是二分类的线性分类模型，输入为实例的特征向量，输出为实例的类别（取</a:t>
+            </a:r>
+            <a:r>
+              <a:rPr lang="en-US" altLang="zh-CN" dirty="0"/>
+              <a:t>+1</a:t>
+            </a:r>
+            <a:r>
+              <a:rPr lang="zh-CN" altLang="en-US" dirty="0"/>
+              <a:t>和</a:t>
+            </a:r>
+            <a:r>
+              <a:rPr lang="en-US" altLang="zh-CN" dirty="0"/>
+              <a:t>-1</a:t>
+            </a:r>
+            <a:r>
+              <a:rPr lang="zh-CN" altLang="en-US" dirty="0"/>
+              <a:t>）。感知机对应于输入空间中将实例划分为两类的分离超平面。感知机旨在求出该超平面，为求得超平面导入了基于误分类的损失函数，利用梯度下降法对损失函数进行最优化。 </a:t>
             </a:r>
             <a:endParaRPr kumimoji="1" lang="zh-CN" altLang="en-US" dirty="0"/>
           </a:p>
         </p:txBody>
       </p:sp>
-      <p:sp>
-        <p:nvSpPr>
-          <p:cNvPr id="3" name="内容占位符 2"/>
-          <p:cNvSpPr>
-            <a:spLocks noGrp="1"/>
-          </p:cNvSpPr>
-          <p:nvPr>
-            <p:ph idx="1"/>
-          </p:nvPr>
-        </p:nvSpPr>
-        <p:spPr/>
-        <p:txBody>
-          <a:bodyPr/>
-          <a:lstStyle/>
-          <a:p>
-            <a:r>
-              <a:rPr kumimoji="1" lang="zh-TW" altLang="en-US" dirty="0"/>
-              <a:t>後續看完基礎數學算法後決定</a:t>
-            </a:r>
-            <a:endParaRPr kumimoji="1" lang="en-US" altLang="zh-TW" dirty="0"/>
-          </a:p>
-          <a:p>
-            <a:r>
-              <a:rPr kumimoji="1" lang="zh-TW" altLang="en-US" dirty="0"/>
-              <a:t>預定最多佔兩週</a:t>
-            </a:r>
-            <a:endParaRPr kumimoji="1" lang="zh-CN" altLang="en-US" dirty="0"/>
-          </a:p>
-        </p:txBody>
-      </p:sp>
+      <p:pic>
+        <p:nvPicPr>
+          <p:cNvPr id="4" name="图片 3"/>
+          <p:cNvPicPr>
+            <a:picLocks noChangeAspect="1"/>
+          </p:cNvPicPr>
+          <p:nvPr/>
+        </p:nvPicPr>
+        <p:blipFill>
+          <a:blip r:embed="rId2"/>
+          <a:stretch>
+            <a:fillRect/>
+          </a:stretch>
+        </p:blipFill>
+        <p:spPr>
+          <a:xfrm>
+            <a:off x="203200" y="4298030"/>
+            <a:ext cx="8940800" cy="1917700"/>
+          </a:xfrm>
+          <a:prstGeom prst="rect">
+            <a:avLst/>
+          </a:prstGeom>
+        </p:spPr>
+      </p:pic>
     </p:spTree>
     <p:extLst>
       <p:ext uri="{BB962C8B-B14F-4D97-AF65-F5344CB8AC3E}">
-        <p14:creationId xmlns:p14="http://schemas.microsoft.com/office/powerpoint/2010/main" val="1663076574"/>
+        <p14:creationId xmlns:p14="http://schemas.microsoft.com/office/powerpoint/2010/main" val="1949373422"/>
       </p:ext>
     </p:extLst>
   </p:cSld>
@@ -14563,24 +14665,14 @@
         </p:nvSpPr>
         <p:spPr/>
         <p:txBody>
-          <a:bodyPr/>
+          <a:bodyPr>
+            <a:normAutofit fontScale="90000"/>
+          </a:bodyPr>
           <a:lstStyle/>
           <a:p>
             <a:r>
               <a:rPr kumimoji="1" lang="zh-TW" altLang="en-US" dirty="0"/>
-              <a:t>W</a:t>
-            </a:r>
-            <a:r>
-              <a:rPr kumimoji="1" lang="zh-TW" altLang="zh-TW" dirty="0"/>
-              <a:t>5</a:t>
-            </a:r>
-            <a:r>
-              <a:rPr kumimoji="1" lang="en-US" altLang="zh-TW" dirty="0"/>
-              <a:t>:</a:t>
-            </a:r>
-            <a:r>
-              <a:rPr kumimoji="1" lang="zh-TW" altLang="en-US" dirty="0"/>
-              <a:t>深度學習模型</a:t>
+              <a:t>線性分類</a:t>
             </a:r>
             <a:r>
               <a:rPr kumimoji="1" lang="en-US" altLang="zh-TW" dirty="0"/>
@@ -14588,65 +14680,42 @@
             </a:r>
             <a:r>
               <a:rPr kumimoji="1" lang="zh-TW" altLang="en-US" dirty="0"/>
-              <a:t>基礎模型</a:t>
-            </a:r>
+              <a:t>感知器</a:t>
+            </a:r>
+            <a:r>
+              <a:rPr kumimoji="1" lang="en-US" altLang="zh-TW" dirty="0"/>
+              <a:t/>
+            </a:r>
+            <a:br>
+              <a:rPr kumimoji="1" lang="en-US" altLang="zh-TW" dirty="0"/>
+            </a:br>
             <a:endParaRPr kumimoji="1" lang="zh-CN" altLang="en-US" dirty="0"/>
           </a:p>
         </p:txBody>
       </p:sp>
-      <p:sp>
-        <p:nvSpPr>
-          <p:cNvPr id="3" name="内容占位符 2"/>
-          <p:cNvSpPr>
-            <a:spLocks noGrp="1"/>
-          </p:cNvSpPr>
+      <p:pic>
+        <p:nvPicPr>
+          <p:cNvPr id="4" name="内容占位符 3"/>
+          <p:cNvPicPr>
+            <a:picLocks noGrp="1" noChangeAspect="1"/>
+          </p:cNvPicPr>
           <p:nvPr>
             <p:ph idx="1"/>
           </p:nvPr>
-        </p:nvSpPr>
+        </p:nvPicPr>
+        <p:blipFill>
+          <a:blip r:embed="rId2"/>
+          <a:srcRect t="-7470" b="-7470"/>
+          <a:stretch>
+            <a:fillRect/>
+          </a:stretch>
+        </p:blipFill>
         <p:spPr/>
-        <p:txBody>
-          <a:bodyPr/>
-          <a:lstStyle/>
-          <a:p>
-            <a:r>
-              <a:rPr kumimoji="1" lang="zh-TW" altLang="en-US" dirty="0"/>
-              <a:t>D</a:t>
-            </a:r>
-            <a:r>
-              <a:rPr kumimoji="1" lang="en-US" altLang="zh-TW" dirty="0"/>
-              <a:t>MN model</a:t>
-            </a:r>
-          </a:p>
-          <a:p>
-            <a:r>
-              <a:rPr kumimoji="1" lang="en-US" altLang="zh-TW" dirty="0"/>
-              <a:t>CNN model</a:t>
-            </a:r>
-          </a:p>
-          <a:p>
-            <a:r>
-              <a:rPr kumimoji="1" lang="en-US" altLang="zh-TW" dirty="0"/>
-              <a:t>R</a:t>
-            </a:r>
-            <a:r>
-              <a:rPr kumimoji="1" lang="zh-TW" altLang="en-US" dirty="0"/>
-              <a:t>N</a:t>
-            </a:r>
-            <a:r>
-              <a:rPr kumimoji="1" lang="en-US" altLang="zh-TW" dirty="0"/>
-              <a:t>N model</a:t>
-            </a:r>
-          </a:p>
-          <a:p>
-            <a:endParaRPr kumimoji="1" lang="zh-CN" altLang="en-US" dirty="0"/>
-          </a:p>
-        </p:txBody>
-      </p:sp>
+      </p:pic>
     </p:spTree>
     <p:extLst>
       <p:ext uri="{BB962C8B-B14F-4D97-AF65-F5344CB8AC3E}">
-        <p14:creationId xmlns:p14="http://schemas.microsoft.com/office/powerpoint/2010/main" val="1976090492"/>
+        <p14:creationId xmlns:p14="http://schemas.microsoft.com/office/powerpoint/2010/main" val="3120065536"/>
       </p:ext>
     </p:extLst>
   </p:cSld>
@@ -14685,85 +14754,57 @@
         </p:nvSpPr>
         <p:spPr/>
         <p:txBody>
+          <a:bodyPr>
+            <a:normAutofit fontScale="90000"/>
+          </a:bodyPr>
+          <a:lstStyle/>
+          <a:p>
+            <a:r>
+              <a:rPr kumimoji="1" lang="zh-TW" altLang="en-US" dirty="0"/>
+              <a:t>線性分類</a:t>
+            </a:r>
+            <a:r>
+              <a:rPr kumimoji="1" lang="en-US" altLang="zh-TW" dirty="0"/>
+              <a:t>-</a:t>
+            </a:r>
+            <a:r>
+              <a:rPr kumimoji="1" lang="zh-TW" altLang="en-US" dirty="0"/>
+              <a:t>感知器</a:t>
+            </a:r>
+            <a:r>
+              <a:rPr kumimoji="1" lang="en-US" altLang="zh-TW" dirty="0"/>
+              <a:t/>
+            </a:r>
+            <a:br>
+              <a:rPr kumimoji="1" lang="en-US" altLang="zh-TW" dirty="0"/>
+            </a:br>
+            <a:endParaRPr kumimoji="1" lang="zh-CN" altLang="en-US" dirty="0"/>
+          </a:p>
+        </p:txBody>
+      </p:sp>
+      <p:sp>
+        <p:nvSpPr>
+          <p:cNvPr id="3" name="内容占位符 2"/>
+          <p:cNvSpPr>
+            <a:spLocks noGrp="1"/>
+          </p:cNvSpPr>
+          <p:nvPr>
+            <p:ph idx="1"/>
+          </p:nvPr>
+        </p:nvSpPr>
+        <p:spPr/>
+        <p:txBody>
           <a:bodyPr/>
           <a:lstStyle/>
           <a:p>
-            <a:r>
-              <a:rPr kumimoji="1" lang="zh-TW" altLang="en-US" dirty="0"/>
-              <a:t>W</a:t>
-            </a:r>
-            <a:r>
-              <a:rPr kumimoji="1" lang="zh-TW" altLang="zh-TW" dirty="0"/>
-              <a:t>6</a:t>
-            </a:r>
-            <a:r>
-              <a:rPr kumimoji="1" lang="en-US" altLang="zh-TW" dirty="0"/>
-              <a:t>:</a:t>
-            </a:r>
-            <a:r>
-              <a:rPr kumimoji="1" lang="zh-TW" altLang="en-US" dirty="0"/>
-              <a:t>深度學習模型</a:t>
-            </a:r>
-            <a:r>
-              <a:rPr kumimoji="1" lang="en-US" altLang="zh-TW" dirty="0"/>
-              <a:t>-</a:t>
-            </a:r>
-            <a:r>
-              <a:rPr kumimoji="1" lang="zh-TW" altLang="en-US" dirty="0"/>
-              <a:t>應用文本</a:t>
-            </a:r>
-            <a:endParaRPr kumimoji="1" lang="zh-CN" altLang="en-US" dirty="0"/>
-          </a:p>
-        </p:txBody>
-      </p:sp>
-      <p:sp>
-        <p:nvSpPr>
-          <p:cNvPr id="3" name="内容占位符 2"/>
-          <p:cNvSpPr>
-            <a:spLocks noGrp="1"/>
-          </p:cNvSpPr>
-          <p:nvPr>
-            <p:ph idx="1"/>
-          </p:nvPr>
-        </p:nvSpPr>
-        <p:spPr/>
-        <p:txBody>
-          <a:bodyPr/>
-          <a:lstStyle/>
-          <a:p>
-            <a:r>
-              <a:rPr kumimoji="1" lang="zh-TW" altLang="zh-TW" dirty="0"/>
-              <a:t>t</a:t>
-            </a:r>
-            <a:r>
-              <a:rPr kumimoji="1" lang="en-US" altLang="zh-TW" dirty="0" err="1"/>
-              <a:t>extCNN</a:t>
-            </a:r>
-            <a:r>
-              <a:rPr kumimoji="1" lang="en-US" altLang="zh-TW" dirty="0"/>
-              <a:t> model</a:t>
-            </a:r>
-          </a:p>
-          <a:p>
-            <a:r>
-              <a:rPr kumimoji="1" lang="zh-TW" altLang="zh-TW" dirty="0"/>
-              <a:t>t</a:t>
-            </a:r>
-            <a:r>
-              <a:rPr kumimoji="1" lang="en-US" altLang="zh-TW" dirty="0" err="1"/>
-              <a:t>extRNN</a:t>
-            </a:r>
-            <a:r>
-              <a:rPr kumimoji="1" lang="en-US" altLang="zh-TW" dirty="0"/>
-              <a:t> model</a:t>
-            </a:r>
+            <a:endParaRPr kumimoji="1" lang="zh-CN" altLang="en-US"/>
           </a:p>
         </p:txBody>
       </p:sp>
     </p:spTree>
     <p:extLst>
       <p:ext uri="{BB962C8B-B14F-4D97-AF65-F5344CB8AC3E}">
-        <p14:creationId xmlns:p14="http://schemas.microsoft.com/office/powerpoint/2010/main" val="1670608775"/>
+        <p14:creationId xmlns:p14="http://schemas.microsoft.com/office/powerpoint/2010/main" val="1152528660"/>
       </p:ext>
     </p:extLst>
   </p:cSld>
@@ -14806,24 +14847,20 @@
           <a:lstStyle/>
           <a:p>
             <a:r>
+              <a:rPr kumimoji="1" lang="en-US" altLang="zh-CN" dirty="0"/>
+              <a:t>W</a:t>
+            </a:r>
+            <a:r>
+              <a:rPr kumimoji="1" lang="zh-TW" altLang="zh-CN" dirty="0"/>
+              <a:t>4</a:t>
+            </a:r>
+            <a:r>
+              <a:rPr kumimoji="1" lang="en-US" altLang="zh-CN" dirty="0"/>
+              <a:t> Item:</a:t>
+            </a:r>
+            <a:r>
               <a:rPr kumimoji="1" lang="zh-TW" altLang="en-US" dirty="0"/>
-              <a:t>W</a:t>
-            </a:r>
-            <a:r>
-              <a:rPr kumimoji="1" lang="zh-TW" altLang="zh-TW" dirty="0"/>
-              <a:t>7</a:t>
-            </a:r>
-            <a:r>
-              <a:rPr kumimoji="1" lang="en-US" altLang="zh-TW" dirty="0"/>
-              <a:t>:</a:t>
-            </a:r>
-            <a:r>
-              <a:rPr kumimoji="1" lang="zh-TW" altLang="en-US" dirty="0"/>
-              <a:t>模型</a:t>
-            </a:r>
-            <a:r>
-              <a:rPr kumimoji="1" lang="en-US" altLang="zh-TW" dirty="0"/>
-              <a:t>DEMO </a:t>
+              <a:t>數學算法</a:t>
             </a:r>
             <a:endParaRPr kumimoji="1" lang="zh-CN" altLang="en-US" dirty="0"/>
           </a:p>
@@ -14844,32 +14881,46 @@
           <a:bodyPr/>
           <a:lstStyle/>
           <a:p>
+            <a:endParaRPr kumimoji="1" lang="en-US" altLang="zh-TW" dirty="0"/>
+          </a:p>
+          <a:p>
+            <a:r>
+              <a:rPr kumimoji="1" lang="en-US" altLang="zh-TW" dirty="0" err="1"/>
+              <a:t>Svm</a:t>
+            </a:r>
             <a:r>
               <a:rPr kumimoji="1" lang="zh-TW" altLang="en-US" dirty="0"/>
-              <a:t>文本分類</a:t>
+              <a:t>算法</a:t>
+            </a:r>
+            <a:endParaRPr kumimoji="1" lang="en-US" altLang="zh-TW" dirty="0"/>
+          </a:p>
+          <a:p>
+            <a:r>
+              <a:rPr kumimoji="1" lang="en-US" altLang="zh-TW"/>
+              <a:t> </a:t>
             </a:r>
             <a:r>
               <a:rPr kumimoji="1" lang="en-US" altLang="zh-TW" dirty="0"/>
-              <a:t>-</a:t>
+              <a:t>demo </a:t>
             </a:r>
             <a:r>
               <a:rPr kumimoji="1" lang="zh-TW" altLang="en-US" dirty="0"/>
-              <a:t>意圖分類</a:t>
-            </a:r>
-            <a:r>
-              <a:rPr kumimoji="1" lang="en-US" altLang="zh-TW" dirty="0"/>
-              <a:t>DEMO</a:t>
-            </a:r>
-          </a:p>
-          <a:p>
-            <a:endParaRPr kumimoji="1" lang="zh-CN" altLang="en-US" dirty="0"/>
+              <a:t>代碼實現</a:t>
+            </a:r>
+            <a:endParaRPr kumimoji="1" lang="en-US" altLang="zh-TW" dirty="0"/>
+          </a:p>
+          <a:p>
+            <a:pPr marL="0" indent="0">
+              <a:buNone/>
+            </a:pPr>
+            <a:endParaRPr kumimoji="1" lang="en-US" altLang="zh-TW" dirty="0"/>
           </a:p>
         </p:txBody>
       </p:sp>
     </p:spTree>
     <p:extLst>
       <p:ext uri="{BB962C8B-B14F-4D97-AF65-F5344CB8AC3E}">
-        <p14:creationId xmlns:p14="http://schemas.microsoft.com/office/powerpoint/2010/main" val="158954754"/>
+        <p14:creationId xmlns:p14="http://schemas.microsoft.com/office/powerpoint/2010/main" val="514264433"/>
       </p:ext>
     </p:extLst>
   </p:cSld>
@@ -14916,6 +14967,442 @@
               <a:t>W</a:t>
             </a:r>
             <a:r>
+              <a:rPr kumimoji="1" lang="en-US" altLang="zh-TW" dirty="0"/>
+              <a:t>? : </a:t>
+            </a:r>
+            <a:r>
+              <a:rPr kumimoji="1" lang="zh-TW" altLang="en-US" dirty="0"/>
+              <a:t>語言資料基礎分析</a:t>
+            </a:r>
+            <a:endParaRPr kumimoji="1" lang="zh-CN" altLang="en-US" dirty="0"/>
+          </a:p>
+        </p:txBody>
+      </p:sp>
+      <p:sp>
+        <p:nvSpPr>
+          <p:cNvPr id="3" name="内容占位符 2"/>
+          <p:cNvSpPr>
+            <a:spLocks noGrp="1"/>
+          </p:cNvSpPr>
+          <p:nvPr>
+            <p:ph idx="1"/>
+          </p:nvPr>
+        </p:nvSpPr>
+        <p:spPr/>
+        <p:txBody>
+          <a:bodyPr/>
+          <a:lstStyle/>
+          <a:p>
+            <a:r>
+              <a:rPr kumimoji="1" lang="zh-TW" altLang="en-US" dirty="0"/>
+              <a:t>後續看完基礎數學算法後決定</a:t>
+            </a:r>
+            <a:endParaRPr kumimoji="1" lang="en-US" altLang="zh-TW" dirty="0"/>
+          </a:p>
+          <a:p>
+            <a:r>
+              <a:rPr kumimoji="1" lang="zh-TW" altLang="en-US" dirty="0"/>
+              <a:t>預定最多佔兩週</a:t>
+            </a:r>
+            <a:endParaRPr kumimoji="1" lang="zh-CN" altLang="en-US" dirty="0"/>
+          </a:p>
+        </p:txBody>
+      </p:sp>
+    </p:spTree>
+    <p:extLst>
+      <p:ext uri="{BB962C8B-B14F-4D97-AF65-F5344CB8AC3E}">
+        <p14:creationId xmlns:p14="http://schemas.microsoft.com/office/powerpoint/2010/main" val="1663076574"/>
+      </p:ext>
+    </p:extLst>
+  </p:cSld>
+  <p:clrMapOvr>
+    <a:masterClrMapping/>
+  </p:clrMapOvr>
+</p:sld>
+</file>
+
+<file path=ppt/slides/slide34.xml><?xml version="1.0" encoding="utf-8"?>
+<p:sld xmlns:a="http://schemas.openxmlformats.org/drawingml/2006/main" xmlns:r="http://schemas.openxmlformats.org/officeDocument/2006/relationships" xmlns:p="http://schemas.openxmlformats.org/presentationml/2006/main">
+  <p:cSld>
+    <p:spTree>
+      <p:nvGrpSpPr>
+        <p:cNvPr id="1" name=""/>
+        <p:cNvGrpSpPr/>
+        <p:nvPr/>
+      </p:nvGrpSpPr>
+      <p:grpSpPr>
+        <a:xfrm>
+          <a:off x="0" y="0"/>
+          <a:ext cx="0" cy="0"/>
+          <a:chOff x="0" y="0"/>
+          <a:chExt cx="0" cy="0"/>
+        </a:xfrm>
+      </p:grpSpPr>
+      <p:sp>
+        <p:nvSpPr>
+          <p:cNvPr id="2" name="标题 1"/>
+          <p:cNvSpPr>
+            <a:spLocks noGrp="1"/>
+          </p:cNvSpPr>
+          <p:nvPr>
+            <p:ph type="title"/>
+          </p:nvPr>
+        </p:nvSpPr>
+        <p:spPr/>
+        <p:txBody>
+          <a:bodyPr/>
+          <a:lstStyle/>
+          <a:p>
+            <a:r>
+              <a:rPr kumimoji="1" lang="zh-TW" altLang="en-US" dirty="0"/>
+              <a:t>W</a:t>
+            </a:r>
+            <a:r>
+              <a:rPr kumimoji="1" lang="zh-TW" altLang="zh-TW" dirty="0"/>
+              <a:t>5</a:t>
+            </a:r>
+            <a:r>
+              <a:rPr kumimoji="1" lang="en-US" altLang="zh-TW" dirty="0"/>
+              <a:t>:</a:t>
+            </a:r>
+            <a:r>
+              <a:rPr kumimoji="1" lang="zh-TW" altLang="en-US" dirty="0"/>
+              <a:t>深度學習模型</a:t>
+            </a:r>
+            <a:r>
+              <a:rPr kumimoji="1" lang="en-US" altLang="zh-TW" dirty="0"/>
+              <a:t>-</a:t>
+            </a:r>
+            <a:r>
+              <a:rPr kumimoji="1" lang="zh-TW" altLang="en-US" dirty="0"/>
+              <a:t>基礎模型</a:t>
+            </a:r>
+            <a:endParaRPr kumimoji="1" lang="zh-CN" altLang="en-US" dirty="0"/>
+          </a:p>
+        </p:txBody>
+      </p:sp>
+      <p:sp>
+        <p:nvSpPr>
+          <p:cNvPr id="3" name="内容占位符 2"/>
+          <p:cNvSpPr>
+            <a:spLocks noGrp="1"/>
+          </p:cNvSpPr>
+          <p:nvPr>
+            <p:ph idx="1"/>
+          </p:nvPr>
+        </p:nvSpPr>
+        <p:spPr/>
+        <p:txBody>
+          <a:bodyPr/>
+          <a:lstStyle/>
+          <a:p>
+            <a:r>
+              <a:rPr kumimoji="1" lang="zh-TW" altLang="en-US" dirty="0"/>
+              <a:t>D</a:t>
+            </a:r>
+            <a:r>
+              <a:rPr kumimoji="1" lang="en-US" altLang="zh-TW" dirty="0"/>
+              <a:t>MN model</a:t>
+            </a:r>
+          </a:p>
+          <a:p>
+            <a:r>
+              <a:rPr kumimoji="1" lang="en-US" altLang="zh-TW" dirty="0"/>
+              <a:t>CNN model</a:t>
+            </a:r>
+          </a:p>
+          <a:p>
+            <a:r>
+              <a:rPr kumimoji="1" lang="en-US" altLang="zh-TW" dirty="0"/>
+              <a:t>R</a:t>
+            </a:r>
+            <a:r>
+              <a:rPr kumimoji="1" lang="zh-TW" altLang="en-US" dirty="0"/>
+              <a:t>N</a:t>
+            </a:r>
+            <a:r>
+              <a:rPr kumimoji="1" lang="en-US" altLang="zh-TW" dirty="0"/>
+              <a:t>N model</a:t>
+            </a:r>
+          </a:p>
+          <a:p>
+            <a:endParaRPr kumimoji="1" lang="zh-CN" altLang="en-US" dirty="0"/>
+          </a:p>
+        </p:txBody>
+      </p:sp>
+    </p:spTree>
+    <p:extLst>
+      <p:ext uri="{BB962C8B-B14F-4D97-AF65-F5344CB8AC3E}">
+        <p14:creationId xmlns:p14="http://schemas.microsoft.com/office/powerpoint/2010/main" val="1976090492"/>
+      </p:ext>
+    </p:extLst>
+  </p:cSld>
+  <p:clrMapOvr>
+    <a:masterClrMapping/>
+  </p:clrMapOvr>
+</p:sld>
+</file>
+
+<file path=ppt/slides/slide35.xml><?xml version="1.0" encoding="utf-8"?>
+<p:sld xmlns:a="http://schemas.openxmlformats.org/drawingml/2006/main" xmlns:r="http://schemas.openxmlformats.org/officeDocument/2006/relationships" xmlns:p="http://schemas.openxmlformats.org/presentationml/2006/main">
+  <p:cSld>
+    <p:spTree>
+      <p:nvGrpSpPr>
+        <p:cNvPr id="1" name=""/>
+        <p:cNvGrpSpPr/>
+        <p:nvPr/>
+      </p:nvGrpSpPr>
+      <p:grpSpPr>
+        <a:xfrm>
+          <a:off x="0" y="0"/>
+          <a:ext cx="0" cy="0"/>
+          <a:chOff x="0" y="0"/>
+          <a:chExt cx="0" cy="0"/>
+        </a:xfrm>
+      </p:grpSpPr>
+      <p:sp>
+        <p:nvSpPr>
+          <p:cNvPr id="2" name="标题 1"/>
+          <p:cNvSpPr>
+            <a:spLocks noGrp="1"/>
+          </p:cNvSpPr>
+          <p:nvPr>
+            <p:ph type="title"/>
+          </p:nvPr>
+        </p:nvSpPr>
+        <p:spPr/>
+        <p:txBody>
+          <a:bodyPr/>
+          <a:lstStyle/>
+          <a:p>
+            <a:r>
+              <a:rPr kumimoji="1" lang="zh-TW" altLang="en-US" dirty="0"/>
+              <a:t>W</a:t>
+            </a:r>
+            <a:r>
+              <a:rPr kumimoji="1" lang="zh-TW" altLang="zh-TW" dirty="0"/>
+              <a:t>6</a:t>
+            </a:r>
+            <a:r>
+              <a:rPr kumimoji="1" lang="en-US" altLang="zh-TW" dirty="0"/>
+              <a:t>:</a:t>
+            </a:r>
+            <a:r>
+              <a:rPr kumimoji="1" lang="zh-TW" altLang="en-US" dirty="0"/>
+              <a:t>深度學習模型</a:t>
+            </a:r>
+            <a:r>
+              <a:rPr kumimoji="1" lang="en-US" altLang="zh-TW" dirty="0"/>
+              <a:t>-</a:t>
+            </a:r>
+            <a:r>
+              <a:rPr kumimoji="1" lang="zh-TW" altLang="en-US" dirty="0"/>
+              <a:t>應用文本</a:t>
+            </a:r>
+            <a:endParaRPr kumimoji="1" lang="zh-CN" altLang="en-US" dirty="0"/>
+          </a:p>
+        </p:txBody>
+      </p:sp>
+      <p:sp>
+        <p:nvSpPr>
+          <p:cNvPr id="3" name="内容占位符 2"/>
+          <p:cNvSpPr>
+            <a:spLocks noGrp="1"/>
+          </p:cNvSpPr>
+          <p:nvPr>
+            <p:ph idx="1"/>
+          </p:nvPr>
+        </p:nvSpPr>
+        <p:spPr/>
+        <p:txBody>
+          <a:bodyPr/>
+          <a:lstStyle/>
+          <a:p>
+            <a:r>
+              <a:rPr kumimoji="1" lang="zh-TW" altLang="zh-TW" dirty="0"/>
+              <a:t>t</a:t>
+            </a:r>
+            <a:r>
+              <a:rPr kumimoji="1" lang="en-US" altLang="zh-TW" dirty="0" err="1"/>
+              <a:t>extCNN</a:t>
+            </a:r>
+            <a:r>
+              <a:rPr kumimoji="1" lang="en-US" altLang="zh-TW" dirty="0"/>
+              <a:t> model</a:t>
+            </a:r>
+          </a:p>
+          <a:p>
+            <a:r>
+              <a:rPr kumimoji="1" lang="zh-TW" altLang="zh-TW" dirty="0"/>
+              <a:t>t</a:t>
+            </a:r>
+            <a:r>
+              <a:rPr kumimoji="1" lang="en-US" altLang="zh-TW" dirty="0" err="1"/>
+              <a:t>extRNN</a:t>
+            </a:r>
+            <a:r>
+              <a:rPr kumimoji="1" lang="en-US" altLang="zh-TW" dirty="0"/>
+              <a:t> model</a:t>
+            </a:r>
+          </a:p>
+        </p:txBody>
+      </p:sp>
+    </p:spTree>
+    <p:extLst>
+      <p:ext uri="{BB962C8B-B14F-4D97-AF65-F5344CB8AC3E}">
+        <p14:creationId xmlns:p14="http://schemas.microsoft.com/office/powerpoint/2010/main" val="1670608775"/>
+      </p:ext>
+    </p:extLst>
+  </p:cSld>
+  <p:clrMapOvr>
+    <a:masterClrMapping/>
+  </p:clrMapOvr>
+</p:sld>
+</file>
+
+<file path=ppt/slides/slide36.xml><?xml version="1.0" encoding="utf-8"?>
+<p:sld xmlns:a="http://schemas.openxmlformats.org/drawingml/2006/main" xmlns:r="http://schemas.openxmlformats.org/officeDocument/2006/relationships" xmlns:p="http://schemas.openxmlformats.org/presentationml/2006/main">
+  <p:cSld>
+    <p:spTree>
+      <p:nvGrpSpPr>
+        <p:cNvPr id="1" name=""/>
+        <p:cNvGrpSpPr/>
+        <p:nvPr/>
+      </p:nvGrpSpPr>
+      <p:grpSpPr>
+        <a:xfrm>
+          <a:off x="0" y="0"/>
+          <a:ext cx="0" cy="0"/>
+          <a:chOff x="0" y="0"/>
+          <a:chExt cx="0" cy="0"/>
+        </a:xfrm>
+      </p:grpSpPr>
+      <p:sp>
+        <p:nvSpPr>
+          <p:cNvPr id="2" name="标题 1"/>
+          <p:cNvSpPr>
+            <a:spLocks noGrp="1"/>
+          </p:cNvSpPr>
+          <p:nvPr>
+            <p:ph type="title"/>
+          </p:nvPr>
+        </p:nvSpPr>
+        <p:spPr/>
+        <p:txBody>
+          <a:bodyPr/>
+          <a:lstStyle/>
+          <a:p>
+            <a:r>
+              <a:rPr kumimoji="1" lang="zh-TW" altLang="en-US" dirty="0"/>
+              <a:t>W</a:t>
+            </a:r>
+            <a:r>
+              <a:rPr kumimoji="1" lang="zh-TW" altLang="zh-TW" dirty="0"/>
+              <a:t>7</a:t>
+            </a:r>
+            <a:r>
+              <a:rPr kumimoji="1" lang="en-US" altLang="zh-TW" dirty="0"/>
+              <a:t>:</a:t>
+            </a:r>
+            <a:r>
+              <a:rPr kumimoji="1" lang="zh-TW" altLang="en-US" dirty="0"/>
+              <a:t>模型</a:t>
+            </a:r>
+            <a:r>
+              <a:rPr kumimoji="1" lang="en-US" altLang="zh-TW" dirty="0"/>
+              <a:t>DEMO </a:t>
+            </a:r>
+            <a:endParaRPr kumimoji="1" lang="zh-CN" altLang="en-US" dirty="0"/>
+          </a:p>
+        </p:txBody>
+      </p:sp>
+      <p:sp>
+        <p:nvSpPr>
+          <p:cNvPr id="3" name="内容占位符 2"/>
+          <p:cNvSpPr>
+            <a:spLocks noGrp="1"/>
+          </p:cNvSpPr>
+          <p:nvPr>
+            <p:ph idx="1"/>
+          </p:nvPr>
+        </p:nvSpPr>
+        <p:spPr/>
+        <p:txBody>
+          <a:bodyPr/>
+          <a:lstStyle/>
+          <a:p>
+            <a:r>
+              <a:rPr kumimoji="1" lang="zh-TW" altLang="en-US" dirty="0"/>
+              <a:t>文本分類</a:t>
+            </a:r>
+            <a:r>
+              <a:rPr kumimoji="1" lang="en-US" altLang="zh-TW" dirty="0"/>
+              <a:t>-</a:t>
+            </a:r>
+            <a:r>
+              <a:rPr kumimoji="1" lang="zh-TW" altLang="en-US" dirty="0"/>
+              <a:t>意圖分類</a:t>
+            </a:r>
+            <a:r>
+              <a:rPr kumimoji="1" lang="en-US" altLang="zh-TW" dirty="0"/>
+              <a:t>DEMO</a:t>
+            </a:r>
+          </a:p>
+          <a:p>
+            <a:endParaRPr kumimoji="1" lang="zh-CN" altLang="en-US" dirty="0"/>
+          </a:p>
+        </p:txBody>
+      </p:sp>
+    </p:spTree>
+    <p:extLst>
+      <p:ext uri="{BB962C8B-B14F-4D97-AF65-F5344CB8AC3E}">
+        <p14:creationId xmlns:p14="http://schemas.microsoft.com/office/powerpoint/2010/main" val="158954754"/>
+      </p:ext>
+    </p:extLst>
+  </p:cSld>
+  <p:clrMapOvr>
+    <a:masterClrMapping/>
+  </p:clrMapOvr>
+</p:sld>
+</file>
+
+<file path=ppt/slides/slide37.xml><?xml version="1.0" encoding="utf-8"?>
+<p:sld xmlns:a="http://schemas.openxmlformats.org/drawingml/2006/main" xmlns:r="http://schemas.openxmlformats.org/officeDocument/2006/relationships" xmlns:p="http://schemas.openxmlformats.org/presentationml/2006/main">
+  <p:cSld>
+    <p:spTree>
+      <p:nvGrpSpPr>
+        <p:cNvPr id="1" name=""/>
+        <p:cNvGrpSpPr/>
+        <p:nvPr/>
+      </p:nvGrpSpPr>
+      <p:grpSpPr>
+        <a:xfrm>
+          <a:off x="0" y="0"/>
+          <a:ext cx="0" cy="0"/>
+          <a:chOff x="0" y="0"/>
+          <a:chExt cx="0" cy="0"/>
+        </a:xfrm>
+      </p:grpSpPr>
+      <p:sp>
+        <p:nvSpPr>
+          <p:cNvPr id="2" name="标题 1"/>
+          <p:cNvSpPr>
+            <a:spLocks noGrp="1"/>
+          </p:cNvSpPr>
+          <p:nvPr>
+            <p:ph type="title"/>
+          </p:nvPr>
+        </p:nvSpPr>
+        <p:spPr/>
+        <p:txBody>
+          <a:bodyPr/>
+          <a:lstStyle/>
+          <a:p>
+            <a:r>
+              <a:rPr kumimoji="1" lang="zh-TW" altLang="en-US" dirty="0"/>
+              <a:t>W</a:t>
+            </a:r>
+            <a:r>
               <a:rPr kumimoji="1" lang="zh-TW" altLang="zh-TW" dirty="0"/>
               <a:t>8</a:t>
             </a:r>
@@ -14992,7 +15479,7 @@
 </p:sld>
 </file>
 
-<file path=ppt/slides/slide34.xml><?xml version="1.0" encoding="utf-8"?>
+<file path=ppt/slides/slide38.xml><?xml version="1.0" encoding="utf-8"?>
 <p:sld xmlns:a="http://schemas.openxmlformats.org/drawingml/2006/main" xmlns:r="http://schemas.openxmlformats.org/officeDocument/2006/relationships" xmlns:p="http://schemas.openxmlformats.org/presentationml/2006/main">
   <p:cSld>
     <p:spTree>
@@ -15530,60 +16017,97 @@
         </p:nvSpPr>
         <p:spPr/>
         <p:txBody>
-          <a:bodyPr>
-            <a:normAutofit/>
-          </a:bodyPr>
-          <a:lstStyle/>
-          <a:p>
-            <a:r>
-              <a:rPr kumimoji="1" lang="zh-TW" altLang="en-US" dirty="0"/>
-              <a:t>貝葉斯算法</a:t>
-            </a:r>
-            <a:endParaRPr kumimoji="1" lang="zh-CN" altLang="en-US" dirty="0"/>
-          </a:p>
-        </p:txBody>
-      </p:sp>
-      <p:sp>
-        <p:nvSpPr>
-          <p:cNvPr id="3" name="内容占位符 2"/>
-          <p:cNvSpPr>
-            <a:spLocks noGrp="1"/>
-          </p:cNvSpPr>
-          <p:nvPr>
-            <p:ph idx="1"/>
-          </p:nvPr>
-        </p:nvSpPr>
-        <p:spPr/>
-        <p:txBody>
           <a:bodyPr/>
           <a:lstStyle/>
           <a:p>
             <a:r>
-              <a:rPr lang="zh-TW" altLang="en-US" dirty="0"/>
-              <a:t>公式：</a:t>
-            </a:r>
-            <a:endParaRPr lang="en-US" altLang="zh-CN" dirty="0"/>
-          </a:p>
-          <a:p>
-            <a:r>
-              <a:rPr lang="mr-IN" altLang="zh-CN" dirty="0"/>
-              <a:t>P(A|B) = P(B|A) * P(A)/ P(B)</a:t>
-            </a:r>
-            <a:endParaRPr lang="en-US" altLang="zh-CN" dirty="0"/>
-          </a:p>
-          <a:p>
+              <a:rPr kumimoji="1" lang="en-US" altLang="zh-CN" dirty="0" smtClean="0"/>
+              <a:t>W</a:t>
+            </a:r>
+            <a:r>
+              <a:rPr kumimoji="1" lang="zh-TW" altLang="zh-CN" dirty="0"/>
+              <a:t>4</a:t>
+            </a:r>
+            <a:r>
+              <a:rPr kumimoji="1" lang="en-US" altLang="zh-CN" dirty="0" smtClean="0"/>
+              <a:t> </a:t>
+            </a:r>
+            <a:r>
+              <a:rPr kumimoji="1" lang="en-US" altLang="zh-CN" dirty="0"/>
+              <a:t>Item:</a:t>
+            </a:r>
             <a:r>
               <a:rPr kumimoji="1" lang="zh-TW" altLang="en-US" dirty="0"/>
-              <a:t>相關：機率與統計</a:t>
+              <a:t>數學算法</a:t>
             </a:r>
             <a:endParaRPr kumimoji="1" lang="zh-CN" altLang="en-US" dirty="0"/>
+          </a:p>
+        </p:txBody>
+      </p:sp>
+      <p:sp>
+        <p:nvSpPr>
+          <p:cNvPr id="3" name="内容占位符 2"/>
+          <p:cNvSpPr>
+            <a:spLocks noGrp="1"/>
+          </p:cNvSpPr>
+          <p:nvPr>
+            <p:ph idx="1"/>
+          </p:nvPr>
+        </p:nvSpPr>
+        <p:spPr/>
+        <p:txBody>
+          <a:bodyPr/>
+          <a:lstStyle/>
+          <a:p>
+            <a:r>
+              <a:rPr kumimoji="1" lang="zh-TW" altLang="en-US" dirty="0" smtClean="0"/>
+              <a:t>線性迴歸</a:t>
+            </a:r>
+            <a:r>
+              <a:rPr kumimoji="1" lang="en-US" altLang="zh-TW" dirty="0" smtClean="0"/>
+              <a:t>-</a:t>
+            </a:r>
+            <a:r>
+              <a:rPr kumimoji="1" lang="zh-TW" altLang="en-US" dirty="0" smtClean="0"/>
+              <a:t>多項式回歸</a:t>
+            </a:r>
+            <a:endParaRPr kumimoji="1" lang="en-US" altLang="zh-TW" dirty="0" smtClean="0"/>
+          </a:p>
+          <a:p>
+            <a:r>
+              <a:rPr kumimoji="1" lang="zh-TW" altLang="en-US" dirty="0" smtClean="0"/>
+              <a:t>羅輯回歸</a:t>
+            </a:r>
+            <a:r>
+              <a:rPr kumimoji="1" lang="en-US" altLang="zh-TW" dirty="0" smtClean="0"/>
+              <a:t>-</a:t>
+            </a:r>
+            <a:endParaRPr kumimoji="1" lang="en-US" altLang="zh-TW" dirty="0"/>
+          </a:p>
+          <a:p>
+            <a:r>
+              <a:rPr kumimoji="1" lang="zh-TW" altLang="en-US" dirty="0" smtClean="0"/>
+              <a:t>線性分類</a:t>
+            </a:r>
+            <a:r>
+              <a:rPr kumimoji="1" lang="en-US" altLang="zh-TW" dirty="0" smtClean="0"/>
+              <a:t>-</a:t>
+            </a:r>
+            <a:r>
+              <a:rPr kumimoji="1" lang="zh-TW" altLang="en-US" dirty="0" smtClean="0"/>
+              <a:t>感知器</a:t>
+            </a:r>
+            <a:endParaRPr kumimoji="1" lang="en-US" altLang="zh-TW" dirty="0" smtClean="0"/>
+          </a:p>
+          <a:p>
+            <a:endParaRPr kumimoji="1" lang="en-US" altLang="zh-TW" dirty="0"/>
           </a:p>
         </p:txBody>
       </p:sp>
     </p:spTree>
     <p:extLst>
       <p:ext uri="{BB962C8B-B14F-4D97-AF65-F5344CB8AC3E}">
-        <p14:creationId xmlns:p14="http://schemas.microsoft.com/office/powerpoint/2010/main" val="377865100"/>
+        <p14:creationId xmlns:p14="http://schemas.microsoft.com/office/powerpoint/2010/main" val="113945538"/>
       </p:ext>
     </p:extLst>
   </p:cSld>
@@ -15622,118 +16146,52 @@
         </p:nvSpPr>
         <p:spPr/>
         <p:txBody>
+          <a:bodyPr>
+            <a:normAutofit/>
+          </a:bodyPr>
+          <a:lstStyle/>
+          <a:p>
+            <a:r>
+              <a:rPr kumimoji="1" lang="zh-TW" altLang="en-US" dirty="0"/>
+              <a:t>貝葉斯算法</a:t>
+            </a:r>
+            <a:endParaRPr kumimoji="1" lang="zh-CN" altLang="en-US" dirty="0"/>
+          </a:p>
+        </p:txBody>
+      </p:sp>
+      <p:sp>
+        <p:nvSpPr>
+          <p:cNvPr id="3" name="内容占位符 2"/>
+          <p:cNvSpPr>
+            <a:spLocks noGrp="1"/>
+          </p:cNvSpPr>
+          <p:nvPr>
+            <p:ph idx="1"/>
+          </p:nvPr>
+        </p:nvSpPr>
+        <p:spPr/>
+        <p:txBody>
           <a:bodyPr/>
           <a:lstStyle/>
           <a:p>
             <a:r>
+              <a:rPr lang="zh-TW" altLang="en-US" dirty="0"/>
+              <a:t>公式：</a:t>
+            </a:r>
+            <a:endParaRPr lang="en-US" altLang="zh-CN" dirty="0"/>
+          </a:p>
+          <a:p>
+            <a:r>
+              <a:rPr lang="mr-IN" altLang="zh-CN" dirty="0"/>
+              <a:t>P(A|B) = P(B|A) * P(A)/ P(B)</a:t>
+            </a:r>
+            <a:endParaRPr lang="en-US" altLang="zh-CN" dirty="0"/>
+          </a:p>
+          <a:p>
+            <a:r>
               <a:rPr kumimoji="1" lang="zh-TW" altLang="en-US" dirty="0"/>
-              <a:t>貝葉斯算法</a:t>
-            </a:r>
-            <a:endParaRPr kumimoji="1" lang="zh-CN" altLang="en-US" dirty="0"/>
-          </a:p>
-        </p:txBody>
-      </p:sp>
-      <p:sp>
-        <p:nvSpPr>
-          <p:cNvPr id="3" name="内容占位符 2"/>
-          <p:cNvSpPr>
-            <a:spLocks noGrp="1"/>
-          </p:cNvSpPr>
-          <p:nvPr>
-            <p:ph idx="1"/>
-          </p:nvPr>
-        </p:nvSpPr>
-        <p:spPr/>
-        <p:txBody>
-          <a:bodyPr/>
-          <a:lstStyle/>
-          <a:p>
-            <a:r>
-              <a:rPr kumimoji="1" lang="en-US" altLang="zh-TW" dirty="0" err="1"/>
-              <a:t>Sklearn</a:t>
-            </a:r>
-            <a:r>
-              <a:rPr kumimoji="1" lang="en-US" altLang="zh-TW" dirty="0"/>
-              <a:t> lib use code example </a:t>
-            </a:r>
-            <a:r>
-              <a:rPr kumimoji="1" lang="en-US" altLang="zh-TW" dirty="0" smtClean="0"/>
-              <a:t>?</a:t>
-            </a:r>
-          </a:p>
-          <a:p>
-            <a:r>
-              <a:rPr kumimoji="1" lang="en-US" altLang="zh-TW" dirty="0" err="1" smtClean="0"/>
-              <a:t>Gaussian_Naive</a:t>
-            </a:r>
-            <a:r>
-              <a:rPr kumimoji="1" lang="en-US" altLang="zh-TW" dirty="0" smtClean="0"/>
-              <a:t> </a:t>
-            </a:r>
-            <a:r>
-              <a:rPr kumimoji="1" lang="en-US" altLang="zh-TW" dirty="0"/>
-              <a:t>_</a:t>
-            </a:r>
-            <a:r>
-              <a:rPr kumimoji="1" lang="en-US" altLang="zh-TW" dirty="0" err="1"/>
-              <a:t>Bayes.py</a:t>
-            </a:r>
-            <a:r>
-              <a:rPr kumimoji="1" lang="zh-TW" altLang="en-US" dirty="0"/>
-              <a:t>(高斯分佈貝葉斯模型</a:t>
-            </a:r>
-            <a:r>
-              <a:rPr kumimoji="1" lang="en-US" altLang="zh-TW" dirty="0" smtClean="0"/>
-              <a:t>)</a:t>
-            </a:r>
-          </a:p>
-          <a:p>
-            <a:r>
-              <a:rPr kumimoji="1" lang="en-US" altLang="zh-TW" dirty="0" err="1" smtClean="0"/>
-              <a:t>span_classification_naive_bayes_pra</a:t>
-            </a:r>
-            <a:r>
-              <a:rPr kumimoji="1" lang="zh-TW" altLang="zh-TW" dirty="0" smtClean="0"/>
-              <a:t>c</a:t>
-            </a:r>
-            <a:r>
-              <a:rPr kumimoji="1" lang="en-US" altLang="zh-TW" dirty="0" smtClean="0"/>
-              <a:t>.</a:t>
-            </a:r>
-            <a:r>
-              <a:rPr kumimoji="1" lang="en-US" altLang="zh-TW" dirty="0" err="1" smtClean="0"/>
-              <a:t>py</a:t>
-            </a:r>
-            <a:endParaRPr kumimoji="1" lang="en-US" altLang="zh-TW" dirty="0"/>
-          </a:p>
-          <a:p>
-            <a:r>
-              <a:rPr kumimoji="1" lang="en-US" altLang="zh-TW" dirty="0" err="1"/>
-              <a:t>span_classification_naive_bayes_prac</a:t>
-            </a:r>
-            <a:r>
-              <a:rPr kumimoji="1" lang="en-US" altLang="zh-TW" dirty="0"/>
-              <a:t> (</a:t>
-            </a:r>
-            <a:r>
-              <a:rPr kumimoji="1" lang="zh-TW" altLang="en-US" dirty="0"/>
-              <a:t>白努力貝葉斯模型</a:t>
-            </a:r>
-            <a:r>
-              <a:rPr kumimoji="1" lang="en-US" altLang="zh-TW" dirty="0"/>
-              <a:t>)</a:t>
-            </a:r>
-          </a:p>
-          <a:p>
-            <a:endParaRPr kumimoji="1" lang="en-US" altLang="zh-TW" dirty="0"/>
-          </a:p>
-          <a:p>
-            <a:endParaRPr kumimoji="1" lang="en-US" altLang="zh-TW" dirty="0"/>
-          </a:p>
-          <a:p>
-            <a:endParaRPr kumimoji="1" lang="en-US" altLang="zh-TW" dirty="0"/>
-          </a:p>
-          <a:p>
+              <a:t>相關：機率與統計</a:t>
+            </a:r>
             <a:endParaRPr kumimoji="1" lang="zh-CN" altLang="en-US" dirty="0"/>
           </a:p>
         </p:txBody>
@@ -15741,7 +16199,7 @@
     </p:spTree>
     <p:extLst>
       <p:ext uri="{BB962C8B-B14F-4D97-AF65-F5344CB8AC3E}">
-        <p14:creationId xmlns:p14="http://schemas.microsoft.com/office/powerpoint/2010/main" val="3849555844"/>
+        <p14:creationId xmlns:p14="http://schemas.microsoft.com/office/powerpoint/2010/main" val="377865100"/>
       </p:ext>
     </p:extLst>
   </p:cSld>
@@ -15784,8 +16242,8 @@
           <a:lstStyle/>
           <a:p>
             <a:r>
-              <a:rPr kumimoji="1" lang="en-US" altLang="zh-CN" dirty="0"/>
-              <a:t>KNN</a:t>
+              <a:rPr kumimoji="1" lang="zh-TW" altLang="en-US" dirty="0"/>
+              <a:t>貝葉斯算法</a:t>
             </a:r>
             <a:endParaRPr kumimoji="1" lang="zh-CN" altLang="en-US" dirty="0"/>
           </a:p>
@@ -15807,92 +16265,89 @@
           <a:lstStyle/>
           <a:p>
             <a:r>
-              <a:rPr lang="zh-CN" altLang="en-US" dirty="0"/>
-              <a:t>何谓</a:t>
-            </a:r>
-            <a:r>
-              <a:rPr lang="en-US" altLang="zh-CN" dirty="0"/>
-              <a:t>K</a:t>
-            </a:r>
-            <a:r>
-              <a:rPr lang="zh-CN" altLang="en-US" dirty="0"/>
-              <a:t>近邻算法，即</a:t>
-            </a:r>
-            <a:r>
-              <a:rPr lang="en-US" altLang="zh-CN" dirty="0"/>
-              <a:t>K-Nearest Neighbor algorithm</a:t>
-            </a:r>
-            <a:r>
-              <a:rPr lang="zh-CN" altLang="en-US" dirty="0"/>
-              <a:t>，简称</a:t>
-            </a:r>
-            <a:r>
-              <a:rPr lang="en-US" altLang="zh-CN" dirty="0"/>
-              <a:t>KNN</a:t>
-            </a:r>
-            <a:r>
-              <a:rPr lang="zh-CN" altLang="en-US" dirty="0"/>
-              <a:t>算法，单从名字来猜想，可以简单粗暴的认为是：</a:t>
-            </a:r>
-            <a:r>
-              <a:rPr lang="en-US" altLang="zh-CN" dirty="0"/>
-              <a:t>K</a:t>
-            </a:r>
-            <a:r>
-              <a:rPr lang="zh-CN" altLang="en-US" dirty="0"/>
-              <a:t>个最近的邻居，当</a:t>
-            </a:r>
-            <a:r>
-              <a:rPr lang="en-US" altLang="zh-CN" dirty="0"/>
-              <a:t>K=1</a:t>
-            </a:r>
-            <a:r>
-              <a:rPr lang="zh-CN" altLang="en-US" dirty="0"/>
-              <a:t>时，算法便成了最近邻算法，即寻找最近的那个邻居。</a:t>
-            </a:r>
-          </a:p>
-          <a:p>
-            <a:r>
-              <a:rPr lang="zh-CN" altLang="en-US" dirty="0"/>
-              <a:t>用官方的话来说，所谓</a:t>
-            </a:r>
-            <a:r>
-              <a:rPr lang="en-US" altLang="zh-CN" dirty="0"/>
-              <a:t>K</a:t>
-            </a:r>
-            <a:r>
-              <a:rPr lang="zh-CN" altLang="en-US" dirty="0"/>
-              <a:t>近邻算法，即是给定一个训练数据集，对新的输入实例，</a:t>
-            </a:r>
-            <a:r>
-              <a:rPr lang="zh-CN" altLang="en-US" b="1" dirty="0"/>
-              <a:t>在训练数据集中找到与该实例最邻近的</a:t>
-            </a:r>
-            <a:r>
-              <a:rPr lang="en-US" altLang="zh-CN" b="1" dirty="0"/>
-              <a:t>K</a:t>
-            </a:r>
-            <a:r>
-              <a:rPr lang="zh-CN" altLang="en-US" b="1" dirty="0"/>
-              <a:t>个实例（也就是上面所说的</a:t>
-            </a:r>
-            <a:r>
-              <a:rPr lang="en-US" altLang="zh-CN" b="1" dirty="0"/>
-              <a:t>K</a:t>
-            </a:r>
-            <a:r>
-              <a:rPr lang="zh-CN" altLang="en-US" b="1" dirty="0"/>
-              <a:t>个邻居），这</a:t>
-            </a:r>
-            <a:r>
-              <a:rPr lang="en-US" altLang="zh-CN" b="1" dirty="0"/>
-              <a:t>K</a:t>
-            </a:r>
-            <a:r>
-              <a:rPr lang="zh-CN" altLang="en-US" b="1" dirty="0"/>
-              <a:t>个实例的多数属于某个类，就把该输入实例分类到这个类中。</a:t>
-            </a:r>
-            <a:endParaRPr lang="zh-CN" altLang="en-US" dirty="0"/>
+              <a:rPr kumimoji="1" lang="en-US" altLang="zh-TW" dirty="0" err="1"/>
+              <a:t>Sklearn</a:t>
+            </a:r>
+            <a:r>
+              <a:rPr kumimoji="1" lang="en-US" altLang="zh-TW" dirty="0"/>
+              <a:t> lib use code example </a:t>
+            </a:r>
+            <a:r>
+              <a:rPr kumimoji="1" lang="en-US" altLang="zh-TW" dirty="0" smtClean="0"/>
+              <a:t>?</a:t>
+            </a:r>
+          </a:p>
+          <a:p>
+            <a:r>
+              <a:rPr kumimoji="1" lang="en-US" altLang="zh-TW" dirty="0" err="1" smtClean="0"/>
+              <a:t>Gaussian_Naive</a:t>
+            </a:r>
+            <a:r>
+              <a:rPr kumimoji="1" lang="en-US" altLang="zh-TW" dirty="0" smtClean="0"/>
+              <a:t> </a:t>
+            </a:r>
+            <a:r>
+              <a:rPr kumimoji="1" lang="en-US" altLang="zh-TW" dirty="0"/>
+              <a:t>_</a:t>
+            </a:r>
+            <a:r>
+              <a:rPr kumimoji="1" lang="en-US" altLang="zh-TW" dirty="0" err="1"/>
+              <a:t>Bayes.py</a:t>
+            </a:r>
+            <a:r>
+              <a:rPr kumimoji="1" lang="zh-TW" altLang="en-US" dirty="0"/>
+              <a:t>(高斯分佈貝葉斯模型</a:t>
+            </a:r>
+            <a:r>
+              <a:rPr kumimoji="1" lang="en-US" altLang="zh-TW" dirty="0" smtClean="0"/>
+              <a:t>)</a:t>
+            </a:r>
+          </a:p>
+          <a:p>
+            <a:r>
+              <a:rPr kumimoji="1" lang="en-US" altLang="zh-TW" dirty="0" err="1" smtClean="0"/>
+              <a:t>span_classification_naive_bayes_pra</a:t>
+            </a:r>
+            <a:r>
+              <a:rPr kumimoji="1" lang="zh-TW" altLang="zh-TW" dirty="0" smtClean="0"/>
+              <a:t>c</a:t>
+            </a:r>
+            <a:r>
+              <a:rPr kumimoji="1" lang="en-US" altLang="zh-TW" dirty="0" smtClean="0"/>
+              <a:t>.</a:t>
+            </a:r>
+            <a:r>
+              <a:rPr kumimoji="1" lang="en-US" altLang="zh-TW" dirty="0" err="1" smtClean="0"/>
+              <a:t>py</a:t>
+            </a:r>
+            <a:endParaRPr kumimoji="1" lang="en-US" altLang="zh-TW" dirty="0"/>
+          </a:p>
+          <a:p>
+            <a:r>
+              <a:rPr kumimoji="1" lang="en-US" altLang="zh-TW" dirty="0" err="1"/>
+              <a:t>span_classification_naive_bayes_prac</a:t>
+            </a:r>
+            <a:r>
+              <a:rPr kumimoji="1" lang="en-US" altLang="zh-TW" dirty="0"/>
+              <a:t> (</a:t>
+            </a:r>
+            <a:r>
+              <a:rPr kumimoji="1" lang="zh-TW" altLang="en-US" dirty="0"/>
+              <a:t>白努力貝葉斯模型</a:t>
+            </a:r>
+            <a:r>
+              <a:rPr kumimoji="1" lang="en-US" altLang="zh-TW" dirty="0"/>
+              <a:t>)</a:t>
+            </a:r>
+          </a:p>
+          <a:p>
+            <a:endParaRPr kumimoji="1" lang="en-US" altLang="zh-TW" dirty="0"/>
+          </a:p>
+          <a:p>
+            <a:endParaRPr kumimoji="1" lang="en-US" altLang="zh-TW" dirty="0"/>
+          </a:p>
+          <a:p>
+            <a:endParaRPr kumimoji="1" lang="en-US" altLang="zh-TW" dirty="0"/>
           </a:p>
           <a:p>
             <a:endParaRPr kumimoji="1" lang="zh-CN" altLang="en-US" dirty="0"/>
@@ -15902,7 +16357,7 @@
     </p:spTree>
     <p:extLst>
       <p:ext uri="{BB962C8B-B14F-4D97-AF65-F5344CB8AC3E}">
-        <p14:creationId xmlns:p14="http://schemas.microsoft.com/office/powerpoint/2010/main" val="3272794576"/>
+        <p14:creationId xmlns:p14="http://schemas.microsoft.com/office/powerpoint/2010/main" val="3849555844"/>
       </p:ext>
     </p:extLst>
   </p:cSld>

--- a/ml traing sean_detail.pptx
+++ b/ml traing sean_detail.pptx
@@ -192,7 +192,7 @@
       </p14:sectionLst>
     </p:ext>
     <p:ext uri="{EFAFB233-063F-42B5-8137-9DF3F51BA10A}">
-      <p15:sldGuideLst xmlns:p15="http://schemas.microsoft.com/office/powerpoint/2012/main" xmlns="">
+      <p15:sldGuideLst xmlns="" xmlns:p15="http://schemas.microsoft.com/office/powerpoint/2012/main">
         <p15:guide id="1" orient="horz" pos="2160">
           <p15:clr>
             <a:srgbClr val="A4A3A4"/>
@@ -2596,278 +2596,6 @@
       <dsp:cNvGrpSpPr/>
     </dsp:nvGrpSpPr>
     <dsp:grpSpPr/>
-    <dsp:sp modelId="{38793DA2-2ABE-BF42-907B-16DCE3F55510}">
-      <dsp:nvSpPr>
-        <dsp:cNvPr id="0" name=""/>
-        <dsp:cNvSpPr/>
-      </dsp:nvSpPr>
-      <dsp:spPr>
-        <a:xfrm>
-          <a:off x="1501569" y="0"/>
-          <a:ext cx="1501569" cy="913512"/>
-        </a:xfrm>
-        <a:prstGeom prst="trapezoid">
-          <a:avLst>
-            <a:gd name="adj" fmla="val 82187"/>
-          </a:avLst>
-        </a:prstGeom>
-        <a:solidFill>
-          <a:schemeClr val="tx1">
-            <a:lumMod val="25000"/>
-            <a:lumOff val="75000"/>
-          </a:schemeClr>
-        </a:solidFill>
-        <a:ln>
-          <a:noFill/>
-        </a:ln>
-        <a:effectLst>
-          <a:outerShdw blurRad="50800" dist="63500" dir="2700000" sx="102000" sy="102000" rotWithShape="0">
-            <a:srgbClr val="000000">
-              <a:alpha val="50000"/>
-            </a:srgbClr>
-          </a:outerShdw>
-        </a:effectLst>
-        <a:scene3d>
-          <a:camera prst="orthographicFront">
-            <a:rot lat="0" lon="0" rev="0"/>
-          </a:camera>
-          <a:lightRig rig="glow" dir="tl"/>
-        </a:scene3d>
-        <a:sp3d>
-          <a:bevelT w="0" h="0"/>
-        </a:sp3d>
-      </dsp:spPr>
-      <dsp:style>
-        <a:lnRef idx="0">
-          <a:scrgbClr r="0" g="0" b="0"/>
-        </a:lnRef>
-        <a:fillRef idx="3">
-          <a:scrgbClr r="0" g="0" b="0"/>
-        </a:fillRef>
-        <a:effectRef idx="2">
-          <a:scrgbClr r="0" g="0" b="0"/>
-        </a:effectRef>
-        <a:fontRef idx="minor">
-          <a:schemeClr val="lt1"/>
-        </a:fontRef>
-      </dsp:style>
-      <dsp:txBody>
-        <a:bodyPr spcFirstLastPara="0" vert="horz" wrap="square" lIns="36830" tIns="36830" rIns="36830" bIns="36830" numCol="1" spcCol="1270" anchor="ctr" anchorCtr="0">
-          <a:noAutofit/>
-        </a:bodyPr>
-        <a:lstStyle/>
-        <a:p>
-          <a:pPr lvl="0" algn="ctr" defTabSz="1289050">
-            <a:lnSpc>
-              <a:spcPct val="90000"/>
-            </a:lnSpc>
-            <a:spcBef>
-              <a:spcPct val="0"/>
-            </a:spcBef>
-            <a:spcAft>
-              <a:spcPct val="35000"/>
-            </a:spcAft>
-          </a:pPr>
-          <a:r>
-            <a:rPr lang="en-US" altLang="zh-TW" sz="2900" kern="1200" dirty="0"/>
-            <a:t>app</a:t>
-          </a:r>
-          <a:endParaRPr lang="zh-CN" altLang="en-US" sz="2900" kern="1200" dirty="0"/>
-        </a:p>
-      </dsp:txBody>
-      <dsp:txXfrm>
-        <a:off x="1501569" y="0"/>
-        <a:ext cx="1501569" cy="913512"/>
-      </dsp:txXfrm>
-    </dsp:sp>
-    <dsp:sp modelId="{6783CD30-30E9-934A-8116-191DC54CA623}">
-      <dsp:nvSpPr>
-        <dsp:cNvPr id="0" name=""/>
-        <dsp:cNvSpPr/>
-      </dsp:nvSpPr>
-      <dsp:spPr>
-        <a:xfrm>
-          <a:off x="750784" y="913512"/>
-          <a:ext cx="3003139" cy="913512"/>
-        </a:xfrm>
-        <a:prstGeom prst="trapezoid">
-          <a:avLst>
-            <a:gd name="adj" fmla="val 82187"/>
-          </a:avLst>
-        </a:prstGeom>
-        <a:solidFill>
-          <a:schemeClr val="tx1">
-            <a:lumMod val="50000"/>
-            <a:lumOff val="50000"/>
-          </a:schemeClr>
-        </a:solidFill>
-        <a:ln>
-          <a:noFill/>
-        </a:ln>
-        <a:effectLst>
-          <a:outerShdw blurRad="50800" dist="63500" dir="2700000" sx="102000" sy="102000" rotWithShape="0">
-            <a:srgbClr val="000000">
-              <a:alpha val="50000"/>
-            </a:srgbClr>
-          </a:outerShdw>
-        </a:effectLst>
-        <a:scene3d>
-          <a:camera prst="orthographicFront">
-            <a:rot lat="0" lon="0" rev="0"/>
-          </a:camera>
-          <a:lightRig rig="glow" dir="tl"/>
-        </a:scene3d>
-        <a:sp3d>
-          <a:bevelT w="0" h="0"/>
-        </a:sp3d>
-      </dsp:spPr>
-      <dsp:style>
-        <a:lnRef idx="0">
-          <a:scrgbClr r="0" g="0" b="0"/>
-        </a:lnRef>
-        <a:fillRef idx="3">
-          <a:scrgbClr r="0" g="0" b="0"/>
-        </a:fillRef>
-        <a:effectRef idx="2">
-          <a:scrgbClr r="0" g="0" b="0"/>
-        </a:effectRef>
-        <a:fontRef idx="minor">
-          <a:schemeClr val="lt1"/>
-        </a:fontRef>
-      </dsp:style>
-      <dsp:txBody>
-        <a:bodyPr spcFirstLastPara="0" vert="horz" wrap="square" lIns="36830" tIns="36830" rIns="36830" bIns="36830" numCol="1" spcCol="1270" anchor="ctr" anchorCtr="0">
-          <a:noAutofit/>
-        </a:bodyPr>
-        <a:lstStyle/>
-        <a:p>
-          <a:pPr lvl="0" algn="ctr" defTabSz="1289050">
-            <a:lnSpc>
-              <a:spcPct val="90000"/>
-            </a:lnSpc>
-            <a:spcBef>
-              <a:spcPct val="0"/>
-            </a:spcBef>
-            <a:spcAft>
-              <a:spcPct val="35000"/>
-            </a:spcAft>
-          </a:pPr>
-          <a:r>
-            <a:rPr lang="en-US" altLang="zh-CN" sz="2900" kern="1200" dirty="0"/>
-            <a:t>Alg</a:t>
-          </a:r>
-          <a:r>
-            <a:rPr lang="en-US" altLang="zh-TW" sz="2900" kern="1200" dirty="0"/>
-            <a:t>o</a:t>
-          </a:r>
-          <a:r>
-            <a:rPr lang="en-US" altLang="zh-CN" sz="2900" kern="1200" dirty="0"/>
-            <a:t>rithm</a:t>
-          </a:r>
-          <a:endParaRPr lang="zh-CN" altLang="en-US" sz="2900" kern="1200" dirty="0"/>
-        </a:p>
-      </dsp:txBody>
-      <dsp:txXfrm>
-        <a:off x="1276334" y="913512"/>
-        <a:ext cx="1952040" cy="913512"/>
-      </dsp:txXfrm>
-    </dsp:sp>
-    <dsp:sp modelId="{E62C9D9E-7EAE-B24D-9E86-E99F70B1C75C}">
-      <dsp:nvSpPr>
-        <dsp:cNvPr id="0" name=""/>
-        <dsp:cNvSpPr/>
-      </dsp:nvSpPr>
-      <dsp:spPr>
-        <a:xfrm>
-          <a:off x="0" y="1827023"/>
-          <a:ext cx="4504709" cy="913512"/>
-        </a:xfrm>
-        <a:prstGeom prst="trapezoid">
-          <a:avLst>
-            <a:gd name="adj" fmla="val 82187"/>
-          </a:avLst>
-        </a:prstGeom>
-        <a:solidFill>
-          <a:schemeClr val="tx1">
-            <a:lumMod val="50000"/>
-            <a:lumOff val="50000"/>
-          </a:schemeClr>
-        </a:solidFill>
-        <a:ln>
-          <a:noFill/>
-        </a:ln>
-        <a:effectLst>
-          <a:outerShdw blurRad="50800" dist="63500" dir="2700000" sx="102000" sy="102000" rotWithShape="0">
-            <a:srgbClr val="000000">
-              <a:alpha val="50000"/>
-            </a:srgbClr>
-          </a:outerShdw>
-        </a:effectLst>
-        <a:scene3d>
-          <a:camera prst="orthographicFront">
-            <a:rot lat="0" lon="0" rev="0"/>
-          </a:camera>
-          <a:lightRig rig="glow" dir="tl"/>
-        </a:scene3d>
-        <a:sp3d>
-          <a:bevelT w="0" h="0"/>
-        </a:sp3d>
-      </dsp:spPr>
-      <dsp:style>
-        <a:lnRef idx="0">
-          <a:scrgbClr r="0" g="0" b="0"/>
-        </a:lnRef>
-        <a:fillRef idx="3">
-          <a:scrgbClr r="0" g="0" b="0"/>
-        </a:fillRef>
-        <a:effectRef idx="2">
-          <a:scrgbClr r="0" g="0" b="0"/>
-        </a:effectRef>
-        <a:fontRef idx="minor">
-          <a:schemeClr val="lt1"/>
-        </a:fontRef>
-      </dsp:style>
-      <dsp:txBody>
-        <a:bodyPr spcFirstLastPara="0" vert="horz" wrap="square" lIns="36830" tIns="36830" rIns="36830" bIns="36830" numCol="1" spcCol="1270" anchor="ctr" anchorCtr="0">
-          <a:noAutofit/>
-        </a:bodyPr>
-        <a:lstStyle/>
-        <a:p>
-          <a:pPr lvl="0" algn="ctr" defTabSz="1289050">
-            <a:lnSpc>
-              <a:spcPct val="90000"/>
-            </a:lnSpc>
-            <a:spcBef>
-              <a:spcPct val="0"/>
-            </a:spcBef>
-            <a:spcAft>
-              <a:spcPct val="35000"/>
-            </a:spcAft>
-          </a:pPr>
-          <a:r>
-            <a:rPr lang="en-US" altLang="zh-CN" sz="2900" kern="1200" dirty="0"/>
-            <a:t>Basic</a:t>
-          </a:r>
-          <a:r>
-            <a:rPr lang="zh-TW" altLang="en-US" sz="2900" kern="1200" dirty="0"/>
-            <a:t> </a:t>
-          </a:r>
-          <a:r>
-            <a:rPr lang="en-US" altLang="zh-TW" sz="2900" kern="1200" dirty="0"/>
-            <a:t>framework&amp;</a:t>
-          </a:r>
-          <a:r>
-            <a:rPr lang="en-US" altLang="zh-CN" sz="2900" kern="1200" dirty="0"/>
-            <a:t> math</a:t>
-          </a:r>
-          <a:endParaRPr lang="zh-CN" altLang="en-US" sz="2900" kern="1200" dirty="0"/>
-        </a:p>
-      </dsp:txBody>
-      <dsp:txXfrm>
-        <a:off x="788324" y="1827023"/>
-        <a:ext cx="2928060" cy="913512"/>
-      </dsp:txXfrm>
-    </dsp:sp>
   </dsp:spTree>
 </dsp:drawing>
 </file>
@@ -5408,7 +5136,7 @@
           <a:p>
             <a:fld id="{1766A5AD-8774-FE44-A0A9-16F81BF90977}" type="datetimeFigureOut">
               <a:rPr kumimoji="1" lang="zh-CN" altLang="en-US" smtClean="0"/>
-              <a:t>09/09/20</a:t>
+              <a:t>11/09/20</a:t>
             </a:fld>
             <a:endParaRPr kumimoji="1" lang="zh-CN" altLang="en-US"/>
           </a:p>
@@ -7047,7 +6775,7 @@
           <a:p>
             <a:fld id="{B1115196-1C6F-4784-83AC-30756D8F10B3}" type="datetimeFigureOut">
               <a:rPr lang="en-US" smtClean="0"/>
-              <a:t>09/09/20</a:t>
+              <a:t>11/09/20</a:t>
             </a:fld>
             <a:endParaRPr lang="en-US"/>
           </a:p>
@@ -7476,7 +7204,7 @@
           <a:p>
             <a:fld id="{B1115196-1C6F-4784-83AC-30756D8F10B3}" type="datetimeFigureOut">
               <a:rPr lang="en-US" smtClean="0"/>
-              <a:t>09/09/20</a:t>
+              <a:t>11/09/20</a:t>
             </a:fld>
             <a:endParaRPr lang="en-US"/>
           </a:p>
@@ -7681,7 +7409,7 @@
           <a:p>
             <a:fld id="{B1115196-1C6F-4784-83AC-30756D8F10B3}" type="datetimeFigureOut">
               <a:rPr lang="en-US" smtClean="0"/>
-              <a:t>09/09/20</a:t>
+              <a:t>11/09/20</a:t>
             </a:fld>
             <a:endParaRPr lang="en-US"/>
           </a:p>
@@ -7952,7 +7680,7 @@
           <a:p>
             <a:fld id="{B1115196-1C6F-4784-83AC-30756D8F10B3}" type="datetimeFigureOut">
               <a:rPr lang="en-US" smtClean="0"/>
-              <a:t>09/09/20</a:t>
+              <a:t>11/09/20</a:t>
             </a:fld>
             <a:endParaRPr lang="en-US"/>
           </a:p>
@@ -8233,7 +7961,7 @@
           <a:p>
             <a:fld id="{B1115196-1C6F-4784-83AC-30756D8F10B3}" type="datetimeFigureOut">
               <a:rPr lang="en-US" smtClean="0"/>
-              <a:t>09/09/20</a:t>
+              <a:t>11/09/20</a:t>
             </a:fld>
             <a:endParaRPr lang="en-US"/>
           </a:p>
@@ -8468,7 +8196,7 @@
           <a:p>
             <a:fld id="{B1115196-1C6F-4784-83AC-30756D8F10B3}" type="datetimeFigureOut">
               <a:rPr lang="en-US" smtClean="0"/>
-              <a:t>09/09/20</a:t>
+              <a:t>11/09/20</a:t>
             </a:fld>
             <a:endParaRPr lang="en-US"/>
           </a:p>
@@ -8749,7 +8477,7 @@
           <a:p>
             <a:fld id="{B1115196-1C6F-4784-83AC-30756D8F10B3}" type="datetimeFigureOut">
               <a:rPr lang="en-US" smtClean="0"/>
-              <a:t>09/09/20</a:t>
+              <a:t>11/09/20</a:t>
             </a:fld>
             <a:endParaRPr lang="en-US"/>
           </a:p>
@@ -9176,7 +8904,7 @@
           <a:p>
             <a:fld id="{B1115196-1C6F-4784-83AC-30756D8F10B3}" type="datetimeFigureOut">
               <a:rPr lang="en-US" smtClean="0"/>
-              <a:t>09/09/20</a:t>
+              <a:t>11/09/20</a:t>
             </a:fld>
             <a:endParaRPr lang="en-US"/>
           </a:p>
@@ -9699,7 +9427,7 @@
           <a:p>
             <a:fld id="{B1115196-1C6F-4784-83AC-30756D8F10B3}" type="datetimeFigureOut">
               <a:rPr lang="en-US" smtClean="0"/>
-              <a:t>09/09/20</a:t>
+              <a:t>11/09/20</a:t>
             </a:fld>
             <a:endParaRPr lang="en-US"/>
           </a:p>
@@ -10061,7 +9789,7 @@
           <a:p>
             <a:fld id="{B1115196-1C6F-4784-83AC-30756D8F10B3}" type="datetimeFigureOut">
               <a:rPr lang="en-US" smtClean="0"/>
-              <a:t>09/09/20</a:t>
+              <a:t>11/09/20</a:t>
             </a:fld>
             <a:endParaRPr lang="en-US"/>
           </a:p>
@@ -10617,7 +10345,7 @@
           <a:p>
             <a:fld id="{B1115196-1C6F-4784-83AC-30756D8F10B3}" type="datetimeFigureOut">
               <a:rPr lang="en-US" smtClean="0"/>
-              <a:t>09/09/20</a:t>
+              <a:t>11/09/20</a:t>
             </a:fld>
             <a:endParaRPr lang="en-US"/>
           </a:p>
@@ -10842,7 +10570,7 @@
           <a:p>
             <a:fld id="{B1115196-1C6F-4784-83AC-30756D8F10B3}" type="datetimeFigureOut">
               <a:rPr lang="en-US" smtClean="0"/>
-              <a:t>09/09/20</a:t>
+              <a:t>11/09/20</a:t>
             </a:fld>
             <a:endParaRPr lang="en-US"/>
           </a:p>
@@ -10988,7 +10716,7 @@
           <a:p>
             <a:fld id="{B1115196-1C6F-4784-83AC-30756D8F10B3}" type="datetimeFigureOut">
               <a:rPr lang="en-US" smtClean="0"/>
-              <a:t>09/09/20</a:t>
+              <a:t>11/09/20</a:t>
             </a:fld>
             <a:endParaRPr lang="en-US"/>
           </a:p>
@@ -11453,7 +11181,7 @@
           <a:p>
             <a:fld id="{B1115196-1C6F-4784-83AC-30756D8F10B3}" type="datetimeFigureOut">
               <a:rPr lang="en-US" smtClean="0"/>
-              <a:t>09/09/20</a:t>
+              <a:t>11/09/20</a:t>
             </a:fld>
             <a:endParaRPr lang="en-US"/>
           </a:p>
@@ -11675,7 +11403,7 @@
           <a:p>
             <a:fld id="{B1115196-1C6F-4784-83AC-30756D8F10B3}" type="datetimeFigureOut">
               <a:rPr lang="en-US" smtClean="0"/>
-              <a:t>09/09/20</a:t>
+              <a:t>11/09/20</a:t>
             </a:fld>
             <a:endParaRPr lang="en-US"/>
           </a:p>
@@ -14797,7 +14525,20 @@
           <a:bodyPr/>
           <a:lstStyle/>
           <a:p>
-            <a:endParaRPr kumimoji="1" lang="zh-CN" altLang="en-US"/>
+            <a:r>
+              <a:rPr kumimoji="1" lang="en-US" altLang="zh-CN" dirty="0" smtClean="0"/>
+              <a:t>Demo</a:t>
+            </a:r>
+          </a:p>
+          <a:p>
+            <a:r>
+              <a:rPr kumimoji="1" lang="en-US" altLang="zh-CN" dirty="0" err="1" smtClean="0"/>
+              <a:t>preceptron_api.py</a:t>
+            </a:r>
+            <a:endParaRPr kumimoji="1" lang="en-US" altLang="zh-CN" dirty="0" smtClean="0"/>
+          </a:p>
+          <a:p>
+            <a:endParaRPr kumimoji="1" lang="zh-CN" altLang="en-US" dirty="0"/>
           </a:p>
         </p:txBody>
       </p:sp>
@@ -14889,19 +14630,30 @@
               <a:t>Svm</a:t>
             </a:r>
             <a:r>
-              <a:rPr kumimoji="1" lang="zh-TW" altLang="en-US" dirty="0"/>
+              <a:rPr kumimoji="1" lang="zh-TW" altLang="en-US" dirty="0" smtClean="0"/>
               <a:t>算法</a:t>
             </a:r>
+            <a:endParaRPr kumimoji="1" lang="en-US" altLang="zh-TW" dirty="0" smtClean="0"/>
+          </a:p>
+          <a:p>
+            <a:r>
+              <a:rPr kumimoji="1" lang="en-US" altLang="zh-TW" dirty="0"/>
+              <a:t>https://</a:t>
+            </a:r>
+            <a:r>
+              <a:rPr kumimoji="1" lang="en-US" altLang="zh-TW" dirty="0" err="1"/>
+              <a:t>zhuanlan.zhihu.com</a:t>
+            </a:r>
+            <a:r>
+              <a:rPr kumimoji="1" lang="en-US" altLang="zh-TW" dirty="0"/>
+              <a:t>/p/52168498</a:t>
+            </a:r>
             <a:endParaRPr kumimoji="1" lang="en-US" altLang="zh-TW" dirty="0"/>
           </a:p>
           <a:p>
             <a:r>
-              <a:rPr kumimoji="1" lang="en-US" altLang="zh-TW"/>
-              <a:t> </a:t>
-            </a:r>
-            <a:r>
               <a:rPr kumimoji="1" lang="en-US" altLang="zh-TW" dirty="0"/>
-              <a:t>demo </a:t>
+              <a:t> demo </a:t>
             </a:r>
             <a:r>
               <a:rPr kumimoji="1" lang="zh-TW" altLang="en-US" dirty="0"/>

--- a/ml traing sean_detail.pptx
+++ b/ml traing sean_detail.pptx
@@ -5,7 +5,7 @@
     <p:sldMasterId id="2147483660" r:id="rId1"/>
   </p:sldMasterIdLst>
   <p:notesMasterIdLst>
-    <p:notesMasterId r:id="rId40"/>
+    <p:notesMasterId r:id="rId41"/>
   </p:notesMasterIdLst>
   <p:sldIdLst>
     <p:sldId id="256" r:id="rId2"/>
@@ -40,12 +40,13 @@
     <p:sldId id="293" r:id="rId31"/>
     <p:sldId id="294" r:id="rId32"/>
     <p:sldId id="262" r:id="rId33"/>
-    <p:sldId id="268" r:id="rId34"/>
-    <p:sldId id="263" r:id="rId35"/>
-    <p:sldId id="264" r:id="rId36"/>
-    <p:sldId id="265" r:id="rId37"/>
-    <p:sldId id="266" r:id="rId38"/>
-    <p:sldId id="267" r:id="rId39"/>
+    <p:sldId id="295" r:id="rId34"/>
+    <p:sldId id="268" r:id="rId35"/>
+    <p:sldId id="263" r:id="rId36"/>
+    <p:sldId id="264" r:id="rId37"/>
+    <p:sldId id="265" r:id="rId38"/>
+    <p:sldId id="266" r:id="rId39"/>
+    <p:sldId id="267" r:id="rId40"/>
   </p:sldIdLst>
   <p:sldSz cx="9144000" cy="6858000" type="screen4x3"/>
   <p:notesSz cx="6858000" cy="9144000"/>
@@ -181,6 +182,7 @@
             <p14:sldId id="293"/>
             <p14:sldId id="294"/>
             <p14:sldId id="262"/>
+            <p14:sldId id="295"/>
             <p14:sldId id="268"/>
             <p14:sldId id="263"/>
             <p14:sldId id="264"/>
@@ -2596,6 +2598,278 @@
       <dsp:cNvGrpSpPr/>
     </dsp:nvGrpSpPr>
     <dsp:grpSpPr/>
+    <dsp:sp modelId="{38793DA2-2ABE-BF42-907B-16DCE3F55510}">
+      <dsp:nvSpPr>
+        <dsp:cNvPr id="0" name=""/>
+        <dsp:cNvSpPr/>
+      </dsp:nvSpPr>
+      <dsp:spPr>
+        <a:xfrm>
+          <a:off x="1501569" y="0"/>
+          <a:ext cx="1501569" cy="913512"/>
+        </a:xfrm>
+        <a:prstGeom prst="trapezoid">
+          <a:avLst>
+            <a:gd name="adj" fmla="val 82187"/>
+          </a:avLst>
+        </a:prstGeom>
+        <a:solidFill>
+          <a:schemeClr val="tx1">
+            <a:lumMod val="25000"/>
+            <a:lumOff val="75000"/>
+          </a:schemeClr>
+        </a:solidFill>
+        <a:ln>
+          <a:noFill/>
+        </a:ln>
+        <a:effectLst>
+          <a:outerShdw blurRad="50800" dist="63500" dir="2700000" sx="102000" sy="102000" rotWithShape="0">
+            <a:srgbClr val="000000">
+              <a:alpha val="50000"/>
+            </a:srgbClr>
+          </a:outerShdw>
+        </a:effectLst>
+        <a:scene3d>
+          <a:camera prst="orthographicFront">
+            <a:rot lat="0" lon="0" rev="0"/>
+          </a:camera>
+          <a:lightRig rig="glow" dir="tl"/>
+        </a:scene3d>
+        <a:sp3d>
+          <a:bevelT w="0" h="0"/>
+        </a:sp3d>
+      </dsp:spPr>
+      <dsp:style>
+        <a:lnRef idx="0">
+          <a:scrgbClr r="0" g="0" b="0"/>
+        </a:lnRef>
+        <a:fillRef idx="3">
+          <a:scrgbClr r="0" g="0" b="0"/>
+        </a:fillRef>
+        <a:effectRef idx="2">
+          <a:scrgbClr r="0" g="0" b="0"/>
+        </a:effectRef>
+        <a:fontRef idx="minor">
+          <a:schemeClr val="lt1"/>
+        </a:fontRef>
+      </dsp:style>
+      <dsp:txBody>
+        <a:bodyPr spcFirstLastPara="0" vert="horz" wrap="square" lIns="36830" tIns="36830" rIns="36830" bIns="36830" numCol="1" spcCol="1270" anchor="ctr" anchorCtr="0">
+          <a:noAutofit/>
+        </a:bodyPr>
+        <a:lstStyle/>
+        <a:p>
+          <a:pPr lvl="0" algn="ctr" defTabSz="1289050">
+            <a:lnSpc>
+              <a:spcPct val="90000"/>
+            </a:lnSpc>
+            <a:spcBef>
+              <a:spcPct val="0"/>
+            </a:spcBef>
+            <a:spcAft>
+              <a:spcPct val="35000"/>
+            </a:spcAft>
+          </a:pPr>
+          <a:r>
+            <a:rPr lang="en-US" altLang="zh-TW" sz="2900" kern="1200" dirty="0"/>
+            <a:t>app</a:t>
+          </a:r>
+          <a:endParaRPr lang="zh-CN" altLang="en-US" sz="2900" kern="1200" dirty="0"/>
+        </a:p>
+      </dsp:txBody>
+      <dsp:txXfrm>
+        <a:off x="1501569" y="0"/>
+        <a:ext cx="1501569" cy="913512"/>
+      </dsp:txXfrm>
+    </dsp:sp>
+    <dsp:sp modelId="{6783CD30-30E9-934A-8116-191DC54CA623}">
+      <dsp:nvSpPr>
+        <dsp:cNvPr id="0" name=""/>
+        <dsp:cNvSpPr/>
+      </dsp:nvSpPr>
+      <dsp:spPr>
+        <a:xfrm>
+          <a:off x="750784" y="913512"/>
+          <a:ext cx="3003139" cy="913512"/>
+        </a:xfrm>
+        <a:prstGeom prst="trapezoid">
+          <a:avLst>
+            <a:gd name="adj" fmla="val 82187"/>
+          </a:avLst>
+        </a:prstGeom>
+        <a:solidFill>
+          <a:schemeClr val="tx1">
+            <a:lumMod val="50000"/>
+            <a:lumOff val="50000"/>
+          </a:schemeClr>
+        </a:solidFill>
+        <a:ln>
+          <a:noFill/>
+        </a:ln>
+        <a:effectLst>
+          <a:outerShdw blurRad="50800" dist="63500" dir="2700000" sx="102000" sy="102000" rotWithShape="0">
+            <a:srgbClr val="000000">
+              <a:alpha val="50000"/>
+            </a:srgbClr>
+          </a:outerShdw>
+        </a:effectLst>
+        <a:scene3d>
+          <a:camera prst="orthographicFront">
+            <a:rot lat="0" lon="0" rev="0"/>
+          </a:camera>
+          <a:lightRig rig="glow" dir="tl"/>
+        </a:scene3d>
+        <a:sp3d>
+          <a:bevelT w="0" h="0"/>
+        </a:sp3d>
+      </dsp:spPr>
+      <dsp:style>
+        <a:lnRef idx="0">
+          <a:scrgbClr r="0" g="0" b="0"/>
+        </a:lnRef>
+        <a:fillRef idx="3">
+          <a:scrgbClr r="0" g="0" b="0"/>
+        </a:fillRef>
+        <a:effectRef idx="2">
+          <a:scrgbClr r="0" g="0" b="0"/>
+        </a:effectRef>
+        <a:fontRef idx="minor">
+          <a:schemeClr val="lt1"/>
+        </a:fontRef>
+      </dsp:style>
+      <dsp:txBody>
+        <a:bodyPr spcFirstLastPara="0" vert="horz" wrap="square" lIns="36830" tIns="36830" rIns="36830" bIns="36830" numCol="1" spcCol="1270" anchor="ctr" anchorCtr="0">
+          <a:noAutofit/>
+        </a:bodyPr>
+        <a:lstStyle/>
+        <a:p>
+          <a:pPr lvl="0" algn="ctr" defTabSz="1289050">
+            <a:lnSpc>
+              <a:spcPct val="90000"/>
+            </a:lnSpc>
+            <a:spcBef>
+              <a:spcPct val="0"/>
+            </a:spcBef>
+            <a:spcAft>
+              <a:spcPct val="35000"/>
+            </a:spcAft>
+          </a:pPr>
+          <a:r>
+            <a:rPr lang="en-US" altLang="zh-CN" sz="2900" kern="1200" dirty="0"/>
+            <a:t>Alg</a:t>
+          </a:r>
+          <a:r>
+            <a:rPr lang="en-US" altLang="zh-TW" sz="2900" kern="1200" dirty="0"/>
+            <a:t>o</a:t>
+          </a:r>
+          <a:r>
+            <a:rPr lang="en-US" altLang="zh-CN" sz="2900" kern="1200" dirty="0"/>
+            <a:t>rithm</a:t>
+          </a:r>
+          <a:endParaRPr lang="zh-CN" altLang="en-US" sz="2900" kern="1200" dirty="0"/>
+        </a:p>
+      </dsp:txBody>
+      <dsp:txXfrm>
+        <a:off x="1276334" y="913512"/>
+        <a:ext cx="1952040" cy="913512"/>
+      </dsp:txXfrm>
+    </dsp:sp>
+    <dsp:sp modelId="{E62C9D9E-7EAE-B24D-9E86-E99F70B1C75C}">
+      <dsp:nvSpPr>
+        <dsp:cNvPr id="0" name=""/>
+        <dsp:cNvSpPr/>
+      </dsp:nvSpPr>
+      <dsp:spPr>
+        <a:xfrm>
+          <a:off x="0" y="1827023"/>
+          <a:ext cx="4504709" cy="913512"/>
+        </a:xfrm>
+        <a:prstGeom prst="trapezoid">
+          <a:avLst>
+            <a:gd name="adj" fmla="val 82187"/>
+          </a:avLst>
+        </a:prstGeom>
+        <a:solidFill>
+          <a:schemeClr val="tx1">
+            <a:lumMod val="50000"/>
+            <a:lumOff val="50000"/>
+          </a:schemeClr>
+        </a:solidFill>
+        <a:ln>
+          <a:noFill/>
+        </a:ln>
+        <a:effectLst>
+          <a:outerShdw blurRad="50800" dist="63500" dir="2700000" sx="102000" sy="102000" rotWithShape="0">
+            <a:srgbClr val="000000">
+              <a:alpha val="50000"/>
+            </a:srgbClr>
+          </a:outerShdw>
+        </a:effectLst>
+        <a:scene3d>
+          <a:camera prst="orthographicFront">
+            <a:rot lat="0" lon="0" rev="0"/>
+          </a:camera>
+          <a:lightRig rig="glow" dir="tl"/>
+        </a:scene3d>
+        <a:sp3d>
+          <a:bevelT w="0" h="0"/>
+        </a:sp3d>
+      </dsp:spPr>
+      <dsp:style>
+        <a:lnRef idx="0">
+          <a:scrgbClr r="0" g="0" b="0"/>
+        </a:lnRef>
+        <a:fillRef idx="3">
+          <a:scrgbClr r="0" g="0" b="0"/>
+        </a:fillRef>
+        <a:effectRef idx="2">
+          <a:scrgbClr r="0" g="0" b="0"/>
+        </a:effectRef>
+        <a:fontRef idx="minor">
+          <a:schemeClr val="lt1"/>
+        </a:fontRef>
+      </dsp:style>
+      <dsp:txBody>
+        <a:bodyPr spcFirstLastPara="0" vert="horz" wrap="square" lIns="36830" tIns="36830" rIns="36830" bIns="36830" numCol="1" spcCol="1270" anchor="ctr" anchorCtr="0">
+          <a:noAutofit/>
+        </a:bodyPr>
+        <a:lstStyle/>
+        <a:p>
+          <a:pPr lvl="0" algn="ctr" defTabSz="1289050">
+            <a:lnSpc>
+              <a:spcPct val="90000"/>
+            </a:lnSpc>
+            <a:spcBef>
+              <a:spcPct val="0"/>
+            </a:spcBef>
+            <a:spcAft>
+              <a:spcPct val="35000"/>
+            </a:spcAft>
+          </a:pPr>
+          <a:r>
+            <a:rPr lang="en-US" altLang="zh-CN" sz="2900" kern="1200" dirty="0"/>
+            <a:t>Basic</a:t>
+          </a:r>
+          <a:r>
+            <a:rPr lang="zh-TW" altLang="en-US" sz="2900" kern="1200" dirty="0"/>
+            <a:t> </a:t>
+          </a:r>
+          <a:r>
+            <a:rPr lang="en-US" altLang="zh-TW" sz="2900" kern="1200" dirty="0"/>
+            <a:t>framework&amp;</a:t>
+          </a:r>
+          <a:r>
+            <a:rPr lang="en-US" altLang="zh-CN" sz="2900" kern="1200" dirty="0"/>
+            <a:t> math</a:t>
+          </a:r>
+          <a:endParaRPr lang="zh-CN" altLang="en-US" sz="2900" kern="1200" dirty="0"/>
+        </a:p>
+      </dsp:txBody>
+      <dsp:txXfrm>
+        <a:off x="788324" y="1827023"/>
+        <a:ext cx="2928060" cy="913512"/>
+      </dsp:txXfrm>
+    </dsp:sp>
   </dsp:spTree>
 </dsp:drawing>
 </file>
@@ -5136,7 +5410,7 @@
           <a:p>
             <a:fld id="{1766A5AD-8774-FE44-A0A9-16F81BF90977}" type="datetimeFigureOut">
               <a:rPr kumimoji="1" lang="zh-CN" altLang="en-US" smtClean="0"/>
-              <a:t>11/09/20</a:t>
+              <a:t>12/09/20</a:t>
             </a:fld>
             <a:endParaRPr kumimoji="1" lang="zh-CN" altLang="en-US"/>
           </a:p>
@@ -6385,7 +6659,7 @@
           <a:p>
             <a:fld id="{BCEC23BA-C284-A64D-90DA-4E530BAE7B0A}" type="slidenum">
               <a:rPr kumimoji="1" lang="zh-CN" altLang="en-US" smtClean="0"/>
-              <a:t>37</a:t>
+              <a:t>38</a:t>
             </a:fld>
             <a:endParaRPr kumimoji="1" lang="zh-CN" altLang="en-US"/>
           </a:p>
@@ -6775,7 +7049,7 @@
           <a:p>
             <a:fld id="{B1115196-1C6F-4784-83AC-30756D8F10B3}" type="datetimeFigureOut">
               <a:rPr lang="en-US" smtClean="0"/>
-              <a:t>11/09/20</a:t>
+              <a:t>12/09/20</a:t>
             </a:fld>
             <a:endParaRPr lang="en-US"/>
           </a:p>
@@ -7204,7 +7478,7 @@
           <a:p>
             <a:fld id="{B1115196-1C6F-4784-83AC-30756D8F10B3}" type="datetimeFigureOut">
               <a:rPr lang="en-US" smtClean="0"/>
-              <a:t>11/09/20</a:t>
+              <a:t>12/09/20</a:t>
             </a:fld>
             <a:endParaRPr lang="en-US"/>
           </a:p>
@@ -7409,7 +7683,7 @@
           <a:p>
             <a:fld id="{B1115196-1C6F-4784-83AC-30756D8F10B3}" type="datetimeFigureOut">
               <a:rPr lang="en-US" smtClean="0"/>
-              <a:t>11/09/20</a:t>
+              <a:t>12/09/20</a:t>
             </a:fld>
             <a:endParaRPr lang="en-US"/>
           </a:p>
@@ -7680,7 +7954,7 @@
           <a:p>
             <a:fld id="{B1115196-1C6F-4784-83AC-30756D8F10B3}" type="datetimeFigureOut">
               <a:rPr lang="en-US" smtClean="0"/>
-              <a:t>11/09/20</a:t>
+              <a:t>12/09/20</a:t>
             </a:fld>
             <a:endParaRPr lang="en-US"/>
           </a:p>
@@ -7961,7 +8235,7 @@
           <a:p>
             <a:fld id="{B1115196-1C6F-4784-83AC-30756D8F10B3}" type="datetimeFigureOut">
               <a:rPr lang="en-US" smtClean="0"/>
-              <a:t>11/09/20</a:t>
+              <a:t>12/09/20</a:t>
             </a:fld>
             <a:endParaRPr lang="en-US"/>
           </a:p>
@@ -8196,7 +8470,7 @@
           <a:p>
             <a:fld id="{B1115196-1C6F-4784-83AC-30756D8F10B3}" type="datetimeFigureOut">
               <a:rPr lang="en-US" smtClean="0"/>
-              <a:t>11/09/20</a:t>
+              <a:t>12/09/20</a:t>
             </a:fld>
             <a:endParaRPr lang="en-US"/>
           </a:p>
@@ -8477,7 +8751,7 @@
           <a:p>
             <a:fld id="{B1115196-1C6F-4784-83AC-30756D8F10B3}" type="datetimeFigureOut">
               <a:rPr lang="en-US" smtClean="0"/>
-              <a:t>11/09/20</a:t>
+              <a:t>12/09/20</a:t>
             </a:fld>
             <a:endParaRPr lang="en-US"/>
           </a:p>
@@ -8904,7 +9178,7 @@
           <a:p>
             <a:fld id="{B1115196-1C6F-4784-83AC-30756D8F10B3}" type="datetimeFigureOut">
               <a:rPr lang="en-US" smtClean="0"/>
-              <a:t>11/09/20</a:t>
+              <a:t>12/09/20</a:t>
             </a:fld>
             <a:endParaRPr lang="en-US"/>
           </a:p>
@@ -9427,7 +9701,7 @@
           <a:p>
             <a:fld id="{B1115196-1C6F-4784-83AC-30756D8F10B3}" type="datetimeFigureOut">
               <a:rPr lang="en-US" smtClean="0"/>
-              <a:t>11/09/20</a:t>
+              <a:t>12/09/20</a:t>
             </a:fld>
             <a:endParaRPr lang="en-US"/>
           </a:p>
@@ -9789,7 +10063,7 @@
           <a:p>
             <a:fld id="{B1115196-1C6F-4784-83AC-30756D8F10B3}" type="datetimeFigureOut">
               <a:rPr lang="en-US" smtClean="0"/>
-              <a:t>11/09/20</a:t>
+              <a:t>12/09/20</a:t>
             </a:fld>
             <a:endParaRPr lang="en-US"/>
           </a:p>
@@ -10345,7 +10619,7 @@
           <a:p>
             <a:fld id="{B1115196-1C6F-4784-83AC-30756D8F10B3}" type="datetimeFigureOut">
               <a:rPr lang="en-US" smtClean="0"/>
-              <a:t>11/09/20</a:t>
+              <a:t>12/09/20</a:t>
             </a:fld>
             <a:endParaRPr lang="en-US"/>
           </a:p>
@@ -10570,7 +10844,7 @@
           <a:p>
             <a:fld id="{B1115196-1C6F-4784-83AC-30756D8F10B3}" type="datetimeFigureOut">
               <a:rPr lang="en-US" smtClean="0"/>
-              <a:t>11/09/20</a:t>
+              <a:t>12/09/20</a:t>
             </a:fld>
             <a:endParaRPr lang="en-US"/>
           </a:p>
@@ -10716,7 +10990,7 @@
           <a:p>
             <a:fld id="{B1115196-1C6F-4784-83AC-30756D8F10B3}" type="datetimeFigureOut">
               <a:rPr lang="en-US" smtClean="0"/>
-              <a:t>11/09/20</a:t>
+              <a:t>12/09/20</a:t>
             </a:fld>
             <a:endParaRPr lang="en-US"/>
           </a:p>
@@ -11181,7 +11455,7 @@
           <a:p>
             <a:fld id="{B1115196-1C6F-4784-83AC-30756D8F10B3}" type="datetimeFigureOut">
               <a:rPr lang="en-US" smtClean="0"/>
-              <a:t>11/09/20</a:t>
+              <a:t>12/09/20</a:t>
             </a:fld>
             <a:endParaRPr lang="en-US"/>
           </a:p>
@@ -11403,7 +11677,7 @@
           <a:p>
             <a:fld id="{B1115196-1C6F-4784-83AC-30756D8F10B3}" type="datetimeFigureOut">
               <a:rPr lang="en-US" smtClean="0"/>
-              <a:t>11/09/20</a:t>
+              <a:t>12/09/20</a:t>
             </a:fld>
             <a:endParaRPr lang="en-US"/>
           </a:p>
@@ -14633,7 +14907,26 @@
               <a:rPr kumimoji="1" lang="zh-TW" altLang="en-US" dirty="0" smtClean="0"/>
               <a:t>算法</a:t>
             </a:r>
-            <a:endParaRPr kumimoji="1" lang="en-US" altLang="zh-TW" dirty="0" smtClean="0"/>
+            <a:r>
+              <a:rPr kumimoji="1" lang="en-US" altLang="zh-TW" dirty="0" smtClean="0"/>
+              <a:t>(</a:t>
+            </a:r>
+            <a:r>
+              <a:rPr kumimoji="1" lang="zh-TW" altLang="en-US" dirty="0" smtClean="0"/>
+              <a:t>數學太複雜</a:t>
+            </a:r>
+            <a:r>
+              <a:rPr kumimoji="1" lang="en-US" altLang="zh-TW" dirty="0" smtClean="0"/>
+              <a:t>,</a:t>
+            </a:r>
+            <a:r>
+              <a:rPr kumimoji="1" lang="zh-TW" altLang="en-US" dirty="0" smtClean="0"/>
+              <a:t>請看以下參考資料</a:t>
+            </a:r>
+            <a:r>
+              <a:rPr kumimoji="1" lang="en-US" altLang="zh-TW" dirty="0" smtClean="0"/>
+              <a:t>)</a:t>
+            </a:r>
           </a:p>
           <a:p>
             <a:r>
@@ -14648,7 +14941,6 @@
               <a:rPr kumimoji="1" lang="en-US" altLang="zh-TW" dirty="0"/>
               <a:t>/p/52168498</a:t>
             </a:r>
-            <a:endParaRPr kumimoji="1" lang="en-US" altLang="zh-TW" dirty="0"/>
           </a:p>
           <a:p>
             <a:r>
@@ -14657,8 +14949,15 @@
             </a:r>
             <a:r>
               <a:rPr kumimoji="1" lang="zh-TW" altLang="en-US" dirty="0"/>
-              <a:t>代碼實現</a:t>
-            </a:r>
+              <a:t>代碼實</a:t>
+            </a:r>
+            <a:r>
+              <a:rPr kumimoji="1" lang="zh-TW" altLang="en-US" dirty="0" smtClean="0"/>
+              <a:t>現</a:t>
+            </a:r>
+            <a:endParaRPr kumimoji="1" lang="en-US" altLang="zh-TW" dirty="0" smtClean="0"/>
+          </a:p>
+          <a:p>
             <a:endParaRPr kumimoji="1" lang="en-US" altLang="zh-TW" dirty="0"/>
           </a:p>
           <a:p>
@@ -14711,59 +15010,61 @@
         </p:nvSpPr>
         <p:spPr/>
         <p:txBody>
+          <a:bodyPr>
+            <a:normAutofit/>
+          </a:bodyPr>
+          <a:lstStyle/>
+          <a:p>
+            <a:r>
+              <a:rPr kumimoji="1" lang="zh-TW" altLang="en-US" dirty="0" smtClean="0"/>
+              <a:t>其他相關演算法</a:t>
+            </a:r>
+            <a:endParaRPr kumimoji="1" lang="zh-CN" altLang="en-US" dirty="0"/>
+          </a:p>
+        </p:txBody>
+      </p:sp>
+      <p:sp>
+        <p:nvSpPr>
+          <p:cNvPr id="3" name="内容占位符 2"/>
+          <p:cNvSpPr>
+            <a:spLocks noGrp="1"/>
+          </p:cNvSpPr>
+          <p:nvPr>
+            <p:ph idx="1"/>
+          </p:nvPr>
+        </p:nvSpPr>
+        <p:spPr/>
+        <p:txBody>
           <a:bodyPr/>
           <a:lstStyle/>
           <a:p>
             <a:r>
-              <a:rPr kumimoji="1" lang="zh-TW" altLang="en-US" dirty="0"/>
-              <a:t>W</a:t>
-            </a:r>
-            <a:r>
-              <a:rPr kumimoji="1" lang="en-US" altLang="zh-TW" dirty="0"/>
-              <a:t>? : </a:t>
-            </a:r>
-            <a:r>
-              <a:rPr kumimoji="1" lang="zh-TW" altLang="en-US" dirty="0"/>
-              <a:t>語言資料基礎分析</a:t>
-            </a:r>
-            <a:endParaRPr kumimoji="1" lang="zh-CN" altLang="en-US" dirty="0"/>
-          </a:p>
-        </p:txBody>
-      </p:sp>
-      <p:sp>
-        <p:nvSpPr>
-          <p:cNvPr id="3" name="内容占位符 2"/>
-          <p:cNvSpPr>
-            <a:spLocks noGrp="1"/>
-          </p:cNvSpPr>
-          <p:nvPr>
-            <p:ph idx="1"/>
-          </p:nvPr>
-        </p:nvSpPr>
-        <p:spPr/>
-        <p:txBody>
-          <a:bodyPr/>
-          <a:lstStyle/>
-          <a:p>
-            <a:r>
-              <a:rPr kumimoji="1" lang="zh-TW" altLang="en-US" dirty="0"/>
-              <a:t>後續看完基礎數學算法後決定</a:t>
-            </a:r>
-            <a:endParaRPr kumimoji="1" lang="en-US" altLang="zh-TW" dirty="0"/>
-          </a:p>
-          <a:p>
-            <a:r>
-              <a:rPr kumimoji="1" lang="zh-TW" altLang="en-US" dirty="0"/>
-              <a:t>預定最多佔兩週</a:t>
-            </a:r>
-            <a:endParaRPr kumimoji="1" lang="zh-CN" altLang="en-US" dirty="0"/>
+              <a:rPr kumimoji="1" lang="en-US" altLang="zh-CN" dirty="0" smtClean="0"/>
+              <a:t>Random Forest</a:t>
+            </a:r>
+          </a:p>
+          <a:p>
+            <a:r>
+              <a:rPr kumimoji="1" lang="en-US" altLang="zh-CN" dirty="0" smtClean="0"/>
+              <a:t>GBDT</a:t>
+            </a:r>
+          </a:p>
+          <a:p>
+            <a:r>
+              <a:rPr kumimoji="1" lang="mr-IN" altLang="zh-CN" dirty="0" smtClean="0"/>
+              <a:t>…</a:t>
+            </a:r>
+            <a:endParaRPr kumimoji="1" lang="en-US" altLang="zh-CN" smtClean="0"/>
+          </a:p>
+          <a:p>
+            <a:endParaRPr kumimoji="1" lang="zh-CN" altLang="en-US"/>
           </a:p>
         </p:txBody>
       </p:sp>
     </p:spTree>
     <p:extLst>
       <p:ext uri="{BB962C8B-B14F-4D97-AF65-F5344CB8AC3E}">
-        <p14:creationId xmlns:p14="http://schemas.microsoft.com/office/powerpoint/2010/main" val="1663076574"/>
+        <p14:creationId xmlns:p14="http://schemas.microsoft.com/office/powerpoint/2010/main" val="2311194717"/>
       </p:ext>
     </p:extLst>
   </p:cSld>
@@ -14810,24 +15111,12 @@
               <a:t>W</a:t>
             </a:r>
             <a:r>
-              <a:rPr kumimoji="1" lang="zh-TW" altLang="zh-TW" dirty="0"/>
-              <a:t>5</a:t>
-            </a:r>
-            <a:r>
               <a:rPr kumimoji="1" lang="en-US" altLang="zh-TW" dirty="0"/>
-              <a:t>:</a:t>
+              <a:t>? : </a:t>
             </a:r>
             <a:r>
               <a:rPr kumimoji="1" lang="zh-TW" altLang="en-US" dirty="0"/>
-              <a:t>深度學習模型</a:t>
-            </a:r>
-            <a:r>
-              <a:rPr kumimoji="1" lang="en-US" altLang="zh-TW" dirty="0"/>
-              <a:t>-</a:t>
-            </a:r>
-            <a:r>
-              <a:rPr kumimoji="1" lang="zh-TW" altLang="en-US" dirty="0"/>
-              <a:t>基礎模型</a:t>
+              <a:t>語言資料基礎分析</a:t>
             </a:r>
             <a:endParaRPr kumimoji="1" lang="zh-CN" altLang="en-US" dirty="0"/>
           </a:p>
@@ -14850,34 +15139,15 @@
           <a:p>
             <a:r>
               <a:rPr kumimoji="1" lang="zh-TW" altLang="en-US" dirty="0"/>
-              <a:t>D</a:t>
-            </a:r>
-            <a:r>
-              <a:rPr kumimoji="1" lang="en-US" altLang="zh-TW" dirty="0"/>
-              <a:t>MN model</a:t>
-            </a:r>
-          </a:p>
-          <a:p>
-            <a:r>
-              <a:rPr kumimoji="1" lang="en-US" altLang="zh-TW" dirty="0"/>
-              <a:t>CNN model</a:t>
-            </a:r>
-          </a:p>
-          <a:p>
-            <a:r>
-              <a:rPr kumimoji="1" lang="en-US" altLang="zh-TW" dirty="0"/>
-              <a:t>R</a:t>
-            </a:r>
+              <a:t>後續看完基礎數學算法後決定</a:t>
+            </a:r>
+            <a:endParaRPr kumimoji="1" lang="en-US" altLang="zh-TW" dirty="0"/>
+          </a:p>
+          <a:p>
             <a:r>
               <a:rPr kumimoji="1" lang="zh-TW" altLang="en-US" dirty="0"/>
-              <a:t>N</a:t>
-            </a:r>
-            <a:r>
-              <a:rPr kumimoji="1" lang="en-US" altLang="zh-TW" dirty="0"/>
-              <a:t>N model</a:t>
-            </a:r>
-          </a:p>
-          <a:p>
+              <a:t>預定最多佔兩週</a:t>
+            </a:r>
             <a:endParaRPr kumimoji="1" lang="zh-CN" altLang="en-US" dirty="0"/>
           </a:p>
         </p:txBody>
@@ -14885,7 +15155,7 @@
     </p:spTree>
     <p:extLst>
       <p:ext uri="{BB962C8B-B14F-4D97-AF65-F5344CB8AC3E}">
-        <p14:creationId xmlns:p14="http://schemas.microsoft.com/office/powerpoint/2010/main" val="1976090492"/>
+        <p14:creationId xmlns:p14="http://schemas.microsoft.com/office/powerpoint/2010/main" val="1663076574"/>
       </p:ext>
     </p:extLst>
   </p:cSld>
@@ -14933,7 +15203,7 @@
             </a:r>
             <a:r>
               <a:rPr kumimoji="1" lang="zh-TW" altLang="zh-TW" dirty="0"/>
-              <a:t>6</a:t>
+              <a:t>5</a:t>
             </a:r>
             <a:r>
               <a:rPr kumimoji="1" lang="en-US" altLang="zh-TW" dirty="0"/>
@@ -14949,7 +15219,7 @@
             </a:r>
             <a:r>
               <a:rPr kumimoji="1" lang="zh-TW" altLang="en-US" dirty="0"/>
-              <a:t>應用文本</a:t>
+              <a:t>基礎模型</a:t>
             </a:r>
             <a:endParaRPr kumimoji="1" lang="zh-CN" altLang="en-US" dirty="0"/>
           </a:p>
@@ -14971,38 +15241,43 @@
           <a:lstStyle/>
           <a:p>
             <a:r>
-              <a:rPr kumimoji="1" lang="zh-TW" altLang="zh-TW" dirty="0"/>
-              <a:t>t</a:t>
-            </a:r>
-            <a:r>
-              <a:rPr kumimoji="1" lang="en-US" altLang="zh-TW" dirty="0" err="1"/>
-              <a:t>extCNN</a:t>
+              <a:rPr kumimoji="1" lang="zh-TW" altLang="en-US" dirty="0"/>
+              <a:t>D</a:t>
             </a:r>
             <a:r>
               <a:rPr kumimoji="1" lang="en-US" altLang="zh-TW" dirty="0"/>
-              <a:t> model</a:t>
-            </a:r>
-          </a:p>
-          <a:p>
-            <a:r>
-              <a:rPr kumimoji="1" lang="zh-TW" altLang="zh-TW" dirty="0"/>
-              <a:t>t</a:t>
-            </a:r>
-            <a:r>
-              <a:rPr kumimoji="1" lang="en-US" altLang="zh-TW" dirty="0" err="1"/>
-              <a:t>extRNN</a:t>
-            </a:r>
+              <a:t>MN model</a:t>
+            </a:r>
+          </a:p>
+          <a:p>
             <a:r>
               <a:rPr kumimoji="1" lang="en-US" altLang="zh-TW" dirty="0"/>
-              <a:t> model</a:t>
-            </a:r>
+              <a:t>CNN model</a:t>
+            </a:r>
+          </a:p>
+          <a:p>
+            <a:r>
+              <a:rPr kumimoji="1" lang="en-US" altLang="zh-TW" dirty="0"/>
+              <a:t>R</a:t>
+            </a:r>
+            <a:r>
+              <a:rPr kumimoji="1" lang="zh-TW" altLang="en-US" dirty="0"/>
+              <a:t>N</a:t>
+            </a:r>
+            <a:r>
+              <a:rPr kumimoji="1" lang="en-US" altLang="zh-TW" dirty="0"/>
+              <a:t>N model</a:t>
+            </a:r>
+          </a:p>
+          <a:p>
+            <a:endParaRPr kumimoji="1" lang="zh-CN" altLang="en-US" dirty="0"/>
           </a:p>
         </p:txBody>
       </p:sp>
     </p:spTree>
     <p:extLst>
       <p:ext uri="{BB962C8B-B14F-4D97-AF65-F5344CB8AC3E}">
-        <p14:creationId xmlns:p14="http://schemas.microsoft.com/office/powerpoint/2010/main" val="1670608775"/>
+        <p14:creationId xmlns:p14="http://schemas.microsoft.com/office/powerpoint/2010/main" val="1976090492"/>
       </p:ext>
     </p:extLst>
   </p:cSld>
@@ -15050,7 +15325,7 @@
             </a:r>
             <a:r>
               <a:rPr kumimoji="1" lang="zh-TW" altLang="zh-TW" dirty="0"/>
-              <a:t>7</a:t>
+              <a:t>6</a:t>
             </a:r>
             <a:r>
               <a:rPr kumimoji="1" lang="en-US" altLang="zh-TW" dirty="0"/>
@@ -15058,11 +15333,15 @@
             </a:r>
             <a:r>
               <a:rPr kumimoji="1" lang="zh-TW" altLang="en-US" dirty="0"/>
-              <a:t>模型</a:t>
+              <a:t>深度學習模型</a:t>
             </a:r>
             <a:r>
               <a:rPr kumimoji="1" lang="en-US" altLang="zh-TW" dirty="0"/>
-              <a:t>DEMO </a:t>
+              <a:t>-</a:t>
+            </a:r>
+            <a:r>
+              <a:rPr kumimoji="1" lang="zh-TW" altLang="en-US" dirty="0"/>
+              <a:t>應用文本</a:t>
             </a:r>
             <a:endParaRPr kumimoji="1" lang="zh-CN" altLang="en-US" dirty="0"/>
           </a:p>
@@ -15084,31 +15363,38 @@
           <a:lstStyle/>
           <a:p>
             <a:r>
-              <a:rPr kumimoji="1" lang="zh-TW" altLang="en-US" dirty="0"/>
-              <a:t>文本分類</a:t>
+              <a:rPr kumimoji="1" lang="zh-TW" altLang="zh-TW" dirty="0"/>
+              <a:t>t</a:t>
+            </a:r>
+            <a:r>
+              <a:rPr kumimoji="1" lang="en-US" altLang="zh-TW" dirty="0" err="1"/>
+              <a:t>extCNN</a:t>
             </a:r>
             <a:r>
               <a:rPr kumimoji="1" lang="en-US" altLang="zh-TW" dirty="0"/>
-              <a:t>-</a:t>
-            </a:r>
-            <a:r>
-              <a:rPr kumimoji="1" lang="zh-TW" altLang="en-US" dirty="0"/>
-              <a:t>意圖分類</a:t>
+              <a:t> model</a:t>
+            </a:r>
+          </a:p>
+          <a:p>
+            <a:r>
+              <a:rPr kumimoji="1" lang="zh-TW" altLang="zh-TW" dirty="0"/>
+              <a:t>t</a:t>
+            </a:r>
+            <a:r>
+              <a:rPr kumimoji="1" lang="en-US" altLang="zh-TW" dirty="0" err="1"/>
+              <a:t>extRNN</a:t>
             </a:r>
             <a:r>
               <a:rPr kumimoji="1" lang="en-US" altLang="zh-TW" dirty="0"/>
-              <a:t>DEMO</a:t>
-            </a:r>
-          </a:p>
-          <a:p>
-            <a:endParaRPr kumimoji="1" lang="zh-CN" altLang="en-US" dirty="0"/>
+              <a:t> model</a:t>
+            </a:r>
           </a:p>
         </p:txBody>
       </p:sp>
     </p:spTree>
     <p:extLst>
       <p:ext uri="{BB962C8B-B14F-4D97-AF65-F5344CB8AC3E}">
-        <p14:creationId xmlns:p14="http://schemas.microsoft.com/office/powerpoint/2010/main" val="158954754"/>
+        <p14:creationId xmlns:p14="http://schemas.microsoft.com/office/powerpoint/2010/main" val="1670608775"/>
       </p:ext>
     </p:extLst>
   </p:cSld>
@@ -15156,6 +15442,112 @@
             </a:r>
             <a:r>
               <a:rPr kumimoji="1" lang="zh-TW" altLang="zh-TW" dirty="0"/>
+              <a:t>7</a:t>
+            </a:r>
+            <a:r>
+              <a:rPr kumimoji="1" lang="en-US" altLang="zh-TW" dirty="0"/>
+              <a:t>:</a:t>
+            </a:r>
+            <a:r>
+              <a:rPr kumimoji="1" lang="zh-TW" altLang="en-US" dirty="0"/>
+              <a:t>模型</a:t>
+            </a:r>
+            <a:r>
+              <a:rPr kumimoji="1" lang="en-US" altLang="zh-TW" dirty="0"/>
+              <a:t>DEMO </a:t>
+            </a:r>
+            <a:endParaRPr kumimoji="1" lang="zh-CN" altLang="en-US" dirty="0"/>
+          </a:p>
+        </p:txBody>
+      </p:sp>
+      <p:sp>
+        <p:nvSpPr>
+          <p:cNvPr id="3" name="内容占位符 2"/>
+          <p:cNvSpPr>
+            <a:spLocks noGrp="1"/>
+          </p:cNvSpPr>
+          <p:nvPr>
+            <p:ph idx="1"/>
+          </p:nvPr>
+        </p:nvSpPr>
+        <p:spPr/>
+        <p:txBody>
+          <a:bodyPr/>
+          <a:lstStyle/>
+          <a:p>
+            <a:r>
+              <a:rPr kumimoji="1" lang="zh-TW" altLang="en-US" dirty="0"/>
+              <a:t>文本分類</a:t>
+            </a:r>
+            <a:r>
+              <a:rPr kumimoji="1" lang="en-US" altLang="zh-TW" dirty="0"/>
+              <a:t>-</a:t>
+            </a:r>
+            <a:r>
+              <a:rPr kumimoji="1" lang="zh-TW" altLang="en-US" dirty="0"/>
+              <a:t>意圖分類</a:t>
+            </a:r>
+            <a:r>
+              <a:rPr kumimoji="1" lang="en-US" altLang="zh-TW" dirty="0"/>
+              <a:t>DEMO</a:t>
+            </a:r>
+          </a:p>
+          <a:p>
+            <a:endParaRPr kumimoji="1" lang="zh-CN" altLang="en-US" dirty="0"/>
+          </a:p>
+        </p:txBody>
+      </p:sp>
+    </p:spTree>
+    <p:extLst>
+      <p:ext uri="{BB962C8B-B14F-4D97-AF65-F5344CB8AC3E}">
+        <p14:creationId xmlns:p14="http://schemas.microsoft.com/office/powerpoint/2010/main" val="158954754"/>
+      </p:ext>
+    </p:extLst>
+  </p:cSld>
+  <p:clrMapOvr>
+    <a:masterClrMapping/>
+  </p:clrMapOvr>
+</p:sld>
+</file>
+
+<file path=ppt/slides/slide38.xml><?xml version="1.0" encoding="utf-8"?>
+<p:sld xmlns:a="http://schemas.openxmlformats.org/drawingml/2006/main" xmlns:r="http://schemas.openxmlformats.org/officeDocument/2006/relationships" xmlns:p="http://schemas.openxmlformats.org/presentationml/2006/main">
+  <p:cSld>
+    <p:spTree>
+      <p:nvGrpSpPr>
+        <p:cNvPr id="1" name=""/>
+        <p:cNvGrpSpPr/>
+        <p:nvPr/>
+      </p:nvGrpSpPr>
+      <p:grpSpPr>
+        <a:xfrm>
+          <a:off x="0" y="0"/>
+          <a:ext cx="0" cy="0"/>
+          <a:chOff x="0" y="0"/>
+          <a:chExt cx="0" cy="0"/>
+        </a:xfrm>
+      </p:grpSpPr>
+      <p:sp>
+        <p:nvSpPr>
+          <p:cNvPr id="2" name="标题 1"/>
+          <p:cNvSpPr>
+            <a:spLocks noGrp="1"/>
+          </p:cNvSpPr>
+          <p:nvPr>
+            <p:ph type="title"/>
+          </p:nvPr>
+        </p:nvSpPr>
+        <p:spPr/>
+        <p:txBody>
+          <a:bodyPr/>
+          <a:lstStyle/>
+          <a:p>
+            <a:r>
+              <a:rPr kumimoji="1" lang="zh-TW" altLang="en-US" dirty="0"/>
+              <a:t>W</a:t>
+            </a:r>
+            <a:r>
+              <a:rPr kumimoji="1" lang="zh-TW" altLang="zh-TW" dirty="0"/>
               <a:t>8</a:t>
             </a:r>
             <a:r>
@@ -15231,7 +15623,7 @@
 </p:sld>
 </file>
 
-<file path=ppt/slides/slide38.xml><?xml version="1.0" encoding="utf-8"?>
+<file path=ppt/slides/slide39.xml><?xml version="1.0" encoding="utf-8"?>
 <p:sld xmlns:a="http://schemas.openxmlformats.org/drawingml/2006/main" xmlns:r="http://schemas.openxmlformats.org/officeDocument/2006/relationships" xmlns:p="http://schemas.openxmlformats.org/presentationml/2006/main">
   <p:cSld>
     <p:spTree>

--- a/ml traing sean_detail.pptx
+++ b/ml traing sean_detail.pptx
@@ -194,7 +194,7 @@
       </p14:sectionLst>
     </p:ext>
     <p:ext uri="{EFAFB233-063F-42B5-8137-9DF3F51BA10A}">
-      <p15:sldGuideLst xmlns="" xmlns:p15="http://schemas.microsoft.com/office/powerpoint/2012/main">
+      <p15:sldGuideLst xmlns:p15="http://schemas.microsoft.com/office/powerpoint/2012/main" xmlns="">
         <p15:guide id="1" orient="horz" pos="2160">
           <p15:clr>
             <a:srgbClr val="A4A3A4"/>
@@ -5410,7 +5410,7 @@
           <a:p>
             <a:fld id="{1766A5AD-8774-FE44-A0A9-16F81BF90977}" type="datetimeFigureOut">
               <a:rPr kumimoji="1" lang="zh-CN" altLang="en-US" smtClean="0"/>
-              <a:t>12/09/20</a:t>
+              <a:t>14/09/20</a:t>
             </a:fld>
             <a:endParaRPr kumimoji="1" lang="zh-CN" altLang="en-US"/>
           </a:p>
@@ -7049,7 +7049,7 @@
           <a:p>
             <a:fld id="{B1115196-1C6F-4784-83AC-30756D8F10B3}" type="datetimeFigureOut">
               <a:rPr lang="en-US" smtClean="0"/>
-              <a:t>12/09/20</a:t>
+              <a:t>14/09/20</a:t>
             </a:fld>
             <a:endParaRPr lang="en-US"/>
           </a:p>
@@ -7478,7 +7478,7 @@
           <a:p>
             <a:fld id="{B1115196-1C6F-4784-83AC-30756D8F10B3}" type="datetimeFigureOut">
               <a:rPr lang="en-US" smtClean="0"/>
-              <a:t>12/09/20</a:t>
+              <a:t>14/09/20</a:t>
             </a:fld>
             <a:endParaRPr lang="en-US"/>
           </a:p>
@@ -7683,7 +7683,7 @@
           <a:p>
             <a:fld id="{B1115196-1C6F-4784-83AC-30756D8F10B3}" type="datetimeFigureOut">
               <a:rPr lang="en-US" smtClean="0"/>
-              <a:t>12/09/20</a:t>
+              <a:t>14/09/20</a:t>
             </a:fld>
             <a:endParaRPr lang="en-US"/>
           </a:p>
@@ -7954,7 +7954,7 @@
           <a:p>
             <a:fld id="{B1115196-1C6F-4784-83AC-30756D8F10B3}" type="datetimeFigureOut">
               <a:rPr lang="en-US" smtClean="0"/>
-              <a:t>12/09/20</a:t>
+              <a:t>14/09/20</a:t>
             </a:fld>
             <a:endParaRPr lang="en-US"/>
           </a:p>
@@ -8235,7 +8235,7 @@
           <a:p>
             <a:fld id="{B1115196-1C6F-4784-83AC-30756D8F10B3}" type="datetimeFigureOut">
               <a:rPr lang="en-US" smtClean="0"/>
-              <a:t>12/09/20</a:t>
+              <a:t>14/09/20</a:t>
             </a:fld>
             <a:endParaRPr lang="en-US"/>
           </a:p>
@@ -8470,7 +8470,7 @@
           <a:p>
             <a:fld id="{B1115196-1C6F-4784-83AC-30756D8F10B3}" type="datetimeFigureOut">
               <a:rPr lang="en-US" smtClean="0"/>
-              <a:t>12/09/20</a:t>
+              <a:t>14/09/20</a:t>
             </a:fld>
             <a:endParaRPr lang="en-US"/>
           </a:p>
@@ -8751,7 +8751,7 @@
           <a:p>
             <a:fld id="{B1115196-1C6F-4784-83AC-30756D8F10B3}" type="datetimeFigureOut">
               <a:rPr lang="en-US" smtClean="0"/>
-              <a:t>12/09/20</a:t>
+              <a:t>14/09/20</a:t>
             </a:fld>
             <a:endParaRPr lang="en-US"/>
           </a:p>
@@ -9178,7 +9178,7 @@
           <a:p>
             <a:fld id="{B1115196-1C6F-4784-83AC-30756D8F10B3}" type="datetimeFigureOut">
               <a:rPr lang="en-US" smtClean="0"/>
-              <a:t>12/09/20</a:t>
+              <a:t>14/09/20</a:t>
             </a:fld>
             <a:endParaRPr lang="en-US"/>
           </a:p>
@@ -9701,7 +9701,7 @@
           <a:p>
             <a:fld id="{B1115196-1C6F-4784-83AC-30756D8F10B3}" type="datetimeFigureOut">
               <a:rPr lang="en-US" smtClean="0"/>
-              <a:t>12/09/20</a:t>
+              <a:t>14/09/20</a:t>
             </a:fld>
             <a:endParaRPr lang="en-US"/>
           </a:p>
@@ -10063,7 +10063,7 @@
           <a:p>
             <a:fld id="{B1115196-1C6F-4784-83AC-30756D8F10B3}" type="datetimeFigureOut">
               <a:rPr lang="en-US" smtClean="0"/>
-              <a:t>12/09/20</a:t>
+              <a:t>14/09/20</a:t>
             </a:fld>
             <a:endParaRPr lang="en-US"/>
           </a:p>
@@ -10619,7 +10619,7 @@
           <a:p>
             <a:fld id="{B1115196-1C6F-4784-83AC-30756D8F10B3}" type="datetimeFigureOut">
               <a:rPr lang="en-US" smtClean="0"/>
-              <a:t>12/09/20</a:t>
+              <a:t>14/09/20</a:t>
             </a:fld>
             <a:endParaRPr lang="en-US"/>
           </a:p>
@@ -10844,7 +10844,7 @@
           <a:p>
             <a:fld id="{B1115196-1C6F-4784-83AC-30756D8F10B3}" type="datetimeFigureOut">
               <a:rPr lang="en-US" smtClean="0"/>
-              <a:t>12/09/20</a:t>
+              <a:t>14/09/20</a:t>
             </a:fld>
             <a:endParaRPr lang="en-US"/>
           </a:p>
@@ -10990,7 +10990,7 @@
           <a:p>
             <a:fld id="{B1115196-1C6F-4784-83AC-30756D8F10B3}" type="datetimeFigureOut">
               <a:rPr lang="en-US" smtClean="0"/>
-              <a:t>12/09/20</a:t>
+              <a:t>14/09/20</a:t>
             </a:fld>
             <a:endParaRPr lang="en-US"/>
           </a:p>
@@ -11455,7 +11455,7 @@
           <a:p>
             <a:fld id="{B1115196-1C6F-4784-83AC-30756D8F10B3}" type="datetimeFigureOut">
               <a:rPr lang="en-US" smtClean="0"/>
-              <a:t>12/09/20</a:t>
+              <a:t>14/09/20</a:t>
             </a:fld>
             <a:endParaRPr lang="en-US"/>
           </a:p>
@@ -11677,7 +11677,7 @@
           <a:p>
             <a:fld id="{B1115196-1C6F-4784-83AC-30756D8F10B3}" type="datetimeFigureOut">
               <a:rPr lang="en-US" smtClean="0"/>
-              <a:t>12/09/20</a:t>
+              <a:t>14/09/20</a:t>
             </a:fld>
             <a:endParaRPr lang="en-US"/>
           </a:p>
@@ -16088,14 +16088,8 @@
           </a:p>
           <a:p>
             <a:r>
-              <a:rPr kumimoji="1" lang="en-US" altLang="zh-TW" dirty="0"/>
+              <a:rPr kumimoji="1" lang="en-US" altLang="zh-TW" smtClean="0"/>
               <a:t>KNN</a:t>
-            </a:r>
-          </a:p>
-          <a:p>
-            <a:r>
-              <a:rPr kumimoji="1" lang="zh-TW" altLang="en-US" dirty="0"/>
-              <a:t>隱瑪爾科夫算法</a:t>
             </a:r>
             <a:endParaRPr kumimoji="1" lang="en-US" altLang="zh-TW" dirty="0"/>
           </a:p>

--- a/ml traing sean_detail.pptx
+++ b/ml traing sean_detail.pptx
@@ -16088,7 +16088,7 @@
           </a:p>
           <a:p>
             <a:r>
-              <a:rPr kumimoji="1" lang="en-US" altLang="zh-TW" smtClean="0"/>
+              <a:rPr kumimoji="1" lang="en-US" altLang="zh-TW" dirty="0" smtClean="0"/>
               <a:t>KNN</a:t>
             </a:r>
             <a:endParaRPr kumimoji="1" lang="en-US" altLang="zh-TW" dirty="0"/>
@@ -16235,6 +16235,43 @@
               <a:rPr kumimoji="1" lang="zh-TW" altLang="en-US" dirty="0" smtClean="0"/>
               <a:t>感知器</a:t>
             </a:r>
+            <a:endParaRPr kumimoji="1" lang="en-US" altLang="zh-TW" dirty="0" smtClean="0"/>
+          </a:p>
+          <a:p>
+            <a:r>
+              <a:rPr kumimoji="1" lang="mr-IN" altLang="zh-TW" dirty="0" smtClean="0"/>
+              <a:t>……</a:t>
+            </a:r>
+            <a:r>
+              <a:rPr kumimoji="1" lang="en-US" altLang="zh-TW" dirty="0" smtClean="0"/>
+              <a:t>.</a:t>
+            </a:r>
+            <a:r>
+              <a:rPr kumimoji="1" lang="zh-TW" altLang="en-US" dirty="0" smtClean="0"/>
+              <a:t>後面還很多</a:t>
+            </a:r>
+            <a:r>
+              <a:rPr kumimoji="1" lang="en-US" altLang="zh-TW" dirty="0" smtClean="0"/>
+              <a:t>, </a:t>
+            </a:r>
+            <a:r>
+              <a:rPr kumimoji="1" lang="zh-TW" altLang="en-US" dirty="0" smtClean="0"/>
+              <a:t>先暫停</a:t>
+            </a:r>
+            <a:r>
+              <a:rPr kumimoji="1" lang="en-US" altLang="zh-TW" dirty="0" smtClean="0"/>
+              <a:t> </a:t>
+            </a:r>
+            <a:r>
+              <a:rPr kumimoji="1" lang="zh-TW" altLang="en-US" dirty="0" smtClean="0"/>
+              <a:t>做一個</a:t>
+            </a:r>
+            <a:r>
+              <a:rPr kumimoji="1" lang="en-US" altLang="zh-TW" smtClean="0"/>
+              <a:t>demo</a:t>
+            </a:r>
+          </a:p>
+          <a:p>
             <a:endParaRPr kumimoji="1" lang="en-US" altLang="zh-TW" dirty="0" smtClean="0"/>
           </a:p>
           <a:p>
